--- a/Customer Churn Prediction/Solution/Customer Churn Prediction Analysis.pptx
+++ b/Customer Churn Prediction/Solution/Customer Churn Prediction Analysis.pptx
@@ -5,27 +5,29 @@
     <p:sldMasterId id="2147483755" r:id="rId4"/>
   </p:sldMasterIdLst>
   <p:notesMasterIdLst>
-    <p:notesMasterId r:id="rId20"/>
+    <p:notesMasterId r:id="rId22"/>
   </p:notesMasterIdLst>
   <p:handoutMasterIdLst>
-    <p:handoutMasterId r:id="rId21"/>
+    <p:handoutMasterId r:id="rId23"/>
   </p:handoutMasterIdLst>
   <p:sldIdLst>
     <p:sldId id="312" r:id="rId5"/>
     <p:sldId id="304" r:id="rId6"/>
-    <p:sldId id="323" r:id="rId7"/>
-    <p:sldId id="325" r:id="rId8"/>
-    <p:sldId id="324" r:id="rId9"/>
-    <p:sldId id="282" r:id="rId10"/>
-    <p:sldId id="314" r:id="rId11"/>
-    <p:sldId id="319" r:id="rId12"/>
-    <p:sldId id="328" r:id="rId13"/>
-    <p:sldId id="315" r:id="rId14"/>
-    <p:sldId id="326" r:id="rId15"/>
-    <p:sldId id="327" r:id="rId16"/>
-    <p:sldId id="321" r:id="rId17"/>
-    <p:sldId id="329" r:id="rId18"/>
-    <p:sldId id="297" r:id="rId19"/>
+    <p:sldId id="331" r:id="rId7"/>
+    <p:sldId id="330" r:id="rId8"/>
+    <p:sldId id="323" r:id="rId9"/>
+    <p:sldId id="315" r:id="rId10"/>
+    <p:sldId id="326" r:id="rId11"/>
+    <p:sldId id="327" r:id="rId12"/>
+    <p:sldId id="325" r:id="rId13"/>
+    <p:sldId id="282" r:id="rId14"/>
+    <p:sldId id="314" r:id="rId15"/>
+    <p:sldId id="319" r:id="rId16"/>
+    <p:sldId id="328" r:id="rId17"/>
+    <p:sldId id="324" r:id="rId18"/>
+    <p:sldId id="321" r:id="rId19"/>
+    <p:sldId id="329" r:id="rId20"/>
+    <p:sldId id="297" r:id="rId21"/>
   </p:sldIdLst>
   <p:sldSz cx="12192000" cy="6858000"/>
   <p:notesSz cx="13716000" cy="24384000"/>
@@ -704,7 +706,7 @@
     </p:spTree>
     <p:extLst>
       <p:ext uri="{BB962C8B-B14F-4D97-AF65-F5344CB8AC3E}">
-        <p14:creationId xmlns:p14="http://schemas.microsoft.com/office/powerpoint/2010/main" val="1649742202"/>
+        <p14:creationId xmlns:p14="http://schemas.microsoft.com/office/powerpoint/2010/main" val="4110138705"/>
       </p:ext>
     </p:extLst>
   </p:cSld>
@@ -722,7 +724,7 @@
         <p:cNvPr id="1" name="">
           <a:extLst>
             <a:ext uri="{FF2B5EF4-FFF2-40B4-BE49-F238E27FC236}">
-              <a16:creationId xmlns:a16="http://schemas.microsoft.com/office/drawing/2014/main" id="{AAC562CF-D597-1C83-0DA4-831758CAAC17}"/>
+              <a16:creationId xmlns:a16="http://schemas.microsoft.com/office/drawing/2014/main" id="{B5DEDD48-713A-5A41-6AE5-B86C442478B6}"/>
             </a:ext>
           </a:extLst>
         </p:cNvPr>
@@ -742,7 +744,7 @@
           <p:cNvPr id="2" name="Slide Image Placeholder 1">
             <a:extLst>
               <a:ext uri="{FF2B5EF4-FFF2-40B4-BE49-F238E27FC236}">
-                <a16:creationId xmlns:a16="http://schemas.microsoft.com/office/drawing/2014/main" id="{655601E5-5F08-7E0A-1D84-40AEF3F49B11}"/>
+                <a16:creationId xmlns:a16="http://schemas.microsoft.com/office/drawing/2014/main" id="{C162B6DA-E711-1E4D-93B2-174B60BD36DF}"/>
               </a:ext>
             </a:extLst>
           </p:cNvPr>
@@ -774,7 +776,7 @@
           <p:cNvPr id="3" name="Notes Placeholder 2">
             <a:extLst>
               <a:ext uri="{FF2B5EF4-FFF2-40B4-BE49-F238E27FC236}">
-                <a16:creationId xmlns:a16="http://schemas.microsoft.com/office/drawing/2014/main" id="{7408F270-928C-A485-6F5F-4EDF019713EF}"/>
+                <a16:creationId xmlns:a16="http://schemas.microsoft.com/office/drawing/2014/main" id="{173F5BE9-0048-8329-F8EA-4270DCC93FFC}"/>
               </a:ext>
             </a:extLst>
           </p:cNvPr>
@@ -805,7 +807,7 @@
     </p:spTree>
     <p:extLst>
       <p:ext uri="{BB962C8B-B14F-4D97-AF65-F5344CB8AC3E}">
-        <p14:creationId xmlns:p14="http://schemas.microsoft.com/office/powerpoint/2010/main" val="2961982121"/>
+        <p14:creationId xmlns:p14="http://schemas.microsoft.com/office/powerpoint/2010/main" val="3879730958"/>
       </p:ext>
     </p:extLst>
   </p:cSld>
@@ -823,7 +825,7 @@
         <p:cNvPr id="1" name="">
           <a:extLst>
             <a:ext uri="{FF2B5EF4-FFF2-40B4-BE49-F238E27FC236}">
-              <a16:creationId xmlns:a16="http://schemas.microsoft.com/office/drawing/2014/main" id="{627CBF2F-DA44-BBC3-1F8C-F89E26EF6EDC}"/>
+              <a16:creationId xmlns:a16="http://schemas.microsoft.com/office/drawing/2014/main" id="{7C1E8CF0-EF44-66D7-764A-748E86C1722A}"/>
             </a:ext>
           </a:extLst>
         </p:cNvPr>
@@ -843,7 +845,7 @@
           <p:cNvPr id="2" name="Slide Image Placeholder 1">
             <a:extLst>
               <a:ext uri="{FF2B5EF4-FFF2-40B4-BE49-F238E27FC236}">
-                <a16:creationId xmlns:a16="http://schemas.microsoft.com/office/drawing/2014/main" id="{911810C9-4B6F-C1AE-6580-7C49A9EFAFFB}"/>
+                <a16:creationId xmlns:a16="http://schemas.microsoft.com/office/drawing/2014/main" id="{0614D006-40FC-F259-82D2-C47D0669A197}"/>
               </a:ext>
             </a:extLst>
           </p:cNvPr>
@@ -875,7 +877,7 @@
           <p:cNvPr id="3" name="Notes Placeholder 2">
             <a:extLst>
               <a:ext uri="{FF2B5EF4-FFF2-40B4-BE49-F238E27FC236}">
-                <a16:creationId xmlns:a16="http://schemas.microsoft.com/office/drawing/2014/main" id="{CF55F466-CB99-75BD-3BFA-33651CDC0A56}"/>
+                <a16:creationId xmlns:a16="http://schemas.microsoft.com/office/drawing/2014/main" id="{59214CDF-A20F-AD7A-7260-54C0F94E9E2C}"/>
               </a:ext>
             </a:extLst>
           </p:cNvPr>
@@ -906,7 +908,7 @@
     </p:spTree>
     <p:extLst>
       <p:ext uri="{BB962C8B-B14F-4D97-AF65-F5344CB8AC3E}">
-        <p14:creationId xmlns:p14="http://schemas.microsoft.com/office/powerpoint/2010/main" val="1428586896"/>
+        <p14:creationId xmlns:p14="http://schemas.microsoft.com/office/powerpoint/2010/main" val="4030012804"/>
       </p:ext>
     </p:extLst>
   </p:cSld>
@@ -1372,6 +1374,291 @@
   <p:cSld>
     <p:spTree>
       <p:nvGrpSpPr>
+        <p:cNvPr id="1" name=""/>
+        <p:cNvGrpSpPr/>
+        <p:nvPr/>
+      </p:nvGrpSpPr>
+      <p:grpSpPr>
+        <a:xfrm>
+          <a:off x="0" y="0"/>
+          <a:ext cx="0" cy="0"/>
+          <a:chOff x="0" y="0"/>
+          <a:chExt cx="0" cy="0"/>
+        </a:xfrm>
+      </p:grpSpPr>
+      <p:sp>
+        <p:nvSpPr>
+          <p:cNvPr id="2" name="Slide Image Placeholder 1"/>
+          <p:cNvSpPr>
+            <a:spLocks noGrp="1" noRot="1" noChangeAspect="1"/>
+          </p:cNvSpPr>
+          <p:nvPr>
+            <p:ph type="sldImg"/>
+          </p:nvPr>
+        </p:nvSpPr>
+        <p:spPr>
+          <a:xfrm>
+            <a:off x="-457200" y="3048000"/>
+            <a:ext cx="14630400" cy="8229600"/>
+          </a:xfrm>
+          <a:prstGeom prst="rect">
+            <a:avLst/>
+          </a:prstGeom>
+          <a:noFill/>
+          <a:ln w="12700">
+            <a:solidFill>
+              <a:prstClr val="black"/>
+            </a:solidFill>
+          </a:ln>
+        </p:spPr>
+      </p:sp>
+      <p:sp>
+        <p:nvSpPr>
+          <p:cNvPr id="3" name="Notes Placeholder 2"/>
+          <p:cNvSpPr>
+            <a:spLocks noGrp="1"/>
+          </p:cNvSpPr>
+          <p:nvPr>
+            <p:ph type="body" idx="1"/>
+          </p:nvPr>
+        </p:nvSpPr>
+        <p:spPr>
+          <a:xfrm>
+            <a:off x="1371600" y="11734800"/>
+            <a:ext cx="10972800" cy="9601200"/>
+          </a:xfrm>
+          <a:prstGeom prst="rect">
+            <a:avLst/>
+          </a:prstGeom>
+        </p:spPr>
+        <p:txBody>
+          <a:bodyPr/>
+          <a:lstStyle/>
+          <a:p>
+            <a:endParaRPr lang="en-US" dirty="0"/>
+          </a:p>
+        </p:txBody>
+      </p:sp>
+    </p:spTree>
+    <p:extLst>
+      <p:ext uri="{BB962C8B-B14F-4D97-AF65-F5344CB8AC3E}">
+        <p14:creationId xmlns:p14="http://schemas.microsoft.com/office/powerpoint/2010/main" val="1649742202"/>
+      </p:ext>
+    </p:extLst>
+  </p:cSld>
+  <p:clrMapOvr>
+    <a:masterClrMapping/>
+  </p:clrMapOvr>
+</p:notes>
+</file>
+
+<file path=ppt/notesSlides/notesSlide5.xml><?xml version="1.0" encoding="utf-8"?>
+<p:notes xmlns:a="http://schemas.openxmlformats.org/drawingml/2006/main" xmlns:r="http://schemas.openxmlformats.org/officeDocument/2006/relationships" xmlns:p="http://schemas.openxmlformats.org/presentationml/2006/main">
+  <p:cSld>
+    <p:spTree>
+      <p:nvGrpSpPr>
+        <p:cNvPr id="1" name="">
+          <a:extLst>
+            <a:ext uri="{FF2B5EF4-FFF2-40B4-BE49-F238E27FC236}">
+              <a16:creationId xmlns:a16="http://schemas.microsoft.com/office/drawing/2014/main" id="{AAC562CF-D597-1C83-0DA4-831758CAAC17}"/>
+            </a:ext>
+          </a:extLst>
+        </p:cNvPr>
+        <p:cNvGrpSpPr/>
+        <p:nvPr/>
+      </p:nvGrpSpPr>
+      <p:grpSpPr>
+        <a:xfrm>
+          <a:off x="0" y="0"/>
+          <a:ext cx="0" cy="0"/>
+          <a:chOff x="0" y="0"/>
+          <a:chExt cx="0" cy="0"/>
+        </a:xfrm>
+      </p:grpSpPr>
+      <p:sp>
+        <p:nvSpPr>
+          <p:cNvPr id="2" name="Slide Image Placeholder 1">
+            <a:extLst>
+              <a:ext uri="{FF2B5EF4-FFF2-40B4-BE49-F238E27FC236}">
+                <a16:creationId xmlns:a16="http://schemas.microsoft.com/office/drawing/2014/main" id="{655601E5-5F08-7E0A-1D84-40AEF3F49B11}"/>
+              </a:ext>
+            </a:extLst>
+          </p:cNvPr>
+          <p:cNvSpPr>
+            <a:spLocks noGrp="1" noRot="1" noChangeAspect="1"/>
+          </p:cNvSpPr>
+          <p:nvPr>
+            <p:ph type="sldImg"/>
+          </p:nvPr>
+        </p:nvSpPr>
+        <p:spPr>
+          <a:xfrm>
+            <a:off x="-457200" y="3048000"/>
+            <a:ext cx="14630400" cy="8229600"/>
+          </a:xfrm>
+          <a:prstGeom prst="rect">
+            <a:avLst/>
+          </a:prstGeom>
+          <a:noFill/>
+          <a:ln w="12700">
+            <a:solidFill>
+              <a:prstClr val="black"/>
+            </a:solidFill>
+          </a:ln>
+        </p:spPr>
+      </p:sp>
+      <p:sp>
+        <p:nvSpPr>
+          <p:cNvPr id="3" name="Notes Placeholder 2">
+            <a:extLst>
+              <a:ext uri="{FF2B5EF4-FFF2-40B4-BE49-F238E27FC236}">
+                <a16:creationId xmlns:a16="http://schemas.microsoft.com/office/drawing/2014/main" id="{7408F270-928C-A485-6F5F-4EDF019713EF}"/>
+              </a:ext>
+            </a:extLst>
+          </p:cNvPr>
+          <p:cNvSpPr>
+            <a:spLocks noGrp="1"/>
+          </p:cNvSpPr>
+          <p:nvPr>
+            <p:ph type="body" idx="1"/>
+          </p:nvPr>
+        </p:nvSpPr>
+        <p:spPr>
+          <a:xfrm>
+            <a:off x="1371600" y="11734800"/>
+            <a:ext cx="10972800" cy="9601200"/>
+          </a:xfrm>
+          <a:prstGeom prst="rect">
+            <a:avLst/>
+          </a:prstGeom>
+        </p:spPr>
+        <p:txBody>
+          <a:bodyPr/>
+          <a:lstStyle/>
+          <a:p>
+            <a:endParaRPr lang="en-US" dirty="0"/>
+          </a:p>
+        </p:txBody>
+      </p:sp>
+    </p:spTree>
+    <p:extLst>
+      <p:ext uri="{BB962C8B-B14F-4D97-AF65-F5344CB8AC3E}">
+        <p14:creationId xmlns:p14="http://schemas.microsoft.com/office/powerpoint/2010/main" val="2961982121"/>
+      </p:ext>
+    </p:extLst>
+  </p:cSld>
+  <p:clrMapOvr>
+    <a:masterClrMapping/>
+  </p:clrMapOvr>
+</p:notes>
+</file>
+
+<file path=ppt/notesSlides/notesSlide6.xml><?xml version="1.0" encoding="utf-8"?>
+<p:notes xmlns:a="http://schemas.openxmlformats.org/drawingml/2006/main" xmlns:r="http://schemas.openxmlformats.org/officeDocument/2006/relationships" xmlns:p="http://schemas.openxmlformats.org/presentationml/2006/main">
+  <p:cSld>
+    <p:spTree>
+      <p:nvGrpSpPr>
+        <p:cNvPr id="1" name="">
+          <a:extLst>
+            <a:ext uri="{FF2B5EF4-FFF2-40B4-BE49-F238E27FC236}">
+              <a16:creationId xmlns:a16="http://schemas.microsoft.com/office/drawing/2014/main" id="{627CBF2F-DA44-BBC3-1F8C-F89E26EF6EDC}"/>
+            </a:ext>
+          </a:extLst>
+        </p:cNvPr>
+        <p:cNvGrpSpPr/>
+        <p:nvPr/>
+      </p:nvGrpSpPr>
+      <p:grpSpPr>
+        <a:xfrm>
+          <a:off x="0" y="0"/>
+          <a:ext cx="0" cy="0"/>
+          <a:chOff x="0" y="0"/>
+          <a:chExt cx="0" cy="0"/>
+        </a:xfrm>
+      </p:grpSpPr>
+      <p:sp>
+        <p:nvSpPr>
+          <p:cNvPr id="2" name="Slide Image Placeholder 1">
+            <a:extLst>
+              <a:ext uri="{FF2B5EF4-FFF2-40B4-BE49-F238E27FC236}">
+                <a16:creationId xmlns:a16="http://schemas.microsoft.com/office/drawing/2014/main" id="{911810C9-4B6F-C1AE-6580-7C49A9EFAFFB}"/>
+              </a:ext>
+            </a:extLst>
+          </p:cNvPr>
+          <p:cNvSpPr>
+            <a:spLocks noGrp="1" noRot="1" noChangeAspect="1"/>
+          </p:cNvSpPr>
+          <p:nvPr>
+            <p:ph type="sldImg"/>
+          </p:nvPr>
+        </p:nvSpPr>
+        <p:spPr>
+          <a:xfrm>
+            <a:off x="-457200" y="3048000"/>
+            <a:ext cx="14630400" cy="8229600"/>
+          </a:xfrm>
+          <a:prstGeom prst="rect">
+            <a:avLst/>
+          </a:prstGeom>
+          <a:noFill/>
+          <a:ln w="12700">
+            <a:solidFill>
+              <a:prstClr val="black"/>
+            </a:solidFill>
+          </a:ln>
+        </p:spPr>
+      </p:sp>
+      <p:sp>
+        <p:nvSpPr>
+          <p:cNvPr id="3" name="Notes Placeholder 2">
+            <a:extLst>
+              <a:ext uri="{FF2B5EF4-FFF2-40B4-BE49-F238E27FC236}">
+                <a16:creationId xmlns:a16="http://schemas.microsoft.com/office/drawing/2014/main" id="{CF55F466-CB99-75BD-3BFA-33651CDC0A56}"/>
+              </a:ext>
+            </a:extLst>
+          </p:cNvPr>
+          <p:cNvSpPr>
+            <a:spLocks noGrp="1"/>
+          </p:cNvSpPr>
+          <p:nvPr>
+            <p:ph type="body" idx="1"/>
+          </p:nvPr>
+        </p:nvSpPr>
+        <p:spPr>
+          <a:xfrm>
+            <a:off x="1371600" y="11734800"/>
+            <a:ext cx="10972800" cy="9601200"/>
+          </a:xfrm>
+          <a:prstGeom prst="rect">
+            <a:avLst/>
+          </a:prstGeom>
+        </p:spPr>
+        <p:txBody>
+          <a:bodyPr/>
+          <a:lstStyle/>
+          <a:p>
+            <a:endParaRPr lang="en-US" dirty="0"/>
+          </a:p>
+        </p:txBody>
+      </p:sp>
+    </p:spTree>
+    <p:extLst>
+      <p:ext uri="{BB962C8B-B14F-4D97-AF65-F5344CB8AC3E}">
+        <p14:creationId xmlns:p14="http://schemas.microsoft.com/office/powerpoint/2010/main" val="1428586896"/>
+      </p:ext>
+    </p:extLst>
+  </p:cSld>
+  <p:clrMapOvr>
+    <a:masterClrMapping/>
+  </p:clrMapOvr>
+</p:notes>
+</file>
+
+<file path=ppt/notesSlides/notesSlide7.xml><?xml version="1.0" encoding="utf-8"?>
+<p:notes xmlns:a="http://schemas.openxmlformats.org/drawingml/2006/main" xmlns:r="http://schemas.openxmlformats.org/officeDocument/2006/relationships" xmlns:p="http://schemas.openxmlformats.org/presentationml/2006/main">
+  <p:cSld>
+    <p:spTree>
+      <p:nvGrpSpPr>
         <p:cNvPr id="1" name="">
           <a:extLst>
             <a:ext uri="{FF2B5EF4-FFF2-40B4-BE49-F238E27FC236}">
@@ -1468,273 +1755,6 @@
 </p:notes>
 </file>
 
-<file path=ppt/notesSlides/notesSlide5.xml><?xml version="1.0" encoding="utf-8"?>
-<p:notes xmlns:a="http://schemas.openxmlformats.org/drawingml/2006/main" xmlns:r="http://schemas.openxmlformats.org/officeDocument/2006/relationships" xmlns:p="http://schemas.openxmlformats.org/presentationml/2006/main">
-  <p:cSld>
-    <p:spTree>
-      <p:nvGrpSpPr>
-        <p:cNvPr id="1" name="">
-          <a:extLst>
-            <a:ext uri="{FF2B5EF4-FFF2-40B4-BE49-F238E27FC236}">
-              <a16:creationId xmlns:a16="http://schemas.microsoft.com/office/drawing/2014/main" id="{7C1E8CF0-EF44-66D7-764A-748E86C1722A}"/>
-            </a:ext>
-          </a:extLst>
-        </p:cNvPr>
-        <p:cNvGrpSpPr/>
-        <p:nvPr/>
-      </p:nvGrpSpPr>
-      <p:grpSpPr>
-        <a:xfrm>
-          <a:off x="0" y="0"/>
-          <a:ext cx="0" cy="0"/>
-          <a:chOff x="0" y="0"/>
-          <a:chExt cx="0" cy="0"/>
-        </a:xfrm>
-      </p:grpSpPr>
-      <p:sp>
-        <p:nvSpPr>
-          <p:cNvPr id="2" name="Slide Image Placeholder 1">
-            <a:extLst>
-              <a:ext uri="{FF2B5EF4-FFF2-40B4-BE49-F238E27FC236}">
-                <a16:creationId xmlns:a16="http://schemas.microsoft.com/office/drawing/2014/main" id="{0614D006-40FC-F259-82D2-C47D0669A197}"/>
-              </a:ext>
-            </a:extLst>
-          </p:cNvPr>
-          <p:cNvSpPr>
-            <a:spLocks noGrp="1" noRot="1" noChangeAspect="1"/>
-          </p:cNvSpPr>
-          <p:nvPr>
-            <p:ph type="sldImg"/>
-          </p:nvPr>
-        </p:nvSpPr>
-        <p:spPr>
-          <a:xfrm>
-            <a:off x="-457200" y="3048000"/>
-            <a:ext cx="14630400" cy="8229600"/>
-          </a:xfrm>
-          <a:prstGeom prst="rect">
-            <a:avLst/>
-          </a:prstGeom>
-          <a:noFill/>
-          <a:ln w="12700">
-            <a:solidFill>
-              <a:prstClr val="black"/>
-            </a:solidFill>
-          </a:ln>
-        </p:spPr>
-      </p:sp>
-      <p:sp>
-        <p:nvSpPr>
-          <p:cNvPr id="3" name="Notes Placeholder 2">
-            <a:extLst>
-              <a:ext uri="{FF2B5EF4-FFF2-40B4-BE49-F238E27FC236}">
-                <a16:creationId xmlns:a16="http://schemas.microsoft.com/office/drawing/2014/main" id="{59214CDF-A20F-AD7A-7260-54C0F94E9E2C}"/>
-              </a:ext>
-            </a:extLst>
-          </p:cNvPr>
-          <p:cNvSpPr>
-            <a:spLocks noGrp="1"/>
-          </p:cNvSpPr>
-          <p:nvPr>
-            <p:ph type="body" idx="1"/>
-          </p:nvPr>
-        </p:nvSpPr>
-        <p:spPr>
-          <a:xfrm>
-            <a:off x="1371600" y="11734800"/>
-            <a:ext cx="10972800" cy="9601200"/>
-          </a:xfrm>
-          <a:prstGeom prst="rect">
-            <a:avLst/>
-          </a:prstGeom>
-        </p:spPr>
-        <p:txBody>
-          <a:bodyPr/>
-          <a:lstStyle/>
-          <a:p>
-            <a:endParaRPr lang="en-US" dirty="0"/>
-          </a:p>
-        </p:txBody>
-      </p:sp>
-    </p:spTree>
-    <p:extLst>
-      <p:ext uri="{BB962C8B-B14F-4D97-AF65-F5344CB8AC3E}">
-        <p14:creationId xmlns:p14="http://schemas.microsoft.com/office/powerpoint/2010/main" val="4030012804"/>
-      </p:ext>
-    </p:extLst>
-  </p:cSld>
-  <p:clrMapOvr>
-    <a:masterClrMapping/>
-  </p:clrMapOvr>
-</p:notes>
-</file>
-
-<file path=ppt/notesSlides/notesSlide6.xml><?xml version="1.0" encoding="utf-8"?>
-<p:notes xmlns:a="http://schemas.openxmlformats.org/drawingml/2006/main" xmlns:r="http://schemas.openxmlformats.org/officeDocument/2006/relationships" xmlns:p="http://schemas.openxmlformats.org/presentationml/2006/main">
-  <p:cSld>
-    <p:spTree>
-      <p:nvGrpSpPr>
-        <p:cNvPr id="1" name=""/>
-        <p:cNvGrpSpPr/>
-        <p:nvPr/>
-      </p:nvGrpSpPr>
-      <p:grpSpPr>
-        <a:xfrm>
-          <a:off x="0" y="0"/>
-          <a:ext cx="0" cy="0"/>
-          <a:chOff x="0" y="0"/>
-          <a:chExt cx="0" cy="0"/>
-        </a:xfrm>
-      </p:grpSpPr>
-      <p:sp>
-        <p:nvSpPr>
-          <p:cNvPr id="2" name="Slide Image Placeholder 1"/>
-          <p:cNvSpPr>
-            <a:spLocks noGrp="1" noRot="1" noChangeAspect="1"/>
-          </p:cNvSpPr>
-          <p:nvPr>
-            <p:ph type="sldImg"/>
-          </p:nvPr>
-        </p:nvSpPr>
-        <p:spPr>
-          <a:xfrm>
-            <a:off x="-457200" y="3048000"/>
-            <a:ext cx="14630400" cy="8229600"/>
-          </a:xfrm>
-          <a:prstGeom prst="rect">
-            <a:avLst/>
-          </a:prstGeom>
-          <a:noFill/>
-          <a:ln w="12700">
-            <a:solidFill>
-              <a:prstClr val="black"/>
-            </a:solidFill>
-          </a:ln>
-        </p:spPr>
-      </p:sp>
-      <p:sp>
-        <p:nvSpPr>
-          <p:cNvPr id="3" name="Notes Placeholder 2"/>
-          <p:cNvSpPr>
-            <a:spLocks noGrp="1"/>
-          </p:cNvSpPr>
-          <p:nvPr>
-            <p:ph type="body" idx="1"/>
-          </p:nvPr>
-        </p:nvSpPr>
-        <p:spPr>
-          <a:xfrm>
-            <a:off x="1371600" y="11734800"/>
-            <a:ext cx="10972800" cy="9601200"/>
-          </a:xfrm>
-          <a:prstGeom prst="rect">
-            <a:avLst/>
-          </a:prstGeom>
-        </p:spPr>
-        <p:txBody>
-          <a:bodyPr/>
-          <a:lstStyle/>
-          <a:p>
-            <a:endParaRPr lang="en-US" dirty="0"/>
-          </a:p>
-        </p:txBody>
-      </p:sp>
-    </p:spTree>
-    <p:extLst>
-      <p:ext uri="{BB962C8B-B14F-4D97-AF65-F5344CB8AC3E}">
-        <p14:creationId xmlns:p14="http://schemas.microsoft.com/office/powerpoint/2010/main" val="1019397722"/>
-      </p:ext>
-    </p:extLst>
-  </p:cSld>
-  <p:clrMapOvr>
-    <a:masterClrMapping/>
-  </p:clrMapOvr>
-</p:notes>
-</file>
-
-<file path=ppt/notesSlides/notesSlide7.xml><?xml version="1.0" encoding="utf-8"?>
-<p:notes xmlns:a="http://schemas.openxmlformats.org/drawingml/2006/main" xmlns:r="http://schemas.openxmlformats.org/officeDocument/2006/relationships" xmlns:p="http://schemas.openxmlformats.org/presentationml/2006/main">
-  <p:cSld>
-    <p:spTree>
-      <p:nvGrpSpPr>
-        <p:cNvPr id="1" name=""/>
-        <p:cNvGrpSpPr/>
-        <p:nvPr/>
-      </p:nvGrpSpPr>
-      <p:grpSpPr>
-        <a:xfrm>
-          <a:off x="0" y="0"/>
-          <a:ext cx="0" cy="0"/>
-          <a:chOff x="0" y="0"/>
-          <a:chExt cx="0" cy="0"/>
-        </a:xfrm>
-      </p:grpSpPr>
-      <p:sp>
-        <p:nvSpPr>
-          <p:cNvPr id="2" name="Slide Image Placeholder 1"/>
-          <p:cNvSpPr>
-            <a:spLocks noGrp="1" noRot="1" noChangeAspect="1"/>
-          </p:cNvSpPr>
-          <p:nvPr>
-            <p:ph type="sldImg"/>
-          </p:nvPr>
-        </p:nvSpPr>
-        <p:spPr>
-          <a:xfrm>
-            <a:off x="-457200" y="3048000"/>
-            <a:ext cx="14630400" cy="8229600"/>
-          </a:xfrm>
-          <a:prstGeom prst="rect">
-            <a:avLst/>
-          </a:prstGeom>
-          <a:noFill/>
-          <a:ln w="12700">
-            <a:solidFill>
-              <a:prstClr val="black"/>
-            </a:solidFill>
-          </a:ln>
-        </p:spPr>
-      </p:sp>
-      <p:sp>
-        <p:nvSpPr>
-          <p:cNvPr id="3" name="Notes Placeholder 2"/>
-          <p:cNvSpPr>
-            <a:spLocks noGrp="1"/>
-          </p:cNvSpPr>
-          <p:nvPr>
-            <p:ph type="body" idx="1"/>
-          </p:nvPr>
-        </p:nvSpPr>
-        <p:spPr>
-          <a:xfrm>
-            <a:off x="1371600" y="11734800"/>
-            <a:ext cx="10972800" cy="9601200"/>
-          </a:xfrm>
-          <a:prstGeom prst="rect">
-            <a:avLst/>
-          </a:prstGeom>
-        </p:spPr>
-        <p:txBody>
-          <a:bodyPr/>
-          <a:lstStyle/>
-          <a:p>
-            <a:endParaRPr lang="en-US" dirty="0"/>
-          </a:p>
-        </p:txBody>
-      </p:sp>
-    </p:spTree>
-    <p:extLst>
-      <p:ext uri="{BB962C8B-B14F-4D97-AF65-F5344CB8AC3E}">
-        <p14:creationId xmlns:p14="http://schemas.microsoft.com/office/powerpoint/2010/main" val="87667087"/>
-      </p:ext>
-    </p:extLst>
-  </p:cSld>
-  <p:clrMapOvr>
-    <a:masterClrMapping/>
-  </p:clrMapOvr>
-</p:notes>
-</file>
-
 <file path=ppt/notesSlides/notesSlide8.xml><?xml version="1.0" encoding="utf-8"?>
 <p:notes xmlns:a="http://schemas.openxmlformats.org/drawingml/2006/main" xmlns:r="http://schemas.openxmlformats.org/officeDocument/2006/relationships" xmlns:p="http://schemas.openxmlformats.org/presentationml/2006/main">
   <p:cSld>
@@ -1808,7 +1828,7 @@
     </p:spTree>
     <p:extLst>
       <p:ext uri="{BB962C8B-B14F-4D97-AF65-F5344CB8AC3E}">
-        <p14:creationId xmlns:p14="http://schemas.microsoft.com/office/powerpoint/2010/main" val="4110138705"/>
+        <p14:creationId xmlns:p14="http://schemas.microsoft.com/office/powerpoint/2010/main" val="1019397722"/>
       </p:ext>
     </p:extLst>
   </p:cSld>
@@ -1823,13 +1843,7 @@
   <p:cSld>
     <p:spTree>
       <p:nvGrpSpPr>
-        <p:cNvPr id="1" name="">
-          <a:extLst>
-            <a:ext uri="{FF2B5EF4-FFF2-40B4-BE49-F238E27FC236}">
-              <a16:creationId xmlns:a16="http://schemas.microsoft.com/office/drawing/2014/main" id="{B5DEDD48-713A-5A41-6AE5-B86C442478B6}"/>
-            </a:ext>
-          </a:extLst>
-        </p:cNvPr>
+        <p:cNvPr id="1" name=""/>
         <p:cNvGrpSpPr/>
         <p:nvPr/>
       </p:nvGrpSpPr>
@@ -1843,13 +1857,7 @@
       </p:grpSpPr>
       <p:sp>
         <p:nvSpPr>
-          <p:cNvPr id="2" name="Slide Image Placeholder 1">
-            <a:extLst>
-              <a:ext uri="{FF2B5EF4-FFF2-40B4-BE49-F238E27FC236}">
-                <a16:creationId xmlns:a16="http://schemas.microsoft.com/office/drawing/2014/main" id="{C162B6DA-E711-1E4D-93B2-174B60BD36DF}"/>
-              </a:ext>
-            </a:extLst>
-          </p:cNvPr>
+          <p:cNvPr id="2" name="Slide Image Placeholder 1"/>
           <p:cNvSpPr>
             <a:spLocks noGrp="1" noRot="1" noChangeAspect="1"/>
           </p:cNvSpPr>
@@ -1875,13 +1883,7 @@
       </p:sp>
       <p:sp>
         <p:nvSpPr>
-          <p:cNvPr id="3" name="Notes Placeholder 2">
-            <a:extLst>
-              <a:ext uri="{FF2B5EF4-FFF2-40B4-BE49-F238E27FC236}">
-                <a16:creationId xmlns:a16="http://schemas.microsoft.com/office/drawing/2014/main" id="{173F5BE9-0048-8329-F8EA-4270DCC93FFC}"/>
-              </a:ext>
-            </a:extLst>
-          </p:cNvPr>
+          <p:cNvPr id="3" name="Notes Placeholder 2"/>
           <p:cNvSpPr>
             <a:spLocks noGrp="1"/>
           </p:cNvSpPr>
@@ -1909,7 +1911,7 @@
     </p:spTree>
     <p:extLst>
       <p:ext uri="{BB962C8B-B14F-4D97-AF65-F5344CB8AC3E}">
-        <p14:creationId xmlns:p14="http://schemas.microsoft.com/office/powerpoint/2010/main" val="3879730958"/>
+        <p14:creationId xmlns:p14="http://schemas.microsoft.com/office/powerpoint/2010/main" val="87667087"/>
       </p:ext>
     </p:extLst>
   </p:cSld>
@@ -19712,6 +19714,4456 @@
           <p:cNvPr id="2" name="Title 1">
             <a:extLst>
               <a:ext uri="{FF2B5EF4-FFF2-40B4-BE49-F238E27FC236}">
+                <a16:creationId xmlns:a16="http://schemas.microsoft.com/office/drawing/2014/main" id="{FD5E8954-9BCB-7FD9-A210-38DC54382D45}"/>
+              </a:ext>
+            </a:extLst>
+          </p:cNvPr>
+          <p:cNvSpPr>
+            <a:spLocks noGrp="1"/>
+          </p:cNvSpPr>
+          <p:nvPr>
+            <p:ph type="title"/>
+          </p:nvPr>
+        </p:nvSpPr>
+        <p:spPr>
+          <a:xfrm>
+            <a:off x="2762476" y="678426"/>
+            <a:ext cx="8180828" cy="646600"/>
+          </a:xfrm>
+        </p:spPr>
+        <p:txBody>
+          <a:bodyPr/>
+          <a:lstStyle/>
+          <a:p>
+            <a:r>
+              <a:rPr lang="en-US" dirty="0">
+                <a:solidFill>
+                  <a:schemeClr val="accent4"/>
+                </a:solidFill>
+              </a:rPr>
+              <a:t>Feature Selection &amp; MODEL TRAINING:</a:t>
+            </a:r>
+          </a:p>
+        </p:txBody>
+      </p:sp>
+      <p:sp>
+        <p:nvSpPr>
+          <p:cNvPr id="23" name="Slide Number Placeholder 22">
+            <a:extLst>
+              <a:ext uri="{FF2B5EF4-FFF2-40B4-BE49-F238E27FC236}">
+                <a16:creationId xmlns:a16="http://schemas.microsoft.com/office/drawing/2014/main" id="{94FF72B7-0438-3641-5939-75128934B0DF}"/>
+              </a:ext>
+            </a:extLst>
+          </p:cNvPr>
+          <p:cNvSpPr>
+            <a:spLocks noGrp="1"/>
+          </p:cNvSpPr>
+          <p:nvPr>
+            <p:ph type="sldNum" sz="quarter" idx="10"/>
+          </p:nvPr>
+        </p:nvSpPr>
+        <p:spPr>
+          <a:xfrm>
+            <a:off x="10545250" y="105567"/>
+            <a:ext cx="1067589" cy="471489"/>
+          </a:xfrm>
+        </p:spPr>
+        <p:txBody>
+          <a:bodyPr/>
+          <a:lstStyle/>
+          <a:p>
+            <a:fld id="{48F63A3B-78C7-47BE-AE5E-E10140E04643}" type="slidenum">
+              <a:rPr lang="en-US" smtClean="0"/>
+              <a:pPr/>
+              <a:t>10</a:t>
+            </a:fld>
+            <a:endParaRPr lang="en-US" dirty="0"/>
+          </a:p>
+        </p:txBody>
+      </p:sp>
+      <p:sp>
+        <p:nvSpPr>
+          <p:cNvPr id="6" name="Content Placeholder 2">
+            <a:extLst>
+              <a:ext uri="{FF2B5EF4-FFF2-40B4-BE49-F238E27FC236}">
+                <a16:creationId xmlns:a16="http://schemas.microsoft.com/office/drawing/2014/main" id="{37C3E24C-D447-70B4-2453-829EDEE2C778}"/>
+              </a:ext>
+            </a:extLst>
+          </p:cNvPr>
+          <p:cNvSpPr txBox="1">
+            <a:spLocks/>
+          </p:cNvSpPr>
+          <p:nvPr/>
+        </p:nvSpPr>
+        <p:spPr>
+          <a:xfrm>
+            <a:off x="2547497" y="1425678"/>
+            <a:ext cx="9065342" cy="3180967"/>
+          </a:xfrm>
+          <a:prstGeom prst="rect">
+            <a:avLst/>
+          </a:prstGeom>
+        </p:spPr>
+        <p:txBody>
+          <a:bodyPr>
+            <a:noAutofit/>
+          </a:bodyPr>
+          <a:lstStyle>
+            <a:lvl1pPr marL="228600" indent="-228600" algn="l" defTabSz="914400" rtl="0" eaLnBrk="1" latinLnBrk="0" hangingPunct="1">
+              <a:lnSpc>
+                <a:spcPct val="120000"/>
+              </a:lnSpc>
+              <a:spcBef>
+                <a:spcPts val="1000"/>
+              </a:spcBef>
+              <a:buClr>
+                <a:schemeClr val="accent1"/>
+              </a:buClr>
+              <a:buSzPct val="160000"/>
+              <a:buFont typeface="Arial" panose="020B0604020202020204" pitchFamily="34" charset="0"/>
+              <a:buChar char="•"/>
+              <a:defRPr sz="2000" kern="1200" cap="all" baseline="0">
+                <a:solidFill>
+                  <a:schemeClr val="tx1"/>
+                </a:solidFill>
+                <a:effectLst/>
+                <a:latin typeface="+mn-lt"/>
+                <a:ea typeface="+mn-ea"/>
+                <a:cs typeface="+mn-cs"/>
+              </a:defRPr>
+            </a:lvl1pPr>
+            <a:lvl2pPr marL="685800" indent="-228600" algn="l" defTabSz="914400" rtl="0" eaLnBrk="1" latinLnBrk="0" hangingPunct="1">
+              <a:lnSpc>
+                <a:spcPct val="120000"/>
+              </a:lnSpc>
+              <a:spcBef>
+                <a:spcPts val="500"/>
+              </a:spcBef>
+              <a:buClr>
+                <a:schemeClr val="accent1"/>
+              </a:buClr>
+              <a:buSzPct val="160000"/>
+              <a:buFont typeface="Arial" panose="020B0604020202020204" pitchFamily="34" charset="0"/>
+              <a:buChar char="•"/>
+              <a:defRPr sz="1800" kern="1200" cap="all" baseline="0">
+                <a:solidFill>
+                  <a:schemeClr val="tx1"/>
+                </a:solidFill>
+                <a:effectLst/>
+                <a:latin typeface="+mn-lt"/>
+                <a:ea typeface="+mn-ea"/>
+                <a:cs typeface="+mn-cs"/>
+              </a:defRPr>
+            </a:lvl2pPr>
+            <a:lvl3pPr marL="1143000" indent="-228600" algn="l" defTabSz="914400" rtl="0" eaLnBrk="1" latinLnBrk="0" hangingPunct="1">
+              <a:lnSpc>
+                <a:spcPct val="120000"/>
+              </a:lnSpc>
+              <a:spcBef>
+                <a:spcPts val="500"/>
+              </a:spcBef>
+              <a:buClr>
+                <a:schemeClr val="accent1"/>
+              </a:buClr>
+              <a:buSzPct val="160000"/>
+              <a:buFont typeface="Arial" panose="020B0604020202020204" pitchFamily="34" charset="0"/>
+              <a:buChar char="•"/>
+              <a:defRPr sz="1600" kern="1200" cap="all" baseline="0">
+                <a:solidFill>
+                  <a:schemeClr val="tx1"/>
+                </a:solidFill>
+                <a:effectLst/>
+                <a:latin typeface="+mn-lt"/>
+                <a:ea typeface="+mn-ea"/>
+                <a:cs typeface="+mn-cs"/>
+              </a:defRPr>
+            </a:lvl3pPr>
+            <a:lvl4pPr marL="1600200" indent="-228600" algn="l" defTabSz="914400" rtl="0" eaLnBrk="1" latinLnBrk="0" hangingPunct="1">
+              <a:lnSpc>
+                <a:spcPct val="120000"/>
+              </a:lnSpc>
+              <a:spcBef>
+                <a:spcPts val="500"/>
+              </a:spcBef>
+              <a:buClr>
+                <a:schemeClr val="accent1"/>
+              </a:buClr>
+              <a:buSzPct val="160000"/>
+              <a:buFont typeface="Arial" panose="020B0604020202020204" pitchFamily="34" charset="0"/>
+              <a:buChar char="•"/>
+              <a:defRPr sz="1400" kern="1200" cap="all" baseline="0">
+                <a:solidFill>
+                  <a:schemeClr val="tx1"/>
+                </a:solidFill>
+                <a:effectLst/>
+                <a:latin typeface="+mn-lt"/>
+                <a:ea typeface="+mn-ea"/>
+                <a:cs typeface="+mn-cs"/>
+              </a:defRPr>
+            </a:lvl4pPr>
+            <a:lvl5pPr marL="2057400" indent="-228600" algn="l" defTabSz="914400" rtl="0" eaLnBrk="1" latinLnBrk="0" hangingPunct="1">
+              <a:lnSpc>
+                <a:spcPct val="120000"/>
+              </a:lnSpc>
+              <a:spcBef>
+                <a:spcPts val="500"/>
+              </a:spcBef>
+              <a:buClr>
+                <a:schemeClr val="accent1"/>
+              </a:buClr>
+              <a:buSzPct val="160000"/>
+              <a:buFont typeface="Arial" panose="020B0604020202020204" pitchFamily="34" charset="0"/>
+              <a:buChar char="•"/>
+              <a:defRPr sz="1400" kern="1200" cap="all" baseline="0">
+                <a:solidFill>
+                  <a:schemeClr val="tx1"/>
+                </a:solidFill>
+                <a:effectLst/>
+                <a:latin typeface="+mn-lt"/>
+                <a:ea typeface="+mn-ea"/>
+                <a:cs typeface="+mn-cs"/>
+              </a:defRPr>
+            </a:lvl5pPr>
+            <a:lvl6pPr marL="2514600" indent="-228600" algn="l" defTabSz="914400" rtl="0" eaLnBrk="1" latinLnBrk="0" hangingPunct="1">
+              <a:lnSpc>
+                <a:spcPct val="120000"/>
+              </a:lnSpc>
+              <a:spcBef>
+                <a:spcPts val="500"/>
+              </a:spcBef>
+              <a:buClr>
+                <a:schemeClr val="accent1"/>
+              </a:buClr>
+              <a:buSzPct val="160000"/>
+              <a:buFont typeface="Arial" panose="020B0604020202020204" pitchFamily="34" charset="0"/>
+              <a:buChar char="•"/>
+              <a:defRPr sz="1400" kern="1200" cap="all" baseline="0">
+                <a:solidFill>
+                  <a:schemeClr val="tx1"/>
+                </a:solidFill>
+                <a:effectLst/>
+                <a:latin typeface="+mn-lt"/>
+                <a:ea typeface="+mn-ea"/>
+                <a:cs typeface="+mn-cs"/>
+              </a:defRPr>
+            </a:lvl6pPr>
+            <a:lvl7pPr marL="2971800" indent="-228600" algn="l" defTabSz="914400" rtl="0" eaLnBrk="1" latinLnBrk="0" hangingPunct="1">
+              <a:lnSpc>
+                <a:spcPct val="120000"/>
+              </a:lnSpc>
+              <a:spcBef>
+                <a:spcPts val="500"/>
+              </a:spcBef>
+              <a:buClr>
+                <a:schemeClr val="accent1"/>
+              </a:buClr>
+              <a:buSzPct val="160000"/>
+              <a:buFont typeface="Arial" panose="020B0604020202020204" pitchFamily="34" charset="0"/>
+              <a:buChar char="•"/>
+              <a:defRPr sz="1400" kern="1200" cap="all" baseline="0">
+                <a:solidFill>
+                  <a:schemeClr val="tx1"/>
+                </a:solidFill>
+                <a:effectLst/>
+                <a:latin typeface="+mn-lt"/>
+                <a:ea typeface="+mn-ea"/>
+                <a:cs typeface="+mn-cs"/>
+              </a:defRPr>
+            </a:lvl7pPr>
+            <a:lvl8pPr marL="3429000" indent="-228600" algn="l" defTabSz="914400" rtl="0" eaLnBrk="1" latinLnBrk="0" hangingPunct="1">
+              <a:lnSpc>
+                <a:spcPct val="120000"/>
+              </a:lnSpc>
+              <a:spcBef>
+                <a:spcPts val="500"/>
+              </a:spcBef>
+              <a:buClr>
+                <a:schemeClr val="accent1"/>
+              </a:buClr>
+              <a:buSzPct val="160000"/>
+              <a:buFont typeface="Arial" panose="020B0604020202020204" pitchFamily="34" charset="0"/>
+              <a:buChar char="•"/>
+              <a:defRPr sz="1400" kern="1200" cap="all" baseline="0">
+                <a:solidFill>
+                  <a:schemeClr val="tx1"/>
+                </a:solidFill>
+                <a:effectLst/>
+                <a:latin typeface="+mn-lt"/>
+                <a:ea typeface="+mn-ea"/>
+                <a:cs typeface="+mn-cs"/>
+              </a:defRPr>
+            </a:lvl8pPr>
+            <a:lvl9pPr marL="3886200" indent="-228600" algn="l" defTabSz="914400" rtl="0" eaLnBrk="1" latinLnBrk="0" hangingPunct="1">
+              <a:lnSpc>
+                <a:spcPct val="120000"/>
+              </a:lnSpc>
+              <a:spcBef>
+                <a:spcPts val="500"/>
+              </a:spcBef>
+              <a:buClr>
+                <a:schemeClr val="accent1"/>
+              </a:buClr>
+              <a:buSzPct val="160000"/>
+              <a:buFont typeface="Arial" panose="020B0604020202020204" pitchFamily="34" charset="0"/>
+              <a:buChar char="•"/>
+              <a:defRPr sz="1400" kern="1200" cap="all" baseline="0">
+                <a:solidFill>
+                  <a:schemeClr val="tx1"/>
+                </a:solidFill>
+                <a:effectLst/>
+                <a:latin typeface="+mn-lt"/>
+                <a:ea typeface="+mn-ea"/>
+                <a:cs typeface="+mn-cs"/>
+              </a:defRPr>
+            </a:lvl9pPr>
+          </a:lstStyle>
+          <a:p>
+            <a:pPr algn="just" fontAlgn="base">
+              <a:lnSpc>
+                <a:spcPct val="114000"/>
+              </a:lnSpc>
+              <a:buClr>
+                <a:srgbClr val="000000"/>
+              </a:buClr>
+              <a:buSzPts val="1100"/>
+              <a:buFont typeface="Wingdings" panose="05000000000000000000" pitchFamily="2" charset="2"/>
+              <a:buChar char="q"/>
+            </a:pPr>
+            <a:r>
+              <a:rPr lang="en-US" sz="1600" b="1" cap="none" dirty="0">
+                <a:solidFill>
+                  <a:srgbClr val="1B1C1D"/>
+                </a:solidFill>
+                <a:latin typeface="Times New Roman" panose="02020603050405020304" pitchFamily="18" charset="0"/>
+                <a:ea typeface="Google Sans Text"/>
+                <a:cs typeface="Times New Roman" panose="02020603050405020304" pitchFamily="18" charset="0"/>
+              </a:rPr>
+              <a:t>Importance: </a:t>
+            </a:r>
+            <a:r>
+              <a:rPr lang="en-US" sz="1600" cap="none" dirty="0">
+                <a:solidFill>
+                  <a:srgbClr val="1B1C1D"/>
+                </a:solidFill>
+                <a:latin typeface="Times New Roman" panose="02020603050405020304" pitchFamily="18" charset="0"/>
+                <a:ea typeface="Google Sans Text"/>
+                <a:cs typeface="Times New Roman" panose="02020603050405020304" pitchFamily="18" charset="0"/>
+              </a:rPr>
+              <a:t>Feature selection is a crucial step in preparing data for machine learning. Its primary objectives include: </a:t>
+            </a:r>
+          </a:p>
+          <a:p>
+            <a:pPr lvl="1" algn="just" fontAlgn="base">
+              <a:lnSpc>
+                <a:spcPct val="114000"/>
+              </a:lnSpc>
+              <a:buClr>
+                <a:srgbClr val="000000"/>
+              </a:buClr>
+              <a:buSzPts val="1100"/>
+              <a:buFont typeface="Wingdings" panose="05000000000000000000" pitchFamily="2" charset="2"/>
+              <a:buChar char="q"/>
+            </a:pPr>
+            <a:r>
+              <a:rPr lang="en-US" sz="1600" b="1" cap="none" dirty="0">
+                <a:solidFill>
+                  <a:srgbClr val="1B1C1D"/>
+                </a:solidFill>
+                <a:latin typeface="Times New Roman" panose="02020603050405020304" pitchFamily="18" charset="0"/>
+                <a:ea typeface="Google Sans Text"/>
+                <a:cs typeface="Times New Roman" panose="02020603050405020304" pitchFamily="18" charset="0"/>
+              </a:rPr>
+              <a:t>Improving Model Performance:</a:t>
+            </a:r>
+            <a:r>
+              <a:rPr lang="en-US" sz="1600" cap="none" dirty="0">
+                <a:solidFill>
+                  <a:srgbClr val="1B1C1D"/>
+                </a:solidFill>
+                <a:latin typeface="Times New Roman" panose="02020603050405020304" pitchFamily="18" charset="0"/>
+                <a:ea typeface="Google Sans Text"/>
+                <a:cs typeface="Times New Roman" panose="02020603050405020304" pitchFamily="18" charset="0"/>
+              </a:rPr>
+              <a:t> By focusing on the most relevant variables, the model can learn more effectively and achieve higher predictive accuracy. </a:t>
+            </a:r>
+          </a:p>
+          <a:p>
+            <a:pPr lvl="1" algn="just" fontAlgn="base">
+              <a:lnSpc>
+                <a:spcPct val="114000"/>
+              </a:lnSpc>
+              <a:buClr>
+                <a:srgbClr val="000000"/>
+              </a:buClr>
+              <a:buSzPts val="1100"/>
+              <a:buFont typeface="Wingdings" panose="05000000000000000000" pitchFamily="2" charset="2"/>
+              <a:buChar char="q"/>
+            </a:pPr>
+            <a:r>
+              <a:rPr lang="en-US" sz="1600" b="1" cap="none" dirty="0">
+                <a:solidFill>
+                  <a:srgbClr val="1B1C1D"/>
+                </a:solidFill>
+                <a:latin typeface="Times New Roman" panose="02020603050405020304" pitchFamily="18" charset="0"/>
+                <a:ea typeface="Google Sans Text"/>
+                <a:cs typeface="Times New Roman" panose="02020603050405020304" pitchFamily="18" charset="0"/>
+              </a:rPr>
+              <a:t>Reducing Overfitting:</a:t>
+            </a:r>
+            <a:r>
+              <a:rPr lang="en-US" sz="1600" cap="none" dirty="0">
+                <a:solidFill>
+                  <a:srgbClr val="1B1C1D"/>
+                </a:solidFill>
+                <a:latin typeface="Times New Roman" panose="02020603050405020304" pitchFamily="18" charset="0"/>
+                <a:ea typeface="Google Sans Text"/>
+                <a:cs typeface="Times New Roman" panose="02020603050405020304" pitchFamily="18" charset="0"/>
+              </a:rPr>
+              <a:t> Eliminating irrelevant or redundant features helps the model generalize better to unseen data, preventing it from memorizing noise. </a:t>
+            </a:r>
+          </a:p>
+          <a:p>
+            <a:pPr lvl="1" algn="just" fontAlgn="base">
+              <a:lnSpc>
+                <a:spcPct val="114000"/>
+              </a:lnSpc>
+              <a:buClr>
+                <a:srgbClr val="000000"/>
+              </a:buClr>
+              <a:buSzPts val="1100"/>
+              <a:buFont typeface="Wingdings" panose="05000000000000000000" pitchFamily="2" charset="2"/>
+              <a:buChar char="q"/>
+            </a:pPr>
+            <a:r>
+              <a:rPr lang="en-US" sz="1600" b="1" cap="none" dirty="0">
+                <a:solidFill>
+                  <a:srgbClr val="1B1C1D"/>
+                </a:solidFill>
+                <a:latin typeface="Times New Roman" panose="02020603050405020304" pitchFamily="18" charset="0"/>
+                <a:ea typeface="Google Sans Text"/>
+                <a:cs typeface="Times New Roman" panose="02020603050405020304" pitchFamily="18" charset="0"/>
+              </a:rPr>
+              <a:t>Decreasing Training Time: </a:t>
+            </a:r>
+            <a:r>
+              <a:rPr lang="en-US" sz="1600" cap="none" dirty="0">
+                <a:solidFill>
+                  <a:srgbClr val="1B1C1D"/>
+                </a:solidFill>
+                <a:latin typeface="Times New Roman" panose="02020603050405020304" pitchFamily="18" charset="0"/>
+                <a:ea typeface="Google Sans Text"/>
+                <a:cs typeface="Times New Roman" panose="02020603050405020304" pitchFamily="18" charset="0"/>
+              </a:rPr>
+              <a:t>A reduced feature set leads to faster model training and more efficient resource utilization. </a:t>
+            </a:r>
+          </a:p>
+          <a:p>
+            <a:pPr lvl="1" algn="just" fontAlgn="base">
+              <a:lnSpc>
+                <a:spcPct val="114000"/>
+              </a:lnSpc>
+              <a:buClr>
+                <a:srgbClr val="000000"/>
+              </a:buClr>
+              <a:buSzPts val="1100"/>
+              <a:buFont typeface="Wingdings" panose="05000000000000000000" pitchFamily="2" charset="2"/>
+              <a:buChar char="q"/>
+            </a:pPr>
+            <a:r>
+              <a:rPr lang="en-US" sz="1600" b="1" cap="none" dirty="0">
+                <a:solidFill>
+                  <a:srgbClr val="1B1C1D"/>
+                </a:solidFill>
+                <a:latin typeface="Times New Roman" panose="02020603050405020304" pitchFamily="18" charset="0"/>
+                <a:ea typeface="Google Sans Text"/>
+                <a:cs typeface="Times New Roman" panose="02020603050405020304" pitchFamily="18" charset="0"/>
+              </a:rPr>
+              <a:t>Enhancing Interpretability:</a:t>
+            </a:r>
+            <a:r>
+              <a:rPr lang="en-US" sz="1600" cap="none" dirty="0">
+                <a:solidFill>
+                  <a:srgbClr val="1B1C1D"/>
+                </a:solidFill>
+                <a:latin typeface="Times New Roman" panose="02020603050405020304" pitchFamily="18" charset="0"/>
+                <a:ea typeface="Google Sans Text"/>
+                <a:cs typeface="Times New Roman" panose="02020603050405020304" pitchFamily="18" charset="0"/>
+              </a:rPr>
+              <a:t> Simpler models with fewer, highly impactful features are easier to understand and explain to stakeholders. </a:t>
+            </a:r>
+          </a:p>
+          <a:p>
+            <a:pPr marL="457200" lvl="1" indent="0" algn="just" fontAlgn="base">
+              <a:lnSpc>
+                <a:spcPct val="114000"/>
+              </a:lnSpc>
+              <a:buClr>
+                <a:srgbClr val="000000"/>
+              </a:buClr>
+              <a:buSzPts val="1100"/>
+              <a:buNone/>
+            </a:pPr>
+            <a:r>
+              <a:rPr lang="en-US" sz="1600" cap="none" dirty="0">
+                <a:solidFill>
+                  <a:srgbClr val="1B1C1D"/>
+                </a:solidFill>
+                <a:latin typeface="Times New Roman" panose="02020603050405020304" pitchFamily="18" charset="0"/>
+                <a:ea typeface="Google Sans Text"/>
+                <a:cs typeface="Times New Roman" panose="02020603050405020304" pitchFamily="18" charset="0"/>
+              </a:rPr>
+              <a:t> </a:t>
+            </a:r>
+          </a:p>
+          <a:p>
+            <a:pPr marL="0" indent="0" algn="just" fontAlgn="base">
+              <a:lnSpc>
+                <a:spcPct val="114000"/>
+              </a:lnSpc>
+              <a:buClr>
+                <a:srgbClr val="000000"/>
+              </a:buClr>
+              <a:buSzPts val="1100"/>
+              <a:buNone/>
+            </a:pPr>
+            <a:endParaRPr lang="en-US" sz="1600" cap="none" dirty="0">
+              <a:solidFill>
+                <a:srgbClr val="1B1C1D"/>
+              </a:solidFill>
+              <a:latin typeface="Times New Roman" panose="02020603050405020304" pitchFamily="18" charset="0"/>
+              <a:ea typeface="Google Sans Text"/>
+              <a:cs typeface="Times New Roman" panose="02020603050405020304" pitchFamily="18" charset="0"/>
+            </a:endParaRPr>
+          </a:p>
+        </p:txBody>
+      </p:sp>
+    </p:spTree>
+    <p:extLst>
+      <p:ext uri="{BB962C8B-B14F-4D97-AF65-F5344CB8AC3E}">
+        <p14:creationId xmlns:p14="http://schemas.microsoft.com/office/powerpoint/2010/main" val="685681062"/>
+      </p:ext>
+    </p:extLst>
+  </p:cSld>
+  <p:clrMapOvr>
+    <a:masterClrMapping/>
+  </p:clrMapOvr>
+</p:sld>
+</file>
+
+<file path=ppt/slides/slide11.xml><?xml version="1.0" encoding="utf-8"?>
+<p:sld xmlns:a="http://schemas.openxmlformats.org/drawingml/2006/main" xmlns:r="http://schemas.openxmlformats.org/officeDocument/2006/relationships" xmlns:p="http://schemas.openxmlformats.org/presentationml/2006/main">
+  <p:cSld>
+    <p:spTree>
+      <p:nvGrpSpPr>
+        <p:cNvPr id="1" name=""/>
+        <p:cNvGrpSpPr/>
+        <p:nvPr/>
+      </p:nvGrpSpPr>
+      <p:grpSpPr>
+        <a:xfrm>
+          <a:off x="0" y="0"/>
+          <a:ext cx="0" cy="0"/>
+          <a:chOff x="0" y="0"/>
+          <a:chExt cx="0" cy="0"/>
+        </a:xfrm>
+      </p:grpSpPr>
+      <p:sp>
+        <p:nvSpPr>
+          <p:cNvPr id="3" name="Slide Number Placeholder 2">
+            <a:extLst>
+              <a:ext uri="{FF2B5EF4-FFF2-40B4-BE49-F238E27FC236}">
+                <a16:creationId xmlns:a16="http://schemas.microsoft.com/office/drawing/2014/main" id="{370AEC4F-E711-8552-9C34-82C1514A1E37}"/>
+              </a:ext>
+            </a:extLst>
+          </p:cNvPr>
+          <p:cNvSpPr>
+            <a:spLocks noGrp="1"/>
+          </p:cNvSpPr>
+          <p:nvPr>
+            <p:ph type="sldNum" sz="quarter" idx="10"/>
+          </p:nvPr>
+        </p:nvSpPr>
+        <p:spPr/>
+        <p:txBody>
+          <a:bodyPr/>
+          <a:lstStyle/>
+          <a:p>
+            <a:fld id="{48F63A3B-78C7-47BE-AE5E-E10140E04643}" type="slidenum">
+              <a:rPr lang="en-US" smtClean="0"/>
+              <a:pPr/>
+              <a:t>11</a:t>
+            </a:fld>
+            <a:endParaRPr lang="en-US" dirty="0"/>
+          </a:p>
+        </p:txBody>
+      </p:sp>
+      <p:sp>
+        <p:nvSpPr>
+          <p:cNvPr id="7" name="Content Placeholder 2">
+            <a:extLst>
+              <a:ext uri="{FF2B5EF4-FFF2-40B4-BE49-F238E27FC236}">
+                <a16:creationId xmlns:a16="http://schemas.microsoft.com/office/drawing/2014/main" id="{69F50BC1-D5CE-639F-AEE4-432A31959EDE}"/>
+              </a:ext>
+            </a:extLst>
+          </p:cNvPr>
+          <p:cNvSpPr txBox="1">
+            <a:spLocks/>
+          </p:cNvSpPr>
+          <p:nvPr/>
+        </p:nvSpPr>
+        <p:spPr>
+          <a:xfrm>
+            <a:off x="3500285" y="1071717"/>
+            <a:ext cx="8112555" cy="4522839"/>
+          </a:xfrm>
+          <a:prstGeom prst="rect">
+            <a:avLst/>
+          </a:prstGeom>
+        </p:spPr>
+        <p:txBody>
+          <a:bodyPr>
+            <a:noAutofit/>
+          </a:bodyPr>
+          <a:lstStyle>
+            <a:lvl1pPr marL="228600" indent="-228600" algn="l" defTabSz="914400" rtl="0" eaLnBrk="1" latinLnBrk="0" hangingPunct="1">
+              <a:lnSpc>
+                <a:spcPct val="120000"/>
+              </a:lnSpc>
+              <a:spcBef>
+                <a:spcPts val="1000"/>
+              </a:spcBef>
+              <a:buClr>
+                <a:schemeClr val="accent1"/>
+              </a:buClr>
+              <a:buSzPct val="160000"/>
+              <a:buFont typeface="Arial" panose="020B0604020202020204" pitchFamily="34" charset="0"/>
+              <a:buChar char="•"/>
+              <a:defRPr sz="2000" kern="1200" cap="all" baseline="0">
+                <a:solidFill>
+                  <a:schemeClr val="tx1"/>
+                </a:solidFill>
+                <a:effectLst/>
+                <a:latin typeface="+mn-lt"/>
+                <a:ea typeface="+mn-ea"/>
+                <a:cs typeface="+mn-cs"/>
+              </a:defRPr>
+            </a:lvl1pPr>
+            <a:lvl2pPr marL="685800" indent="-228600" algn="l" defTabSz="914400" rtl="0" eaLnBrk="1" latinLnBrk="0" hangingPunct="1">
+              <a:lnSpc>
+                <a:spcPct val="120000"/>
+              </a:lnSpc>
+              <a:spcBef>
+                <a:spcPts val="500"/>
+              </a:spcBef>
+              <a:buClr>
+                <a:schemeClr val="accent1"/>
+              </a:buClr>
+              <a:buSzPct val="160000"/>
+              <a:buFont typeface="Arial" panose="020B0604020202020204" pitchFamily="34" charset="0"/>
+              <a:buChar char="•"/>
+              <a:defRPr sz="1800" kern="1200" cap="all" baseline="0">
+                <a:solidFill>
+                  <a:schemeClr val="tx1"/>
+                </a:solidFill>
+                <a:effectLst/>
+                <a:latin typeface="+mn-lt"/>
+                <a:ea typeface="+mn-ea"/>
+                <a:cs typeface="+mn-cs"/>
+              </a:defRPr>
+            </a:lvl2pPr>
+            <a:lvl3pPr marL="1143000" indent="-228600" algn="l" defTabSz="914400" rtl="0" eaLnBrk="1" latinLnBrk="0" hangingPunct="1">
+              <a:lnSpc>
+                <a:spcPct val="120000"/>
+              </a:lnSpc>
+              <a:spcBef>
+                <a:spcPts val="500"/>
+              </a:spcBef>
+              <a:buClr>
+                <a:schemeClr val="accent1"/>
+              </a:buClr>
+              <a:buSzPct val="160000"/>
+              <a:buFont typeface="Arial" panose="020B0604020202020204" pitchFamily="34" charset="0"/>
+              <a:buChar char="•"/>
+              <a:defRPr sz="1600" kern="1200" cap="all" baseline="0">
+                <a:solidFill>
+                  <a:schemeClr val="tx1"/>
+                </a:solidFill>
+                <a:effectLst/>
+                <a:latin typeface="+mn-lt"/>
+                <a:ea typeface="+mn-ea"/>
+                <a:cs typeface="+mn-cs"/>
+              </a:defRPr>
+            </a:lvl3pPr>
+            <a:lvl4pPr marL="1600200" indent="-228600" algn="l" defTabSz="914400" rtl="0" eaLnBrk="1" latinLnBrk="0" hangingPunct="1">
+              <a:lnSpc>
+                <a:spcPct val="120000"/>
+              </a:lnSpc>
+              <a:spcBef>
+                <a:spcPts val="500"/>
+              </a:spcBef>
+              <a:buClr>
+                <a:schemeClr val="accent1"/>
+              </a:buClr>
+              <a:buSzPct val="160000"/>
+              <a:buFont typeface="Arial" panose="020B0604020202020204" pitchFamily="34" charset="0"/>
+              <a:buChar char="•"/>
+              <a:defRPr sz="1400" kern="1200" cap="all" baseline="0">
+                <a:solidFill>
+                  <a:schemeClr val="tx1"/>
+                </a:solidFill>
+                <a:effectLst/>
+                <a:latin typeface="+mn-lt"/>
+                <a:ea typeface="+mn-ea"/>
+                <a:cs typeface="+mn-cs"/>
+              </a:defRPr>
+            </a:lvl4pPr>
+            <a:lvl5pPr marL="2057400" indent="-228600" algn="l" defTabSz="914400" rtl="0" eaLnBrk="1" latinLnBrk="0" hangingPunct="1">
+              <a:lnSpc>
+                <a:spcPct val="120000"/>
+              </a:lnSpc>
+              <a:spcBef>
+                <a:spcPts val="500"/>
+              </a:spcBef>
+              <a:buClr>
+                <a:schemeClr val="accent1"/>
+              </a:buClr>
+              <a:buSzPct val="160000"/>
+              <a:buFont typeface="Arial" panose="020B0604020202020204" pitchFamily="34" charset="0"/>
+              <a:buChar char="•"/>
+              <a:defRPr sz="1400" kern="1200" cap="all" baseline="0">
+                <a:solidFill>
+                  <a:schemeClr val="tx1"/>
+                </a:solidFill>
+                <a:effectLst/>
+                <a:latin typeface="+mn-lt"/>
+                <a:ea typeface="+mn-ea"/>
+                <a:cs typeface="+mn-cs"/>
+              </a:defRPr>
+            </a:lvl5pPr>
+            <a:lvl6pPr marL="2514600" indent="-228600" algn="l" defTabSz="914400" rtl="0" eaLnBrk="1" latinLnBrk="0" hangingPunct="1">
+              <a:lnSpc>
+                <a:spcPct val="120000"/>
+              </a:lnSpc>
+              <a:spcBef>
+                <a:spcPts val="500"/>
+              </a:spcBef>
+              <a:buClr>
+                <a:schemeClr val="accent1"/>
+              </a:buClr>
+              <a:buSzPct val="160000"/>
+              <a:buFont typeface="Arial" panose="020B0604020202020204" pitchFamily="34" charset="0"/>
+              <a:buChar char="•"/>
+              <a:defRPr sz="1400" kern="1200" cap="all" baseline="0">
+                <a:solidFill>
+                  <a:schemeClr val="tx1"/>
+                </a:solidFill>
+                <a:effectLst/>
+                <a:latin typeface="+mn-lt"/>
+                <a:ea typeface="+mn-ea"/>
+                <a:cs typeface="+mn-cs"/>
+              </a:defRPr>
+            </a:lvl6pPr>
+            <a:lvl7pPr marL="2971800" indent="-228600" algn="l" defTabSz="914400" rtl="0" eaLnBrk="1" latinLnBrk="0" hangingPunct="1">
+              <a:lnSpc>
+                <a:spcPct val="120000"/>
+              </a:lnSpc>
+              <a:spcBef>
+                <a:spcPts val="500"/>
+              </a:spcBef>
+              <a:buClr>
+                <a:schemeClr val="accent1"/>
+              </a:buClr>
+              <a:buSzPct val="160000"/>
+              <a:buFont typeface="Arial" panose="020B0604020202020204" pitchFamily="34" charset="0"/>
+              <a:buChar char="•"/>
+              <a:defRPr sz="1400" kern="1200" cap="all" baseline="0">
+                <a:solidFill>
+                  <a:schemeClr val="tx1"/>
+                </a:solidFill>
+                <a:effectLst/>
+                <a:latin typeface="+mn-lt"/>
+                <a:ea typeface="+mn-ea"/>
+                <a:cs typeface="+mn-cs"/>
+              </a:defRPr>
+            </a:lvl7pPr>
+            <a:lvl8pPr marL="3429000" indent="-228600" algn="l" defTabSz="914400" rtl="0" eaLnBrk="1" latinLnBrk="0" hangingPunct="1">
+              <a:lnSpc>
+                <a:spcPct val="120000"/>
+              </a:lnSpc>
+              <a:spcBef>
+                <a:spcPts val="500"/>
+              </a:spcBef>
+              <a:buClr>
+                <a:schemeClr val="accent1"/>
+              </a:buClr>
+              <a:buSzPct val="160000"/>
+              <a:buFont typeface="Arial" panose="020B0604020202020204" pitchFamily="34" charset="0"/>
+              <a:buChar char="•"/>
+              <a:defRPr sz="1400" kern="1200" cap="all" baseline="0">
+                <a:solidFill>
+                  <a:schemeClr val="tx1"/>
+                </a:solidFill>
+                <a:effectLst/>
+                <a:latin typeface="+mn-lt"/>
+                <a:ea typeface="+mn-ea"/>
+                <a:cs typeface="+mn-cs"/>
+              </a:defRPr>
+            </a:lvl8pPr>
+            <a:lvl9pPr marL="3886200" indent="-228600" algn="l" defTabSz="914400" rtl="0" eaLnBrk="1" latinLnBrk="0" hangingPunct="1">
+              <a:lnSpc>
+                <a:spcPct val="120000"/>
+              </a:lnSpc>
+              <a:spcBef>
+                <a:spcPts val="500"/>
+              </a:spcBef>
+              <a:buClr>
+                <a:schemeClr val="accent1"/>
+              </a:buClr>
+              <a:buSzPct val="160000"/>
+              <a:buFont typeface="Arial" panose="020B0604020202020204" pitchFamily="34" charset="0"/>
+              <a:buChar char="•"/>
+              <a:defRPr sz="1400" kern="1200" cap="all" baseline="0">
+                <a:solidFill>
+                  <a:schemeClr val="tx1"/>
+                </a:solidFill>
+                <a:effectLst/>
+                <a:latin typeface="+mn-lt"/>
+                <a:ea typeface="+mn-ea"/>
+                <a:cs typeface="+mn-cs"/>
+              </a:defRPr>
+            </a:lvl9pPr>
+          </a:lstStyle>
+          <a:p>
+            <a:pPr algn="just" fontAlgn="base">
+              <a:lnSpc>
+                <a:spcPct val="114000"/>
+              </a:lnSpc>
+              <a:buClr>
+                <a:srgbClr val="000000"/>
+              </a:buClr>
+              <a:buSzPts val="1100"/>
+              <a:buFont typeface="Wingdings" panose="05000000000000000000" pitchFamily="2" charset="2"/>
+              <a:buChar char="q"/>
+            </a:pPr>
+            <a:r>
+              <a:rPr lang="en-US" sz="1600" b="1" cap="none" dirty="0">
+                <a:solidFill>
+                  <a:srgbClr val="1B1C1D"/>
+                </a:solidFill>
+                <a:latin typeface="Times New Roman" panose="02020603050405020304" pitchFamily="18" charset="0"/>
+                <a:ea typeface="Google Sans Text"/>
+                <a:cs typeface="Times New Roman" panose="02020603050405020304" pitchFamily="18" charset="0"/>
+              </a:rPr>
+              <a:t>Approach: </a:t>
+            </a:r>
+            <a:r>
+              <a:rPr lang="en-US" sz="1600" cap="none" dirty="0">
+                <a:solidFill>
+                  <a:srgbClr val="1B1C1D"/>
+                </a:solidFill>
+                <a:latin typeface="Times New Roman" panose="02020603050405020304" pitchFamily="18" charset="0"/>
+                <a:ea typeface="Google Sans Text"/>
+                <a:cs typeface="Times New Roman" panose="02020603050405020304" pitchFamily="18" charset="0"/>
+              </a:rPr>
+              <a:t>While the specific feature selection method is not explicitly detailed in the provided step, it is understood that a rigorous process was undertaken to identify the most predictive features from the available dataset. This process ensures that only the most informative variables are passed to the machine learning model for training. </a:t>
+            </a:r>
+          </a:p>
+          <a:p>
+            <a:pPr marL="0" indent="0" algn="just" fontAlgn="base">
+              <a:lnSpc>
+                <a:spcPct val="114000"/>
+              </a:lnSpc>
+              <a:buClr>
+                <a:srgbClr val="000000"/>
+              </a:buClr>
+              <a:buSzPts val="1100"/>
+              <a:buNone/>
+            </a:pPr>
+            <a:r>
+              <a:rPr lang="en-US" sz="1600" cap="none" dirty="0">
+                <a:solidFill>
+                  <a:srgbClr val="1B1C1D"/>
+                </a:solidFill>
+                <a:latin typeface="Times New Roman" panose="02020603050405020304" pitchFamily="18" charset="0"/>
+                <a:ea typeface="Google Sans Text"/>
+                <a:cs typeface="Times New Roman" panose="02020603050405020304" pitchFamily="18" charset="0"/>
+              </a:rPr>
+              <a:t>Common techniques for customer churn prediction might include:</a:t>
+            </a:r>
+          </a:p>
+          <a:p>
+            <a:pPr algn="just" fontAlgn="base">
+              <a:lnSpc>
+                <a:spcPct val="114000"/>
+              </a:lnSpc>
+              <a:buClr>
+                <a:srgbClr val="000000"/>
+              </a:buClr>
+              <a:buSzPts val="1100"/>
+              <a:buFont typeface="Wingdings" panose="05000000000000000000" pitchFamily="2" charset="2"/>
+              <a:buChar char="v"/>
+            </a:pPr>
+            <a:r>
+              <a:rPr lang="en-US" sz="1600" b="1" cap="none" dirty="0">
+                <a:solidFill>
+                  <a:srgbClr val="1B1C1D"/>
+                </a:solidFill>
+                <a:latin typeface="Times New Roman" panose="02020603050405020304" pitchFamily="18" charset="0"/>
+                <a:ea typeface="Google Sans Text"/>
+                <a:cs typeface="Times New Roman" panose="02020603050405020304" pitchFamily="18" charset="0"/>
+              </a:rPr>
+              <a:t>Filter Methods: </a:t>
+            </a:r>
+            <a:r>
+              <a:rPr lang="en-US" sz="1600" cap="none" dirty="0">
+                <a:solidFill>
+                  <a:srgbClr val="1B1C1D"/>
+                </a:solidFill>
+                <a:latin typeface="Times New Roman" panose="02020603050405020304" pitchFamily="18" charset="0"/>
+                <a:ea typeface="Google Sans Text"/>
+                <a:cs typeface="Times New Roman" panose="02020603050405020304" pitchFamily="18" charset="0"/>
+              </a:rPr>
+              <a:t>Using statistical measures (like correlation, chi-squared tests, or mutual information) to rank features independently of the model.</a:t>
+            </a:r>
+          </a:p>
+          <a:p>
+            <a:pPr algn="just" fontAlgn="base">
+              <a:lnSpc>
+                <a:spcPct val="114000"/>
+              </a:lnSpc>
+              <a:buClr>
+                <a:srgbClr val="000000"/>
+              </a:buClr>
+              <a:buSzPts val="1100"/>
+              <a:buFont typeface="Wingdings" panose="05000000000000000000" pitchFamily="2" charset="2"/>
+              <a:buChar char="v"/>
+            </a:pPr>
+            <a:r>
+              <a:rPr lang="en-US" sz="1600" b="1" cap="none" dirty="0">
+                <a:solidFill>
+                  <a:srgbClr val="1B1C1D"/>
+                </a:solidFill>
+                <a:latin typeface="Times New Roman" panose="02020603050405020304" pitchFamily="18" charset="0"/>
+                <a:ea typeface="Google Sans Text"/>
+                <a:cs typeface="Times New Roman" panose="02020603050405020304" pitchFamily="18" charset="0"/>
+              </a:rPr>
+              <a:t>Wrapper Methods: </a:t>
+            </a:r>
+            <a:r>
+              <a:rPr lang="en-US" sz="1600" cap="none" dirty="0">
+                <a:solidFill>
+                  <a:srgbClr val="1B1C1D"/>
+                </a:solidFill>
+                <a:latin typeface="Times New Roman" panose="02020603050405020304" pitchFamily="18" charset="0"/>
+                <a:ea typeface="Google Sans Text"/>
+                <a:cs typeface="Times New Roman" panose="02020603050405020304" pitchFamily="18" charset="0"/>
+              </a:rPr>
+              <a:t>Using a specific machine learning model to evaluate subsets of features (e.g., Recursive Feature Elimination).</a:t>
+            </a:r>
+          </a:p>
+          <a:p>
+            <a:pPr algn="just" fontAlgn="base">
+              <a:lnSpc>
+                <a:spcPct val="114000"/>
+              </a:lnSpc>
+              <a:buClr>
+                <a:srgbClr val="000000"/>
+              </a:buClr>
+              <a:buSzPts val="1100"/>
+              <a:buFont typeface="Wingdings" panose="05000000000000000000" pitchFamily="2" charset="2"/>
+              <a:buChar char="v"/>
+            </a:pPr>
+            <a:r>
+              <a:rPr lang="en-US" sz="1600" b="1" cap="none" dirty="0">
+                <a:solidFill>
+                  <a:srgbClr val="1B1C1D"/>
+                </a:solidFill>
+                <a:latin typeface="Times New Roman" panose="02020603050405020304" pitchFamily="18" charset="0"/>
+                <a:ea typeface="Google Sans Text"/>
+                <a:cs typeface="Times New Roman" panose="02020603050405020304" pitchFamily="18" charset="0"/>
+              </a:rPr>
+              <a:t>Embedded Methods: </a:t>
+            </a:r>
+            <a:r>
+              <a:rPr lang="en-US" sz="1600" cap="none" dirty="0">
+                <a:solidFill>
+                  <a:srgbClr val="1B1C1D"/>
+                </a:solidFill>
+                <a:latin typeface="Times New Roman" panose="02020603050405020304" pitchFamily="18" charset="0"/>
+                <a:ea typeface="Google Sans Text"/>
+                <a:cs typeface="Times New Roman" panose="02020603050405020304" pitchFamily="18" charset="0"/>
+              </a:rPr>
+              <a:t>Techniques where feature selection is built into the model training process itself (e.g., L1 regularization, or feature importance from tree-based models like Random Forest). Given that a Random Forest Classifier is subsequently used, its inherent ability to provide feature importance scores is a strong candidate for an embedded selection method.</a:t>
+            </a:r>
+          </a:p>
+        </p:txBody>
+      </p:sp>
+      <p:sp>
+        <p:nvSpPr>
+          <p:cNvPr id="9" name="Title 1">
+            <a:extLst>
+              <a:ext uri="{FF2B5EF4-FFF2-40B4-BE49-F238E27FC236}">
+                <a16:creationId xmlns:a16="http://schemas.microsoft.com/office/drawing/2014/main" id="{4DBE11F1-841F-6CD0-8912-CF7C0F680F5B}"/>
+              </a:ext>
+            </a:extLst>
+          </p:cNvPr>
+          <p:cNvSpPr>
+            <a:spLocks noGrp="1"/>
+          </p:cNvSpPr>
+          <p:nvPr>
+            <p:ph type="title"/>
+          </p:nvPr>
+        </p:nvSpPr>
+        <p:spPr>
+          <a:xfrm>
+            <a:off x="3617882" y="282088"/>
+            <a:ext cx="5653938" cy="646600"/>
+          </a:xfrm>
+        </p:spPr>
+        <p:txBody>
+          <a:bodyPr/>
+          <a:lstStyle/>
+          <a:p>
+            <a:r>
+              <a:rPr lang="en-US" dirty="0">
+                <a:solidFill>
+                  <a:schemeClr val="accent3">
+                    <a:lumMod val="75000"/>
+                  </a:schemeClr>
+                </a:solidFill>
+              </a:rPr>
+              <a:t>Random forest classifier:</a:t>
+            </a:r>
+          </a:p>
+        </p:txBody>
+      </p:sp>
+    </p:spTree>
+    <p:extLst>
+      <p:ext uri="{BB962C8B-B14F-4D97-AF65-F5344CB8AC3E}">
+        <p14:creationId xmlns:p14="http://schemas.microsoft.com/office/powerpoint/2010/main" val="1131718056"/>
+      </p:ext>
+    </p:extLst>
+  </p:cSld>
+  <p:clrMapOvr>
+    <a:masterClrMapping/>
+  </p:clrMapOvr>
+</p:sld>
+</file>
+
+<file path=ppt/slides/slide12.xml><?xml version="1.0" encoding="utf-8"?>
+<p:sld xmlns:a="http://schemas.openxmlformats.org/drawingml/2006/main" xmlns:r="http://schemas.openxmlformats.org/officeDocument/2006/relationships" xmlns:p="http://schemas.openxmlformats.org/presentationml/2006/main">
+  <p:cSld>
+    <p:spTree>
+      <p:nvGrpSpPr>
+        <p:cNvPr id="1" name=""/>
+        <p:cNvGrpSpPr/>
+        <p:nvPr/>
+      </p:nvGrpSpPr>
+      <p:grpSpPr>
+        <a:xfrm>
+          <a:off x="0" y="0"/>
+          <a:ext cx="0" cy="0"/>
+          <a:chOff x="0" y="0"/>
+          <a:chExt cx="0" cy="0"/>
+        </a:xfrm>
+      </p:grpSpPr>
+      <p:sp>
+        <p:nvSpPr>
+          <p:cNvPr id="5" name="Title 4">
+            <a:extLst>
+              <a:ext uri="{FF2B5EF4-FFF2-40B4-BE49-F238E27FC236}">
+                <a16:creationId xmlns:a16="http://schemas.microsoft.com/office/drawing/2014/main" id="{2136FCF6-982C-CC37-9625-3EBFC7E7DD13}"/>
+              </a:ext>
+            </a:extLst>
+          </p:cNvPr>
+          <p:cNvSpPr>
+            <a:spLocks noGrp="1"/>
+          </p:cNvSpPr>
+          <p:nvPr>
+            <p:ph type="title"/>
+          </p:nvPr>
+        </p:nvSpPr>
+        <p:spPr>
+          <a:xfrm>
+            <a:off x="1462072" y="202521"/>
+            <a:ext cx="9879437" cy="980844"/>
+          </a:xfrm>
+        </p:spPr>
+        <p:txBody>
+          <a:bodyPr/>
+          <a:lstStyle/>
+          <a:p>
+            <a:r>
+              <a:rPr lang="en-US" dirty="0"/>
+              <a:t>Classification Report,  Accuracy Score</a:t>
+            </a:r>
+          </a:p>
+        </p:txBody>
+      </p:sp>
+      <p:sp>
+        <p:nvSpPr>
+          <p:cNvPr id="2" name="Slide Number Placeholder 1">
+            <a:extLst>
+              <a:ext uri="{FF2B5EF4-FFF2-40B4-BE49-F238E27FC236}">
+                <a16:creationId xmlns:a16="http://schemas.microsoft.com/office/drawing/2014/main" id="{A913EEC9-16E3-6C86-97D0-A7EC7EA09CDA}"/>
+              </a:ext>
+            </a:extLst>
+          </p:cNvPr>
+          <p:cNvSpPr>
+            <a:spLocks noGrp="1"/>
+          </p:cNvSpPr>
+          <p:nvPr>
+            <p:ph type="sldNum" sz="quarter" idx="10"/>
+          </p:nvPr>
+        </p:nvSpPr>
+        <p:spPr/>
+        <p:txBody>
+          <a:bodyPr/>
+          <a:lstStyle/>
+          <a:p>
+            <a:fld id="{48F63A3B-78C7-47BE-AE5E-E10140E04643}" type="slidenum">
+              <a:rPr lang="en-US" smtClean="0"/>
+              <a:pPr/>
+              <a:t>12</a:t>
+            </a:fld>
+            <a:endParaRPr lang="en-US" dirty="0"/>
+          </a:p>
+        </p:txBody>
+      </p:sp>
+      <p:sp>
+        <p:nvSpPr>
+          <p:cNvPr id="11" name="TextBox 10">
+            <a:extLst>
+              <a:ext uri="{FF2B5EF4-FFF2-40B4-BE49-F238E27FC236}">
+                <a16:creationId xmlns:a16="http://schemas.microsoft.com/office/drawing/2014/main" id="{7AFAE249-FF2B-D37D-4282-F461601CDD57}"/>
+              </a:ext>
+            </a:extLst>
+          </p:cNvPr>
+          <p:cNvSpPr txBox="1"/>
+          <p:nvPr/>
+        </p:nvSpPr>
+        <p:spPr>
+          <a:xfrm>
+            <a:off x="1462072" y="1322042"/>
+            <a:ext cx="8613058" cy="923330"/>
+          </a:xfrm>
+          <a:prstGeom prst="rect">
+            <a:avLst/>
+          </a:prstGeom>
+          <a:noFill/>
+        </p:spPr>
+        <p:txBody>
+          <a:bodyPr wrap="square">
+            <a:spAutoFit/>
+          </a:bodyPr>
+          <a:lstStyle/>
+          <a:p>
+            <a:r>
+              <a:rPr lang="en-US" sz="1800" b="1" cap="none" dirty="0">
+                <a:solidFill>
+                  <a:srgbClr val="1B1C1D"/>
+                </a:solidFill>
+                <a:latin typeface="Times New Roman" panose="02020603050405020304" pitchFamily="18" charset="0"/>
+                <a:ea typeface="Google Sans Text"/>
+                <a:cs typeface="Times New Roman" panose="02020603050405020304" pitchFamily="18" charset="0"/>
+              </a:rPr>
+              <a:t>Outcome: </a:t>
+            </a:r>
+            <a:r>
+              <a:rPr lang="en-US" sz="1800" cap="none" dirty="0">
+                <a:solidFill>
+                  <a:srgbClr val="1B1C1D"/>
+                </a:solidFill>
+                <a:latin typeface="Times New Roman" panose="02020603050405020304" pitchFamily="18" charset="0"/>
+                <a:ea typeface="Google Sans Text"/>
+                <a:cs typeface="Times New Roman" panose="02020603050405020304" pitchFamily="18" charset="0"/>
+              </a:rPr>
+              <a:t>The selected features form the input (X_train, X_test) for the subsequent model training and evaluation phase, aiming to provide the best possible data representation for accurate churn prediction.</a:t>
+            </a:r>
+            <a:endParaRPr lang="en-IN" dirty="0"/>
+          </a:p>
+        </p:txBody>
+      </p:sp>
+      <p:pic>
+        <p:nvPicPr>
+          <p:cNvPr id="13" name="Picture 12">
+            <a:extLst>
+              <a:ext uri="{FF2B5EF4-FFF2-40B4-BE49-F238E27FC236}">
+                <a16:creationId xmlns:a16="http://schemas.microsoft.com/office/drawing/2014/main" id="{FB647952-AE97-4835-82D5-96F68930CFF4}"/>
+              </a:ext>
+            </a:extLst>
+          </p:cNvPr>
+          <p:cNvPicPr>
+            <a:picLocks noChangeAspect="1"/>
+          </p:cNvPicPr>
+          <p:nvPr/>
+        </p:nvPicPr>
+        <p:blipFill>
+          <a:blip r:embed="rId3"/>
+          <a:srcRect l="3480" r="4651"/>
+          <a:stretch>
+            <a:fillRect/>
+          </a:stretch>
+        </p:blipFill>
+        <p:spPr>
+          <a:xfrm>
+            <a:off x="5948512" y="2704108"/>
+            <a:ext cx="5566001" cy="2664307"/>
+          </a:xfrm>
+          <a:prstGeom prst="rect">
+            <a:avLst/>
+          </a:prstGeom>
+          <a:ln w="19050">
+            <a:solidFill>
+              <a:schemeClr val="tx1"/>
+            </a:solidFill>
+          </a:ln>
+        </p:spPr>
+      </p:pic>
+      <p:pic>
+        <p:nvPicPr>
+          <p:cNvPr id="8" name="Picture 7">
+            <a:extLst>
+              <a:ext uri="{FF2B5EF4-FFF2-40B4-BE49-F238E27FC236}">
+                <a16:creationId xmlns:a16="http://schemas.microsoft.com/office/drawing/2014/main" id="{0B086963-B561-8E1B-3FD5-B1D611E1419F}"/>
+              </a:ext>
+            </a:extLst>
+          </p:cNvPr>
+          <p:cNvPicPr>
+            <a:picLocks noChangeAspect="1"/>
+          </p:cNvPicPr>
+          <p:nvPr/>
+        </p:nvPicPr>
+        <p:blipFill>
+          <a:blip r:embed="rId4"/>
+          <a:srcRect l="1976" r="8154"/>
+          <a:stretch>
+            <a:fillRect/>
+          </a:stretch>
+        </p:blipFill>
+        <p:spPr>
+          <a:xfrm>
+            <a:off x="275301" y="2704108"/>
+            <a:ext cx="5435689" cy="2664307"/>
+          </a:xfrm>
+          <a:prstGeom prst="rect">
+            <a:avLst/>
+          </a:prstGeom>
+          <a:ln w="19050">
+            <a:solidFill>
+              <a:schemeClr val="tx1"/>
+            </a:solidFill>
+          </a:ln>
+        </p:spPr>
+      </p:pic>
+    </p:spTree>
+    <p:extLst>
+      <p:ext uri="{BB962C8B-B14F-4D97-AF65-F5344CB8AC3E}">
+        <p14:creationId xmlns:p14="http://schemas.microsoft.com/office/powerpoint/2010/main" val="3969996159"/>
+      </p:ext>
+    </p:extLst>
+  </p:cSld>
+  <p:clrMapOvr>
+    <a:masterClrMapping/>
+  </p:clrMapOvr>
+</p:sld>
+</file>
+
+<file path=ppt/slides/slide13.xml><?xml version="1.0" encoding="utf-8"?>
+<p:sld xmlns:a="http://schemas.openxmlformats.org/drawingml/2006/main" xmlns:r="http://schemas.openxmlformats.org/officeDocument/2006/relationships" xmlns:p="http://schemas.openxmlformats.org/presentationml/2006/main">
+  <p:cSld>
+    <p:spTree>
+      <p:nvGrpSpPr>
+        <p:cNvPr id="1" name="">
+          <a:extLst>
+            <a:ext uri="{FF2B5EF4-FFF2-40B4-BE49-F238E27FC236}">
+              <a16:creationId xmlns:a16="http://schemas.microsoft.com/office/drawing/2014/main" id="{D011DE24-FA07-8637-BA44-EEC4346B0DE6}"/>
+            </a:ext>
+          </a:extLst>
+        </p:cNvPr>
+        <p:cNvGrpSpPr/>
+        <p:nvPr/>
+      </p:nvGrpSpPr>
+      <p:grpSpPr>
+        <a:xfrm>
+          <a:off x="0" y="0"/>
+          <a:ext cx="0" cy="0"/>
+          <a:chOff x="0" y="0"/>
+          <a:chExt cx="0" cy="0"/>
+        </a:xfrm>
+      </p:grpSpPr>
+      <p:sp>
+        <p:nvSpPr>
+          <p:cNvPr id="3" name="Slide Number Placeholder 2">
+            <a:extLst>
+              <a:ext uri="{FF2B5EF4-FFF2-40B4-BE49-F238E27FC236}">
+                <a16:creationId xmlns:a16="http://schemas.microsoft.com/office/drawing/2014/main" id="{F3283C78-AF08-22E6-3ABC-50CCE76A3CB0}"/>
+              </a:ext>
+            </a:extLst>
+          </p:cNvPr>
+          <p:cNvSpPr>
+            <a:spLocks noGrp="1"/>
+          </p:cNvSpPr>
+          <p:nvPr>
+            <p:ph type="sldNum" sz="quarter" idx="10"/>
+          </p:nvPr>
+        </p:nvSpPr>
+        <p:spPr/>
+        <p:txBody>
+          <a:bodyPr/>
+          <a:lstStyle/>
+          <a:p>
+            <a:fld id="{48F63A3B-78C7-47BE-AE5E-E10140E04643}" type="slidenum">
+              <a:rPr lang="en-US" smtClean="0"/>
+              <a:pPr/>
+              <a:t>13</a:t>
+            </a:fld>
+            <a:endParaRPr lang="en-US" dirty="0"/>
+          </a:p>
+        </p:txBody>
+      </p:sp>
+      <p:sp>
+        <p:nvSpPr>
+          <p:cNvPr id="7" name="Content Placeholder 2">
+            <a:extLst>
+              <a:ext uri="{FF2B5EF4-FFF2-40B4-BE49-F238E27FC236}">
+                <a16:creationId xmlns:a16="http://schemas.microsoft.com/office/drawing/2014/main" id="{4DB98A83-F18C-C189-205B-2828CB20F718}"/>
+              </a:ext>
+            </a:extLst>
+          </p:cNvPr>
+          <p:cNvSpPr txBox="1">
+            <a:spLocks/>
+          </p:cNvSpPr>
+          <p:nvPr/>
+        </p:nvSpPr>
+        <p:spPr>
+          <a:xfrm>
+            <a:off x="3500285" y="1071717"/>
+            <a:ext cx="8112555" cy="1592825"/>
+          </a:xfrm>
+          <a:prstGeom prst="rect">
+            <a:avLst/>
+          </a:prstGeom>
+        </p:spPr>
+        <p:txBody>
+          <a:bodyPr>
+            <a:noAutofit/>
+          </a:bodyPr>
+          <a:lstStyle>
+            <a:lvl1pPr marL="228600" indent="-228600" algn="l" defTabSz="914400" rtl="0" eaLnBrk="1" latinLnBrk="0" hangingPunct="1">
+              <a:lnSpc>
+                <a:spcPct val="120000"/>
+              </a:lnSpc>
+              <a:spcBef>
+                <a:spcPts val="1000"/>
+              </a:spcBef>
+              <a:buClr>
+                <a:schemeClr val="accent1"/>
+              </a:buClr>
+              <a:buSzPct val="160000"/>
+              <a:buFont typeface="Arial" panose="020B0604020202020204" pitchFamily="34" charset="0"/>
+              <a:buChar char="•"/>
+              <a:defRPr sz="2000" kern="1200" cap="all" baseline="0">
+                <a:solidFill>
+                  <a:schemeClr val="tx1"/>
+                </a:solidFill>
+                <a:effectLst/>
+                <a:latin typeface="+mn-lt"/>
+                <a:ea typeface="+mn-ea"/>
+                <a:cs typeface="+mn-cs"/>
+              </a:defRPr>
+            </a:lvl1pPr>
+            <a:lvl2pPr marL="685800" indent="-228600" algn="l" defTabSz="914400" rtl="0" eaLnBrk="1" latinLnBrk="0" hangingPunct="1">
+              <a:lnSpc>
+                <a:spcPct val="120000"/>
+              </a:lnSpc>
+              <a:spcBef>
+                <a:spcPts val="500"/>
+              </a:spcBef>
+              <a:buClr>
+                <a:schemeClr val="accent1"/>
+              </a:buClr>
+              <a:buSzPct val="160000"/>
+              <a:buFont typeface="Arial" panose="020B0604020202020204" pitchFamily="34" charset="0"/>
+              <a:buChar char="•"/>
+              <a:defRPr sz="1800" kern="1200" cap="all" baseline="0">
+                <a:solidFill>
+                  <a:schemeClr val="tx1"/>
+                </a:solidFill>
+                <a:effectLst/>
+                <a:latin typeface="+mn-lt"/>
+                <a:ea typeface="+mn-ea"/>
+                <a:cs typeface="+mn-cs"/>
+              </a:defRPr>
+            </a:lvl2pPr>
+            <a:lvl3pPr marL="1143000" indent="-228600" algn="l" defTabSz="914400" rtl="0" eaLnBrk="1" latinLnBrk="0" hangingPunct="1">
+              <a:lnSpc>
+                <a:spcPct val="120000"/>
+              </a:lnSpc>
+              <a:spcBef>
+                <a:spcPts val="500"/>
+              </a:spcBef>
+              <a:buClr>
+                <a:schemeClr val="accent1"/>
+              </a:buClr>
+              <a:buSzPct val="160000"/>
+              <a:buFont typeface="Arial" panose="020B0604020202020204" pitchFamily="34" charset="0"/>
+              <a:buChar char="•"/>
+              <a:defRPr sz="1600" kern="1200" cap="all" baseline="0">
+                <a:solidFill>
+                  <a:schemeClr val="tx1"/>
+                </a:solidFill>
+                <a:effectLst/>
+                <a:latin typeface="+mn-lt"/>
+                <a:ea typeface="+mn-ea"/>
+                <a:cs typeface="+mn-cs"/>
+              </a:defRPr>
+            </a:lvl3pPr>
+            <a:lvl4pPr marL="1600200" indent="-228600" algn="l" defTabSz="914400" rtl="0" eaLnBrk="1" latinLnBrk="0" hangingPunct="1">
+              <a:lnSpc>
+                <a:spcPct val="120000"/>
+              </a:lnSpc>
+              <a:spcBef>
+                <a:spcPts val="500"/>
+              </a:spcBef>
+              <a:buClr>
+                <a:schemeClr val="accent1"/>
+              </a:buClr>
+              <a:buSzPct val="160000"/>
+              <a:buFont typeface="Arial" panose="020B0604020202020204" pitchFamily="34" charset="0"/>
+              <a:buChar char="•"/>
+              <a:defRPr sz="1400" kern="1200" cap="all" baseline="0">
+                <a:solidFill>
+                  <a:schemeClr val="tx1"/>
+                </a:solidFill>
+                <a:effectLst/>
+                <a:latin typeface="+mn-lt"/>
+                <a:ea typeface="+mn-ea"/>
+                <a:cs typeface="+mn-cs"/>
+              </a:defRPr>
+            </a:lvl4pPr>
+            <a:lvl5pPr marL="2057400" indent="-228600" algn="l" defTabSz="914400" rtl="0" eaLnBrk="1" latinLnBrk="0" hangingPunct="1">
+              <a:lnSpc>
+                <a:spcPct val="120000"/>
+              </a:lnSpc>
+              <a:spcBef>
+                <a:spcPts val="500"/>
+              </a:spcBef>
+              <a:buClr>
+                <a:schemeClr val="accent1"/>
+              </a:buClr>
+              <a:buSzPct val="160000"/>
+              <a:buFont typeface="Arial" panose="020B0604020202020204" pitchFamily="34" charset="0"/>
+              <a:buChar char="•"/>
+              <a:defRPr sz="1400" kern="1200" cap="all" baseline="0">
+                <a:solidFill>
+                  <a:schemeClr val="tx1"/>
+                </a:solidFill>
+                <a:effectLst/>
+                <a:latin typeface="+mn-lt"/>
+                <a:ea typeface="+mn-ea"/>
+                <a:cs typeface="+mn-cs"/>
+              </a:defRPr>
+            </a:lvl5pPr>
+            <a:lvl6pPr marL="2514600" indent="-228600" algn="l" defTabSz="914400" rtl="0" eaLnBrk="1" latinLnBrk="0" hangingPunct="1">
+              <a:lnSpc>
+                <a:spcPct val="120000"/>
+              </a:lnSpc>
+              <a:spcBef>
+                <a:spcPts val="500"/>
+              </a:spcBef>
+              <a:buClr>
+                <a:schemeClr val="accent1"/>
+              </a:buClr>
+              <a:buSzPct val="160000"/>
+              <a:buFont typeface="Arial" panose="020B0604020202020204" pitchFamily="34" charset="0"/>
+              <a:buChar char="•"/>
+              <a:defRPr sz="1400" kern="1200" cap="all" baseline="0">
+                <a:solidFill>
+                  <a:schemeClr val="tx1"/>
+                </a:solidFill>
+                <a:effectLst/>
+                <a:latin typeface="+mn-lt"/>
+                <a:ea typeface="+mn-ea"/>
+                <a:cs typeface="+mn-cs"/>
+              </a:defRPr>
+            </a:lvl6pPr>
+            <a:lvl7pPr marL="2971800" indent="-228600" algn="l" defTabSz="914400" rtl="0" eaLnBrk="1" latinLnBrk="0" hangingPunct="1">
+              <a:lnSpc>
+                <a:spcPct val="120000"/>
+              </a:lnSpc>
+              <a:spcBef>
+                <a:spcPts val="500"/>
+              </a:spcBef>
+              <a:buClr>
+                <a:schemeClr val="accent1"/>
+              </a:buClr>
+              <a:buSzPct val="160000"/>
+              <a:buFont typeface="Arial" panose="020B0604020202020204" pitchFamily="34" charset="0"/>
+              <a:buChar char="•"/>
+              <a:defRPr sz="1400" kern="1200" cap="all" baseline="0">
+                <a:solidFill>
+                  <a:schemeClr val="tx1"/>
+                </a:solidFill>
+                <a:effectLst/>
+                <a:latin typeface="+mn-lt"/>
+                <a:ea typeface="+mn-ea"/>
+                <a:cs typeface="+mn-cs"/>
+              </a:defRPr>
+            </a:lvl7pPr>
+            <a:lvl8pPr marL="3429000" indent="-228600" algn="l" defTabSz="914400" rtl="0" eaLnBrk="1" latinLnBrk="0" hangingPunct="1">
+              <a:lnSpc>
+                <a:spcPct val="120000"/>
+              </a:lnSpc>
+              <a:spcBef>
+                <a:spcPts val="500"/>
+              </a:spcBef>
+              <a:buClr>
+                <a:schemeClr val="accent1"/>
+              </a:buClr>
+              <a:buSzPct val="160000"/>
+              <a:buFont typeface="Arial" panose="020B0604020202020204" pitchFamily="34" charset="0"/>
+              <a:buChar char="•"/>
+              <a:defRPr sz="1400" kern="1200" cap="all" baseline="0">
+                <a:solidFill>
+                  <a:schemeClr val="tx1"/>
+                </a:solidFill>
+                <a:effectLst/>
+                <a:latin typeface="+mn-lt"/>
+                <a:ea typeface="+mn-ea"/>
+                <a:cs typeface="+mn-cs"/>
+              </a:defRPr>
+            </a:lvl8pPr>
+            <a:lvl9pPr marL="3886200" indent="-228600" algn="l" defTabSz="914400" rtl="0" eaLnBrk="1" latinLnBrk="0" hangingPunct="1">
+              <a:lnSpc>
+                <a:spcPct val="120000"/>
+              </a:lnSpc>
+              <a:spcBef>
+                <a:spcPts val="500"/>
+              </a:spcBef>
+              <a:buClr>
+                <a:schemeClr val="accent1"/>
+              </a:buClr>
+              <a:buSzPct val="160000"/>
+              <a:buFont typeface="Arial" panose="020B0604020202020204" pitchFamily="34" charset="0"/>
+              <a:buChar char="•"/>
+              <a:defRPr sz="1400" kern="1200" cap="all" baseline="0">
+                <a:solidFill>
+                  <a:schemeClr val="tx1"/>
+                </a:solidFill>
+                <a:effectLst/>
+                <a:latin typeface="+mn-lt"/>
+                <a:ea typeface="+mn-ea"/>
+                <a:cs typeface="+mn-cs"/>
+              </a:defRPr>
+            </a:lvl9pPr>
+          </a:lstStyle>
+          <a:p>
+            <a:pPr algn="just" fontAlgn="base">
+              <a:lnSpc>
+                <a:spcPct val="114000"/>
+              </a:lnSpc>
+              <a:buClr>
+                <a:srgbClr val="000000"/>
+              </a:buClr>
+              <a:buSzPts val="1100"/>
+              <a:buFont typeface="Wingdings" panose="05000000000000000000" pitchFamily="2" charset="2"/>
+              <a:buChar char="q"/>
+            </a:pPr>
+            <a:r>
+              <a:rPr lang="en-US" sz="1600" b="1" cap="none" dirty="0">
+                <a:solidFill>
+                  <a:srgbClr val="1B1C1D"/>
+                </a:solidFill>
+                <a:latin typeface="Times New Roman" panose="02020603050405020304" pitchFamily="18" charset="0"/>
+                <a:ea typeface="Google Sans Text"/>
+                <a:cs typeface="Times New Roman" panose="02020603050405020304" pitchFamily="18" charset="0"/>
+              </a:rPr>
+              <a:t>Logistic Regression (for Binary Classification):</a:t>
+            </a:r>
+            <a:r>
+              <a:rPr lang="en-US" sz="1600" cap="none" dirty="0">
+                <a:solidFill>
+                  <a:srgbClr val="1B1C1D"/>
+                </a:solidFill>
+                <a:latin typeface="Times New Roman" panose="02020603050405020304" pitchFamily="18" charset="0"/>
+                <a:ea typeface="Google Sans Text"/>
+                <a:cs typeface="Times New Roman" panose="02020603050405020304" pitchFamily="18" charset="0"/>
+              </a:rPr>
+              <a:t>Logistic Regression is a related linear model specifically designed for binary classification problems. Instead of predicting a continuous value, it predicts the probability that an instance belongs to a certain class (e.g., the probability of a customer churning). This probability is then transformed into a binary outcome (churn/no churn).</a:t>
+            </a:r>
+          </a:p>
+        </p:txBody>
+      </p:sp>
+      <p:sp>
+        <p:nvSpPr>
+          <p:cNvPr id="9" name="Title 1">
+            <a:extLst>
+              <a:ext uri="{FF2B5EF4-FFF2-40B4-BE49-F238E27FC236}">
+                <a16:creationId xmlns:a16="http://schemas.microsoft.com/office/drawing/2014/main" id="{320F08AC-6363-C11D-8FF6-5B1ED736D832}"/>
+              </a:ext>
+            </a:extLst>
+          </p:cNvPr>
+          <p:cNvSpPr>
+            <a:spLocks noGrp="1"/>
+          </p:cNvSpPr>
+          <p:nvPr>
+            <p:ph type="title"/>
+          </p:nvPr>
+        </p:nvSpPr>
+        <p:spPr>
+          <a:xfrm>
+            <a:off x="3617882" y="282088"/>
+            <a:ext cx="5653938" cy="646600"/>
+          </a:xfrm>
+        </p:spPr>
+        <p:txBody>
+          <a:bodyPr/>
+          <a:lstStyle/>
+          <a:p>
+            <a:r>
+              <a:rPr lang="en-US" dirty="0"/>
+              <a:t>Logistic regression:</a:t>
+            </a:r>
+          </a:p>
+        </p:txBody>
+      </p:sp>
+      <p:pic>
+        <p:nvPicPr>
+          <p:cNvPr id="4" name="Picture 3">
+            <a:extLst>
+              <a:ext uri="{FF2B5EF4-FFF2-40B4-BE49-F238E27FC236}">
+                <a16:creationId xmlns:a16="http://schemas.microsoft.com/office/drawing/2014/main" id="{51C291CE-928E-70EE-EE2C-B8DE2D7A46B9}"/>
+              </a:ext>
+            </a:extLst>
+          </p:cNvPr>
+          <p:cNvPicPr>
+            <a:picLocks noChangeAspect="1"/>
+          </p:cNvPicPr>
+          <p:nvPr/>
+        </p:nvPicPr>
+        <p:blipFill>
+          <a:blip r:embed="rId3"/>
+          <a:stretch>
+            <a:fillRect/>
+          </a:stretch>
+        </p:blipFill>
+        <p:spPr>
+          <a:xfrm>
+            <a:off x="3500285" y="3240826"/>
+            <a:ext cx="8112555" cy="1905266"/>
+          </a:xfrm>
+          <a:prstGeom prst="rect">
+            <a:avLst/>
+          </a:prstGeom>
+        </p:spPr>
+      </p:pic>
+    </p:spTree>
+    <p:extLst>
+      <p:ext uri="{BB962C8B-B14F-4D97-AF65-F5344CB8AC3E}">
+        <p14:creationId xmlns:p14="http://schemas.microsoft.com/office/powerpoint/2010/main" val="3840193861"/>
+      </p:ext>
+    </p:extLst>
+  </p:cSld>
+  <p:clrMapOvr>
+    <a:masterClrMapping/>
+  </p:clrMapOvr>
+</p:sld>
+</file>
+
+<file path=ppt/slides/slide14.xml><?xml version="1.0" encoding="utf-8"?>
+<p:sld xmlns:a="http://schemas.openxmlformats.org/drawingml/2006/main" xmlns:r="http://schemas.openxmlformats.org/officeDocument/2006/relationships" xmlns:p="http://schemas.openxmlformats.org/presentationml/2006/main">
+  <p:cSld>
+    <p:spTree>
+      <p:nvGrpSpPr>
+        <p:cNvPr id="1" name="">
+          <a:extLst>
+            <a:ext uri="{FF2B5EF4-FFF2-40B4-BE49-F238E27FC236}">
+              <a16:creationId xmlns:a16="http://schemas.microsoft.com/office/drawing/2014/main" id="{36012653-67B0-754E-72F3-9B2B766E15D0}"/>
+            </a:ext>
+          </a:extLst>
+        </p:cNvPr>
+        <p:cNvGrpSpPr/>
+        <p:nvPr/>
+      </p:nvGrpSpPr>
+      <p:grpSpPr>
+        <a:xfrm>
+          <a:off x="0" y="0"/>
+          <a:ext cx="0" cy="0"/>
+          <a:chOff x="0" y="0"/>
+          <a:chExt cx="0" cy="0"/>
+        </a:xfrm>
+      </p:grpSpPr>
+      <p:sp>
+        <p:nvSpPr>
+          <p:cNvPr id="2" name="Title 1">
+            <a:extLst>
+              <a:ext uri="{FF2B5EF4-FFF2-40B4-BE49-F238E27FC236}">
+                <a16:creationId xmlns:a16="http://schemas.microsoft.com/office/drawing/2014/main" id="{DC813FD9-41F1-96AD-CA52-E847CC2A8836}"/>
+              </a:ext>
+            </a:extLst>
+          </p:cNvPr>
+          <p:cNvSpPr>
+            <a:spLocks noGrp="1"/>
+          </p:cNvSpPr>
+          <p:nvPr>
+            <p:ph type="title"/>
+          </p:nvPr>
+        </p:nvSpPr>
+        <p:spPr>
+          <a:xfrm>
+            <a:off x="265471" y="133512"/>
+            <a:ext cx="6440129" cy="1193843"/>
+          </a:xfrm>
+        </p:spPr>
+        <p:txBody>
+          <a:bodyPr/>
+          <a:lstStyle/>
+          <a:p>
+            <a:r>
+              <a:rPr lang="en-IN" sz="3200" b="1" spc="300" dirty="0"/>
+              <a:t>LOGISTIC REGRESSION: </a:t>
+            </a:r>
+            <a:r>
+              <a:rPr lang="en-IN" sz="3200" b="1" spc="300" dirty="0">
+                <a:solidFill>
+                  <a:schemeClr val="accent5"/>
+                </a:solidFill>
+              </a:rPr>
+              <a:t>Confusion Matrix</a:t>
+            </a:r>
+          </a:p>
+        </p:txBody>
+      </p:sp>
+      <p:sp>
+        <p:nvSpPr>
+          <p:cNvPr id="3" name="Content Placeholder 2">
+            <a:extLst>
+              <a:ext uri="{FF2B5EF4-FFF2-40B4-BE49-F238E27FC236}">
+                <a16:creationId xmlns:a16="http://schemas.microsoft.com/office/drawing/2014/main" id="{A8096070-DBE5-797A-04CC-F41A9494BCD7}"/>
+              </a:ext>
+            </a:extLst>
+          </p:cNvPr>
+          <p:cNvSpPr>
+            <a:spLocks noGrp="1"/>
+          </p:cNvSpPr>
+          <p:nvPr>
+            <p:ph idx="1"/>
+          </p:nvPr>
+        </p:nvSpPr>
+        <p:spPr>
+          <a:xfrm>
+            <a:off x="265469" y="1327355"/>
+            <a:ext cx="6685937" cy="4215580"/>
+          </a:xfrm>
+        </p:spPr>
+        <p:txBody>
+          <a:bodyPr>
+            <a:noAutofit/>
+          </a:bodyPr>
+          <a:lstStyle/>
+          <a:p>
+            <a:pPr marL="285750" marR="0" lvl="0" indent="-285750" algn="just" fontAlgn="base">
+              <a:lnSpc>
+                <a:spcPct val="114000"/>
+              </a:lnSpc>
+              <a:buClr>
+                <a:srgbClr val="000000"/>
+              </a:buClr>
+              <a:buSzPts val="1100"/>
+              <a:buFont typeface="Wingdings" panose="05000000000000000000" pitchFamily="2" charset="2"/>
+              <a:buChar char="q"/>
+            </a:pPr>
+            <a:r>
+              <a:rPr lang="en-IN" sz="1600" b="1" u="none" strike="noStrike" cap="none" dirty="0">
+                <a:solidFill>
+                  <a:srgbClr val="1B1C1D"/>
+                </a:solidFill>
+                <a:effectLst/>
+                <a:latin typeface="Times New Roman" panose="02020603050405020304" pitchFamily="18" charset="0"/>
+                <a:ea typeface="Google Sans Text"/>
+                <a:cs typeface="Times New Roman" panose="02020603050405020304" pitchFamily="18" charset="0"/>
+              </a:rPr>
+              <a:t>Key insight:</a:t>
+            </a:r>
+            <a:r>
+              <a:rPr lang="en-IN" sz="1600" u="none" strike="noStrike" cap="none" dirty="0">
+                <a:solidFill>
+                  <a:srgbClr val="1B1C1D"/>
+                </a:solidFill>
+                <a:effectLst/>
+                <a:latin typeface="Times New Roman" panose="02020603050405020304" pitchFamily="18" charset="0"/>
+                <a:ea typeface="Google Sans Text"/>
+                <a:cs typeface="Times New Roman" panose="02020603050405020304" pitchFamily="18" charset="0"/>
+              </a:rPr>
+              <a:t> evaluates the accuracy of the churn prediction model.</a:t>
+            </a:r>
+            <a:endParaRPr lang="en-IN" sz="1600" u="none" strike="noStrike" cap="none" dirty="0">
+              <a:effectLst/>
+              <a:latin typeface="Times New Roman" panose="02020603050405020304" pitchFamily="18" charset="0"/>
+              <a:ea typeface="Arial" panose="020B0604020202020204" pitchFamily="34" charset="0"/>
+              <a:cs typeface="Times New Roman" panose="02020603050405020304" pitchFamily="18" charset="0"/>
+            </a:endParaRPr>
+          </a:p>
+          <a:p>
+            <a:pPr marL="285750" marR="0" lvl="0" indent="-285750" algn="just" fontAlgn="base">
+              <a:lnSpc>
+                <a:spcPct val="114000"/>
+              </a:lnSpc>
+              <a:buClr>
+                <a:srgbClr val="000000"/>
+              </a:buClr>
+              <a:buSzPts val="1100"/>
+              <a:buFont typeface="Wingdings" panose="05000000000000000000" pitchFamily="2" charset="2"/>
+              <a:buChar char="q"/>
+            </a:pPr>
+            <a:r>
+              <a:rPr lang="en-IN" sz="1600" b="1" u="none" strike="noStrike" cap="none" dirty="0">
+                <a:solidFill>
+                  <a:srgbClr val="1B1C1D"/>
+                </a:solidFill>
+                <a:effectLst/>
+                <a:latin typeface="Times New Roman" panose="02020603050405020304" pitchFamily="18" charset="0"/>
+                <a:ea typeface="Google Sans Text"/>
+                <a:cs typeface="Times New Roman" panose="02020603050405020304" pitchFamily="18" charset="0"/>
+              </a:rPr>
+              <a:t>Matrix breakdown:</a:t>
+            </a:r>
+            <a:endParaRPr lang="en-IN" sz="1600" cap="none" dirty="0">
+              <a:latin typeface="Times New Roman" panose="02020603050405020304" pitchFamily="18" charset="0"/>
+              <a:ea typeface="Google Sans Text"/>
+              <a:cs typeface="Times New Roman" panose="02020603050405020304" pitchFamily="18" charset="0"/>
+            </a:endParaRPr>
+          </a:p>
+          <a:p>
+            <a:pPr marL="633222" lvl="1" indent="-285750" algn="just" fontAlgn="base">
+              <a:lnSpc>
+                <a:spcPct val="114000"/>
+              </a:lnSpc>
+              <a:buClr>
+                <a:srgbClr val="000000"/>
+              </a:buClr>
+              <a:buSzPts val="1100"/>
+              <a:buFont typeface="Wingdings" panose="05000000000000000000" pitchFamily="2" charset="2"/>
+              <a:buChar char="v"/>
+            </a:pPr>
+            <a:r>
+              <a:rPr lang="en-IN" sz="1600" b="1" u="none" strike="noStrike" cap="none" dirty="0">
+                <a:solidFill>
+                  <a:srgbClr val="1B1C1D"/>
+                </a:solidFill>
+                <a:effectLst/>
+                <a:latin typeface="Times New Roman" panose="02020603050405020304" pitchFamily="18" charset="0"/>
+                <a:ea typeface="Google Sans Text"/>
+                <a:cs typeface="Times New Roman" panose="02020603050405020304" pitchFamily="18" charset="0"/>
+              </a:rPr>
+              <a:t>True negatives (TN): 925</a:t>
+            </a:r>
+            <a:r>
+              <a:rPr lang="en-IN" sz="1600" b="1" cap="none" dirty="0">
+                <a:latin typeface="Times New Roman" panose="02020603050405020304" pitchFamily="18" charset="0"/>
+                <a:ea typeface="Google Sans Text"/>
+                <a:cs typeface="Times New Roman" panose="02020603050405020304" pitchFamily="18" charset="0"/>
+              </a:rPr>
+              <a:t>: </a:t>
+            </a:r>
+            <a:r>
+              <a:rPr lang="en-IN" sz="1600" u="none" strike="noStrike" cap="none" dirty="0">
+                <a:solidFill>
+                  <a:srgbClr val="1B1C1D"/>
+                </a:solidFill>
+                <a:effectLst/>
+                <a:latin typeface="Times New Roman" panose="02020603050405020304" pitchFamily="18" charset="0"/>
+                <a:ea typeface="Google Sans Text"/>
+                <a:cs typeface="Times New Roman" panose="02020603050405020304" pitchFamily="18" charset="0"/>
+              </a:rPr>
+              <a:t>Correctly predicted "no churn" (customers who did not churn).</a:t>
+            </a:r>
+            <a:endParaRPr lang="en-IN" sz="1600" cap="none" dirty="0">
+              <a:latin typeface="Times New Roman" panose="02020603050405020304" pitchFamily="18" charset="0"/>
+              <a:ea typeface="Google Sans Text"/>
+              <a:cs typeface="Times New Roman" panose="02020603050405020304" pitchFamily="18" charset="0"/>
+            </a:endParaRPr>
+          </a:p>
+          <a:p>
+            <a:pPr marL="633222" lvl="1" indent="-285750" algn="just" fontAlgn="base">
+              <a:lnSpc>
+                <a:spcPct val="114000"/>
+              </a:lnSpc>
+              <a:buClr>
+                <a:srgbClr val="000000"/>
+              </a:buClr>
+              <a:buSzPts val="1100"/>
+              <a:buFont typeface="Wingdings" panose="05000000000000000000" pitchFamily="2" charset="2"/>
+              <a:buChar char="v"/>
+            </a:pPr>
+            <a:r>
+              <a:rPr lang="en-IN" sz="1600" b="1" u="none" strike="noStrike" cap="none" dirty="0">
+                <a:solidFill>
+                  <a:srgbClr val="1B1C1D"/>
+                </a:solidFill>
+                <a:effectLst/>
+                <a:latin typeface="Times New Roman" panose="02020603050405020304" pitchFamily="18" charset="0"/>
+                <a:ea typeface="Google Sans Text"/>
+                <a:cs typeface="Times New Roman" panose="02020603050405020304" pitchFamily="18" charset="0"/>
+              </a:rPr>
+              <a:t>False positives (FP): 110</a:t>
+            </a:r>
+            <a:r>
+              <a:rPr lang="en-IN" sz="1600" b="1" cap="none" dirty="0">
+                <a:latin typeface="Times New Roman" panose="02020603050405020304" pitchFamily="18" charset="0"/>
+                <a:ea typeface="Google Sans Text"/>
+                <a:cs typeface="Times New Roman" panose="02020603050405020304" pitchFamily="18" charset="0"/>
+              </a:rPr>
+              <a:t>: </a:t>
+            </a:r>
+            <a:r>
+              <a:rPr lang="en-IN" sz="1600" u="none" strike="noStrike" cap="none" dirty="0">
+                <a:solidFill>
+                  <a:srgbClr val="1B1C1D"/>
+                </a:solidFill>
+                <a:effectLst/>
+                <a:latin typeface="Times New Roman" panose="02020603050405020304" pitchFamily="18" charset="0"/>
+                <a:ea typeface="Google Sans Text"/>
+                <a:cs typeface="Times New Roman" panose="02020603050405020304" pitchFamily="18" charset="0"/>
+              </a:rPr>
+              <a:t>Incorrectly predicted "churn" (customers who did not churn but were flagged).</a:t>
+            </a:r>
+            <a:r>
+              <a:rPr lang="en-IN" sz="1600" cap="none" dirty="0">
+                <a:latin typeface="Times New Roman" panose="02020603050405020304" pitchFamily="18" charset="0"/>
+                <a:ea typeface="Google Sans Text"/>
+                <a:cs typeface="Times New Roman" panose="02020603050405020304" pitchFamily="18" charset="0"/>
+              </a:rPr>
+              <a:t> </a:t>
+            </a:r>
+            <a:r>
+              <a:rPr lang="en-IN" sz="1600" u="none" strike="noStrike" cap="none" dirty="0">
+                <a:solidFill>
+                  <a:srgbClr val="1B1C1D"/>
+                </a:solidFill>
+                <a:effectLst/>
+                <a:latin typeface="Times New Roman" panose="02020603050405020304" pitchFamily="18" charset="0"/>
+                <a:ea typeface="Google Sans Text"/>
+                <a:cs typeface="Times New Roman" panose="02020603050405020304" pitchFamily="18" charset="0"/>
+              </a:rPr>
+              <a:t>Represents a type </a:t>
+            </a:r>
+            <a:r>
+              <a:rPr lang="en-IN" sz="1600" u="none" strike="noStrike" cap="none" dirty="0" err="1">
+                <a:solidFill>
+                  <a:srgbClr val="1B1C1D"/>
+                </a:solidFill>
+                <a:effectLst/>
+                <a:latin typeface="Times New Roman" panose="02020603050405020304" pitchFamily="18" charset="0"/>
+                <a:ea typeface="Google Sans Text"/>
+                <a:cs typeface="Times New Roman" panose="02020603050405020304" pitchFamily="18" charset="0"/>
+              </a:rPr>
+              <a:t>i</a:t>
+            </a:r>
+            <a:r>
+              <a:rPr lang="en-IN" sz="1600" u="none" strike="noStrike" cap="none" dirty="0">
+                <a:solidFill>
+                  <a:srgbClr val="1B1C1D"/>
+                </a:solidFill>
+                <a:effectLst/>
+                <a:latin typeface="Times New Roman" panose="02020603050405020304" pitchFamily="18" charset="0"/>
+                <a:ea typeface="Google Sans Text"/>
+                <a:cs typeface="Times New Roman" panose="02020603050405020304" pitchFamily="18" charset="0"/>
+              </a:rPr>
+              <a:t> error.</a:t>
+            </a:r>
+            <a:endParaRPr lang="en-IN" sz="1600" cap="none" dirty="0">
+              <a:latin typeface="Times New Roman" panose="02020603050405020304" pitchFamily="18" charset="0"/>
+              <a:ea typeface="Google Sans Text"/>
+              <a:cs typeface="Times New Roman" panose="02020603050405020304" pitchFamily="18" charset="0"/>
+            </a:endParaRPr>
+          </a:p>
+          <a:p>
+            <a:pPr marL="633222" lvl="1" indent="-285750" algn="just" fontAlgn="base">
+              <a:lnSpc>
+                <a:spcPct val="114000"/>
+              </a:lnSpc>
+              <a:buClr>
+                <a:srgbClr val="000000"/>
+              </a:buClr>
+              <a:buSzPts val="1100"/>
+              <a:buFont typeface="Wingdings" panose="05000000000000000000" pitchFamily="2" charset="2"/>
+              <a:buChar char="v"/>
+            </a:pPr>
+            <a:r>
+              <a:rPr lang="en-IN" sz="1600" b="1" u="none" strike="noStrike" cap="none" dirty="0">
+                <a:solidFill>
+                  <a:srgbClr val="1B1C1D"/>
+                </a:solidFill>
+                <a:effectLst/>
+                <a:latin typeface="Times New Roman" panose="02020603050405020304" pitchFamily="18" charset="0"/>
+                <a:ea typeface="Google Sans Text"/>
+                <a:cs typeface="Times New Roman" panose="02020603050405020304" pitchFamily="18" charset="0"/>
+              </a:rPr>
+              <a:t>False negatives (FN): 166: </a:t>
+            </a:r>
+            <a:r>
+              <a:rPr lang="en-IN" sz="1600" u="none" strike="noStrike" cap="none" dirty="0">
+                <a:solidFill>
+                  <a:srgbClr val="1B1C1D"/>
+                </a:solidFill>
+                <a:effectLst/>
+                <a:latin typeface="Times New Roman" panose="02020603050405020304" pitchFamily="18" charset="0"/>
+                <a:ea typeface="Google Sans Text"/>
+                <a:cs typeface="Times New Roman" panose="02020603050405020304" pitchFamily="18" charset="0"/>
+              </a:rPr>
+              <a:t>Incorrectly predicted "no churn" (customers who churned but were missed).</a:t>
+            </a:r>
+            <a:r>
+              <a:rPr lang="en-IN" sz="1600" cap="none" dirty="0">
+                <a:latin typeface="Times New Roman" panose="02020603050405020304" pitchFamily="18" charset="0"/>
+                <a:ea typeface="Google Sans Text"/>
+                <a:cs typeface="Times New Roman" panose="02020603050405020304" pitchFamily="18" charset="0"/>
+              </a:rPr>
+              <a:t> </a:t>
+            </a:r>
+            <a:r>
+              <a:rPr lang="en-IN" sz="1600" u="none" strike="noStrike" cap="none" dirty="0">
+                <a:solidFill>
+                  <a:srgbClr val="1B1C1D"/>
+                </a:solidFill>
+                <a:effectLst/>
+                <a:latin typeface="Times New Roman" panose="02020603050405020304" pitchFamily="18" charset="0"/>
+                <a:ea typeface="Google Sans Text"/>
+                <a:cs typeface="Times New Roman" panose="02020603050405020304" pitchFamily="18" charset="0"/>
+              </a:rPr>
+              <a:t>Represents a type ii error; often more costly as it means lost customers.</a:t>
+            </a:r>
+            <a:endParaRPr lang="en-IN" sz="1600" cap="none" dirty="0">
+              <a:latin typeface="Times New Roman" panose="02020603050405020304" pitchFamily="18" charset="0"/>
+              <a:ea typeface="Google Sans Text"/>
+              <a:cs typeface="Times New Roman" panose="02020603050405020304" pitchFamily="18" charset="0"/>
+            </a:endParaRPr>
+          </a:p>
+          <a:p>
+            <a:pPr marL="633222" lvl="1" indent="-285750" algn="just" fontAlgn="base">
+              <a:lnSpc>
+                <a:spcPct val="114000"/>
+              </a:lnSpc>
+              <a:buClr>
+                <a:srgbClr val="000000"/>
+              </a:buClr>
+              <a:buSzPts val="1100"/>
+              <a:buFont typeface="Wingdings" panose="05000000000000000000" pitchFamily="2" charset="2"/>
+              <a:buChar char="v"/>
+            </a:pPr>
+            <a:r>
+              <a:rPr lang="en-IN" sz="1600" b="1" u="none" strike="noStrike" cap="none" dirty="0">
+                <a:solidFill>
+                  <a:srgbClr val="1B1C1D"/>
+                </a:solidFill>
+                <a:effectLst/>
+                <a:latin typeface="Times New Roman" panose="02020603050405020304" pitchFamily="18" charset="0"/>
+                <a:ea typeface="Google Sans Text"/>
+                <a:cs typeface="Times New Roman" panose="02020603050405020304" pitchFamily="18" charset="0"/>
+              </a:rPr>
+              <a:t>True positives (TP): 208: </a:t>
+            </a:r>
+            <a:r>
+              <a:rPr lang="en-IN" sz="1600" u="none" strike="noStrike" cap="none" dirty="0">
+                <a:solidFill>
+                  <a:srgbClr val="1B1C1D"/>
+                </a:solidFill>
+                <a:effectLst/>
+                <a:latin typeface="Times New Roman" panose="02020603050405020304" pitchFamily="18" charset="0"/>
+                <a:ea typeface="Google Sans Text"/>
+                <a:cs typeface="Times New Roman" panose="02020603050405020304" pitchFamily="18" charset="0"/>
+              </a:rPr>
+              <a:t>Correctly predicted "churn" (customers who actually churned).</a:t>
+            </a:r>
+            <a:endParaRPr lang="en-IN" sz="1600" u="none" strike="noStrike" cap="none" dirty="0">
+              <a:effectLst/>
+              <a:latin typeface="Times New Roman" panose="02020603050405020304" pitchFamily="18" charset="0"/>
+              <a:ea typeface="Arial" panose="020B0604020202020204" pitchFamily="34" charset="0"/>
+              <a:cs typeface="Times New Roman" panose="02020603050405020304" pitchFamily="18" charset="0"/>
+            </a:endParaRPr>
+          </a:p>
+          <a:p>
+            <a:pPr marL="285750" marR="0" lvl="0" indent="-285750" algn="just" fontAlgn="base">
+              <a:lnSpc>
+                <a:spcPct val="114000"/>
+              </a:lnSpc>
+              <a:spcAft>
+                <a:spcPts val="600"/>
+              </a:spcAft>
+              <a:buClr>
+                <a:srgbClr val="000000"/>
+              </a:buClr>
+              <a:buSzPts val="1100"/>
+              <a:buFont typeface="Wingdings" panose="05000000000000000000" pitchFamily="2" charset="2"/>
+              <a:buChar char="q"/>
+            </a:pPr>
+            <a:r>
+              <a:rPr lang="en-IN" sz="1600" b="1" u="none" strike="noStrike" cap="none" dirty="0">
+                <a:solidFill>
+                  <a:srgbClr val="1B1C1D"/>
+                </a:solidFill>
+                <a:effectLst/>
+                <a:latin typeface="Times New Roman" panose="02020603050405020304" pitchFamily="18" charset="0"/>
+                <a:ea typeface="Google Sans Text"/>
+                <a:cs typeface="Times New Roman" panose="02020603050405020304" pitchFamily="18" charset="0"/>
+              </a:rPr>
+              <a:t>Conclusion:</a:t>
+            </a:r>
+            <a:r>
+              <a:rPr lang="en-IN" sz="1600" u="none" strike="noStrike" cap="none" dirty="0">
+                <a:solidFill>
+                  <a:srgbClr val="1B1C1D"/>
+                </a:solidFill>
+                <a:effectLst/>
+                <a:latin typeface="Times New Roman" panose="02020603050405020304" pitchFamily="18" charset="0"/>
+                <a:ea typeface="Google Sans Text"/>
+                <a:cs typeface="Times New Roman" panose="02020603050405020304" pitchFamily="18" charset="0"/>
+              </a:rPr>
+              <a:t> the model has a decent number of correct predictions, but the 166 false negatives indicate a need for improvement in identifying actual churners.</a:t>
+            </a:r>
+            <a:endParaRPr lang="en-IN" sz="1600" u="none" strike="noStrike" cap="none" dirty="0">
+              <a:effectLst/>
+              <a:latin typeface="Times New Roman" panose="02020603050405020304" pitchFamily="18" charset="0"/>
+              <a:ea typeface="Arial" panose="020B0604020202020204" pitchFamily="34" charset="0"/>
+              <a:cs typeface="Times New Roman" panose="02020603050405020304" pitchFamily="18" charset="0"/>
+            </a:endParaRPr>
+          </a:p>
+        </p:txBody>
+      </p:sp>
+      <p:sp>
+        <p:nvSpPr>
+          <p:cNvPr id="4" name="Slide Number Placeholder 3">
+            <a:extLst>
+              <a:ext uri="{FF2B5EF4-FFF2-40B4-BE49-F238E27FC236}">
+                <a16:creationId xmlns:a16="http://schemas.microsoft.com/office/drawing/2014/main" id="{BAC368C2-31FE-FA05-2BB0-58445DB2C539}"/>
+              </a:ext>
+            </a:extLst>
+          </p:cNvPr>
+          <p:cNvSpPr>
+            <a:spLocks noGrp="1"/>
+          </p:cNvSpPr>
+          <p:nvPr>
+            <p:ph type="sldNum" sz="quarter" idx="10"/>
+          </p:nvPr>
+        </p:nvSpPr>
+        <p:spPr/>
+        <p:txBody>
+          <a:bodyPr/>
+          <a:lstStyle/>
+          <a:p>
+            <a:fld id="{48F63A3B-78C7-47BE-AE5E-E10140E04643}" type="slidenum">
+              <a:rPr lang="en-US" smtClean="0">
+                <a:solidFill>
+                  <a:schemeClr val="bg1"/>
+                </a:solidFill>
+              </a:rPr>
+              <a:pPr/>
+              <a:t>14</a:t>
+            </a:fld>
+            <a:endParaRPr lang="en-US" dirty="0">
+              <a:solidFill>
+                <a:schemeClr val="bg1"/>
+              </a:solidFill>
+            </a:endParaRPr>
+          </a:p>
+        </p:txBody>
+      </p:sp>
+      <p:pic>
+        <p:nvPicPr>
+          <p:cNvPr id="2049" name="Picture 1">
+            <a:extLst>
+              <a:ext uri="{FF2B5EF4-FFF2-40B4-BE49-F238E27FC236}">
+                <a16:creationId xmlns:a16="http://schemas.microsoft.com/office/drawing/2014/main" id="{5BC7EBA0-900E-BD7E-5142-0C2E91663E25}"/>
+              </a:ext>
+            </a:extLst>
+          </p:cNvPr>
+          <p:cNvPicPr>
+            <a:picLocks noChangeAspect="1" noChangeArrowheads="1"/>
+          </p:cNvPicPr>
+          <p:nvPr/>
+        </p:nvPicPr>
+        <p:blipFill>
+          <a:blip r:embed="rId3"/>
+          <a:srcRect/>
+          <a:stretch/>
+        </p:blipFill>
+        <p:spPr bwMode="auto">
+          <a:xfrm>
+            <a:off x="7177548" y="1161907"/>
+            <a:ext cx="4611329" cy="4345513"/>
+          </a:xfrm>
+          <a:prstGeom prst="rect">
+            <a:avLst/>
+          </a:prstGeom>
+          <a:noFill/>
+          <a:ln w="28575">
+            <a:solidFill>
+              <a:schemeClr val="tx1"/>
+            </a:solidFill>
+          </a:ln>
+          <a:extLst>
+            <a:ext uri="{909E8E84-426E-40DD-AFC4-6F175D3DCCD1}">
+              <a14:hiddenFill xmlns:a14="http://schemas.microsoft.com/office/drawing/2010/main">
+                <a:solidFill>
+                  <a:srgbClr val="FFFFFF"/>
+                </a:solidFill>
+              </a14:hiddenFill>
+            </a:ext>
+          </a:extLst>
+        </p:spPr>
+      </p:pic>
+    </p:spTree>
+    <p:extLst>
+      <p:ext uri="{BB962C8B-B14F-4D97-AF65-F5344CB8AC3E}">
+        <p14:creationId xmlns:p14="http://schemas.microsoft.com/office/powerpoint/2010/main" val="2456687651"/>
+      </p:ext>
+    </p:extLst>
+  </p:cSld>
+  <p:clrMapOvr>
+    <a:masterClrMapping/>
+  </p:clrMapOvr>
+</p:sld>
+</file>
+
+<file path=ppt/slides/slide15.xml><?xml version="1.0" encoding="utf-8"?>
+<p:sld xmlns:a="http://schemas.openxmlformats.org/drawingml/2006/main" xmlns:r="http://schemas.openxmlformats.org/officeDocument/2006/relationships" xmlns:p="http://schemas.openxmlformats.org/presentationml/2006/main">
+  <p:cSld>
+    <p:spTree>
+      <p:nvGrpSpPr>
+        <p:cNvPr id="1" name=""/>
+        <p:cNvGrpSpPr/>
+        <p:nvPr/>
+      </p:nvGrpSpPr>
+      <p:grpSpPr>
+        <a:xfrm>
+          <a:off x="0" y="0"/>
+          <a:ext cx="0" cy="0"/>
+          <a:chOff x="0" y="0"/>
+          <a:chExt cx="0" cy="0"/>
+        </a:xfrm>
+      </p:grpSpPr>
+      <p:sp>
+        <p:nvSpPr>
+          <p:cNvPr id="3" name="Title 2">
+            <a:extLst>
+              <a:ext uri="{FF2B5EF4-FFF2-40B4-BE49-F238E27FC236}">
+                <a16:creationId xmlns:a16="http://schemas.microsoft.com/office/drawing/2014/main" id="{38D62608-F5E4-7EC0-5EF0-4F988DDDEC5B}"/>
+              </a:ext>
+            </a:extLst>
+          </p:cNvPr>
+          <p:cNvSpPr>
+            <a:spLocks noGrp="1"/>
+          </p:cNvSpPr>
+          <p:nvPr>
+            <p:ph type="title"/>
+          </p:nvPr>
+        </p:nvSpPr>
+        <p:spPr>
+          <a:xfrm>
+            <a:off x="1688216" y="1105822"/>
+            <a:ext cx="9875463" cy="677813"/>
+          </a:xfrm>
+        </p:spPr>
+        <p:txBody>
+          <a:bodyPr/>
+          <a:lstStyle/>
+          <a:p>
+            <a:r>
+              <a:rPr lang="en-US" dirty="0"/>
+              <a:t>Conclusion &amp; Recommendations</a:t>
+            </a:r>
+          </a:p>
+        </p:txBody>
+      </p:sp>
+      <p:sp>
+        <p:nvSpPr>
+          <p:cNvPr id="2" name="Slide Number Placeholder 1">
+            <a:extLst>
+              <a:ext uri="{FF2B5EF4-FFF2-40B4-BE49-F238E27FC236}">
+                <a16:creationId xmlns:a16="http://schemas.microsoft.com/office/drawing/2014/main" id="{1DCFAD14-1AAA-8CDA-A49B-523FD6C66F35}"/>
+              </a:ext>
+            </a:extLst>
+          </p:cNvPr>
+          <p:cNvSpPr>
+            <a:spLocks noGrp="1"/>
+          </p:cNvSpPr>
+          <p:nvPr>
+            <p:ph type="sldNum" sz="quarter" idx="10"/>
+          </p:nvPr>
+        </p:nvSpPr>
+        <p:spPr/>
+        <p:txBody>
+          <a:bodyPr/>
+          <a:lstStyle/>
+          <a:p>
+            <a:fld id="{48F63A3B-78C7-47BE-AE5E-E10140E04643}" type="slidenum">
+              <a:rPr lang="en-US" smtClean="0"/>
+              <a:pPr/>
+              <a:t>15</a:t>
+            </a:fld>
+            <a:endParaRPr lang="en-US" dirty="0"/>
+          </a:p>
+        </p:txBody>
+      </p:sp>
+      <p:sp>
+        <p:nvSpPr>
+          <p:cNvPr id="7" name="TextBox 6">
+            <a:extLst>
+              <a:ext uri="{FF2B5EF4-FFF2-40B4-BE49-F238E27FC236}">
+                <a16:creationId xmlns:a16="http://schemas.microsoft.com/office/drawing/2014/main" id="{D331540B-F5E9-6156-A5F5-E458A8EC6DB7}"/>
+              </a:ext>
+            </a:extLst>
+          </p:cNvPr>
+          <p:cNvSpPr txBox="1"/>
+          <p:nvPr/>
+        </p:nvSpPr>
+        <p:spPr>
+          <a:xfrm>
+            <a:off x="1759976" y="1977839"/>
+            <a:ext cx="7993623" cy="2986587"/>
+          </a:xfrm>
+          <a:prstGeom prst="rect">
+            <a:avLst/>
+          </a:prstGeom>
+          <a:noFill/>
+        </p:spPr>
+        <p:txBody>
+          <a:bodyPr wrap="square">
+            <a:spAutoFit/>
+          </a:bodyPr>
+          <a:lstStyle/>
+          <a:p>
+            <a:pPr marL="0" marR="0" algn="just">
+              <a:lnSpc>
+                <a:spcPct val="114000"/>
+              </a:lnSpc>
+              <a:spcAft>
+                <a:spcPts val="600"/>
+              </a:spcAft>
+              <a:buNone/>
+            </a:pPr>
+            <a:r>
+              <a:rPr lang="en-IN" b="1" dirty="0">
+                <a:solidFill>
+                  <a:srgbClr val="1B1C1D"/>
+                </a:solidFill>
+                <a:effectLst/>
+                <a:latin typeface="Times New Roman" panose="02020603050405020304" pitchFamily="18" charset="0"/>
+                <a:ea typeface="Google Sans Text"/>
+                <a:cs typeface="Times New Roman" panose="02020603050405020304" pitchFamily="18" charset="0"/>
+              </a:rPr>
+              <a:t>Key Churn Drivers Identified:</a:t>
+            </a:r>
+            <a:endParaRPr lang="en-IN" dirty="0">
+              <a:effectLst/>
+              <a:latin typeface="Times New Roman" panose="02020603050405020304" pitchFamily="18" charset="0"/>
+              <a:ea typeface="Arial" panose="020B0604020202020204" pitchFamily="34" charset="0"/>
+              <a:cs typeface="Times New Roman" panose="02020603050405020304" pitchFamily="18" charset="0"/>
+            </a:endParaRPr>
+          </a:p>
+          <a:p>
+            <a:pPr marL="342900" marR="0" lvl="0" indent="-342900" algn="just" fontAlgn="base">
+              <a:lnSpc>
+                <a:spcPct val="114000"/>
+              </a:lnSpc>
+              <a:buClr>
+                <a:srgbClr val="000000"/>
+              </a:buClr>
+              <a:buSzPts val="1100"/>
+              <a:buFont typeface="Arial" panose="020B0604020202020204" pitchFamily="34" charset="0"/>
+              <a:buChar char="●"/>
+            </a:pPr>
+            <a:r>
+              <a:rPr lang="en-US" b="1" u="none" strike="noStrike" dirty="0">
+                <a:effectLst/>
+                <a:latin typeface="Times New Roman" panose="02020603050405020304" pitchFamily="18" charset="0"/>
+                <a:ea typeface="Arial" panose="020B0604020202020204" pitchFamily="34" charset="0"/>
+                <a:cs typeface="Times New Roman" panose="02020603050405020304" pitchFamily="18" charset="0"/>
+              </a:rPr>
+              <a:t>Lower Tenure: </a:t>
+            </a:r>
+            <a:r>
+              <a:rPr lang="en-US" u="none" strike="noStrike" dirty="0">
+                <a:effectLst/>
+                <a:latin typeface="Times New Roman" panose="02020603050405020304" pitchFamily="18" charset="0"/>
+                <a:ea typeface="Arial" panose="020B0604020202020204" pitchFamily="34" charset="0"/>
+                <a:cs typeface="Times New Roman" panose="02020603050405020304" pitchFamily="18" charset="0"/>
+              </a:rPr>
+              <a:t>Newer customers are more likely to churn.</a:t>
+            </a:r>
+          </a:p>
+          <a:p>
+            <a:pPr marL="342900" marR="0" lvl="0" indent="-342900" algn="just" fontAlgn="base">
+              <a:lnSpc>
+                <a:spcPct val="114000"/>
+              </a:lnSpc>
+              <a:buClr>
+                <a:srgbClr val="000000"/>
+              </a:buClr>
+              <a:buSzPts val="1100"/>
+              <a:buFont typeface="Arial" panose="020B0604020202020204" pitchFamily="34" charset="0"/>
+              <a:buChar char="●"/>
+            </a:pPr>
+            <a:r>
+              <a:rPr lang="en-US" b="1" u="none" strike="noStrike" dirty="0">
+                <a:effectLst/>
+                <a:latin typeface="Times New Roman" panose="02020603050405020304" pitchFamily="18" charset="0"/>
+                <a:ea typeface="Arial" panose="020B0604020202020204" pitchFamily="34" charset="0"/>
+                <a:cs typeface="Times New Roman" panose="02020603050405020304" pitchFamily="18" charset="0"/>
+              </a:rPr>
+              <a:t>Non-Two-Year Contracts: </a:t>
+            </a:r>
+            <a:r>
+              <a:rPr lang="en-US" u="none" strike="noStrike" dirty="0">
+                <a:effectLst/>
+                <a:latin typeface="Times New Roman" panose="02020603050405020304" pitchFamily="18" charset="0"/>
+                <a:ea typeface="Arial" panose="020B0604020202020204" pitchFamily="34" charset="0"/>
+                <a:cs typeface="Times New Roman" panose="02020603050405020304" pitchFamily="18" charset="0"/>
+              </a:rPr>
+              <a:t>Flexible contracts (e.g., month-to-month) show much higher churn rates.</a:t>
+            </a:r>
+          </a:p>
+          <a:p>
+            <a:pPr marL="342900" marR="0" lvl="0" indent="-342900" algn="just" fontAlgn="base">
+              <a:lnSpc>
+                <a:spcPct val="114000"/>
+              </a:lnSpc>
+              <a:buClr>
+                <a:srgbClr val="000000"/>
+              </a:buClr>
+              <a:buSzPts val="1100"/>
+              <a:buFont typeface="Arial" panose="020B0604020202020204" pitchFamily="34" charset="0"/>
+              <a:buChar char="●"/>
+            </a:pPr>
+            <a:r>
+              <a:rPr lang="en-US" b="1" u="none" strike="noStrike" dirty="0">
+                <a:effectLst/>
+                <a:latin typeface="Times New Roman" panose="02020603050405020304" pitchFamily="18" charset="0"/>
+                <a:ea typeface="Arial" panose="020B0604020202020204" pitchFamily="34" charset="0"/>
+                <a:cs typeface="Times New Roman" panose="02020603050405020304" pitchFamily="18" charset="0"/>
+              </a:rPr>
+              <a:t>Electronic Check Payment Method: </a:t>
+            </a:r>
+            <a:r>
+              <a:rPr lang="en-US" u="none" strike="noStrike" dirty="0">
+                <a:effectLst/>
+                <a:latin typeface="Times New Roman" panose="02020603050405020304" pitchFamily="18" charset="0"/>
+                <a:ea typeface="Arial" panose="020B0604020202020204" pitchFamily="34" charset="0"/>
+                <a:cs typeface="Times New Roman" panose="02020603050405020304" pitchFamily="18" charset="0"/>
+              </a:rPr>
+              <a:t>This payment method is strongly associated with churn.</a:t>
+            </a:r>
+          </a:p>
+          <a:p>
+            <a:pPr marL="342900" marR="0" lvl="0" indent="-342900" algn="just" fontAlgn="base">
+              <a:lnSpc>
+                <a:spcPct val="114000"/>
+              </a:lnSpc>
+              <a:buClr>
+                <a:srgbClr val="000000"/>
+              </a:buClr>
+              <a:buSzPts val="1100"/>
+              <a:buFont typeface="Arial" panose="020B0604020202020204" pitchFamily="34" charset="0"/>
+              <a:buChar char="●"/>
+            </a:pPr>
+            <a:r>
+              <a:rPr lang="en-US" b="1" u="none" strike="noStrike" dirty="0">
+                <a:effectLst/>
+                <a:latin typeface="Times New Roman" panose="02020603050405020304" pitchFamily="18" charset="0"/>
+                <a:ea typeface="Arial" panose="020B0604020202020204" pitchFamily="34" charset="0"/>
+                <a:cs typeface="Times New Roman" panose="02020603050405020304" pitchFamily="18" charset="0"/>
+              </a:rPr>
+              <a:t>Monthly Charges: </a:t>
+            </a:r>
+            <a:r>
+              <a:rPr lang="en-US" u="none" strike="noStrike" dirty="0">
+                <a:effectLst/>
+                <a:latin typeface="Times New Roman" panose="02020603050405020304" pitchFamily="18" charset="0"/>
+                <a:ea typeface="Arial" panose="020B0604020202020204" pitchFamily="34" charset="0"/>
+                <a:cs typeface="Times New Roman" panose="02020603050405020304" pitchFamily="18" charset="0"/>
+              </a:rPr>
+              <a:t>Slightly higher monthly charges may contribute to churn.</a:t>
+            </a:r>
+          </a:p>
+          <a:p>
+            <a:pPr marL="342900" marR="0" lvl="0" indent="-342900" algn="just" fontAlgn="base">
+              <a:lnSpc>
+                <a:spcPct val="114000"/>
+              </a:lnSpc>
+              <a:buClr>
+                <a:srgbClr val="000000"/>
+              </a:buClr>
+              <a:buSzPts val="1100"/>
+              <a:buFont typeface="Arial" panose="020B0604020202020204" pitchFamily="34" charset="0"/>
+              <a:buChar char="●"/>
+            </a:pPr>
+            <a:r>
+              <a:rPr lang="en-US" b="1" u="none" strike="noStrike" dirty="0">
+                <a:effectLst/>
+                <a:latin typeface="Times New Roman" panose="02020603050405020304" pitchFamily="18" charset="0"/>
+                <a:ea typeface="Arial" panose="020B0604020202020204" pitchFamily="34" charset="0"/>
+                <a:cs typeface="Times New Roman" panose="02020603050405020304" pitchFamily="18" charset="0"/>
+              </a:rPr>
+              <a:t>Model Performance:</a:t>
+            </a:r>
+            <a:r>
+              <a:rPr lang="en-US" u="none" strike="noStrike" dirty="0">
+                <a:effectLst/>
+                <a:latin typeface="Times New Roman" panose="02020603050405020304" pitchFamily="18" charset="0"/>
+                <a:ea typeface="Arial" panose="020B0604020202020204" pitchFamily="34" charset="0"/>
+                <a:cs typeface="Times New Roman" panose="02020603050405020304" pitchFamily="18" charset="0"/>
+              </a:rPr>
+              <a:t> The Random Forest model achieved ~79% accuracy, but recall for the churn class (49%) needs improvement.</a:t>
+            </a:r>
+            <a:endParaRPr lang="en-IN" u="none" strike="noStrike" dirty="0">
+              <a:effectLst/>
+              <a:latin typeface="Times New Roman" panose="02020603050405020304" pitchFamily="18" charset="0"/>
+              <a:ea typeface="Arial" panose="020B0604020202020204" pitchFamily="34" charset="0"/>
+              <a:cs typeface="Times New Roman" panose="02020603050405020304" pitchFamily="18" charset="0"/>
+            </a:endParaRPr>
+          </a:p>
+        </p:txBody>
+      </p:sp>
+    </p:spTree>
+    <p:extLst>
+      <p:ext uri="{BB962C8B-B14F-4D97-AF65-F5344CB8AC3E}">
+        <p14:creationId xmlns:p14="http://schemas.microsoft.com/office/powerpoint/2010/main" val="2498021601"/>
+      </p:ext>
+    </p:extLst>
+  </p:cSld>
+  <p:clrMapOvr>
+    <a:masterClrMapping/>
+  </p:clrMapOvr>
+</p:sld>
+</file>
+
+<file path=ppt/slides/slide16.xml><?xml version="1.0" encoding="utf-8"?>
+<p:sld xmlns:a="http://schemas.openxmlformats.org/drawingml/2006/main" xmlns:r="http://schemas.openxmlformats.org/officeDocument/2006/relationships" xmlns:p="http://schemas.openxmlformats.org/presentationml/2006/main">
+  <p:cSld>
+    <p:spTree>
+      <p:nvGrpSpPr>
+        <p:cNvPr id="1" name="">
+          <a:extLst>
+            <a:ext uri="{FF2B5EF4-FFF2-40B4-BE49-F238E27FC236}">
+              <a16:creationId xmlns:a16="http://schemas.microsoft.com/office/drawing/2014/main" id="{760B82FB-E8B8-63CE-77B4-8D7ED26875A2}"/>
+            </a:ext>
+          </a:extLst>
+        </p:cNvPr>
+        <p:cNvGrpSpPr/>
+        <p:nvPr/>
+      </p:nvGrpSpPr>
+      <p:grpSpPr>
+        <a:xfrm>
+          <a:off x="0" y="0"/>
+          <a:ext cx="0" cy="0"/>
+          <a:chOff x="0" y="0"/>
+          <a:chExt cx="0" cy="0"/>
+        </a:xfrm>
+      </p:grpSpPr>
+      <p:sp>
+        <p:nvSpPr>
+          <p:cNvPr id="3" name="Title 2">
+            <a:extLst>
+              <a:ext uri="{FF2B5EF4-FFF2-40B4-BE49-F238E27FC236}">
+                <a16:creationId xmlns:a16="http://schemas.microsoft.com/office/drawing/2014/main" id="{BB6BA282-139D-53F9-EAB8-782C4D0AD1A3}"/>
+              </a:ext>
+            </a:extLst>
+          </p:cNvPr>
+          <p:cNvSpPr>
+            <a:spLocks noGrp="1"/>
+          </p:cNvSpPr>
+          <p:nvPr>
+            <p:ph type="title"/>
+          </p:nvPr>
+        </p:nvSpPr>
+        <p:spPr>
+          <a:xfrm>
+            <a:off x="1835700" y="428009"/>
+            <a:ext cx="9875463" cy="677813"/>
+          </a:xfrm>
+        </p:spPr>
+        <p:txBody>
+          <a:bodyPr/>
+          <a:lstStyle/>
+          <a:p>
+            <a:r>
+              <a:rPr lang="en-US" dirty="0">
+                <a:solidFill>
+                  <a:schemeClr val="accent6"/>
+                </a:solidFill>
+              </a:rPr>
+              <a:t>Conclusion &amp; Recommendations</a:t>
+            </a:r>
+          </a:p>
+        </p:txBody>
+      </p:sp>
+      <p:sp>
+        <p:nvSpPr>
+          <p:cNvPr id="2" name="Slide Number Placeholder 1">
+            <a:extLst>
+              <a:ext uri="{FF2B5EF4-FFF2-40B4-BE49-F238E27FC236}">
+                <a16:creationId xmlns:a16="http://schemas.microsoft.com/office/drawing/2014/main" id="{0161DB37-70BD-F632-1544-4FE5B237415A}"/>
+              </a:ext>
+            </a:extLst>
+          </p:cNvPr>
+          <p:cNvSpPr>
+            <a:spLocks noGrp="1"/>
+          </p:cNvSpPr>
+          <p:nvPr>
+            <p:ph type="sldNum" sz="quarter" idx="10"/>
+          </p:nvPr>
+        </p:nvSpPr>
+        <p:spPr/>
+        <p:txBody>
+          <a:bodyPr/>
+          <a:lstStyle/>
+          <a:p>
+            <a:fld id="{48F63A3B-78C7-47BE-AE5E-E10140E04643}" type="slidenum">
+              <a:rPr lang="en-US" smtClean="0"/>
+              <a:pPr/>
+              <a:t>16</a:t>
+            </a:fld>
+            <a:endParaRPr lang="en-US" dirty="0"/>
+          </a:p>
+        </p:txBody>
+      </p:sp>
+      <p:sp>
+        <p:nvSpPr>
+          <p:cNvPr id="9" name="TextBox 8">
+            <a:extLst>
+              <a:ext uri="{FF2B5EF4-FFF2-40B4-BE49-F238E27FC236}">
+                <a16:creationId xmlns:a16="http://schemas.microsoft.com/office/drawing/2014/main" id="{A61DFCA3-B427-EBD3-A89B-68D554AC3ABE}"/>
+              </a:ext>
+            </a:extLst>
+          </p:cNvPr>
+          <p:cNvSpPr txBox="1"/>
+          <p:nvPr/>
+        </p:nvSpPr>
+        <p:spPr>
+          <a:xfrm>
+            <a:off x="1224588" y="1251941"/>
+            <a:ext cx="9742824" cy="4077270"/>
+          </a:xfrm>
+          <a:prstGeom prst="rect">
+            <a:avLst/>
+          </a:prstGeom>
+          <a:noFill/>
+        </p:spPr>
+        <p:txBody>
+          <a:bodyPr wrap="square">
+            <a:spAutoFit/>
+          </a:bodyPr>
+          <a:lstStyle/>
+          <a:p>
+            <a:pPr marL="0" marR="0" algn="just">
+              <a:lnSpc>
+                <a:spcPct val="114000"/>
+              </a:lnSpc>
+              <a:spcBef>
+                <a:spcPts val="600"/>
+              </a:spcBef>
+              <a:spcAft>
+                <a:spcPts val="600"/>
+              </a:spcAft>
+              <a:buNone/>
+            </a:pPr>
+            <a:r>
+              <a:rPr lang="en-IN" b="1" dirty="0">
+                <a:solidFill>
+                  <a:srgbClr val="1B1C1D"/>
+                </a:solidFill>
+                <a:effectLst/>
+                <a:latin typeface="Times New Roman" panose="02020603050405020304" pitchFamily="18" charset="0"/>
+                <a:ea typeface="Google Sans Text"/>
+                <a:cs typeface="Times New Roman" panose="02020603050405020304" pitchFamily="18" charset="0"/>
+              </a:rPr>
+              <a:t>Actionable Recommendations:</a:t>
+            </a:r>
+            <a:endParaRPr lang="en-IN" dirty="0">
+              <a:effectLst/>
+              <a:latin typeface="Times New Roman" panose="02020603050405020304" pitchFamily="18" charset="0"/>
+              <a:ea typeface="Arial" panose="020B0604020202020204" pitchFamily="34" charset="0"/>
+              <a:cs typeface="Times New Roman" panose="02020603050405020304" pitchFamily="18" charset="0"/>
+            </a:endParaRPr>
+          </a:p>
+          <a:p>
+            <a:pPr marL="342900" marR="0" lvl="0" indent="-342900" algn="just" fontAlgn="base">
+              <a:lnSpc>
+                <a:spcPct val="114000"/>
+              </a:lnSpc>
+              <a:buClr>
+                <a:srgbClr val="000000"/>
+              </a:buClr>
+              <a:buSzPts val="1100"/>
+              <a:buFont typeface="+mj-lt"/>
+              <a:buAutoNum type="arabicPeriod"/>
+            </a:pPr>
+            <a:r>
+              <a:rPr lang="en-IN" sz="1600" b="1" u="none" strike="noStrike" dirty="0">
+                <a:solidFill>
+                  <a:srgbClr val="1B1C1D"/>
+                </a:solidFill>
+                <a:effectLst/>
+                <a:latin typeface="Times New Roman" panose="02020603050405020304" pitchFamily="18" charset="0"/>
+                <a:ea typeface="Google Sans Text"/>
+                <a:cs typeface="Times New Roman" panose="02020603050405020304" pitchFamily="18" charset="0"/>
+              </a:rPr>
+              <a:t>Target Early-Stage Customers:</a:t>
+            </a:r>
+            <a:r>
+              <a:rPr lang="en-IN" sz="1600" u="none" strike="noStrike" dirty="0">
+                <a:solidFill>
+                  <a:srgbClr val="1B1C1D"/>
+                </a:solidFill>
+                <a:effectLst/>
+                <a:latin typeface="Times New Roman" panose="02020603050405020304" pitchFamily="18" charset="0"/>
+                <a:ea typeface="Google Sans Text"/>
+                <a:cs typeface="Times New Roman" panose="02020603050405020304" pitchFamily="18" charset="0"/>
+              </a:rPr>
+              <a:t> Implement robust onboarding programs and proactive outreach for new customers (especially those with low tenure) to ensure satisfaction and engagement.</a:t>
+            </a:r>
+            <a:endParaRPr lang="en-IN" sz="1600" u="none" strike="noStrike" dirty="0">
+              <a:effectLst/>
+              <a:latin typeface="Times New Roman" panose="02020603050405020304" pitchFamily="18" charset="0"/>
+              <a:ea typeface="Arial" panose="020B0604020202020204" pitchFamily="34" charset="0"/>
+              <a:cs typeface="Times New Roman" panose="02020603050405020304" pitchFamily="18" charset="0"/>
+            </a:endParaRPr>
+          </a:p>
+          <a:p>
+            <a:pPr marL="342900" marR="0" lvl="0" indent="-342900" algn="just" fontAlgn="base">
+              <a:lnSpc>
+                <a:spcPct val="114000"/>
+              </a:lnSpc>
+              <a:buClr>
+                <a:srgbClr val="000000"/>
+              </a:buClr>
+              <a:buSzPts val="1100"/>
+              <a:buFont typeface="+mj-lt"/>
+              <a:buAutoNum type="arabicPeriod"/>
+            </a:pPr>
+            <a:r>
+              <a:rPr lang="en-IN" sz="1600" b="1" u="none" strike="noStrike" dirty="0">
+                <a:solidFill>
+                  <a:srgbClr val="1B1C1D"/>
+                </a:solidFill>
+                <a:effectLst/>
+                <a:latin typeface="Times New Roman" panose="02020603050405020304" pitchFamily="18" charset="0"/>
+                <a:ea typeface="Google Sans Text"/>
+                <a:cs typeface="Times New Roman" panose="02020603050405020304" pitchFamily="18" charset="0"/>
+              </a:rPr>
+              <a:t>Promote Longer Contracts:</a:t>
+            </a:r>
+            <a:r>
+              <a:rPr lang="en-IN" sz="1600" u="none" strike="noStrike" dirty="0">
+                <a:solidFill>
+                  <a:srgbClr val="1B1C1D"/>
+                </a:solidFill>
+                <a:effectLst/>
+                <a:latin typeface="Times New Roman" panose="02020603050405020304" pitchFamily="18" charset="0"/>
+                <a:ea typeface="Google Sans Text"/>
+                <a:cs typeface="Times New Roman" panose="02020603050405020304" pitchFamily="18" charset="0"/>
+              </a:rPr>
+              <a:t> Actively encourage customers to sign up for or upgrade to Two-Year contracts through incentives or discounts. Highlight the benefits of stability.</a:t>
+            </a:r>
+            <a:endParaRPr lang="en-IN" sz="1600" u="none" strike="noStrike" dirty="0">
+              <a:effectLst/>
+              <a:latin typeface="Times New Roman" panose="02020603050405020304" pitchFamily="18" charset="0"/>
+              <a:ea typeface="Arial" panose="020B0604020202020204" pitchFamily="34" charset="0"/>
+              <a:cs typeface="Times New Roman" panose="02020603050405020304" pitchFamily="18" charset="0"/>
+            </a:endParaRPr>
+          </a:p>
+          <a:p>
+            <a:pPr marL="342900" marR="0" lvl="0" indent="-342900" algn="just" fontAlgn="base">
+              <a:lnSpc>
+                <a:spcPct val="114000"/>
+              </a:lnSpc>
+              <a:buClr>
+                <a:srgbClr val="000000"/>
+              </a:buClr>
+              <a:buSzPts val="1100"/>
+              <a:buFont typeface="+mj-lt"/>
+              <a:buAutoNum type="arabicPeriod"/>
+            </a:pPr>
+            <a:r>
+              <a:rPr lang="en-IN" sz="1600" b="1" u="none" strike="noStrike" dirty="0">
+                <a:solidFill>
+                  <a:srgbClr val="1B1C1D"/>
+                </a:solidFill>
+                <a:effectLst/>
+                <a:latin typeface="Times New Roman" panose="02020603050405020304" pitchFamily="18" charset="0"/>
+                <a:ea typeface="Google Sans Text"/>
+                <a:cs typeface="Times New Roman" panose="02020603050405020304" pitchFamily="18" charset="0"/>
+              </a:rPr>
+              <a:t>Investigate Electronic Check Issues:</a:t>
+            </a:r>
+            <a:endParaRPr lang="en-IN" sz="1600" u="none" strike="noStrike" dirty="0">
+              <a:effectLst/>
+              <a:latin typeface="Times New Roman" panose="02020603050405020304" pitchFamily="18" charset="0"/>
+              <a:ea typeface="Arial" panose="020B0604020202020204" pitchFamily="34" charset="0"/>
+              <a:cs typeface="Times New Roman" panose="02020603050405020304" pitchFamily="18" charset="0"/>
+            </a:endParaRPr>
+          </a:p>
+          <a:p>
+            <a:pPr marL="742950" marR="0" lvl="1" indent="-285750" algn="just" fontAlgn="base">
+              <a:lnSpc>
+                <a:spcPct val="114000"/>
+              </a:lnSpc>
+              <a:buClr>
+                <a:srgbClr val="000000"/>
+              </a:buClr>
+              <a:buSzPts val="1100"/>
+              <a:buFont typeface="Arial" panose="020B0604020202020204" pitchFamily="34" charset="0"/>
+              <a:buChar char="○"/>
+            </a:pPr>
+            <a:r>
+              <a:rPr lang="en-IN" sz="1600" u="none" strike="noStrike" dirty="0">
+                <a:solidFill>
+                  <a:srgbClr val="1B1C1D"/>
+                </a:solidFill>
+                <a:effectLst/>
+                <a:latin typeface="Times New Roman" panose="02020603050405020304" pitchFamily="18" charset="0"/>
+                <a:ea typeface="Google Sans Text"/>
+                <a:cs typeface="Times New Roman" panose="02020603050405020304" pitchFamily="18" charset="0"/>
+              </a:rPr>
+              <a:t>Analyse customer feedback specifically from those using electronic checks.</a:t>
+            </a:r>
+            <a:endParaRPr lang="en-IN" sz="1600" u="none" strike="noStrike" dirty="0">
+              <a:effectLst/>
+              <a:latin typeface="Times New Roman" panose="02020603050405020304" pitchFamily="18" charset="0"/>
+              <a:ea typeface="Arial" panose="020B0604020202020204" pitchFamily="34" charset="0"/>
+              <a:cs typeface="Times New Roman" panose="02020603050405020304" pitchFamily="18" charset="0"/>
+            </a:endParaRPr>
+          </a:p>
+          <a:p>
+            <a:pPr marL="742950" marR="0" lvl="1" indent="-285750" algn="just" fontAlgn="base">
+              <a:lnSpc>
+                <a:spcPct val="114000"/>
+              </a:lnSpc>
+              <a:buClr>
+                <a:srgbClr val="000000"/>
+              </a:buClr>
+              <a:buSzPts val="1100"/>
+              <a:buFont typeface="Arial" panose="020B0604020202020204" pitchFamily="34" charset="0"/>
+              <a:buChar char="○"/>
+            </a:pPr>
+            <a:r>
+              <a:rPr lang="en-IN" sz="1600" u="none" strike="noStrike" dirty="0">
+                <a:solidFill>
+                  <a:srgbClr val="1B1C1D"/>
+                </a:solidFill>
+                <a:effectLst/>
+                <a:latin typeface="Times New Roman" panose="02020603050405020304" pitchFamily="18" charset="0"/>
+                <a:ea typeface="Google Sans Text"/>
+                <a:cs typeface="Times New Roman" panose="02020603050405020304" pitchFamily="18" charset="0"/>
+              </a:rPr>
+              <a:t>Consider offering incentives to switch to more stable payment methods like credit card automatic payments.</a:t>
+            </a:r>
+            <a:endParaRPr lang="en-IN" sz="1600" u="none" strike="noStrike" dirty="0">
+              <a:effectLst/>
+              <a:latin typeface="Times New Roman" panose="02020603050405020304" pitchFamily="18" charset="0"/>
+              <a:ea typeface="Arial" panose="020B0604020202020204" pitchFamily="34" charset="0"/>
+              <a:cs typeface="Times New Roman" panose="02020603050405020304" pitchFamily="18" charset="0"/>
+            </a:endParaRPr>
+          </a:p>
+          <a:p>
+            <a:pPr marL="742950" marR="0" lvl="1" indent="-285750" algn="just" fontAlgn="base">
+              <a:lnSpc>
+                <a:spcPct val="114000"/>
+              </a:lnSpc>
+              <a:buClr>
+                <a:srgbClr val="000000"/>
+              </a:buClr>
+              <a:buSzPts val="1100"/>
+              <a:buFont typeface="Arial" panose="020B0604020202020204" pitchFamily="34" charset="0"/>
+              <a:buChar char="○"/>
+            </a:pPr>
+            <a:r>
+              <a:rPr lang="en-IN" sz="1600" u="none" strike="noStrike" dirty="0">
+                <a:solidFill>
+                  <a:srgbClr val="1B1C1D"/>
+                </a:solidFill>
+                <a:effectLst/>
+                <a:latin typeface="Times New Roman" panose="02020603050405020304" pitchFamily="18" charset="0"/>
+                <a:ea typeface="Google Sans Text"/>
+                <a:cs typeface="Times New Roman" panose="02020603050405020304" pitchFamily="18" charset="0"/>
+              </a:rPr>
+              <a:t>Ensure the electronic check payment process is seamless and free of friction.</a:t>
+            </a:r>
+            <a:endParaRPr lang="en-IN" sz="1600" u="none" strike="noStrike" dirty="0">
+              <a:effectLst/>
+              <a:latin typeface="Times New Roman" panose="02020603050405020304" pitchFamily="18" charset="0"/>
+              <a:ea typeface="Arial" panose="020B0604020202020204" pitchFamily="34" charset="0"/>
+              <a:cs typeface="Times New Roman" panose="02020603050405020304" pitchFamily="18" charset="0"/>
+            </a:endParaRPr>
+          </a:p>
+          <a:p>
+            <a:pPr marL="342900" marR="0" lvl="0" indent="-342900" algn="just" fontAlgn="base">
+              <a:lnSpc>
+                <a:spcPct val="114000"/>
+              </a:lnSpc>
+              <a:buClr>
+                <a:srgbClr val="000000"/>
+              </a:buClr>
+              <a:buSzPts val="1100"/>
+              <a:buFont typeface="+mj-lt"/>
+              <a:buAutoNum type="arabicPeriod"/>
+            </a:pPr>
+            <a:r>
+              <a:rPr lang="en-IN" sz="1600" b="1" u="none" strike="noStrike" dirty="0">
+                <a:solidFill>
+                  <a:srgbClr val="1B1C1D"/>
+                </a:solidFill>
+                <a:effectLst/>
+                <a:latin typeface="Times New Roman" panose="02020603050405020304" pitchFamily="18" charset="0"/>
+                <a:ea typeface="Google Sans Text"/>
+                <a:cs typeface="Times New Roman" panose="02020603050405020304" pitchFamily="18" charset="0"/>
+              </a:rPr>
+              <a:t>Monitor Monthly Charges:</a:t>
+            </a:r>
+            <a:r>
+              <a:rPr lang="en-IN" sz="1600" u="none" strike="noStrike" dirty="0">
+                <a:solidFill>
+                  <a:srgbClr val="1B1C1D"/>
+                </a:solidFill>
+                <a:effectLst/>
+                <a:latin typeface="Times New Roman" panose="02020603050405020304" pitchFamily="18" charset="0"/>
+                <a:ea typeface="Google Sans Text"/>
+                <a:cs typeface="Times New Roman" panose="02020603050405020304" pitchFamily="18" charset="0"/>
+              </a:rPr>
+              <a:t> Regularly review pricing structures and ensure customers understand the value they receive, especially if charges are perceived as high.</a:t>
+            </a:r>
+            <a:endParaRPr lang="en-IN" sz="1600" u="none" strike="noStrike" dirty="0">
+              <a:effectLst/>
+              <a:latin typeface="Times New Roman" panose="02020603050405020304" pitchFamily="18" charset="0"/>
+              <a:ea typeface="Arial" panose="020B0604020202020204" pitchFamily="34" charset="0"/>
+              <a:cs typeface="Times New Roman" panose="02020603050405020304" pitchFamily="18" charset="0"/>
+            </a:endParaRPr>
+          </a:p>
+          <a:p>
+            <a:pPr marL="342900" marR="0" lvl="0" indent="-342900" algn="just" fontAlgn="base">
+              <a:lnSpc>
+                <a:spcPct val="114000"/>
+              </a:lnSpc>
+              <a:spcAft>
+                <a:spcPts val="600"/>
+              </a:spcAft>
+              <a:buClr>
+                <a:srgbClr val="000000"/>
+              </a:buClr>
+              <a:buSzPts val="1100"/>
+              <a:buFont typeface="+mj-lt"/>
+              <a:buAutoNum type="arabicPeriod"/>
+            </a:pPr>
+            <a:r>
+              <a:rPr lang="en-IN" sz="1600" b="1" u="none" strike="noStrike" dirty="0">
+                <a:solidFill>
+                  <a:srgbClr val="1B1C1D"/>
+                </a:solidFill>
+                <a:effectLst/>
+                <a:latin typeface="Times New Roman" panose="02020603050405020304" pitchFamily="18" charset="0"/>
+                <a:ea typeface="Google Sans Text"/>
+                <a:cs typeface="Times New Roman" panose="02020603050405020304" pitchFamily="18" charset="0"/>
+              </a:rPr>
+              <a:t>Refine Prediction Model:</a:t>
+            </a:r>
+            <a:r>
+              <a:rPr lang="en-IN" sz="1600" u="none" strike="noStrike" dirty="0">
+                <a:solidFill>
+                  <a:srgbClr val="1B1C1D"/>
+                </a:solidFill>
+                <a:effectLst/>
+                <a:latin typeface="Times New Roman" panose="02020603050405020304" pitchFamily="18" charset="0"/>
+                <a:ea typeface="Google Sans Text"/>
+                <a:cs typeface="Times New Roman" panose="02020603050405020304" pitchFamily="18" charset="0"/>
+              </a:rPr>
+              <a:t> Focus on reducing False Negatives in the churn prediction model to better identify and intervene with at-risk customers before they churn.</a:t>
+            </a:r>
+            <a:endParaRPr lang="en-IN" sz="1600" u="none" strike="noStrike" dirty="0">
+              <a:effectLst/>
+              <a:latin typeface="Times New Roman" panose="02020603050405020304" pitchFamily="18" charset="0"/>
+              <a:ea typeface="Arial" panose="020B0604020202020204" pitchFamily="34" charset="0"/>
+              <a:cs typeface="Times New Roman" panose="02020603050405020304" pitchFamily="18" charset="0"/>
+            </a:endParaRPr>
+          </a:p>
+        </p:txBody>
+      </p:sp>
+    </p:spTree>
+    <p:extLst>
+      <p:ext uri="{BB962C8B-B14F-4D97-AF65-F5344CB8AC3E}">
+        <p14:creationId xmlns:p14="http://schemas.microsoft.com/office/powerpoint/2010/main" val="1380456077"/>
+      </p:ext>
+    </p:extLst>
+  </p:cSld>
+  <p:clrMapOvr>
+    <a:masterClrMapping/>
+  </p:clrMapOvr>
+</p:sld>
+</file>
+
+<file path=ppt/slides/slide17.xml><?xml version="1.0" encoding="utf-8"?>
+<p:sld xmlns:a="http://schemas.openxmlformats.org/drawingml/2006/main" xmlns:r="http://schemas.openxmlformats.org/officeDocument/2006/relationships" xmlns:p="http://schemas.openxmlformats.org/presentationml/2006/main">
+  <p:cSld>
+    <p:spTree>
+      <p:nvGrpSpPr>
+        <p:cNvPr id="1" name=""/>
+        <p:cNvGrpSpPr/>
+        <p:nvPr/>
+      </p:nvGrpSpPr>
+      <p:grpSpPr>
+        <a:xfrm>
+          <a:off x="0" y="0"/>
+          <a:ext cx="0" cy="0"/>
+          <a:chOff x="0" y="0"/>
+          <a:chExt cx="0" cy="0"/>
+        </a:xfrm>
+      </p:grpSpPr>
+      <p:sp>
+        <p:nvSpPr>
+          <p:cNvPr id="2" name="Title 1">
+            <a:extLst>
+              <a:ext uri="{FF2B5EF4-FFF2-40B4-BE49-F238E27FC236}">
+                <a16:creationId xmlns:a16="http://schemas.microsoft.com/office/drawing/2014/main" id="{509D22C5-0C9E-B582-A8FE-B45E70A01E7F}"/>
+              </a:ext>
+            </a:extLst>
+          </p:cNvPr>
+          <p:cNvSpPr>
+            <a:spLocks noGrp="1"/>
+          </p:cNvSpPr>
+          <p:nvPr>
+            <p:ph type="ctrTitle"/>
+          </p:nvPr>
+        </p:nvSpPr>
+        <p:spPr>
+          <a:xfrm>
+            <a:off x="786582" y="2065145"/>
+            <a:ext cx="5715000" cy="2727709"/>
+          </a:xfrm>
+        </p:spPr>
+        <p:txBody>
+          <a:bodyPr/>
+          <a:lstStyle/>
+          <a:p>
+            <a:r>
+              <a:rPr lang="en-US" sz="9600" dirty="0">
+                <a:solidFill>
+                  <a:schemeClr val="accent5"/>
+                </a:solidFill>
+              </a:rPr>
+              <a:t>Thank </a:t>
+            </a:r>
+            <a:br>
+              <a:rPr lang="en-US" sz="9600" dirty="0">
+                <a:solidFill>
+                  <a:schemeClr val="accent5"/>
+                </a:solidFill>
+              </a:rPr>
+            </a:br>
+            <a:r>
+              <a:rPr lang="en-US" sz="9600" dirty="0">
+                <a:solidFill>
+                  <a:schemeClr val="accent5"/>
+                </a:solidFill>
+              </a:rPr>
+              <a:t>you</a:t>
+            </a:r>
+          </a:p>
+        </p:txBody>
+      </p:sp>
+    </p:spTree>
+    <p:extLst>
+      <p:ext uri="{BB962C8B-B14F-4D97-AF65-F5344CB8AC3E}">
+        <p14:creationId xmlns:p14="http://schemas.microsoft.com/office/powerpoint/2010/main" val="1973173046"/>
+      </p:ext>
+    </p:extLst>
+  </p:cSld>
+  <p:clrMapOvr>
+    <a:masterClrMapping/>
+  </p:clrMapOvr>
+</p:sld>
+</file>
+
+<file path=ppt/slides/slide2.xml><?xml version="1.0" encoding="utf-8"?>
+<p:sld xmlns:a="http://schemas.openxmlformats.org/drawingml/2006/main" xmlns:r="http://schemas.openxmlformats.org/officeDocument/2006/relationships" xmlns:p="http://schemas.openxmlformats.org/presentationml/2006/main">
+  <p:cSld>
+    <p:spTree>
+      <p:nvGrpSpPr>
+        <p:cNvPr id="1" name=""/>
+        <p:cNvGrpSpPr/>
+        <p:nvPr/>
+      </p:nvGrpSpPr>
+      <p:grpSpPr>
+        <a:xfrm>
+          <a:off x="0" y="0"/>
+          <a:ext cx="0" cy="0"/>
+          <a:chOff x="0" y="0"/>
+          <a:chExt cx="0" cy="0"/>
+        </a:xfrm>
+      </p:grpSpPr>
+      <p:sp>
+        <p:nvSpPr>
+          <p:cNvPr id="2" name="Title 1">
+            <a:extLst>
+              <a:ext uri="{FF2B5EF4-FFF2-40B4-BE49-F238E27FC236}">
+                <a16:creationId xmlns:a16="http://schemas.microsoft.com/office/drawing/2014/main" id="{13021072-4A77-DB4D-DF41-58EADB7DA94E}"/>
+              </a:ext>
+            </a:extLst>
+          </p:cNvPr>
+          <p:cNvSpPr>
+            <a:spLocks noGrp="1"/>
+          </p:cNvSpPr>
+          <p:nvPr>
+            <p:ph type="title"/>
+          </p:nvPr>
+        </p:nvSpPr>
+        <p:spPr>
+          <a:xfrm>
+            <a:off x="412953" y="331766"/>
+            <a:ext cx="3283975" cy="1193843"/>
+          </a:xfrm>
+        </p:spPr>
+        <p:txBody>
+          <a:bodyPr/>
+          <a:lstStyle/>
+          <a:p>
+            <a:r>
+              <a:rPr lang="en-IN" b="1" dirty="0">
+                <a:solidFill>
+                  <a:schemeClr val="accent5"/>
+                </a:solidFill>
+              </a:rPr>
+              <a:t>Agenda</a:t>
+            </a:r>
+            <a:endParaRPr lang="en-US" dirty="0">
+              <a:solidFill>
+                <a:schemeClr val="accent5"/>
+              </a:solidFill>
+            </a:endParaRPr>
+          </a:p>
+        </p:txBody>
+      </p:sp>
+      <p:sp>
+        <p:nvSpPr>
+          <p:cNvPr id="4" name="Slide Number Placeholder 3">
+            <a:extLst>
+              <a:ext uri="{FF2B5EF4-FFF2-40B4-BE49-F238E27FC236}">
+                <a16:creationId xmlns:a16="http://schemas.microsoft.com/office/drawing/2014/main" id="{18D5CFA2-4E67-F157-5FFD-A246307D41F7}"/>
+              </a:ext>
+            </a:extLst>
+          </p:cNvPr>
+          <p:cNvSpPr>
+            <a:spLocks noGrp="1"/>
+          </p:cNvSpPr>
+          <p:nvPr>
+            <p:ph type="sldNum" sz="quarter" idx="10"/>
+          </p:nvPr>
+        </p:nvSpPr>
+        <p:spPr/>
+        <p:txBody>
+          <a:bodyPr/>
+          <a:lstStyle/>
+          <a:p>
+            <a:fld id="{48F63A3B-78C7-47BE-AE5E-E10140E04643}" type="slidenum">
+              <a:rPr lang="en-US" smtClean="0">
+                <a:solidFill>
+                  <a:schemeClr val="bg1"/>
+                </a:solidFill>
+              </a:rPr>
+              <a:pPr/>
+              <a:t>2</a:t>
+            </a:fld>
+            <a:endParaRPr lang="en-US" dirty="0">
+              <a:solidFill>
+                <a:schemeClr val="bg1"/>
+              </a:solidFill>
+            </a:endParaRPr>
+          </a:p>
+        </p:txBody>
+      </p:sp>
+      <p:sp>
+        <p:nvSpPr>
+          <p:cNvPr id="7" name="Content Placeholder 2">
+            <a:extLst>
+              <a:ext uri="{FF2B5EF4-FFF2-40B4-BE49-F238E27FC236}">
+                <a16:creationId xmlns:a16="http://schemas.microsoft.com/office/drawing/2014/main" id="{DAF72CEF-5E22-F10D-4D54-D875FEA47FDA}"/>
+              </a:ext>
+            </a:extLst>
+          </p:cNvPr>
+          <p:cNvSpPr>
+            <a:spLocks noGrp="1"/>
+          </p:cNvSpPr>
+          <p:nvPr>
+            <p:ph idx="1"/>
+          </p:nvPr>
+        </p:nvSpPr>
+        <p:spPr>
+          <a:xfrm>
+            <a:off x="412953" y="1431315"/>
+            <a:ext cx="7157885" cy="3995369"/>
+          </a:xfrm>
+        </p:spPr>
+        <p:txBody>
+          <a:bodyPr>
+            <a:normAutofit/>
+          </a:bodyPr>
+          <a:lstStyle/>
+          <a:p>
+            <a:pPr marL="457200" indent="-457200">
+              <a:buFont typeface="+mj-lt"/>
+              <a:buAutoNum type="arabicParenR"/>
+            </a:pPr>
+            <a:r>
+              <a:rPr lang="en-US" cap="none" dirty="0"/>
+              <a:t>Project purpose</a:t>
+            </a:r>
+          </a:p>
+          <a:p>
+            <a:pPr marL="457200" indent="-457200">
+              <a:buFont typeface="+mj-lt"/>
+              <a:buAutoNum type="arabicParenR"/>
+            </a:pPr>
+            <a:r>
+              <a:rPr lang="en-US" cap="none" dirty="0"/>
+              <a:t>Introduction</a:t>
+            </a:r>
+          </a:p>
+          <a:p>
+            <a:pPr marL="457200" indent="-457200">
+              <a:buFont typeface="+mj-lt"/>
+              <a:buAutoNum type="arabicParenR"/>
+            </a:pPr>
+            <a:r>
+              <a:rPr lang="en-US" cap="none" dirty="0"/>
+              <a:t>Overall Churn Distribution</a:t>
+            </a:r>
+          </a:p>
+          <a:p>
+            <a:pPr marL="457200" indent="-457200">
+              <a:buFont typeface="+mj-lt"/>
+              <a:buAutoNum type="arabicParenR"/>
+            </a:pPr>
+            <a:r>
+              <a:rPr lang="en-US" cap="none" dirty="0"/>
+              <a:t>Data analysis</a:t>
+            </a:r>
+          </a:p>
+          <a:p>
+            <a:pPr marL="457200" indent="-457200">
+              <a:buFont typeface="+mj-lt"/>
+              <a:buAutoNum type="arabicParenR"/>
+            </a:pPr>
+            <a:r>
+              <a:rPr lang="en-US" cap="none" dirty="0"/>
+              <a:t>Model building &amp; evaluation</a:t>
+            </a:r>
+          </a:p>
+          <a:p>
+            <a:pPr marL="457200" indent="-457200">
+              <a:buFont typeface="+mj-lt"/>
+              <a:buAutoNum type="arabicParenR"/>
+            </a:pPr>
+            <a:r>
+              <a:rPr lang="en-US" cap="none" dirty="0"/>
+              <a:t>Conclusion &amp; recommendation </a:t>
+            </a:r>
+          </a:p>
+        </p:txBody>
+      </p:sp>
+    </p:spTree>
+    <p:extLst>
+      <p:ext uri="{BB962C8B-B14F-4D97-AF65-F5344CB8AC3E}">
+        <p14:creationId xmlns:p14="http://schemas.microsoft.com/office/powerpoint/2010/main" val="3913219759"/>
+      </p:ext>
+    </p:extLst>
+  </p:cSld>
+  <p:clrMapOvr>
+    <a:masterClrMapping/>
+  </p:clrMapOvr>
+</p:sld>
+</file>
+
+<file path=ppt/slides/slide3.xml><?xml version="1.0" encoding="utf-8"?>
+<p:sld xmlns:a="http://schemas.openxmlformats.org/drawingml/2006/main" xmlns:r="http://schemas.openxmlformats.org/officeDocument/2006/relationships" xmlns:p="http://schemas.openxmlformats.org/presentationml/2006/main">
+  <p:cSld>
+    <p:spTree>
+      <p:nvGrpSpPr>
+        <p:cNvPr id="1" name="">
+          <a:extLst>
+            <a:ext uri="{FF2B5EF4-FFF2-40B4-BE49-F238E27FC236}">
+              <a16:creationId xmlns:a16="http://schemas.microsoft.com/office/drawing/2014/main" id="{AD4039A2-2C27-8CB6-FD7C-86E42B1487CB}"/>
+            </a:ext>
+          </a:extLst>
+        </p:cNvPr>
+        <p:cNvGrpSpPr/>
+        <p:nvPr/>
+      </p:nvGrpSpPr>
+      <p:grpSpPr>
+        <a:xfrm>
+          <a:off x="0" y="0"/>
+          <a:ext cx="0" cy="0"/>
+          <a:chOff x="0" y="0"/>
+          <a:chExt cx="0" cy="0"/>
+        </a:xfrm>
+      </p:grpSpPr>
+      <p:sp>
+        <p:nvSpPr>
+          <p:cNvPr id="7" name="Title 1">
+            <a:extLst>
+              <a:ext uri="{FF2B5EF4-FFF2-40B4-BE49-F238E27FC236}">
+                <a16:creationId xmlns:a16="http://schemas.microsoft.com/office/drawing/2014/main" id="{D8BB9936-50DF-B6E4-57C2-835079D01208}"/>
+              </a:ext>
+            </a:extLst>
+          </p:cNvPr>
+          <p:cNvSpPr>
+            <a:spLocks noGrp="1"/>
+          </p:cNvSpPr>
+          <p:nvPr>
+            <p:ph type="title"/>
+          </p:nvPr>
+        </p:nvSpPr>
+        <p:spPr>
+          <a:xfrm>
+            <a:off x="2782139" y="324464"/>
+            <a:ext cx="7965461" cy="596413"/>
+          </a:xfrm>
+        </p:spPr>
+        <p:txBody>
+          <a:bodyPr/>
+          <a:lstStyle/>
+          <a:p>
+            <a:r>
+              <a:rPr lang="en-IN" sz="3200" b="1" dirty="0"/>
+              <a:t>Project purpose</a:t>
+            </a:r>
+            <a:endParaRPr lang="en-US" sz="3200" dirty="0"/>
+          </a:p>
+        </p:txBody>
+      </p:sp>
+      <p:sp>
+        <p:nvSpPr>
+          <p:cNvPr id="3" name="Content Placeholder 2">
+            <a:extLst>
+              <a:ext uri="{FF2B5EF4-FFF2-40B4-BE49-F238E27FC236}">
+                <a16:creationId xmlns:a16="http://schemas.microsoft.com/office/drawing/2014/main" id="{B7F5EF70-7EB5-7D78-6A75-792141C04604}"/>
+              </a:ext>
+            </a:extLst>
+          </p:cNvPr>
+          <p:cNvSpPr txBox="1">
+            <a:spLocks/>
+          </p:cNvSpPr>
+          <p:nvPr/>
+        </p:nvSpPr>
+        <p:spPr>
+          <a:xfrm>
+            <a:off x="2654710" y="1215846"/>
+            <a:ext cx="8868697" cy="4201729"/>
+          </a:xfrm>
+          <a:prstGeom prst="rect">
+            <a:avLst/>
+          </a:prstGeom>
+        </p:spPr>
+        <p:txBody>
+          <a:bodyPr>
+            <a:normAutofit/>
+          </a:bodyPr>
+          <a:lstStyle>
+            <a:lvl1pPr marL="228600" indent="-228600" algn="l" defTabSz="914400" rtl="0" eaLnBrk="1" latinLnBrk="0" hangingPunct="1">
+              <a:lnSpc>
+                <a:spcPct val="120000"/>
+              </a:lnSpc>
+              <a:spcBef>
+                <a:spcPts val="1000"/>
+              </a:spcBef>
+              <a:buClr>
+                <a:schemeClr val="accent1"/>
+              </a:buClr>
+              <a:buSzPct val="160000"/>
+              <a:buFont typeface="Arial" panose="020B0604020202020204" pitchFamily="34" charset="0"/>
+              <a:buChar char="•"/>
+              <a:defRPr sz="2000" kern="1200" cap="all" baseline="0">
+                <a:solidFill>
+                  <a:schemeClr val="tx1"/>
+                </a:solidFill>
+                <a:effectLst/>
+                <a:latin typeface="+mn-lt"/>
+                <a:ea typeface="+mn-ea"/>
+                <a:cs typeface="+mn-cs"/>
+              </a:defRPr>
+            </a:lvl1pPr>
+            <a:lvl2pPr marL="685800" indent="-228600" algn="l" defTabSz="914400" rtl="0" eaLnBrk="1" latinLnBrk="0" hangingPunct="1">
+              <a:lnSpc>
+                <a:spcPct val="120000"/>
+              </a:lnSpc>
+              <a:spcBef>
+                <a:spcPts val="500"/>
+              </a:spcBef>
+              <a:buClr>
+                <a:schemeClr val="accent1"/>
+              </a:buClr>
+              <a:buSzPct val="160000"/>
+              <a:buFont typeface="Arial" panose="020B0604020202020204" pitchFamily="34" charset="0"/>
+              <a:buChar char="•"/>
+              <a:defRPr sz="1800" kern="1200" cap="all" baseline="0">
+                <a:solidFill>
+                  <a:schemeClr val="tx1"/>
+                </a:solidFill>
+                <a:effectLst/>
+                <a:latin typeface="+mn-lt"/>
+                <a:ea typeface="+mn-ea"/>
+                <a:cs typeface="+mn-cs"/>
+              </a:defRPr>
+            </a:lvl2pPr>
+            <a:lvl3pPr marL="1143000" indent="-228600" algn="l" defTabSz="914400" rtl="0" eaLnBrk="1" latinLnBrk="0" hangingPunct="1">
+              <a:lnSpc>
+                <a:spcPct val="120000"/>
+              </a:lnSpc>
+              <a:spcBef>
+                <a:spcPts val="500"/>
+              </a:spcBef>
+              <a:buClr>
+                <a:schemeClr val="accent1"/>
+              </a:buClr>
+              <a:buSzPct val="160000"/>
+              <a:buFont typeface="Arial" panose="020B0604020202020204" pitchFamily="34" charset="0"/>
+              <a:buChar char="•"/>
+              <a:defRPr sz="1600" kern="1200" cap="all" baseline="0">
+                <a:solidFill>
+                  <a:schemeClr val="tx1"/>
+                </a:solidFill>
+                <a:effectLst/>
+                <a:latin typeface="+mn-lt"/>
+                <a:ea typeface="+mn-ea"/>
+                <a:cs typeface="+mn-cs"/>
+              </a:defRPr>
+            </a:lvl3pPr>
+            <a:lvl4pPr marL="1600200" indent="-228600" algn="l" defTabSz="914400" rtl="0" eaLnBrk="1" latinLnBrk="0" hangingPunct="1">
+              <a:lnSpc>
+                <a:spcPct val="120000"/>
+              </a:lnSpc>
+              <a:spcBef>
+                <a:spcPts val="500"/>
+              </a:spcBef>
+              <a:buClr>
+                <a:schemeClr val="accent1"/>
+              </a:buClr>
+              <a:buSzPct val="160000"/>
+              <a:buFont typeface="Arial" panose="020B0604020202020204" pitchFamily="34" charset="0"/>
+              <a:buChar char="•"/>
+              <a:defRPr sz="1400" kern="1200" cap="all" baseline="0">
+                <a:solidFill>
+                  <a:schemeClr val="tx1"/>
+                </a:solidFill>
+                <a:effectLst/>
+                <a:latin typeface="+mn-lt"/>
+                <a:ea typeface="+mn-ea"/>
+                <a:cs typeface="+mn-cs"/>
+              </a:defRPr>
+            </a:lvl4pPr>
+            <a:lvl5pPr marL="2057400" indent="-228600" algn="l" defTabSz="914400" rtl="0" eaLnBrk="1" latinLnBrk="0" hangingPunct="1">
+              <a:lnSpc>
+                <a:spcPct val="120000"/>
+              </a:lnSpc>
+              <a:spcBef>
+                <a:spcPts val="500"/>
+              </a:spcBef>
+              <a:buClr>
+                <a:schemeClr val="accent1"/>
+              </a:buClr>
+              <a:buSzPct val="160000"/>
+              <a:buFont typeface="Arial" panose="020B0604020202020204" pitchFamily="34" charset="0"/>
+              <a:buChar char="•"/>
+              <a:defRPr sz="1400" kern="1200" cap="all" baseline="0">
+                <a:solidFill>
+                  <a:schemeClr val="tx1"/>
+                </a:solidFill>
+                <a:effectLst/>
+                <a:latin typeface="+mn-lt"/>
+                <a:ea typeface="+mn-ea"/>
+                <a:cs typeface="+mn-cs"/>
+              </a:defRPr>
+            </a:lvl5pPr>
+            <a:lvl6pPr marL="2514600" indent="-228600" algn="l" defTabSz="914400" rtl="0" eaLnBrk="1" latinLnBrk="0" hangingPunct="1">
+              <a:lnSpc>
+                <a:spcPct val="120000"/>
+              </a:lnSpc>
+              <a:spcBef>
+                <a:spcPts val="500"/>
+              </a:spcBef>
+              <a:buClr>
+                <a:schemeClr val="accent1"/>
+              </a:buClr>
+              <a:buSzPct val="160000"/>
+              <a:buFont typeface="Arial" panose="020B0604020202020204" pitchFamily="34" charset="0"/>
+              <a:buChar char="•"/>
+              <a:defRPr sz="1400" kern="1200" cap="all" baseline="0">
+                <a:solidFill>
+                  <a:schemeClr val="tx1"/>
+                </a:solidFill>
+                <a:effectLst/>
+                <a:latin typeface="+mn-lt"/>
+                <a:ea typeface="+mn-ea"/>
+                <a:cs typeface="+mn-cs"/>
+              </a:defRPr>
+            </a:lvl6pPr>
+            <a:lvl7pPr marL="2971800" indent="-228600" algn="l" defTabSz="914400" rtl="0" eaLnBrk="1" latinLnBrk="0" hangingPunct="1">
+              <a:lnSpc>
+                <a:spcPct val="120000"/>
+              </a:lnSpc>
+              <a:spcBef>
+                <a:spcPts val="500"/>
+              </a:spcBef>
+              <a:buClr>
+                <a:schemeClr val="accent1"/>
+              </a:buClr>
+              <a:buSzPct val="160000"/>
+              <a:buFont typeface="Arial" panose="020B0604020202020204" pitchFamily="34" charset="0"/>
+              <a:buChar char="•"/>
+              <a:defRPr sz="1400" kern="1200" cap="all" baseline="0">
+                <a:solidFill>
+                  <a:schemeClr val="tx1"/>
+                </a:solidFill>
+                <a:effectLst/>
+                <a:latin typeface="+mn-lt"/>
+                <a:ea typeface="+mn-ea"/>
+                <a:cs typeface="+mn-cs"/>
+              </a:defRPr>
+            </a:lvl7pPr>
+            <a:lvl8pPr marL="3429000" indent="-228600" algn="l" defTabSz="914400" rtl="0" eaLnBrk="1" latinLnBrk="0" hangingPunct="1">
+              <a:lnSpc>
+                <a:spcPct val="120000"/>
+              </a:lnSpc>
+              <a:spcBef>
+                <a:spcPts val="500"/>
+              </a:spcBef>
+              <a:buClr>
+                <a:schemeClr val="accent1"/>
+              </a:buClr>
+              <a:buSzPct val="160000"/>
+              <a:buFont typeface="Arial" panose="020B0604020202020204" pitchFamily="34" charset="0"/>
+              <a:buChar char="•"/>
+              <a:defRPr sz="1400" kern="1200" cap="all" baseline="0">
+                <a:solidFill>
+                  <a:schemeClr val="tx1"/>
+                </a:solidFill>
+                <a:effectLst/>
+                <a:latin typeface="+mn-lt"/>
+                <a:ea typeface="+mn-ea"/>
+                <a:cs typeface="+mn-cs"/>
+              </a:defRPr>
+            </a:lvl8pPr>
+            <a:lvl9pPr marL="3886200" indent="-228600" algn="l" defTabSz="914400" rtl="0" eaLnBrk="1" latinLnBrk="0" hangingPunct="1">
+              <a:lnSpc>
+                <a:spcPct val="120000"/>
+              </a:lnSpc>
+              <a:spcBef>
+                <a:spcPts val="500"/>
+              </a:spcBef>
+              <a:buClr>
+                <a:schemeClr val="accent1"/>
+              </a:buClr>
+              <a:buSzPct val="160000"/>
+              <a:buFont typeface="Arial" panose="020B0604020202020204" pitchFamily="34" charset="0"/>
+              <a:buChar char="•"/>
+              <a:defRPr sz="1400" kern="1200" cap="all" baseline="0">
+                <a:solidFill>
+                  <a:schemeClr val="tx1"/>
+                </a:solidFill>
+                <a:effectLst/>
+                <a:latin typeface="+mn-lt"/>
+                <a:ea typeface="+mn-ea"/>
+                <a:cs typeface="+mn-cs"/>
+              </a:defRPr>
+            </a:lvl9pPr>
+          </a:lstStyle>
+          <a:p>
+            <a:pPr algn="just" fontAlgn="base"/>
+            <a:r>
+              <a:rPr lang="en-US" sz="1600" cap="none" dirty="0">
+                <a:latin typeface="Times New Roman" panose="02020603050405020304" pitchFamily="18" charset="0"/>
+                <a:cs typeface="Times New Roman" panose="02020603050405020304" pitchFamily="18" charset="0"/>
+              </a:rPr>
+              <a:t>The primary purpose of a customer churn prediction project is to proactively identify customers who are at high risk of discontinuing their business with a company.</a:t>
+            </a:r>
+          </a:p>
+          <a:p>
+            <a:pPr algn="just" fontAlgn="base"/>
+            <a:r>
+              <a:rPr lang="en-US" sz="1600" cap="none" dirty="0">
+                <a:latin typeface="Times New Roman" panose="02020603050405020304" pitchFamily="18" charset="0"/>
+                <a:cs typeface="Times New Roman" panose="02020603050405020304" pitchFamily="18" charset="0"/>
+              </a:rPr>
+              <a:t>This allows businesses to:</a:t>
+            </a:r>
+          </a:p>
+          <a:p>
+            <a:pPr lvl="1" algn="just" fontAlgn="base"/>
+            <a:r>
+              <a:rPr lang="en-US" sz="1600" b="1" cap="none" dirty="0">
+                <a:latin typeface="Times New Roman" panose="02020603050405020304" pitchFamily="18" charset="0"/>
+                <a:cs typeface="Times New Roman" panose="02020603050405020304" pitchFamily="18" charset="0"/>
+              </a:rPr>
+              <a:t>Implement targeted retention strategies: </a:t>
+            </a:r>
+            <a:r>
+              <a:rPr lang="en-US" sz="1600" cap="none" dirty="0">
+                <a:latin typeface="Times New Roman" panose="02020603050405020304" pitchFamily="18" charset="0"/>
+                <a:cs typeface="Times New Roman" panose="02020603050405020304" pitchFamily="18" charset="0"/>
+              </a:rPr>
+              <a:t>intervene with at-risk customers before they churn, offering personalized incentives or solutions.</a:t>
+            </a:r>
+          </a:p>
+          <a:p>
+            <a:pPr lvl="1" algn="just" fontAlgn="base"/>
+            <a:r>
+              <a:rPr lang="en-US" sz="1600" b="1" cap="none" dirty="0">
+                <a:latin typeface="Times New Roman" panose="02020603050405020304" pitchFamily="18" charset="0"/>
+                <a:cs typeface="Times New Roman" panose="02020603050405020304" pitchFamily="18" charset="0"/>
+              </a:rPr>
+              <a:t>Optimize resource allocation: </a:t>
+            </a:r>
+            <a:r>
+              <a:rPr lang="en-US" sz="1600" cap="none" dirty="0">
+                <a:latin typeface="Times New Roman" panose="02020603050405020304" pitchFamily="18" charset="0"/>
+                <a:cs typeface="Times New Roman" panose="02020603050405020304" pitchFamily="18" charset="0"/>
+              </a:rPr>
+              <a:t>efficiently deploy marketing, sales, and customer support resources towards customers who need attention most.</a:t>
+            </a:r>
+          </a:p>
+          <a:p>
+            <a:pPr lvl="1" algn="just" fontAlgn="base"/>
+            <a:r>
+              <a:rPr lang="en-US" sz="1600" b="1" cap="none" dirty="0">
+                <a:latin typeface="Times New Roman" panose="02020603050405020304" pitchFamily="18" charset="0"/>
+                <a:cs typeface="Times New Roman" panose="02020603050405020304" pitchFamily="18" charset="0"/>
+              </a:rPr>
+              <a:t>Minimize revenue loss: </a:t>
+            </a:r>
+            <a:r>
+              <a:rPr lang="en-US" sz="1600" cap="none" dirty="0">
+                <a:latin typeface="Times New Roman" panose="02020603050405020304" pitchFamily="18" charset="0"/>
+                <a:cs typeface="Times New Roman" panose="02020603050405020304" pitchFamily="18" charset="0"/>
+              </a:rPr>
+              <a:t>reduce the financial impact of customer attrition by retaining valuable customers.</a:t>
+            </a:r>
+          </a:p>
+          <a:p>
+            <a:pPr lvl="1" algn="just" fontAlgn="base"/>
+            <a:r>
+              <a:rPr lang="en-US" sz="1600" b="1" cap="none" dirty="0">
+                <a:latin typeface="Times New Roman" panose="02020603050405020304" pitchFamily="18" charset="0"/>
+                <a:cs typeface="Times New Roman" panose="02020603050405020304" pitchFamily="18" charset="0"/>
+              </a:rPr>
+              <a:t>Improve products and services: </a:t>
+            </a:r>
+            <a:r>
+              <a:rPr lang="en-US" sz="1600" cap="none" dirty="0">
+                <a:latin typeface="Times New Roman" panose="02020603050405020304" pitchFamily="18" charset="0"/>
+                <a:cs typeface="Times New Roman" panose="02020603050405020304" pitchFamily="18" charset="0"/>
+              </a:rPr>
+              <a:t>understand the underlying reasons for churn to make informed decisions about product development, service enhancements, and overall customer experience.</a:t>
+            </a:r>
+            <a:endParaRPr lang="en-IN" sz="1600" cap="none" dirty="0">
+              <a:latin typeface="Times New Roman" panose="02020603050405020304" pitchFamily="18" charset="0"/>
+              <a:cs typeface="Times New Roman" panose="02020603050405020304" pitchFamily="18" charset="0"/>
+            </a:endParaRPr>
+          </a:p>
+        </p:txBody>
+      </p:sp>
+    </p:spTree>
+    <p:extLst>
+      <p:ext uri="{BB962C8B-B14F-4D97-AF65-F5344CB8AC3E}">
+        <p14:creationId xmlns:p14="http://schemas.microsoft.com/office/powerpoint/2010/main" val="3828030397"/>
+      </p:ext>
+    </p:extLst>
+  </p:cSld>
+  <p:clrMapOvr>
+    <a:masterClrMapping/>
+  </p:clrMapOvr>
+</p:sld>
+</file>
+
+<file path=ppt/slides/slide4.xml><?xml version="1.0" encoding="utf-8"?>
+<p:sld xmlns:a="http://schemas.openxmlformats.org/drawingml/2006/main" xmlns:r="http://schemas.openxmlformats.org/officeDocument/2006/relationships" xmlns:p="http://schemas.openxmlformats.org/presentationml/2006/main">
+  <p:cSld>
+    <p:spTree>
+      <p:nvGrpSpPr>
+        <p:cNvPr id="1" name=""/>
+        <p:cNvGrpSpPr/>
+        <p:nvPr/>
+      </p:nvGrpSpPr>
+      <p:grpSpPr>
+        <a:xfrm>
+          <a:off x="0" y="0"/>
+          <a:ext cx="0" cy="0"/>
+          <a:chOff x="0" y="0"/>
+          <a:chExt cx="0" cy="0"/>
+        </a:xfrm>
+      </p:grpSpPr>
+      <p:sp>
+        <p:nvSpPr>
+          <p:cNvPr id="7" name="Title 1">
+            <a:extLst>
+              <a:ext uri="{FF2B5EF4-FFF2-40B4-BE49-F238E27FC236}">
+                <a16:creationId xmlns:a16="http://schemas.microsoft.com/office/drawing/2014/main" id="{4C68531E-E279-DEDB-7C09-DDAA185250DD}"/>
+              </a:ext>
+            </a:extLst>
+          </p:cNvPr>
+          <p:cNvSpPr>
+            <a:spLocks noGrp="1"/>
+          </p:cNvSpPr>
+          <p:nvPr>
+            <p:ph type="title"/>
+          </p:nvPr>
+        </p:nvSpPr>
+        <p:spPr>
+          <a:xfrm>
+            <a:off x="639095" y="634957"/>
+            <a:ext cx="6105833" cy="1193843"/>
+          </a:xfrm>
+        </p:spPr>
+        <p:txBody>
+          <a:bodyPr/>
+          <a:lstStyle/>
+          <a:p>
+            <a:r>
+              <a:rPr lang="en-IN" sz="3200" b="1" dirty="0">
+                <a:solidFill>
+                  <a:schemeClr val="accent5"/>
+                </a:solidFill>
+              </a:rPr>
+              <a:t>Introduction to Customer Churn Prediction</a:t>
+            </a:r>
+            <a:endParaRPr lang="en-US" sz="3200" dirty="0">
+              <a:solidFill>
+                <a:schemeClr val="accent5"/>
+              </a:solidFill>
+            </a:endParaRPr>
+          </a:p>
+        </p:txBody>
+      </p:sp>
+      <p:sp>
+        <p:nvSpPr>
+          <p:cNvPr id="9" name="Content Placeholder 2">
+            <a:extLst>
+              <a:ext uri="{FF2B5EF4-FFF2-40B4-BE49-F238E27FC236}">
+                <a16:creationId xmlns:a16="http://schemas.microsoft.com/office/drawing/2014/main" id="{ED8343D4-7672-751C-13AF-0ADB73629B71}"/>
+              </a:ext>
+            </a:extLst>
+          </p:cNvPr>
+          <p:cNvSpPr txBox="1">
+            <a:spLocks/>
+          </p:cNvSpPr>
+          <p:nvPr/>
+        </p:nvSpPr>
+        <p:spPr>
+          <a:xfrm>
+            <a:off x="639094" y="1828800"/>
+            <a:ext cx="9409473" cy="4240602"/>
+          </a:xfrm>
+          <a:prstGeom prst="rect">
+            <a:avLst/>
+          </a:prstGeom>
+        </p:spPr>
+        <p:txBody>
+          <a:bodyPr>
+            <a:normAutofit/>
+          </a:bodyPr>
+          <a:lstStyle>
+            <a:lvl1pPr marL="228600" indent="-228600" algn="l" defTabSz="914400" rtl="0" eaLnBrk="1" latinLnBrk="0" hangingPunct="1">
+              <a:lnSpc>
+                <a:spcPct val="120000"/>
+              </a:lnSpc>
+              <a:spcBef>
+                <a:spcPts val="1000"/>
+              </a:spcBef>
+              <a:buClr>
+                <a:schemeClr val="accent1"/>
+              </a:buClr>
+              <a:buSzPct val="160000"/>
+              <a:buFont typeface="Arial" panose="020B0604020202020204" pitchFamily="34" charset="0"/>
+              <a:buChar char="•"/>
+              <a:defRPr sz="2000" kern="1200" cap="all" baseline="0">
+                <a:solidFill>
+                  <a:schemeClr val="tx1"/>
+                </a:solidFill>
+                <a:effectLst/>
+                <a:latin typeface="+mn-lt"/>
+                <a:ea typeface="+mn-ea"/>
+                <a:cs typeface="+mn-cs"/>
+              </a:defRPr>
+            </a:lvl1pPr>
+            <a:lvl2pPr marL="685800" indent="-228600" algn="l" defTabSz="914400" rtl="0" eaLnBrk="1" latinLnBrk="0" hangingPunct="1">
+              <a:lnSpc>
+                <a:spcPct val="120000"/>
+              </a:lnSpc>
+              <a:spcBef>
+                <a:spcPts val="500"/>
+              </a:spcBef>
+              <a:buClr>
+                <a:schemeClr val="accent1"/>
+              </a:buClr>
+              <a:buSzPct val="160000"/>
+              <a:buFont typeface="Arial" panose="020B0604020202020204" pitchFamily="34" charset="0"/>
+              <a:buChar char="•"/>
+              <a:defRPr sz="1800" kern="1200" cap="all" baseline="0">
+                <a:solidFill>
+                  <a:schemeClr val="tx1"/>
+                </a:solidFill>
+                <a:effectLst/>
+                <a:latin typeface="+mn-lt"/>
+                <a:ea typeface="+mn-ea"/>
+                <a:cs typeface="+mn-cs"/>
+              </a:defRPr>
+            </a:lvl2pPr>
+            <a:lvl3pPr marL="1143000" indent="-228600" algn="l" defTabSz="914400" rtl="0" eaLnBrk="1" latinLnBrk="0" hangingPunct="1">
+              <a:lnSpc>
+                <a:spcPct val="120000"/>
+              </a:lnSpc>
+              <a:spcBef>
+                <a:spcPts val="500"/>
+              </a:spcBef>
+              <a:buClr>
+                <a:schemeClr val="accent1"/>
+              </a:buClr>
+              <a:buSzPct val="160000"/>
+              <a:buFont typeface="Arial" panose="020B0604020202020204" pitchFamily="34" charset="0"/>
+              <a:buChar char="•"/>
+              <a:defRPr sz="1600" kern="1200" cap="all" baseline="0">
+                <a:solidFill>
+                  <a:schemeClr val="tx1"/>
+                </a:solidFill>
+                <a:effectLst/>
+                <a:latin typeface="+mn-lt"/>
+                <a:ea typeface="+mn-ea"/>
+                <a:cs typeface="+mn-cs"/>
+              </a:defRPr>
+            </a:lvl3pPr>
+            <a:lvl4pPr marL="1600200" indent="-228600" algn="l" defTabSz="914400" rtl="0" eaLnBrk="1" latinLnBrk="0" hangingPunct="1">
+              <a:lnSpc>
+                <a:spcPct val="120000"/>
+              </a:lnSpc>
+              <a:spcBef>
+                <a:spcPts val="500"/>
+              </a:spcBef>
+              <a:buClr>
+                <a:schemeClr val="accent1"/>
+              </a:buClr>
+              <a:buSzPct val="160000"/>
+              <a:buFont typeface="Arial" panose="020B0604020202020204" pitchFamily="34" charset="0"/>
+              <a:buChar char="•"/>
+              <a:defRPr sz="1400" kern="1200" cap="all" baseline="0">
+                <a:solidFill>
+                  <a:schemeClr val="tx1"/>
+                </a:solidFill>
+                <a:effectLst/>
+                <a:latin typeface="+mn-lt"/>
+                <a:ea typeface="+mn-ea"/>
+                <a:cs typeface="+mn-cs"/>
+              </a:defRPr>
+            </a:lvl4pPr>
+            <a:lvl5pPr marL="2057400" indent="-228600" algn="l" defTabSz="914400" rtl="0" eaLnBrk="1" latinLnBrk="0" hangingPunct="1">
+              <a:lnSpc>
+                <a:spcPct val="120000"/>
+              </a:lnSpc>
+              <a:spcBef>
+                <a:spcPts val="500"/>
+              </a:spcBef>
+              <a:buClr>
+                <a:schemeClr val="accent1"/>
+              </a:buClr>
+              <a:buSzPct val="160000"/>
+              <a:buFont typeface="Arial" panose="020B0604020202020204" pitchFamily="34" charset="0"/>
+              <a:buChar char="•"/>
+              <a:defRPr sz="1400" kern="1200" cap="all" baseline="0">
+                <a:solidFill>
+                  <a:schemeClr val="tx1"/>
+                </a:solidFill>
+                <a:effectLst/>
+                <a:latin typeface="+mn-lt"/>
+                <a:ea typeface="+mn-ea"/>
+                <a:cs typeface="+mn-cs"/>
+              </a:defRPr>
+            </a:lvl5pPr>
+            <a:lvl6pPr marL="2514600" indent="-228600" algn="l" defTabSz="914400" rtl="0" eaLnBrk="1" latinLnBrk="0" hangingPunct="1">
+              <a:lnSpc>
+                <a:spcPct val="120000"/>
+              </a:lnSpc>
+              <a:spcBef>
+                <a:spcPts val="500"/>
+              </a:spcBef>
+              <a:buClr>
+                <a:schemeClr val="accent1"/>
+              </a:buClr>
+              <a:buSzPct val="160000"/>
+              <a:buFont typeface="Arial" panose="020B0604020202020204" pitchFamily="34" charset="0"/>
+              <a:buChar char="•"/>
+              <a:defRPr sz="1400" kern="1200" cap="all" baseline="0">
+                <a:solidFill>
+                  <a:schemeClr val="tx1"/>
+                </a:solidFill>
+                <a:effectLst/>
+                <a:latin typeface="+mn-lt"/>
+                <a:ea typeface="+mn-ea"/>
+                <a:cs typeface="+mn-cs"/>
+              </a:defRPr>
+            </a:lvl6pPr>
+            <a:lvl7pPr marL="2971800" indent="-228600" algn="l" defTabSz="914400" rtl="0" eaLnBrk="1" latinLnBrk="0" hangingPunct="1">
+              <a:lnSpc>
+                <a:spcPct val="120000"/>
+              </a:lnSpc>
+              <a:spcBef>
+                <a:spcPts val="500"/>
+              </a:spcBef>
+              <a:buClr>
+                <a:schemeClr val="accent1"/>
+              </a:buClr>
+              <a:buSzPct val="160000"/>
+              <a:buFont typeface="Arial" panose="020B0604020202020204" pitchFamily="34" charset="0"/>
+              <a:buChar char="•"/>
+              <a:defRPr sz="1400" kern="1200" cap="all" baseline="0">
+                <a:solidFill>
+                  <a:schemeClr val="tx1"/>
+                </a:solidFill>
+                <a:effectLst/>
+                <a:latin typeface="+mn-lt"/>
+                <a:ea typeface="+mn-ea"/>
+                <a:cs typeface="+mn-cs"/>
+              </a:defRPr>
+            </a:lvl7pPr>
+            <a:lvl8pPr marL="3429000" indent="-228600" algn="l" defTabSz="914400" rtl="0" eaLnBrk="1" latinLnBrk="0" hangingPunct="1">
+              <a:lnSpc>
+                <a:spcPct val="120000"/>
+              </a:lnSpc>
+              <a:spcBef>
+                <a:spcPts val="500"/>
+              </a:spcBef>
+              <a:buClr>
+                <a:schemeClr val="accent1"/>
+              </a:buClr>
+              <a:buSzPct val="160000"/>
+              <a:buFont typeface="Arial" panose="020B0604020202020204" pitchFamily="34" charset="0"/>
+              <a:buChar char="•"/>
+              <a:defRPr sz="1400" kern="1200" cap="all" baseline="0">
+                <a:solidFill>
+                  <a:schemeClr val="tx1"/>
+                </a:solidFill>
+                <a:effectLst/>
+                <a:latin typeface="+mn-lt"/>
+                <a:ea typeface="+mn-ea"/>
+                <a:cs typeface="+mn-cs"/>
+              </a:defRPr>
+            </a:lvl8pPr>
+            <a:lvl9pPr marL="3886200" indent="-228600" algn="l" defTabSz="914400" rtl="0" eaLnBrk="1" latinLnBrk="0" hangingPunct="1">
+              <a:lnSpc>
+                <a:spcPct val="120000"/>
+              </a:lnSpc>
+              <a:spcBef>
+                <a:spcPts val="500"/>
+              </a:spcBef>
+              <a:buClr>
+                <a:schemeClr val="accent1"/>
+              </a:buClr>
+              <a:buSzPct val="160000"/>
+              <a:buFont typeface="Arial" panose="020B0604020202020204" pitchFamily="34" charset="0"/>
+              <a:buChar char="•"/>
+              <a:defRPr sz="1400" kern="1200" cap="all" baseline="0">
+                <a:solidFill>
+                  <a:schemeClr val="tx1"/>
+                </a:solidFill>
+                <a:effectLst/>
+                <a:latin typeface="+mn-lt"/>
+                <a:ea typeface="+mn-ea"/>
+                <a:cs typeface="+mn-cs"/>
+              </a:defRPr>
+            </a:lvl9pPr>
+          </a:lstStyle>
+          <a:p>
+            <a:pPr algn="just" fontAlgn="base"/>
+            <a:r>
+              <a:rPr lang="en-IN" sz="1800" b="1" dirty="0">
+                <a:latin typeface="Times New Roman" panose="02020603050405020304" pitchFamily="18" charset="0"/>
+                <a:cs typeface="Times New Roman" panose="02020603050405020304" pitchFamily="18" charset="0"/>
+              </a:rPr>
+              <a:t>What is Customer Churn?</a:t>
+            </a:r>
+            <a:endParaRPr lang="en-IN" sz="1400" dirty="0">
+              <a:latin typeface="Times New Roman" panose="02020603050405020304" pitchFamily="18" charset="0"/>
+              <a:cs typeface="Times New Roman" panose="02020603050405020304" pitchFamily="18" charset="0"/>
+            </a:endParaRPr>
+          </a:p>
+          <a:p>
+            <a:pPr lvl="1" algn="just" fontAlgn="base"/>
+            <a:r>
+              <a:rPr lang="en-IN" sz="1600" cap="none" dirty="0">
+                <a:latin typeface="Times New Roman" panose="02020603050405020304" pitchFamily="18" charset="0"/>
+                <a:cs typeface="Times New Roman" panose="02020603050405020304" pitchFamily="18" charset="0"/>
+              </a:rPr>
+              <a:t>Customer churn, or customer attrition, refers to the rate at which customers stop doing business with an entity.</a:t>
+            </a:r>
+            <a:endParaRPr lang="en-IN" sz="1400" cap="none" dirty="0">
+              <a:latin typeface="Times New Roman" panose="02020603050405020304" pitchFamily="18" charset="0"/>
+              <a:cs typeface="Times New Roman" panose="02020603050405020304" pitchFamily="18" charset="0"/>
+            </a:endParaRPr>
+          </a:p>
+          <a:p>
+            <a:pPr lvl="1" algn="just" fontAlgn="base"/>
+            <a:r>
+              <a:rPr lang="en-IN" sz="1600" cap="none" dirty="0">
+                <a:latin typeface="Times New Roman" panose="02020603050405020304" pitchFamily="18" charset="0"/>
+                <a:cs typeface="Times New Roman" panose="02020603050405020304" pitchFamily="18" charset="0"/>
+              </a:rPr>
+              <a:t>It's a critical metric for businesses as retaining existing customers is often more cost-effective than acquiring new ones.</a:t>
+            </a:r>
+            <a:endParaRPr lang="en-IN" sz="1400" cap="none" dirty="0">
+              <a:latin typeface="Times New Roman" panose="02020603050405020304" pitchFamily="18" charset="0"/>
+              <a:cs typeface="Times New Roman" panose="02020603050405020304" pitchFamily="18" charset="0"/>
+            </a:endParaRPr>
+          </a:p>
+          <a:p>
+            <a:pPr algn="just" fontAlgn="base"/>
+            <a:r>
+              <a:rPr lang="en-IN" sz="1800" b="1" dirty="0">
+                <a:latin typeface="Times New Roman" panose="02020603050405020304" pitchFamily="18" charset="0"/>
+                <a:cs typeface="Times New Roman" panose="02020603050405020304" pitchFamily="18" charset="0"/>
+              </a:rPr>
+              <a:t>Why Predict Churn?</a:t>
+            </a:r>
+            <a:endParaRPr lang="en-IN" sz="1400" dirty="0">
+              <a:latin typeface="Times New Roman" panose="02020603050405020304" pitchFamily="18" charset="0"/>
+              <a:cs typeface="Times New Roman" panose="02020603050405020304" pitchFamily="18" charset="0"/>
+            </a:endParaRPr>
+          </a:p>
+          <a:p>
+            <a:pPr lvl="1" algn="just" fontAlgn="base"/>
+            <a:r>
+              <a:rPr lang="en-IN" sz="1600" b="1" dirty="0">
+                <a:latin typeface="Times New Roman" panose="02020603050405020304" pitchFamily="18" charset="0"/>
+                <a:cs typeface="Times New Roman" panose="02020603050405020304" pitchFamily="18" charset="0"/>
+              </a:rPr>
+              <a:t>Proactive Retention:</a:t>
+            </a:r>
+            <a:r>
+              <a:rPr lang="en-IN" sz="1600" dirty="0">
+                <a:latin typeface="Times New Roman" panose="02020603050405020304" pitchFamily="18" charset="0"/>
+                <a:cs typeface="Times New Roman" panose="02020603050405020304" pitchFamily="18" charset="0"/>
+              </a:rPr>
+              <a:t> </a:t>
+            </a:r>
+            <a:r>
+              <a:rPr lang="en-IN" sz="1600" cap="none" dirty="0">
+                <a:latin typeface="Times New Roman" panose="02020603050405020304" pitchFamily="18" charset="0"/>
+                <a:cs typeface="Times New Roman" panose="02020603050405020304" pitchFamily="18" charset="0"/>
+              </a:rPr>
+              <a:t>Identify at-risk customers early to implement targeted retention strategies.</a:t>
+            </a:r>
+            <a:endParaRPr lang="en-IN" sz="1600" dirty="0">
+              <a:latin typeface="Times New Roman" panose="02020603050405020304" pitchFamily="18" charset="0"/>
+              <a:cs typeface="Times New Roman" panose="02020603050405020304" pitchFamily="18" charset="0"/>
+            </a:endParaRPr>
+          </a:p>
+          <a:p>
+            <a:pPr lvl="1" algn="just" fontAlgn="base"/>
+            <a:r>
+              <a:rPr lang="en-IN" sz="1600" b="1" dirty="0">
+                <a:latin typeface="Times New Roman" panose="02020603050405020304" pitchFamily="18" charset="0"/>
+                <a:cs typeface="Times New Roman" panose="02020603050405020304" pitchFamily="18" charset="0"/>
+              </a:rPr>
+              <a:t>Resource Optimization:</a:t>
+            </a:r>
+            <a:r>
+              <a:rPr lang="en-IN" sz="1600" dirty="0">
+                <a:latin typeface="Times New Roman" panose="02020603050405020304" pitchFamily="18" charset="0"/>
+                <a:cs typeface="Times New Roman" panose="02020603050405020304" pitchFamily="18" charset="0"/>
+              </a:rPr>
+              <a:t> </a:t>
+            </a:r>
+            <a:r>
+              <a:rPr lang="en-IN" sz="1600" cap="none" dirty="0">
+                <a:latin typeface="Times New Roman" panose="02020603050405020304" pitchFamily="18" charset="0"/>
+                <a:cs typeface="Times New Roman" panose="02020603050405020304" pitchFamily="18" charset="0"/>
+              </a:rPr>
+              <a:t>Allocate marketing and support resources effectively.</a:t>
+            </a:r>
+            <a:endParaRPr lang="en-IN" sz="1600" dirty="0">
+              <a:latin typeface="Times New Roman" panose="02020603050405020304" pitchFamily="18" charset="0"/>
+              <a:cs typeface="Times New Roman" panose="02020603050405020304" pitchFamily="18" charset="0"/>
+            </a:endParaRPr>
+          </a:p>
+          <a:p>
+            <a:pPr lvl="1" algn="just" fontAlgn="base"/>
+            <a:r>
+              <a:rPr lang="en-IN" sz="1600" b="1" dirty="0">
+                <a:latin typeface="Times New Roman" panose="02020603050405020304" pitchFamily="18" charset="0"/>
+                <a:cs typeface="Times New Roman" panose="02020603050405020304" pitchFamily="18" charset="0"/>
+              </a:rPr>
+              <a:t>Revenue Protection:</a:t>
+            </a:r>
+            <a:r>
+              <a:rPr lang="en-IN" sz="1600" dirty="0">
+                <a:latin typeface="Times New Roman" panose="02020603050405020304" pitchFamily="18" charset="0"/>
+                <a:cs typeface="Times New Roman" panose="02020603050405020304" pitchFamily="18" charset="0"/>
+              </a:rPr>
+              <a:t> </a:t>
+            </a:r>
+            <a:r>
+              <a:rPr lang="en-IN" sz="1600" cap="none" dirty="0">
+                <a:latin typeface="Times New Roman" panose="02020603050405020304" pitchFamily="18" charset="0"/>
+                <a:cs typeface="Times New Roman" panose="02020603050405020304" pitchFamily="18" charset="0"/>
+              </a:rPr>
+              <a:t>Minimize revenue loss from departing customers.</a:t>
+            </a:r>
+            <a:endParaRPr lang="en-IN" sz="1600" dirty="0">
+              <a:latin typeface="Times New Roman" panose="02020603050405020304" pitchFamily="18" charset="0"/>
+              <a:cs typeface="Times New Roman" panose="02020603050405020304" pitchFamily="18" charset="0"/>
+            </a:endParaRPr>
+          </a:p>
+          <a:p>
+            <a:pPr lvl="1" algn="just" fontAlgn="base"/>
+            <a:r>
+              <a:rPr lang="en-IN" sz="1600" b="1" dirty="0">
+                <a:latin typeface="Times New Roman" panose="02020603050405020304" pitchFamily="18" charset="0"/>
+                <a:cs typeface="Times New Roman" panose="02020603050405020304" pitchFamily="18" charset="0"/>
+              </a:rPr>
+              <a:t>Service Improvement:</a:t>
+            </a:r>
+            <a:r>
+              <a:rPr lang="en-IN" sz="1600" dirty="0">
+                <a:latin typeface="Times New Roman" panose="02020603050405020304" pitchFamily="18" charset="0"/>
+                <a:cs typeface="Times New Roman" panose="02020603050405020304" pitchFamily="18" charset="0"/>
+              </a:rPr>
+              <a:t> </a:t>
+            </a:r>
+            <a:r>
+              <a:rPr lang="en-IN" sz="1600" cap="none" dirty="0">
+                <a:latin typeface="Times New Roman" panose="02020603050405020304" pitchFamily="18" charset="0"/>
+                <a:cs typeface="Times New Roman" panose="02020603050405020304" pitchFamily="18" charset="0"/>
+              </a:rPr>
+              <a:t>Understand reasons for churn to improve products/services.</a:t>
+            </a:r>
+            <a:endParaRPr lang="en-IN" sz="1600" dirty="0">
+              <a:latin typeface="Times New Roman" panose="02020603050405020304" pitchFamily="18" charset="0"/>
+              <a:cs typeface="Times New Roman" panose="02020603050405020304" pitchFamily="18" charset="0"/>
+            </a:endParaRPr>
+          </a:p>
+        </p:txBody>
+      </p:sp>
+    </p:spTree>
+    <p:extLst>
+      <p:ext uri="{BB962C8B-B14F-4D97-AF65-F5344CB8AC3E}">
+        <p14:creationId xmlns:p14="http://schemas.microsoft.com/office/powerpoint/2010/main" val="405681617"/>
+      </p:ext>
+    </p:extLst>
+  </p:cSld>
+  <p:clrMapOvr>
+    <a:masterClrMapping/>
+  </p:clrMapOvr>
+</p:sld>
+</file>
+
+<file path=ppt/slides/slide5.xml><?xml version="1.0" encoding="utf-8"?>
+<p:sld xmlns:a="http://schemas.openxmlformats.org/drawingml/2006/main" xmlns:r="http://schemas.openxmlformats.org/officeDocument/2006/relationships" xmlns:p="http://schemas.openxmlformats.org/presentationml/2006/main">
+  <p:cSld>
+    <p:spTree>
+      <p:nvGrpSpPr>
+        <p:cNvPr id="1" name="">
+          <a:extLst>
+            <a:ext uri="{FF2B5EF4-FFF2-40B4-BE49-F238E27FC236}">
+              <a16:creationId xmlns:a16="http://schemas.microsoft.com/office/drawing/2014/main" id="{CC5CD768-813B-4963-DF28-6EB8A7223C7D}"/>
+            </a:ext>
+          </a:extLst>
+        </p:cNvPr>
+        <p:cNvGrpSpPr/>
+        <p:nvPr/>
+      </p:nvGrpSpPr>
+      <p:grpSpPr>
+        <a:xfrm>
+          <a:off x="0" y="0"/>
+          <a:ext cx="0" cy="0"/>
+          <a:chOff x="0" y="0"/>
+          <a:chExt cx="0" cy="0"/>
+        </a:xfrm>
+      </p:grpSpPr>
+      <p:sp>
+        <p:nvSpPr>
+          <p:cNvPr id="2" name="Title 1">
+            <a:extLst>
+              <a:ext uri="{FF2B5EF4-FFF2-40B4-BE49-F238E27FC236}">
+                <a16:creationId xmlns:a16="http://schemas.microsoft.com/office/drawing/2014/main" id="{A084583D-98E2-3B09-166D-E60C67C7048E}"/>
+              </a:ext>
+            </a:extLst>
+          </p:cNvPr>
+          <p:cNvSpPr>
+            <a:spLocks noGrp="1"/>
+          </p:cNvSpPr>
+          <p:nvPr>
+            <p:ph type="title"/>
+          </p:nvPr>
+        </p:nvSpPr>
+        <p:spPr>
+          <a:xfrm>
+            <a:off x="265470" y="163009"/>
+            <a:ext cx="6105833" cy="1193843"/>
+          </a:xfrm>
+        </p:spPr>
+        <p:txBody>
+          <a:bodyPr/>
+          <a:lstStyle/>
+          <a:p>
+            <a:r>
+              <a:rPr lang="en-IN" sz="3200" b="1" spc="300" dirty="0">
+                <a:solidFill>
+                  <a:schemeClr val="accent6"/>
+                </a:solidFill>
+              </a:rPr>
+              <a:t>Overall Churn Distribution</a:t>
+            </a:r>
+          </a:p>
+        </p:txBody>
+      </p:sp>
+      <p:sp>
+        <p:nvSpPr>
+          <p:cNvPr id="3" name="Content Placeholder 2">
+            <a:extLst>
+              <a:ext uri="{FF2B5EF4-FFF2-40B4-BE49-F238E27FC236}">
+                <a16:creationId xmlns:a16="http://schemas.microsoft.com/office/drawing/2014/main" id="{CEA70922-C60B-B3F6-6788-7B69068ED991}"/>
+              </a:ext>
+            </a:extLst>
+          </p:cNvPr>
+          <p:cNvSpPr>
+            <a:spLocks noGrp="1"/>
+          </p:cNvSpPr>
+          <p:nvPr>
+            <p:ph idx="1"/>
+          </p:nvPr>
+        </p:nvSpPr>
+        <p:spPr>
+          <a:xfrm>
+            <a:off x="265471" y="1327355"/>
+            <a:ext cx="6371302" cy="3952568"/>
+          </a:xfrm>
+        </p:spPr>
+        <p:txBody>
+          <a:bodyPr>
+            <a:normAutofit/>
+          </a:bodyPr>
+          <a:lstStyle/>
+          <a:p>
+            <a:pPr marL="285750" lvl="0" indent="-285750" fontAlgn="base">
+              <a:buFont typeface="Wingdings" panose="05000000000000000000" pitchFamily="2" charset="2"/>
+              <a:buChar char="Ø"/>
+            </a:pPr>
+            <a:r>
+              <a:rPr lang="en-US" sz="1800" b="1" cap="none" dirty="0">
+                <a:latin typeface="Times New Roman" panose="02020603050405020304" pitchFamily="18" charset="0"/>
+                <a:cs typeface="Times New Roman" panose="02020603050405020304" pitchFamily="18" charset="0"/>
+              </a:rPr>
+              <a:t>Key Insight: </a:t>
+            </a:r>
+            <a:r>
+              <a:rPr lang="en-US" sz="1800" cap="none" dirty="0">
+                <a:latin typeface="Times New Roman" panose="02020603050405020304" pitchFamily="18" charset="0"/>
+                <a:cs typeface="Times New Roman" panose="02020603050405020304" pitchFamily="18" charset="0"/>
+              </a:rPr>
+              <a:t>The dataset shows an imbalance between customers who churn and those who do not.</a:t>
+            </a:r>
+          </a:p>
+          <a:p>
+            <a:pPr marL="285750" lvl="0" indent="-285750" fontAlgn="base">
+              <a:buFont typeface="Wingdings" panose="05000000000000000000" pitchFamily="2" charset="2"/>
+              <a:buChar char="Ø"/>
+            </a:pPr>
+            <a:r>
+              <a:rPr lang="en-US" sz="1800" b="1" cap="none" dirty="0">
+                <a:latin typeface="Times New Roman" panose="02020603050405020304" pitchFamily="18" charset="0"/>
+                <a:cs typeface="Times New Roman" panose="02020603050405020304" pitchFamily="18" charset="0"/>
+              </a:rPr>
+              <a:t>Observations:</a:t>
+            </a:r>
+          </a:p>
+          <a:p>
+            <a:pPr marL="285750" lvl="0" indent="-285750" fontAlgn="base">
+              <a:buFont typeface="Courier New" panose="02070309020205020404" pitchFamily="49" charset="0"/>
+              <a:buChar char="o"/>
+            </a:pPr>
+            <a:r>
+              <a:rPr lang="en-US" sz="1800" b="1" cap="none" dirty="0">
+                <a:latin typeface="Times New Roman" panose="02020603050405020304" pitchFamily="18" charset="0"/>
+                <a:cs typeface="Times New Roman" panose="02020603050405020304" pitchFamily="18" charset="0"/>
+              </a:rPr>
+              <a:t> </a:t>
+            </a:r>
+            <a:r>
+              <a:rPr lang="en-US" sz="1800" cap="none" dirty="0">
+                <a:latin typeface="Times New Roman" panose="02020603050405020304" pitchFamily="18" charset="0"/>
+                <a:cs typeface="Times New Roman" panose="02020603050405020304" pitchFamily="18" charset="0"/>
+              </a:rPr>
+              <a:t>5174 Customers Did Not Churn.</a:t>
+            </a:r>
+          </a:p>
+          <a:p>
+            <a:pPr marL="285750" lvl="0" indent="-285750" fontAlgn="base">
+              <a:buFont typeface="Courier New" panose="02070309020205020404" pitchFamily="49" charset="0"/>
+              <a:buChar char="o"/>
+            </a:pPr>
+            <a:r>
+              <a:rPr lang="en-US" sz="1800" cap="none" dirty="0">
+                <a:latin typeface="Times New Roman" panose="02020603050405020304" pitchFamily="18" charset="0"/>
+                <a:cs typeface="Times New Roman" panose="02020603050405020304" pitchFamily="18" charset="0"/>
+              </a:rPr>
+              <a:t>1869 Customers Churned.</a:t>
+            </a:r>
+          </a:p>
+          <a:p>
+            <a:pPr marL="285750" lvl="0" indent="-285750" fontAlgn="base">
+              <a:buFont typeface="Wingdings" panose="05000000000000000000" pitchFamily="2" charset="2"/>
+              <a:buChar char="Ø"/>
+            </a:pPr>
+            <a:r>
+              <a:rPr lang="en-US" sz="1800" b="1" cap="none" dirty="0">
+                <a:latin typeface="Times New Roman" panose="02020603050405020304" pitchFamily="18" charset="0"/>
+                <a:cs typeface="Times New Roman" panose="02020603050405020304" pitchFamily="18" charset="0"/>
+              </a:rPr>
+              <a:t>Implication: </a:t>
+            </a:r>
+          </a:p>
+          <a:p>
+            <a:pPr lvl="0" fontAlgn="base"/>
+            <a:r>
+              <a:rPr lang="en-US" sz="1800" cap="none" dirty="0">
+                <a:latin typeface="Times New Roman" panose="02020603050405020304" pitchFamily="18" charset="0"/>
+                <a:cs typeface="Times New Roman" panose="02020603050405020304" pitchFamily="18" charset="0"/>
+              </a:rPr>
+              <a:t>This imbalance is important for model training. Models might be biased towards predicting "no churn" due to the larger sample size.</a:t>
+            </a:r>
+          </a:p>
+        </p:txBody>
+      </p:sp>
+      <p:sp>
+        <p:nvSpPr>
+          <p:cNvPr id="4" name="Slide Number Placeholder 3">
+            <a:extLst>
+              <a:ext uri="{FF2B5EF4-FFF2-40B4-BE49-F238E27FC236}">
+                <a16:creationId xmlns:a16="http://schemas.microsoft.com/office/drawing/2014/main" id="{5FADBC0D-0A57-51AA-9166-2519FB37E3E0}"/>
+              </a:ext>
+            </a:extLst>
+          </p:cNvPr>
+          <p:cNvSpPr>
+            <a:spLocks noGrp="1"/>
+          </p:cNvSpPr>
+          <p:nvPr>
+            <p:ph type="sldNum" sz="quarter" idx="10"/>
+          </p:nvPr>
+        </p:nvSpPr>
+        <p:spPr/>
+        <p:txBody>
+          <a:bodyPr/>
+          <a:lstStyle/>
+          <a:p>
+            <a:fld id="{48F63A3B-78C7-47BE-AE5E-E10140E04643}" type="slidenum">
+              <a:rPr lang="en-US" smtClean="0">
+                <a:solidFill>
+                  <a:schemeClr val="bg1"/>
+                </a:solidFill>
+              </a:rPr>
+              <a:pPr/>
+              <a:t>5</a:t>
+            </a:fld>
+            <a:endParaRPr lang="en-US" dirty="0">
+              <a:solidFill>
+                <a:schemeClr val="bg1"/>
+              </a:solidFill>
+            </a:endParaRPr>
+          </a:p>
+        </p:txBody>
+      </p:sp>
+      <p:pic>
+        <p:nvPicPr>
+          <p:cNvPr id="2049" name="Picture 1">
+            <a:extLst>
+              <a:ext uri="{FF2B5EF4-FFF2-40B4-BE49-F238E27FC236}">
+                <a16:creationId xmlns:a16="http://schemas.microsoft.com/office/drawing/2014/main" id="{2C0D6400-7046-2F91-66C4-E6C87ACD5454}"/>
+              </a:ext>
+            </a:extLst>
+          </p:cNvPr>
+          <p:cNvPicPr>
+            <a:picLocks noChangeAspect="1" noChangeArrowheads="1"/>
+          </p:cNvPicPr>
+          <p:nvPr/>
+        </p:nvPicPr>
+        <p:blipFill>
+          <a:blip r:embed="rId3">
+            <a:extLst>
+              <a:ext uri="{28A0092B-C50C-407E-A947-70E740481C1C}">
+                <a14:useLocalDpi xmlns:a14="http://schemas.microsoft.com/office/drawing/2010/main" val="0"/>
+              </a:ext>
+            </a:extLst>
+          </a:blip>
+          <a:srcRect/>
+          <a:stretch>
+            <a:fillRect/>
+          </a:stretch>
+        </p:blipFill>
+        <p:spPr bwMode="auto">
+          <a:xfrm>
+            <a:off x="6636773" y="977848"/>
+            <a:ext cx="4953656" cy="4601957"/>
+          </a:xfrm>
+          <a:prstGeom prst="rect">
+            <a:avLst/>
+          </a:prstGeom>
+          <a:noFill/>
+          <a:ln w="28575">
+            <a:solidFill>
+              <a:schemeClr val="tx1"/>
+            </a:solidFill>
+          </a:ln>
+          <a:extLst>
+            <a:ext uri="{909E8E84-426E-40DD-AFC4-6F175D3DCCD1}">
+              <a14:hiddenFill xmlns:a14="http://schemas.microsoft.com/office/drawing/2010/main">
+                <a:solidFill>
+                  <a:srgbClr val="FFFFFF"/>
+                </a:solidFill>
+              </a14:hiddenFill>
+            </a:ext>
+          </a:extLst>
+        </p:spPr>
+      </p:pic>
+    </p:spTree>
+    <p:extLst>
+      <p:ext uri="{BB962C8B-B14F-4D97-AF65-F5344CB8AC3E}">
+        <p14:creationId xmlns:p14="http://schemas.microsoft.com/office/powerpoint/2010/main" val="4033625348"/>
+      </p:ext>
+    </p:extLst>
+  </p:cSld>
+  <p:clrMapOvr>
+    <a:masterClrMapping/>
+  </p:clrMapOvr>
+</p:sld>
+</file>
+
+<file path=ppt/slides/slide6.xml><?xml version="1.0" encoding="utf-8"?>
+<p:sld xmlns:a="http://schemas.openxmlformats.org/drawingml/2006/main" xmlns:r="http://schemas.openxmlformats.org/officeDocument/2006/relationships" xmlns:p="http://schemas.openxmlformats.org/presentationml/2006/main">
+  <p:cSld>
+    <p:spTree>
+      <p:nvGrpSpPr>
+        <p:cNvPr id="1" name=""/>
+        <p:cNvGrpSpPr/>
+        <p:nvPr/>
+      </p:nvGrpSpPr>
+      <p:grpSpPr>
+        <a:xfrm>
+          <a:off x="0" y="0"/>
+          <a:ext cx="0" cy="0"/>
+          <a:chOff x="0" y="0"/>
+          <a:chExt cx="0" cy="0"/>
+        </a:xfrm>
+      </p:grpSpPr>
+      <p:sp>
+        <p:nvSpPr>
+          <p:cNvPr id="2" name="Title 1">
+            <a:extLst>
+              <a:ext uri="{FF2B5EF4-FFF2-40B4-BE49-F238E27FC236}">
                 <a16:creationId xmlns:a16="http://schemas.microsoft.com/office/drawing/2014/main" id="{B28A34A6-22BC-27A4-2C79-EE98A4943B14}"/>
               </a:ext>
             </a:extLst>
@@ -19725,7 +24177,7 @@
         </p:nvSpPr>
         <p:spPr>
           <a:xfrm>
-            <a:off x="339472" y="491611"/>
+            <a:off x="226660" y="987363"/>
             <a:ext cx="4409509" cy="723556"/>
           </a:xfrm>
         </p:spPr>
@@ -19734,12 +24186,12 @@
           <a:lstStyle/>
           <a:p>
             <a:r>
-              <a:rPr lang="en-IN" b="1" spc="300" dirty="0">
+              <a:rPr lang="en-IN" b="1" dirty="0">
                 <a:solidFill>
                   <a:schemeClr val="accent3"/>
                 </a:solidFill>
               </a:rPr>
-              <a:t>Tenure vs. Churn</a:t>
+              <a:t>1. Tenure vs. Churn</a:t>
             </a:r>
           </a:p>
         </p:txBody>
@@ -19766,11 +24218,19 @@
           <a:lstStyle/>
           <a:p>
             <a:fld id="{48F63A3B-78C7-47BE-AE5E-E10140E04643}" type="slidenum">
-              <a:rPr lang="en-US" smtClean="0"/>
+              <a:rPr lang="en-US" smtClean="0">
+                <a:solidFill>
+                  <a:schemeClr val="bg1"/>
+                </a:solidFill>
+              </a:rPr>
               <a:pPr/>
-              <a:t>10</a:t>
+              <a:t>6</a:t>
             </a:fld>
-            <a:endParaRPr lang="en-US" dirty="0"/>
+            <a:endParaRPr lang="en-US" dirty="0">
+              <a:solidFill>
+                <a:schemeClr val="bg1"/>
+              </a:solidFill>
+            </a:endParaRPr>
           </a:p>
         </p:txBody>
       </p:sp>
@@ -19790,7 +24250,7 @@
         </p:nvSpPr>
         <p:spPr>
           <a:xfrm>
-            <a:off x="260815" y="1470807"/>
+            <a:off x="226660" y="1710919"/>
             <a:ext cx="6130153" cy="3916386"/>
           </a:xfrm>
           <a:prstGeom prst="rect">
@@ -20231,6 +24691,70 @@
           </a:extLst>
         </p:spPr>
       </p:pic>
+      <p:sp>
+        <p:nvSpPr>
+          <p:cNvPr id="4" name="Title 1">
+            <a:extLst>
+              <a:ext uri="{FF2B5EF4-FFF2-40B4-BE49-F238E27FC236}">
+                <a16:creationId xmlns:a16="http://schemas.microsoft.com/office/drawing/2014/main" id="{5CF0E3AD-9739-4335-B666-8BAA1F027961}"/>
+              </a:ext>
+            </a:extLst>
+          </p:cNvPr>
+          <p:cNvSpPr txBox="1">
+            <a:spLocks/>
+          </p:cNvSpPr>
+          <p:nvPr/>
+        </p:nvSpPr>
+        <p:spPr>
+          <a:xfrm>
+            <a:off x="226660" y="95421"/>
+            <a:ext cx="5245251" cy="891942"/>
+          </a:xfrm>
+          <a:prstGeom prst="rect">
+            <a:avLst/>
+          </a:prstGeom>
+        </p:spPr>
+        <p:txBody>
+          <a:bodyPr vert="horz" lIns="91440" tIns="0" rIns="91440" bIns="0" rtlCol="0" anchor="ctr">
+            <a:noAutofit/>
+          </a:bodyPr>
+          <a:lstStyle>
+            <a:lvl1pPr algn="l" defTabSz="914400" rtl="0" eaLnBrk="1" latinLnBrk="0" hangingPunct="1">
+              <a:lnSpc>
+                <a:spcPct val="100000"/>
+              </a:lnSpc>
+              <a:spcBef>
+                <a:spcPct val="0"/>
+              </a:spcBef>
+              <a:buNone/>
+              <a:defRPr sz="3600" kern="1200" cap="all" baseline="0">
+                <a:solidFill>
+                  <a:schemeClr val="accent1"/>
+                </a:solidFill>
+                <a:effectLst/>
+                <a:latin typeface="+mj-lt"/>
+                <a:ea typeface="+mj-ea"/>
+                <a:cs typeface="+mj-cs"/>
+              </a:defRPr>
+            </a:lvl1pPr>
+          </a:lstStyle>
+          <a:p>
+            <a:r>
+              <a:rPr lang="en-IN" sz="4400" b="1" spc="300" dirty="0">
+                <a:solidFill>
+                  <a:schemeClr val="accent5"/>
+                </a:solidFill>
+              </a:rPr>
+              <a:t>Data analysis</a:t>
+            </a:r>
+            <a:endParaRPr lang="en-US" sz="4400" spc="300" dirty="0">
+              <a:solidFill>
+                <a:schemeClr val="accent5"/>
+              </a:solidFill>
+            </a:endParaRPr>
+          </a:p>
+        </p:txBody>
+      </p:sp>
     </p:spTree>
     <p:extLst>
       <p:ext uri="{BB962C8B-B14F-4D97-AF65-F5344CB8AC3E}">
@@ -20244,7 +24768,7 @@
 </p:sld>
 </file>
 
-<file path=ppt/slides/slide11.xml><?xml version="1.0" encoding="utf-8"?>
+<file path=ppt/slides/slide7.xml><?xml version="1.0" encoding="utf-8"?>
 <p:sld xmlns:a="http://schemas.openxmlformats.org/drawingml/2006/main" xmlns:r="http://schemas.openxmlformats.org/officeDocument/2006/relationships" xmlns:p="http://schemas.openxmlformats.org/presentationml/2006/main">
   <p:cSld>
     <p:spTree>
@@ -20299,6 +24823,14 @@
                   <a:schemeClr val="accent4"/>
                 </a:solidFill>
               </a:rPr>
+              <a:t>2. </a:t>
+            </a:r>
+            <a:r>
+              <a:rPr lang="en-IN" sz="3200" b="1" dirty="0">
+                <a:solidFill>
+                  <a:schemeClr val="accent4"/>
+                </a:solidFill>
+              </a:rPr>
               <a:t>Churn by Contract Type</a:t>
             </a:r>
           </a:p>
@@ -20604,11 +25136,19 @@
           <a:lstStyle/>
           <a:p>
             <a:fld id="{48F63A3B-78C7-47BE-AE5E-E10140E04643}" type="slidenum">
-              <a:rPr lang="en-US" smtClean="0"/>
+              <a:rPr lang="en-US" smtClean="0">
+                <a:solidFill>
+                  <a:schemeClr val="bg1"/>
+                </a:solidFill>
+              </a:rPr>
               <a:pPr/>
-              <a:t>11</a:t>
+              <a:t>7</a:t>
             </a:fld>
-            <a:endParaRPr lang="en-US" dirty="0"/>
+            <a:endParaRPr lang="en-US" dirty="0">
+              <a:solidFill>
+                <a:schemeClr val="bg1"/>
+              </a:solidFill>
+            </a:endParaRPr>
           </a:p>
         </p:txBody>
       </p:sp>
@@ -20669,7 +25209,7 @@
 </p:sld>
 </file>
 
-<file path=ppt/slides/slide12.xml><?xml version="1.0" encoding="utf-8"?>
+<file path=ppt/slides/slide8.xml><?xml version="1.0" encoding="utf-8"?>
 <p:sld xmlns:a="http://schemas.openxmlformats.org/drawingml/2006/main" xmlns:r="http://schemas.openxmlformats.org/officeDocument/2006/relationships" xmlns:p="http://schemas.openxmlformats.org/presentationml/2006/main">
   <p:cSld>
     <p:spTree>
@@ -20710,8 +25250,8 @@
         </p:nvSpPr>
         <p:spPr>
           <a:xfrm>
-            <a:off x="300143" y="193954"/>
-            <a:ext cx="8057276" cy="723556"/>
+            <a:off x="221485" y="99979"/>
+            <a:ext cx="8794696" cy="723556"/>
           </a:xfrm>
         </p:spPr>
         <p:txBody>
@@ -20724,9 +25264,17 @@
                   <a:schemeClr val="accent5"/>
                 </a:solidFill>
               </a:rPr>
+              <a:t>3. </a:t>
+            </a:r>
+            <a:r>
+              <a:rPr lang="en-US" b="1" dirty="0">
+                <a:solidFill>
+                  <a:schemeClr val="accent5"/>
+                </a:solidFill>
+              </a:rPr>
               <a:t>Churn Status by Payment Method</a:t>
             </a:r>
-            <a:endParaRPr lang="en-IN" b="1" spc="300" dirty="0">
+            <a:endParaRPr lang="en-IN" b="1" dirty="0">
               <a:solidFill>
                 <a:schemeClr val="accent5"/>
               </a:solidFill>
@@ -20756,11 +25304,19 @@
           <a:lstStyle/>
           <a:p>
             <a:fld id="{48F63A3B-78C7-47BE-AE5E-E10140E04643}" type="slidenum">
-              <a:rPr lang="en-US" smtClean="0"/>
+              <a:rPr lang="en-US" smtClean="0">
+                <a:solidFill>
+                  <a:schemeClr val="bg1"/>
+                </a:solidFill>
+              </a:rPr>
               <a:pPr/>
-              <a:t>12</a:t>
+              <a:t>8</a:t>
             </a:fld>
-            <a:endParaRPr lang="en-US" dirty="0"/>
+            <a:endParaRPr lang="en-US" dirty="0">
+              <a:solidFill>
+                <a:schemeClr val="bg1"/>
+              </a:solidFill>
+            </a:endParaRPr>
           </a:p>
         </p:txBody>
       </p:sp>
@@ -20780,7 +25336,7 @@
         </p:nvSpPr>
         <p:spPr>
           <a:xfrm>
-            <a:off x="300143" y="823535"/>
+            <a:off x="221485" y="823535"/>
             <a:ext cx="6562772" cy="4613703"/>
           </a:xfrm>
           <a:prstGeom prst="rect">
@@ -21258,1505 +25814,7 @@
 </p:sld>
 </file>
 
-<file path=ppt/slides/slide13.xml><?xml version="1.0" encoding="utf-8"?>
-<p:sld xmlns:a="http://schemas.openxmlformats.org/drawingml/2006/main" xmlns:r="http://schemas.openxmlformats.org/officeDocument/2006/relationships" xmlns:p="http://schemas.openxmlformats.org/presentationml/2006/main">
-  <p:cSld>
-    <p:spTree>
-      <p:nvGrpSpPr>
-        <p:cNvPr id="1" name=""/>
-        <p:cNvGrpSpPr/>
-        <p:nvPr/>
-      </p:nvGrpSpPr>
-      <p:grpSpPr>
-        <a:xfrm>
-          <a:off x="0" y="0"/>
-          <a:ext cx="0" cy="0"/>
-          <a:chOff x="0" y="0"/>
-          <a:chExt cx="0" cy="0"/>
-        </a:xfrm>
-      </p:grpSpPr>
-      <p:sp>
-        <p:nvSpPr>
-          <p:cNvPr id="3" name="Title 2">
-            <a:extLst>
-              <a:ext uri="{FF2B5EF4-FFF2-40B4-BE49-F238E27FC236}">
-                <a16:creationId xmlns:a16="http://schemas.microsoft.com/office/drawing/2014/main" id="{38D62608-F5E4-7EC0-5EF0-4F988DDDEC5B}"/>
-              </a:ext>
-            </a:extLst>
-          </p:cNvPr>
-          <p:cNvSpPr>
-            <a:spLocks noGrp="1"/>
-          </p:cNvSpPr>
-          <p:nvPr>
-            <p:ph type="title"/>
-          </p:nvPr>
-        </p:nvSpPr>
-        <p:spPr>
-          <a:xfrm>
-            <a:off x="1688216" y="1105822"/>
-            <a:ext cx="9875463" cy="677813"/>
-          </a:xfrm>
-        </p:spPr>
-        <p:txBody>
-          <a:bodyPr/>
-          <a:lstStyle/>
-          <a:p>
-            <a:r>
-              <a:rPr lang="en-US" dirty="0"/>
-              <a:t>Conclusion &amp; Recommendations</a:t>
-            </a:r>
-          </a:p>
-        </p:txBody>
-      </p:sp>
-      <p:sp>
-        <p:nvSpPr>
-          <p:cNvPr id="2" name="Slide Number Placeholder 1">
-            <a:extLst>
-              <a:ext uri="{FF2B5EF4-FFF2-40B4-BE49-F238E27FC236}">
-                <a16:creationId xmlns:a16="http://schemas.microsoft.com/office/drawing/2014/main" id="{1DCFAD14-1AAA-8CDA-A49B-523FD6C66F35}"/>
-              </a:ext>
-            </a:extLst>
-          </p:cNvPr>
-          <p:cNvSpPr>
-            <a:spLocks noGrp="1"/>
-          </p:cNvSpPr>
-          <p:nvPr>
-            <p:ph type="sldNum" sz="quarter" idx="10"/>
-          </p:nvPr>
-        </p:nvSpPr>
-        <p:spPr/>
-        <p:txBody>
-          <a:bodyPr/>
-          <a:lstStyle/>
-          <a:p>
-            <a:fld id="{48F63A3B-78C7-47BE-AE5E-E10140E04643}" type="slidenum">
-              <a:rPr lang="en-US" smtClean="0"/>
-              <a:pPr/>
-              <a:t>13</a:t>
-            </a:fld>
-            <a:endParaRPr lang="en-US" dirty="0"/>
-          </a:p>
-        </p:txBody>
-      </p:sp>
-      <p:sp>
-        <p:nvSpPr>
-          <p:cNvPr id="7" name="TextBox 6">
-            <a:extLst>
-              <a:ext uri="{FF2B5EF4-FFF2-40B4-BE49-F238E27FC236}">
-                <a16:creationId xmlns:a16="http://schemas.microsoft.com/office/drawing/2014/main" id="{D331540B-F5E9-6156-A5F5-E458A8EC6DB7}"/>
-              </a:ext>
-            </a:extLst>
-          </p:cNvPr>
-          <p:cNvSpPr txBox="1"/>
-          <p:nvPr/>
-        </p:nvSpPr>
-        <p:spPr>
-          <a:xfrm>
-            <a:off x="1759976" y="1977839"/>
-            <a:ext cx="7993623" cy="2986587"/>
-          </a:xfrm>
-          <a:prstGeom prst="rect">
-            <a:avLst/>
-          </a:prstGeom>
-          <a:noFill/>
-        </p:spPr>
-        <p:txBody>
-          <a:bodyPr wrap="square">
-            <a:spAutoFit/>
-          </a:bodyPr>
-          <a:lstStyle/>
-          <a:p>
-            <a:pPr marL="0" marR="0" algn="just">
-              <a:lnSpc>
-                <a:spcPct val="114000"/>
-              </a:lnSpc>
-              <a:spcAft>
-                <a:spcPts val="600"/>
-              </a:spcAft>
-              <a:buNone/>
-            </a:pPr>
-            <a:r>
-              <a:rPr lang="en-IN" b="1" dirty="0">
-                <a:solidFill>
-                  <a:srgbClr val="1B1C1D"/>
-                </a:solidFill>
-                <a:effectLst/>
-                <a:latin typeface="Times New Roman" panose="02020603050405020304" pitchFamily="18" charset="0"/>
-                <a:ea typeface="Google Sans Text"/>
-                <a:cs typeface="Times New Roman" panose="02020603050405020304" pitchFamily="18" charset="0"/>
-              </a:rPr>
-              <a:t>Key Churn Drivers Identified:</a:t>
-            </a:r>
-            <a:endParaRPr lang="en-IN" dirty="0">
-              <a:effectLst/>
-              <a:latin typeface="Times New Roman" panose="02020603050405020304" pitchFamily="18" charset="0"/>
-              <a:ea typeface="Arial" panose="020B0604020202020204" pitchFamily="34" charset="0"/>
-              <a:cs typeface="Times New Roman" panose="02020603050405020304" pitchFamily="18" charset="0"/>
-            </a:endParaRPr>
-          </a:p>
-          <a:p>
-            <a:pPr marL="342900" marR="0" lvl="0" indent="-342900" algn="just" fontAlgn="base">
-              <a:lnSpc>
-                <a:spcPct val="114000"/>
-              </a:lnSpc>
-              <a:buClr>
-                <a:srgbClr val="000000"/>
-              </a:buClr>
-              <a:buSzPts val="1100"/>
-              <a:buFont typeface="Arial" panose="020B0604020202020204" pitchFamily="34" charset="0"/>
-              <a:buChar char="●"/>
-            </a:pPr>
-            <a:r>
-              <a:rPr lang="en-US" b="1" u="none" strike="noStrike" dirty="0">
-                <a:effectLst/>
-                <a:latin typeface="Times New Roman" panose="02020603050405020304" pitchFamily="18" charset="0"/>
-                <a:ea typeface="Arial" panose="020B0604020202020204" pitchFamily="34" charset="0"/>
-                <a:cs typeface="Times New Roman" panose="02020603050405020304" pitchFamily="18" charset="0"/>
-              </a:rPr>
-              <a:t>Lower Tenure: </a:t>
-            </a:r>
-            <a:r>
-              <a:rPr lang="en-US" u="none" strike="noStrike" dirty="0">
-                <a:effectLst/>
-                <a:latin typeface="Times New Roman" panose="02020603050405020304" pitchFamily="18" charset="0"/>
-                <a:ea typeface="Arial" panose="020B0604020202020204" pitchFamily="34" charset="0"/>
-                <a:cs typeface="Times New Roman" panose="02020603050405020304" pitchFamily="18" charset="0"/>
-              </a:rPr>
-              <a:t>Newer customers are more likely to churn.</a:t>
-            </a:r>
-          </a:p>
-          <a:p>
-            <a:pPr marL="342900" marR="0" lvl="0" indent="-342900" algn="just" fontAlgn="base">
-              <a:lnSpc>
-                <a:spcPct val="114000"/>
-              </a:lnSpc>
-              <a:buClr>
-                <a:srgbClr val="000000"/>
-              </a:buClr>
-              <a:buSzPts val="1100"/>
-              <a:buFont typeface="Arial" panose="020B0604020202020204" pitchFamily="34" charset="0"/>
-              <a:buChar char="●"/>
-            </a:pPr>
-            <a:r>
-              <a:rPr lang="en-US" b="1" u="none" strike="noStrike" dirty="0">
-                <a:effectLst/>
-                <a:latin typeface="Times New Roman" panose="02020603050405020304" pitchFamily="18" charset="0"/>
-                <a:ea typeface="Arial" panose="020B0604020202020204" pitchFamily="34" charset="0"/>
-                <a:cs typeface="Times New Roman" panose="02020603050405020304" pitchFamily="18" charset="0"/>
-              </a:rPr>
-              <a:t>Non-Two-Year Contracts: </a:t>
-            </a:r>
-            <a:r>
-              <a:rPr lang="en-US" u="none" strike="noStrike" dirty="0">
-                <a:effectLst/>
-                <a:latin typeface="Times New Roman" panose="02020603050405020304" pitchFamily="18" charset="0"/>
-                <a:ea typeface="Arial" panose="020B0604020202020204" pitchFamily="34" charset="0"/>
-                <a:cs typeface="Times New Roman" panose="02020603050405020304" pitchFamily="18" charset="0"/>
-              </a:rPr>
-              <a:t>Flexible contracts (e.g., month-to-month) show much higher churn rates.</a:t>
-            </a:r>
-          </a:p>
-          <a:p>
-            <a:pPr marL="342900" marR="0" lvl="0" indent="-342900" algn="just" fontAlgn="base">
-              <a:lnSpc>
-                <a:spcPct val="114000"/>
-              </a:lnSpc>
-              <a:buClr>
-                <a:srgbClr val="000000"/>
-              </a:buClr>
-              <a:buSzPts val="1100"/>
-              <a:buFont typeface="Arial" panose="020B0604020202020204" pitchFamily="34" charset="0"/>
-              <a:buChar char="●"/>
-            </a:pPr>
-            <a:r>
-              <a:rPr lang="en-US" b="1" u="none" strike="noStrike" dirty="0">
-                <a:effectLst/>
-                <a:latin typeface="Times New Roman" panose="02020603050405020304" pitchFamily="18" charset="0"/>
-                <a:ea typeface="Arial" panose="020B0604020202020204" pitchFamily="34" charset="0"/>
-                <a:cs typeface="Times New Roman" panose="02020603050405020304" pitchFamily="18" charset="0"/>
-              </a:rPr>
-              <a:t>Electronic Check Payment Method: </a:t>
-            </a:r>
-            <a:r>
-              <a:rPr lang="en-US" u="none" strike="noStrike" dirty="0">
-                <a:effectLst/>
-                <a:latin typeface="Times New Roman" panose="02020603050405020304" pitchFamily="18" charset="0"/>
-                <a:ea typeface="Arial" panose="020B0604020202020204" pitchFamily="34" charset="0"/>
-                <a:cs typeface="Times New Roman" panose="02020603050405020304" pitchFamily="18" charset="0"/>
-              </a:rPr>
-              <a:t>This payment method is strongly associated with churn.</a:t>
-            </a:r>
-          </a:p>
-          <a:p>
-            <a:pPr marL="342900" marR="0" lvl="0" indent="-342900" algn="just" fontAlgn="base">
-              <a:lnSpc>
-                <a:spcPct val="114000"/>
-              </a:lnSpc>
-              <a:buClr>
-                <a:srgbClr val="000000"/>
-              </a:buClr>
-              <a:buSzPts val="1100"/>
-              <a:buFont typeface="Arial" panose="020B0604020202020204" pitchFamily="34" charset="0"/>
-              <a:buChar char="●"/>
-            </a:pPr>
-            <a:r>
-              <a:rPr lang="en-US" b="1" u="none" strike="noStrike" dirty="0">
-                <a:effectLst/>
-                <a:latin typeface="Times New Roman" panose="02020603050405020304" pitchFamily="18" charset="0"/>
-                <a:ea typeface="Arial" panose="020B0604020202020204" pitchFamily="34" charset="0"/>
-                <a:cs typeface="Times New Roman" panose="02020603050405020304" pitchFamily="18" charset="0"/>
-              </a:rPr>
-              <a:t>Monthly Charges: </a:t>
-            </a:r>
-            <a:r>
-              <a:rPr lang="en-US" u="none" strike="noStrike" dirty="0">
-                <a:effectLst/>
-                <a:latin typeface="Times New Roman" panose="02020603050405020304" pitchFamily="18" charset="0"/>
-                <a:ea typeface="Arial" panose="020B0604020202020204" pitchFamily="34" charset="0"/>
-                <a:cs typeface="Times New Roman" panose="02020603050405020304" pitchFamily="18" charset="0"/>
-              </a:rPr>
-              <a:t>Slightly higher monthly charges may contribute to churn.</a:t>
-            </a:r>
-          </a:p>
-          <a:p>
-            <a:pPr marL="342900" marR="0" lvl="0" indent="-342900" algn="just" fontAlgn="base">
-              <a:lnSpc>
-                <a:spcPct val="114000"/>
-              </a:lnSpc>
-              <a:buClr>
-                <a:srgbClr val="000000"/>
-              </a:buClr>
-              <a:buSzPts val="1100"/>
-              <a:buFont typeface="Arial" panose="020B0604020202020204" pitchFamily="34" charset="0"/>
-              <a:buChar char="●"/>
-            </a:pPr>
-            <a:r>
-              <a:rPr lang="en-US" b="1" u="none" strike="noStrike" dirty="0">
-                <a:effectLst/>
-                <a:latin typeface="Times New Roman" panose="02020603050405020304" pitchFamily="18" charset="0"/>
-                <a:ea typeface="Arial" panose="020B0604020202020204" pitchFamily="34" charset="0"/>
-                <a:cs typeface="Times New Roman" panose="02020603050405020304" pitchFamily="18" charset="0"/>
-              </a:rPr>
-              <a:t>Model Performance:</a:t>
-            </a:r>
-            <a:r>
-              <a:rPr lang="en-US" u="none" strike="noStrike" dirty="0">
-                <a:effectLst/>
-                <a:latin typeface="Times New Roman" panose="02020603050405020304" pitchFamily="18" charset="0"/>
-                <a:ea typeface="Arial" panose="020B0604020202020204" pitchFamily="34" charset="0"/>
-                <a:cs typeface="Times New Roman" panose="02020603050405020304" pitchFamily="18" charset="0"/>
-              </a:rPr>
-              <a:t> The Random Forest model achieved ~79% accuracy, but recall for the churn class (49%) needs improvement.</a:t>
-            </a:r>
-            <a:endParaRPr lang="en-IN" u="none" strike="noStrike" dirty="0">
-              <a:effectLst/>
-              <a:latin typeface="Times New Roman" panose="02020603050405020304" pitchFamily="18" charset="0"/>
-              <a:ea typeface="Arial" panose="020B0604020202020204" pitchFamily="34" charset="0"/>
-              <a:cs typeface="Times New Roman" panose="02020603050405020304" pitchFamily="18" charset="0"/>
-            </a:endParaRPr>
-          </a:p>
-        </p:txBody>
-      </p:sp>
-    </p:spTree>
-    <p:extLst>
-      <p:ext uri="{BB962C8B-B14F-4D97-AF65-F5344CB8AC3E}">
-        <p14:creationId xmlns:p14="http://schemas.microsoft.com/office/powerpoint/2010/main" val="2498021601"/>
-      </p:ext>
-    </p:extLst>
-  </p:cSld>
-  <p:clrMapOvr>
-    <a:masterClrMapping/>
-  </p:clrMapOvr>
-</p:sld>
-</file>
-
-<file path=ppt/slides/slide14.xml><?xml version="1.0" encoding="utf-8"?>
-<p:sld xmlns:a="http://schemas.openxmlformats.org/drawingml/2006/main" xmlns:r="http://schemas.openxmlformats.org/officeDocument/2006/relationships" xmlns:p="http://schemas.openxmlformats.org/presentationml/2006/main">
-  <p:cSld>
-    <p:spTree>
-      <p:nvGrpSpPr>
-        <p:cNvPr id="1" name="">
-          <a:extLst>
-            <a:ext uri="{FF2B5EF4-FFF2-40B4-BE49-F238E27FC236}">
-              <a16:creationId xmlns:a16="http://schemas.microsoft.com/office/drawing/2014/main" id="{760B82FB-E8B8-63CE-77B4-8D7ED26875A2}"/>
-            </a:ext>
-          </a:extLst>
-        </p:cNvPr>
-        <p:cNvGrpSpPr/>
-        <p:nvPr/>
-      </p:nvGrpSpPr>
-      <p:grpSpPr>
-        <a:xfrm>
-          <a:off x="0" y="0"/>
-          <a:ext cx="0" cy="0"/>
-          <a:chOff x="0" y="0"/>
-          <a:chExt cx="0" cy="0"/>
-        </a:xfrm>
-      </p:grpSpPr>
-      <p:sp>
-        <p:nvSpPr>
-          <p:cNvPr id="3" name="Title 2">
-            <a:extLst>
-              <a:ext uri="{FF2B5EF4-FFF2-40B4-BE49-F238E27FC236}">
-                <a16:creationId xmlns:a16="http://schemas.microsoft.com/office/drawing/2014/main" id="{BB6BA282-139D-53F9-EAB8-782C4D0AD1A3}"/>
-              </a:ext>
-            </a:extLst>
-          </p:cNvPr>
-          <p:cNvSpPr>
-            <a:spLocks noGrp="1"/>
-          </p:cNvSpPr>
-          <p:nvPr>
-            <p:ph type="title"/>
-          </p:nvPr>
-        </p:nvSpPr>
-        <p:spPr>
-          <a:xfrm>
-            <a:off x="1835700" y="428009"/>
-            <a:ext cx="9875463" cy="677813"/>
-          </a:xfrm>
-        </p:spPr>
-        <p:txBody>
-          <a:bodyPr/>
-          <a:lstStyle/>
-          <a:p>
-            <a:r>
-              <a:rPr lang="en-US" dirty="0">
-                <a:solidFill>
-                  <a:schemeClr val="accent6"/>
-                </a:solidFill>
-              </a:rPr>
-              <a:t>Conclusion &amp; Recommendations</a:t>
-            </a:r>
-          </a:p>
-        </p:txBody>
-      </p:sp>
-      <p:sp>
-        <p:nvSpPr>
-          <p:cNvPr id="2" name="Slide Number Placeholder 1">
-            <a:extLst>
-              <a:ext uri="{FF2B5EF4-FFF2-40B4-BE49-F238E27FC236}">
-                <a16:creationId xmlns:a16="http://schemas.microsoft.com/office/drawing/2014/main" id="{0161DB37-70BD-F632-1544-4FE5B237415A}"/>
-              </a:ext>
-            </a:extLst>
-          </p:cNvPr>
-          <p:cNvSpPr>
-            <a:spLocks noGrp="1"/>
-          </p:cNvSpPr>
-          <p:nvPr>
-            <p:ph type="sldNum" sz="quarter" idx="10"/>
-          </p:nvPr>
-        </p:nvSpPr>
-        <p:spPr/>
-        <p:txBody>
-          <a:bodyPr/>
-          <a:lstStyle/>
-          <a:p>
-            <a:fld id="{48F63A3B-78C7-47BE-AE5E-E10140E04643}" type="slidenum">
-              <a:rPr lang="en-US" smtClean="0"/>
-              <a:pPr/>
-              <a:t>14</a:t>
-            </a:fld>
-            <a:endParaRPr lang="en-US" dirty="0"/>
-          </a:p>
-        </p:txBody>
-      </p:sp>
-      <p:sp>
-        <p:nvSpPr>
-          <p:cNvPr id="9" name="TextBox 8">
-            <a:extLst>
-              <a:ext uri="{FF2B5EF4-FFF2-40B4-BE49-F238E27FC236}">
-                <a16:creationId xmlns:a16="http://schemas.microsoft.com/office/drawing/2014/main" id="{A61DFCA3-B427-EBD3-A89B-68D554AC3ABE}"/>
-              </a:ext>
-            </a:extLst>
-          </p:cNvPr>
-          <p:cNvSpPr txBox="1"/>
-          <p:nvPr/>
-        </p:nvSpPr>
-        <p:spPr>
-          <a:xfrm>
-            <a:off x="1224588" y="1251941"/>
-            <a:ext cx="9742824" cy="4077270"/>
-          </a:xfrm>
-          <a:prstGeom prst="rect">
-            <a:avLst/>
-          </a:prstGeom>
-          <a:noFill/>
-        </p:spPr>
-        <p:txBody>
-          <a:bodyPr wrap="square">
-            <a:spAutoFit/>
-          </a:bodyPr>
-          <a:lstStyle/>
-          <a:p>
-            <a:pPr marL="0" marR="0" algn="just">
-              <a:lnSpc>
-                <a:spcPct val="114000"/>
-              </a:lnSpc>
-              <a:spcBef>
-                <a:spcPts val="600"/>
-              </a:spcBef>
-              <a:spcAft>
-                <a:spcPts val="600"/>
-              </a:spcAft>
-              <a:buNone/>
-            </a:pPr>
-            <a:r>
-              <a:rPr lang="en-IN" b="1" dirty="0">
-                <a:solidFill>
-                  <a:srgbClr val="1B1C1D"/>
-                </a:solidFill>
-                <a:effectLst/>
-                <a:latin typeface="Times New Roman" panose="02020603050405020304" pitchFamily="18" charset="0"/>
-                <a:ea typeface="Google Sans Text"/>
-                <a:cs typeface="Times New Roman" panose="02020603050405020304" pitchFamily="18" charset="0"/>
-              </a:rPr>
-              <a:t>Actionable Recommendations:</a:t>
-            </a:r>
-            <a:endParaRPr lang="en-IN" dirty="0">
-              <a:effectLst/>
-              <a:latin typeface="Times New Roman" panose="02020603050405020304" pitchFamily="18" charset="0"/>
-              <a:ea typeface="Arial" panose="020B0604020202020204" pitchFamily="34" charset="0"/>
-              <a:cs typeface="Times New Roman" panose="02020603050405020304" pitchFamily="18" charset="0"/>
-            </a:endParaRPr>
-          </a:p>
-          <a:p>
-            <a:pPr marL="342900" marR="0" lvl="0" indent="-342900" algn="just" fontAlgn="base">
-              <a:lnSpc>
-                <a:spcPct val="114000"/>
-              </a:lnSpc>
-              <a:buClr>
-                <a:srgbClr val="000000"/>
-              </a:buClr>
-              <a:buSzPts val="1100"/>
-              <a:buFont typeface="+mj-lt"/>
-              <a:buAutoNum type="arabicPeriod"/>
-            </a:pPr>
-            <a:r>
-              <a:rPr lang="en-IN" sz="1600" b="1" u="none" strike="noStrike" dirty="0">
-                <a:solidFill>
-                  <a:srgbClr val="1B1C1D"/>
-                </a:solidFill>
-                <a:effectLst/>
-                <a:latin typeface="Times New Roman" panose="02020603050405020304" pitchFamily="18" charset="0"/>
-                <a:ea typeface="Google Sans Text"/>
-                <a:cs typeface="Times New Roman" panose="02020603050405020304" pitchFamily="18" charset="0"/>
-              </a:rPr>
-              <a:t>Target Early-Stage Customers:</a:t>
-            </a:r>
-            <a:r>
-              <a:rPr lang="en-IN" sz="1600" u="none" strike="noStrike" dirty="0">
-                <a:solidFill>
-                  <a:srgbClr val="1B1C1D"/>
-                </a:solidFill>
-                <a:effectLst/>
-                <a:latin typeface="Times New Roman" panose="02020603050405020304" pitchFamily="18" charset="0"/>
-                <a:ea typeface="Google Sans Text"/>
-                <a:cs typeface="Times New Roman" panose="02020603050405020304" pitchFamily="18" charset="0"/>
-              </a:rPr>
-              <a:t> Implement robust onboarding programs and proactive outreach for new customers (especially those with low tenure) to ensure satisfaction and engagement.</a:t>
-            </a:r>
-            <a:endParaRPr lang="en-IN" sz="1600" u="none" strike="noStrike" dirty="0">
-              <a:effectLst/>
-              <a:latin typeface="Times New Roman" panose="02020603050405020304" pitchFamily="18" charset="0"/>
-              <a:ea typeface="Arial" panose="020B0604020202020204" pitchFamily="34" charset="0"/>
-              <a:cs typeface="Times New Roman" panose="02020603050405020304" pitchFamily="18" charset="0"/>
-            </a:endParaRPr>
-          </a:p>
-          <a:p>
-            <a:pPr marL="342900" marR="0" lvl="0" indent="-342900" algn="just" fontAlgn="base">
-              <a:lnSpc>
-                <a:spcPct val="114000"/>
-              </a:lnSpc>
-              <a:buClr>
-                <a:srgbClr val="000000"/>
-              </a:buClr>
-              <a:buSzPts val="1100"/>
-              <a:buFont typeface="+mj-lt"/>
-              <a:buAutoNum type="arabicPeriod"/>
-            </a:pPr>
-            <a:r>
-              <a:rPr lang="en-IN" sz="1600" b="1" u="none" strike="noStrike" dirty="0">
-                <a:solidFill>
-                  <a:srgbClr val="1B1C1D"/>
-                </a:solidFill>
-                <a:effectLst/>
-                <a:latin typeface="Times New Roman" panose="02020603050405020304" pitchFamily="18" charset="0"/>
-                <a:ea typeface="Google Sans Text"/>
-                <a:cs typeface="Times New Roman" panose="02020603050405020304" pitchFamily="18" charset="0"/>
-              </a:rPr>
-              <a:t>Promote Longer Contracts:</a:t>
-            </a:r>
-            <a:r>
-              <a:rPr lang="en-IN" sz="1600" u="none" strike="noStrike" dirty="0">
-                <a:solidFill>
-                  <a:srgbClr val="1B1C1D"/>
-                </a:solidFill>
-                <a:effectLst/>
-                <a:latin typeface="Times New Roman" panose="02020603050405020304" pitchFamily="18" charset="0"/>
-                <a:ea typeface="Google Sans Text"/>
-                <a:cs typeface="Times New Roman" panose="02020603050405020304" pitchFamily="18" charset="0"/>
-              </a:rPr>
-              <a:t> Actively encourage customers to sign up for or upgrade to Two-Year contracts through incentives or discounts. Highlight the benefits of stability.</a:t>
-            </a:r>
-            <a:endParaRPr lang="en-IN" sz="1600" u="none" strike="noStrike" dirty="0">
-              <a:effectLst/>
-              <a:latin typeface="Times New Roman" panose="02020603050405020304" pitchFamily="18" charset="0"/>
-              <a:ea typeface="Arial" panose="020B0604020202020204" pitchFamily="34" charset="0"/>
-              <a:cs typeface="Times New Roman" panose="02020603050405020304" pitchFamily="18" charset="0"/>
-            </a:endParaRPr>
-          </a:p>
-          <a:p>
-            <a:pPr marL="342900" marR="0" lvl="0" indent="-342900" algn="just" fontAlgn="base">
-              <a:lnSpc>
-                <a:spcPct val="114000"/>
-              </a:lnSpc>
-              <a:buClr>
-                <a:srgbClr val="000000"/>
-              </a:buClr>
-              <a:buSzPts val="1100"/>
-              <a:buFont typeface="+mj-lt"/>
-              <a:buAutoNum type="arabicPeriod"/>
-            </a:pPr>
-            <a:r>
-              <a:rPr lang="en-IN" sz="1600" b="1" u="none" strike="noStrike" dirty="0">
-                <a:solidFill>
-                  <a:srgbClr val="1B1C1D"/>
-                </a:solidFill>
-                <a:effectLst/>
-                <a:latin typeface="Times New Roman" panose="02020603050405020304" pitchFamily="18" charset="0"/>
-                <a:ea typeface="Google Sans Text"/>
-                <a:cs typeface="Times New Roman" panose="02020603050405020304" pitchFamily="18" charset="0"/>
-              </a:rPr>
-              <a:t>Investigate Electronic Check Issues:</a:t>
-            </a:r>
-            <a:endParaRPr lang="en-IN" sz="1600" u="none" strike="noStrike" dirty="0">
-              <a:effectLst/>
-              <a:latin typeface="Times New Roman" panose="02020603050405020304" pitchFamily="18" charset="0"/>
-              <a:ea typeface="Arial" panose="020B0604020202020204" pitchFamily="34" charset="0"/>
-              <a:cs typeface="Times New Roman" panose="02020603050405020304" pitchFamily="18" charset="0"/>
-            </a:endParaRPr>
-          </a:p>
-          <a:p>
-            <a:pPr marL="742950" marR="0" lvl="1" indent="-285750" algn="just" fontAlgn="base">
-              <a:lnSpc>
-                <a:spcPct val="114000"/>
-              </a:lnSpc>
-              <a:buClr>
-                <a:srgbClr val="000000"/>
-              </a:buClr>
-              <a:buSzPts val="1100"/>
-              <a:buFont typeface="Arial" panose="020B0604020202020204" pitchFamily="34" charset="0"/>
-              <a:buChar char="○"/>
-            </a:pPr>
-            <a:r>
-              <a:rPr lang="en-IN" sz="1600" u="none" strike="noStrike" dirty="0">
-                <a:solidFill>
-                  <a:srgbClr val="1B1C1D"/>
-                </a:solidFill>
-                <a:effectLst/>
-                <a:latin typeface="Times New Roman" panose="02020603050405020304" pitchFamily="18" charset="0"/>
-                <a:ea typeface="Google Sans Text"/>
-                <a:cs typeface="Times New Roman" panose="02020603050405020304" pitchFamily="18" charset="0"/>
-              </a:rPr>
-              <a:t>Analyse customer feedback specifically from those using electronic checks.</a:t>
-            </a:r>
-            <a:endParaRPr lang="en-IN" sz="1600" u="none" strike="noStrike" dirty="0">
-              <a:effectLst/>
-              <a:latin typeface="Times New Roman" panose="02020603050405020304" pitchFamily="18" charset="0"/>
-              <a:ea typeface="Arial" panose="020B0604020202020204" pitchFamily="34" charset="0"/>
-              <a:cs typeface="Times New Roman" panose="02020603050405020304" pitchFamily="18" charset="0"/>
-            </a:endParaRPr>
-          </a:p>
-          <a:p>
-            <a:pPr marL="742950" marR="0" lvl="1" indent="-285750" algn="just" fontAlgn="base">
-              <a:lnSpc>
-                <a:spcPct val="114000"/>
-              </a:lnSpc>
-              <a:buClr>
-                <a:srgbClr val="000000"/>
-              </a:buClr>
-              <a:buSzPts val="1100"/>
-              <a:buFont typeface="Arial" panose="020B0604020202020204" pitchFamily="34" charset="0"/>
-              <a:buChar char="○"/>
-            </a:pPr>
-            <a:r>
-              <a:rPr lang="en-IN" sz="1600" u="none" strike="noStrike" dirty="0">
-                <a:solidFill>
-                  <a:srgbClr val="1B1C1D"/>
-                </a:solidFill>
-                <a:effectLst/>
-                <a:latin typeface="Times New Roman" panose="02020603050405020304" pitchFamily="18" charset="0"/>
-                <a:ea typeface="Google Sans Text"/>
-                <a:cs typeface="Times New Roman" panose="02020603050405020304" pitchFamily="18" charset="0"/>
-              </a:rPr>
-              <a:t>Consider offering incentives to switch to more stable payment methods like credit card automatic payments.</a:t>
-            </a:r>
-            <a:endParaRPr lang="en-IN" sz="1600" u="none" strike="noStrike" dirty="0">
-              <a:effectLst/>
-              <a:latin typeface="Times New Roman" panose="02020603050405020304" pitchFamily="18" charset="0"/>
-              <a:ea typeface="Arial" panose="020B0604020202020204" pitchFamily="34" charset="0"/>
-              <a:cs typeface="Times New Roman" panose="02020603050405020304" pitchFamily="18" charset="0"/>
-            </a:endParaRPr>
-          </a:p>
-          <a:p>
-            <a:pPr marL="742950" marR="0" lvl="1" indent="-285750" algn="just" fontAlgn="base">
-              <a:lnSpc>
-                <a:spcPct val="114000"/>
-              </a:lnSpc>
-              <a:buClr>
-                <a:srgbClr val="000000"/>
-              </a:buClr>
-              <a:buSzPts val="1100"/>
-              <a:buFont typeface="Arial" panose="020B0604020202020204" pitchFamily="34" charset="0"/>
-              <a:buChar char="○"/>
-            </a:pPr>
-            <a:r>
-              <a:rPr lang="en-IN" sz="1600" u="none" strike="noStrike" dirty="0">
-                <a:solidFill>
-                  <a:srgbClr val="1B1C1D"/>
-                </a:solidFill>
-                <a:effectLst/>
-                <a:latin typeface="Times New Roman" panose="02020603050405020304" pitchFamily="18" charset="0"/>
-                <a:ea typeface="Google Sans Text"/>
-                <a:cs typeface="Times New Roman" panose="02020603050405020304" pitchFamily="18" charset="0"/>
-              </a:rPr>
-              <a:t>Ensure the electronic check payment process is seamless and free of friction.</a:t>
-            </a:r>
-            <a:endParaRPr lang="en-IN" sz="1600" u="none" strike="noStrike" dirty="0">
-              <a:effectLst/>
-              <a:latin typeface="Times New Roman" panose="02020603050405020304" pitchFamily="18" charset="0"/>
-              <a:ea typeface="Arial" panose="020B0604020202020204" pitchFamily="34" charset="0"/>
-              <a:cs typeface="Times New Roman" panose="02020603050405020304" pitchFamily="18" charset="0"/>
-            </a:endParaRPr>
-          </a:p>
-          <a:p>
-            <a:pPr marL="342900" marR="0" lvl="0" indent="-342900" algn="just" fontAlgn="base">
-              <a:lnSpc>
-                <a:spcPct val="114000"/>
-              </a:lnSpc>
-              <a:buClr>
-                <a:srgbClr val="000000"/>
-              </a:buClr>
-              <a:buSzPts val="1100"/>
-              <a:buFont typeface="+mj-lt"/>
-              <a:buAutoNum type="arabicPeriod"/>
-            </a:pPr>
-            <a:r>
-              <a:rPr lang="en-IN" sz="1600" b="1" u="none" strike="noStrike" dirty="0">
-                <a:solidFill>
-                  <a:srgbClr val="1B1C1D"/>
-                </a:solidFill>
-                <a:effectLst/>
-                <a:latin typeface="Times New Roman" panose="02020603050405020304" pitchFamily="18" charset="0"/>
-                <a:ea typeface="Google Sans Text"/>
-                <a:cs typeface="Times New Roman" panose="02020603050405020304" pitchFamily="18" charset="0"/>
-              </a:rPr>
-              <a:t>Monitor Monthly Charges:</a:t>
-            </a:r>
-            <a:r>
-              <a:rPr lang="en-IN" sz="1600" u="none" strike="noStrike" dirty="0">
-                <a:solidFill>
-                  <a:srgbClr val="1B1C1D"/>
-                </a:solidFill>
-                <a:effectLst/>
-                <a:latin typeface="Times New Roman" panose="02020603050405020304" pitchFamily="18" charset="0"/>
-                <a:ea typeface="Google Sans Text"/>
-                <a:cs typeface="Times New Roman" panose="02020603050405020304" pitchFamily="18" charset="0"/>
-              </a:rPr>
-              <a:t> Regularly review pricing structures and ensure customers understand the value they receive, especially if charges are perceived as high.</a:t>
-            </a:r>
-            <a:endParaRPr lang="en-IN" sz="1600" u="none" strike="noStrike" dirty="0">
-              <a:effectLst/>
-              <a:latin typeface="Times New Roman" panose="02020603050405020304" pitchFamily="18" charset="0"/>
-              <a:ea typeface="Arial" panose="020B0604020202020204" pitchFamily="34" charset="0"/>
-              <a:cs typeface="Times New Roman" panose="02020603050405020304" pitchFamily="18" charset="0"/>
-            </a:endParaRPr>
-          </a:p>
-          <a:p>
-            <a:pPr marL="342900" marR="0" lvl="0" indent="-342900" algn="just" fontAlgn="base">
-              <a:lnSpc>
-                <a:spcPct val="114000"/>
-              </a:lnSpc>
-              <a:spcAft>
-                <a:spcPts val="600"/>
-              </a:spcAft>
-              <a:buClr>
-                <a:srgbClr val="000000"/>
-              </a:buClr>
-              <a:buSzPts val="1100"/>
-              <a:buFont typeface="+mj-lt"/>
-              <a:buAutoNum type="arabicPeriod"/>
-            </a:pPr>
-            <a:r>
-              <a:rPr lang="en-IN" sz="1600" b="1" u="none" strike="noStrike" dirty="0">
-                <a:solidFill>
-                  <a:srgbClr val="1B1C1D"/>
-                </a:solidFill>
-                <a:effectLst/>
-                <a:latin typeface="Times New Roman" panose="02020603050405020304" pitchFamily="18" charset="0"/>
-                <a:ea typeface="Google Sans Text"/>
-                <a:cs typeface="Times New Roman" panose="02020603050405020304" pitchFamily="18" charset="0"/>
-              </a:rPr>
-              <a:t>Refine Prediction Model:</a:t>
-            </a:r>
-            <a:r>
-              <a:rPr lang="en-IN" sz="1600" u="none" strike="noStrike" dirty="0">
-                <a:solidFill>
-                  <a:srgbClr val="1B1C1D"/>
-                </a:solidFill>
-                <a:effectLst/>
-                <a:latin typeface="Times New Roman" panose="02020603050405020304" pitchFamily="18" charset="0"/>
-                <a:ea typeface="Google Sans Text"/>
-                <a:cs typeface="Times New Roman" panose="02020603050405020304" pitchFamily="18" charset="0"/>
-              </a:rPr>
-              <a:t> Focus on reducing False Negatives in the churn prediction model to better identify and intervene with at-risk customers before they churn.</a:t>
-            </a:r>
-            <a:endParaRPr lang="en-IN" sz="1600" u="none" strike="noStrike" dirty="0">
-              <a:effectLst/>
-              <a:latin typeface="Times New Roman" panose="02020603050405020304" pitchFamily="18" charset="0"/>
-              <a:ea typeface="Arial" panose="020B0604020202020204" pitchFamily="34" charset="0"/>
-              <a:cs typeface="Times New Roman" panose="02020603050405020304" pitchFamily="18" charset="0"/>
-            </a:endParaRPr>
-          </a:p>
-        </p:txBody>
-      </p:sp>
-    </p:spTree>
-    <p:extLst>
-      <p:ext uri="{BB962C8B-B14F-4D97-AF65-F5344CB8AC3E}">
-        <p14:creationId xmlns:p14="http://schemas.microsoft.com/office/powerpoint/2010/main" val="1380456077"/>
-      </p:ext>
-    </p:extLst>
-  </p:cSld>
-  <p:clrMapOvr>
-    <a:masterClrMapping/>
-  </p:clrMapOvr>
-</p:sld>
-</file>
-
-<file path=ppt/slides/slide15.xml><?xml version="1.0" encoding="utf-8"?>
-<p:sld xmlns:a="http://schemas.openxmlformats.org/drawingml/2006/main" xmlns:r="http://schemas.openxmlformats.org/officeDocument/2006/relationships" xmlns:p="http://schemas.openxmlformats.org/presentationml/2006/main">
-  <p:cSld>
-    <p:spTree>
-      <p:nvGrpSpPr>
-        <p:cNvPr id="1" name=""/>
-        <p:cNvGrpSpPr/>
-        <p:nvPr/>
-      </p:nvGrpSpPr>
-      <p:grpSpPr>
-        <a:xfrm>
-          <a:off x="0" y="0"/>
-          <a:ext cx="0" cy="0"/>
-          <a:chOff x="0" y="0"/>
-          <a:chExt cx="0" cy="0"/>
-        </a:xfrm>
-      </p:grpSpPr>
-      <p:sp>
-        <p:nvSpPr>
-          <p:cNvPr id="2" name="Title 1">
-            <a:extLst>
-              <a:ext uri="{FF2B5EF4-FFF2-40B4-BE49-F238E27FC236}">
-                <a16:creationId xmlns:a16="http://schemas.microsoft.com/office/drawing/2014/main" id="{509D22C5-0C9E-B582-A8FE-B45E70A01E7F}"/>
-              </a:ext>
-            </a:extLst>
-          </p:cNvPr>
-          <p:cNvSpPr>
-            <a:spLocks noGrp="1"/>
-          </p:cNvSpPr>
-          <p:nvPr>
-            <p:ph type="ctrTitle"/>
-          </p:nvPr>
-        </p:nvSpPr>
-        <p:spPr>
-          <a:xfrm>
-            <a:off x="786582" y="2065145"/>
-            <a:ext cx="5715000" cy="2727709"/>
-          </a:xfrm>
-        </p:spPr>
-        <p:txBody>
-          <a:bodyPr/>
-          <a:lstStyle/>
-          <a:p>
-            <a:r>
-              <a:rPr lang="en-US" sz="9600" dirty="0">
-                <a:solidFill>
-                  <a:schemeClr val="accent5"/>
-                </a:solidFill>
-              </a:rPr>
-              <a:t>Thank </a:t>
-            </a:r>
-            <a:br>
-              <a:rPr lang="en-US" sz="9600" dirty="0">
-                <a:solidFill>
-                  <a:schemeClr val="accent5"/>
-                </a:solidFill>
-              </a:rPr>
-            </a:br>
-            <a:r>
-              <a:rPr lang="en-US" sz="9600" dirty="0">
-                <a:solidFill>
-                  <a:schemeClr val="accent5"/>
-                </a:solidFill>
-              </a:rPr>
-              <a:t>you</a:t>
-            </a:r>
-          </a:p>
-        </p:txBody>
-      </p:sp>
-    </p:spTree>
-    <p:extLst>
-      <p:ext uri="{BB962C8B-B14F-4D97-AF65-F5344CB8AC3E}">
-        <p14:creationId xmlns:p14="http://schemas.microsoft.com/office/powerpoint/2010/main" val="1973173046"/>
-      </p:ext>
-    </p:extLst>
-  </p:cSld>
-  <p:clrMapOvr>
-    <a:masterClrMapping/>
-  </p:clrMapOvr>
-</p:sld>
-</file>
-
-<file path=ppt/slides/slide2.xml><?xml version="1.0" encoding="utf-8"?>
-<p:sld xmlns:a="http://schemas.openxmlformats.org/drawingml/2006/main" xmlns:r="http://schemas.openxmlformats.org/officeDocument/2006/relationships" xmlns:p="http://schemas.openxmlformats.org/presentationml/2006/main">
-  <p:cSld>
-    <p:spTree>
-      <p:nvGrpSpPr>
-        <p:cNvPr id="1" name=""/>
-        <p:cNvGrpSpPr/>
-        <p:nvPr/>
-      </p:nvGrpSpPr>
-      <p:grpSpPr>
-        <a:xfrm>
-          <a:off x="0" y="0"/>
-          <a:ext cx="0" cy="0"/>
-          <a:chOff x="0" y="0"/>
-          <a:chExt cx="0" cy="0"/>
-        </a:xfrm>
-      </p:grpSpPr>
-      <p:sp>
-        <p:nvSpPr>
-          <p:cNvPr id="2" name="Title 1">
-            <a:extLst>
-              <a:ext uri="{FF2B5EF4-FFF2-40B4-BE49-F238E27FC236}">
-                <a16:creationId xmlns:a16="http://schemas.microsoft.com/office/drawing/2014/main" id="{13021072-4A77-DB4D-DF41-58EADB7DA94E}"/>
-              </a:ext>
-            </a:extLst>
-          </p:cNvPr>
-          <p:cNvSpPr>
-            <a:spLocks noGrp="1"/>
-          </p:cNvSpPr>
-          <p:nvPr>
-            <p:ph type="title"/>
-          </p:nvPr>
-        </p:nvSpPr>
-        <p:spPr>
-          <a:xfrm>
-            <a:off x="265470" y="163009"/>
-            <a:ext cx="6105833" cy="1193843"/>
-          </a:xfrm>
-        </p:spPr>
-        <p:txBody>
-          <a:bodyPr/>
-          <a:lstStyle/>
-          <a:p>
-            <a:r>
-              <a:rPr lang="en-IN" sz="3200" b="1" dirty="0">
-                <a:solidFill>
-                  <a:schemeClr val="accent5"/>
-                </a:solidFill>
-              </a:rPr>
-              <a:t>Introduction to Customer Churn Prediction</a:t>
-            </a:r>
-            <a:endParaRPr lang="en-US" sz="3200" dirty="0">
-              <a:solidFill>
-                <a:schemeClr val="accent5"/>
-              </a:solidFill>
-            </a:endParaRPr>
-          </a:p>
-        </p:txBody>
-      </p:sp>
-      <p:sp>
-        <p:nvSpPr>
-          <p:cNvPr id="3" name="Content Placeholder 2">
-            <a:extLst>
-              <a:ext uri="{FF2B5EF4-FFF2-40B4-BE49-F238E27FC236}">
-                <a16:creationId xmlns:a16="http://schemas.microsoft.com/office/drawing/2014/main" id="{D4D22962-3C7F-E480-5C35-7F4860A098E1}"/>
-              </a:ext>
-            </a:extLst>
-          </p:cNvPr>
-          <p:cNvSpPr>
-            <a:spLocks noGrp="1"/>
-          </p:cNvSpPr>
-          <p:nvPr>
-            <p:ph idx="1"/>
-          </p:nvPr>
-        </p:nvSpPr>
-        <p:spPr>
-          <a:xfrm>
-            <a:off x="265471" y="1308699"/>
-            <a:ext cx="7649498" cy="4240602"/>
-          </a:xfrm>
-        </p:spPr>
-        <p:txBody>
-          <a:bodyPr>
-            <a:normAutofit fontScale="92500"/>
-          </a:bodyPr>
-          <a:lstStyle/>
-          <a:p>
-            <a:pPr lvl="0" fontAlgn="base"/>
-            <a:r>
-              <a:rPr lang="en-IN" sz="1800" b="1" dirty="0">
-                <a:latin typeface="Times New Roman" panose="02020603050405020304" pitchFamily="18" charset="0"/>
-                <a:cs typeface="Times New Roman" panose="02020603050405020304" pitchFamily="18" charset="0"/>
-              </a:rPr>
-              <a:t>What is Customer Churn?</a:t>
-            </a:r>
-            <a:endParaRPr lang="en-IN" sz="1400" dirty="0">
-              <a:latin typeface="Times New Roman" panose="02020603050405020304" pitchFamily="18" charset="0"/>
-              <a:cs typeface="Times New Roman" panose="02020603050405020304" pitchFamily="18" charset="0"/>
-            </a:endParaRPr>
-          </a:p>
-          <a:p>
-            <a:pPr lvl="1" fontAlgn="base"/>
-            <a:r>
-              <a:rPr lang="en-IN" sz="1600" cap="none" dirty="0">
-                <a:latin typeface="Times New Roman" panose="02020603050405020304" pitchFamily="18" charset="0"/>
-                <a:cs typeface="Times New Roman" panose="02020603050405020304" pitchFamily="18" charset="0"/>
-              </a:rPr>
-              <a:t>Customer churn, or customer attrition, refers to the rate at which customers stop doing business with an entity.</a:t>
-            </a:r>
-            <a:endParaRPr lang="en-IN" sz="1400" cap="none" dirty="0">
-              <a:latin typeface="Times New Roman" panose="02020603050405020304" pitchFamily="18" charset="0"/>
-              <a:cs typeface="Times New Roman" panose="02020603050405020304" pitchFamily="18" charset="0"/>
-            </a:endParaRPr>
-          </a:p>
-          <a:p>
-            <a:pPr lvl="1" fontAlgn="base"/>
-            <a:r>
-              <a:rPr lang="en-IN" sz="1600" cap="none" dirty="0">
-                <a:latin typeface="Times New Roman" panose="02020603050405020304" pitchFamily="18" charset="0"/>
-                <a:cs typeface="Times New Roman" panose="02020603050405020304" pitchFamily="18" charset="0"/>
-              </a:rPr>
-              <a:t>It's a critical metric for businesses as retaining existing customers is often more cost-effective than acquiring new ones.</a:t>
-            </a:r>
-            <a:endParaRPr lang="en-IN" sz="1400" cap="none" dirty="0">
-              <a:latin typeface="Times New Roman" panose="02020603050405020304" pitchFamily="18" charset="0"/>
-              <a:cs typeface="Times New Roman" panose="02020603050405020304" pitchFamily="18" charset="0"/>
-            </a:endParaRPr>
-          </a:p>
-          <a:p>
-            <a:pPr lvl="0" fontAlgn="base"/>
-            <a:r>
-              <a:rPr lang="en-IN" sz="1800" b="1" dirty="0">
-                <a:latin typeface="Times New Roman" panose="02020603050405020304" pitchFamily="18" charset="0"/>
-                <a:cs typeface="Times New Roman" panose="02020603050405020304" pitchFamily="18" charset="0"/>
-              </a:rPr>
-              <a:t>Why Predict Churn?</a:t>
-            </a:r>
-            <a:endParaRPr lang="en-IN" sz="1400" dirty="0">
-              <a:latin typeface="Times New Roman" panose="02020603050405020304" pitchFamily="18" charset="0"/>
-              <a:cs typeface="Times New Roman" panose="02020603050405020304" pitchFamily="18" charset="0"/>
-            </a:endParaRPr>
-          </a:p>
-          <a:p>
-            <a:pPr lvl="1" fontAlgn="base"/>
-            <a:r>
-              <a:rPr lang="en-IN" sz="1600" b="1" dirty="0">
-                <a:latin typeface="Times New Roman" panose="02020603050405020304" pitchFamily="18" charset="0"/>
-                <a:cs typeface="Times New Roman" panose="02020603050405020304" pitchFamily="18" charset="0"/>
-              </a:rPr>
-              <a:t>Proactive Retention:</a:t>
-            </a:r>
-            <a:r>
-              <a:rPr lang="en-IN" sz="1600" dirty="0">
-                <a:latin typeface="Times New Roman" panose="02020603050405020304" pitchFamily="18" charset="0"/>
-                <a:cs typeface="Times New Roman" panose="02020603050405020304" pitchFamily="18" charset="0"/>
-              </a:rPr>
-              <a:t> </a:t>
-            </a:r>
-            <a:r>
-              <a:rPr lang="en-IN" sz="1600" cap="none" dirty="0">
-                <a:latin typeface="Times New Roman" panose="02020603050405020304" pitchFamily="18" charset="0"/>
-                <a:cs typeface="Times New Roman" panose="02020603050405020304" pitchFamily="18" charset="0"/>
-              </a:rPr>
-              <a:t>Identify at-risk customers early to implement targeted retention strategies.</a:t>
-            </a:r>
-            <a:endParaRPr lang="en-IN" sz="1600" dirty="0">
-              <a:latin typeface="Times New Roman" panose="02020603050405020304" pitchFamily="18" charset="0"/>
-              <a:cs typeface="Times New Roman" panose="02020603050405020304" pitchFamily="18" charset="0"/>
-            </a:endParaRPr>
-          </a:p>
-          <a:p>
-            <a:pPr lvl="1" fontAlgn="base"/>
-            <a:r>
-              <a:rPr lang="en-IN" sz="1600" b="1" dirty="0">
-                <a:latin typeface="Times New Roman" panose="02020603050405020304" pitchFamily="18" charset="0"/>
-                <a:cs typeface="Times New Roman" panose="02020603050405020304" pitchFamily="18" charset="0"/>
-              </a:rPr>
-              <a:t>Resource Optimization:</a:t>
-            </a:r>
-            <a:r>
-              <a:rPr lang="en-IN" sz="1600" dirty="0">
-                <a:latin typeface="Times New Roman" panose="02020603050405020304" pitchFamily="18" charset="0"/>
-                <a:cs typeface="Times New Roman" panose="02020603050405020304" pitchFamily="18" charset="0"/>
-              </a:rPr>
-              <a:t> </a:t>
-            </a:r>
-            <a:r>
-              <a:rPr lang="en-IN" sz="1600" cap="none" dirty="0">
-                <a:latin typeface="Times New Roman" panose="02020603050405020304" pitchFamily="18" charset="0"/>
-                <a:cs typeface="Times New Roman" panose="02020603050405020304" pitchFamily="18" charset="0"/>
-              </a:rPr>
-              <a:t>Allocate marketing and support resources effectively.</a:t>
-            </a:r>
-            <a:endParaRPr lang="en-IN" sz="1600" dirty="0">
-              <a:latin typeface="Times New Roman" panose="02020603050405020304" pitchFamily="18" charset="0"/>
-              <a:cs typeface="Times New Roman" panose="02020603050405020304" pitchFamily="18" charset="0"/>
-            </a:endParaRPr>
-          </a:p>
-          <a:p>
-            <a:pPr lvl="1" fontAlgn="base"/>
-            <a:r>
-              <a:rPr lang="en-IN" sz="1600" b="1" dirty="0">
-                <a:latin typeface="Times New Roman" panose="02020603050405020304" pitchFamily="18" charset="0"/>
-                <a:cs typeface="Times New Roman" panose="02020603050405020304" pitchFamily="18" charset="0"/>
-              </a:rPr>
-              <a:t>Revenue Protection:</a:t>
-            </a:r>
-            <a:r>
-              <a:rPr lang="en-IN" sz="1600" dirty="0">
-                <a:latin typeface="Times New Roman" panose="02020603050405020304" pitchFamily="18" charset="0"/>
-                <a:cs typeface="Times New Roman" panose="02020603050405020304" pitchFamily="18" charset="0"/>
-              </a:rPr>
-              <a:t> </a:t>
-            </a:r>
-            <a:r>
-              <a:rPr lang="en-IN" sz="1600" cap="none" dirty="0">
-                <a:latin typeface="Times New Roman" panose="02020603050405020304" pitchFamily="18" charset="0"/>
-                <a:cs typeface="Times New Roman" panose="02020603050405020304" pitchFamily="18" charset="0"/>
-              </a:rPr>
-              <a:t>Minimize revenue loss from departing customers.</a:t>
-            </a:r>
-            <a:endParaRPr lang="en-IN" sz="1600" dirty="0">
-              <a:latin typeface="Times New Roman" panose="02020603050405020304" pitchFamily="18" charset="0"/>
-              <a:cs typeface="Times New Roman" panose="02020603050405020304" pitchFamily="18" charset="0"/>
-            </a:endParaRPr>
-          </a:p>
-          <a:p>
-            <a:pPr lvl="1" fontAlgn="base"/>
-            <a:r>
-              <a:rPr lang="en-IN" sz="1600" b="1" dirty="0">
-                <a:latin typeface="Times New Roman" panose="02020603050405020304" pitchFamily="18" charset="0"/>
-                <a:cs typeface="Times New Roman" panose="02020603050405020304" pitchFamily="18" charset="0"/>
-              </a:rPr>
-              <a:t>Service Improvement:</a:t>
-            </a:r>
-            <a:r>
-              <a:rPr lang="en-IN" sz="1600" dirty="0">
-                <a:latin typeface="Times New Roman" panose="02020603050405020304" pitchFamily="18" charset="0"/>
-                <a:cs typeface="Times New Roman" panose="02020603050405020304" pitchFamily="18" charset="0"/>
-              </a:rPr>
-              <a:t> </a:t>
-            </a:r>
-            <a:r>
-              <a:rPr lang="en-IN" sz="1600" cap="none" dirty="0">
-                <a:latin typeface="Times New Roman" panose="02020603050405020304" pitchFamily="18" charset="0"/>
-                <a:cs typeface="Times New Roman" panose="02020603050405020304" pitchFamily="18" charset="0"/>
-              </a:rPr>
-              <a:t>Understand reasons for churn to improve products/services.</a:t>
-            </a:r>
-            <a:endParaRPr lang="en-IN" sz="1600" dirty="0">
-              <a:latin typeface="Times New Roman" panose="02020603050405020304" pitchFamily="18" charset="0"/>
-              <a:cs typeface="Times New Roman" panose="02020603050405020304" pitchFamily="18" charset="0"/>
-            </a:endParaRPr>
-          </a:p>
-        </p:txBody>
-      </p:sp>
-      <p:sp>
-        <p:nvSpPr>
-          <p:cNvPr id="4" name="Slide Number Placeholder 3">
-            <a:extLst>
-              <a:ext uri="{FF2B5EF4-FFF2-40B4-BE49-F238E27FC236}">
-                <a16:creationId xmlns:a16="http://schemas.microsoft.com/office/drawing/2014/main" id="{18D5CFA2-4E67-F157-5FFD-A246307D41F7}"/>
-              </a:ext>
-            </a:extLst>
-          </p:cNvPr>
-          <p:cNvSpPr>
-            <a:spLocks noGrp="1"/>
-          </p:cNvSpPr>
-          <p:nvPr>
-            <p:ph type="sldNum" sz="quarter" idx="10"/>
-          </p:nvPr>
-        </p:nvSpPr>
-        <p:spPr/>
-        <p:txBody>
-          <a:bodyPr/>
-          <a:lstStyle/>
-          <a:p>
-            <a:fld id="{48F63A3B-78C7-47BE-AE5E-E10140E04643}" type="slidenum">
-              <a:rPr lang="en-US" smtClean="0"/>
-              <a:pPr/>
-              <a:t>2</a:t>
-            </a:fld>
-            <a:endParaRPr lang="en-US" dirty="0"/>
-          </a:p>
-        </p:txBody>
-      </p:sp>
-    </p:spTree>
-    <p:extLst>
-      <p:ext uri="{BB962C8B-B14F-4D97-AF65-F5344CB8AC3E}">
-        <p14:creationId xmlns:p14="http://schemas.microsoft.com/office/powerpoint/2010/main" val="3913219759"/>
-      </p:ext>
-    </p:extLst>
-  </p:cSld>
-  <p:clrMapOvr>
-    <a:masterClrMapping/>
-  </p:clrMapOvr>
-</p:sld>
-</file>
-
-<file path=ppt/slides/slide3.xml><?xml version="1.0" encoding="utf-8"?>
-<p:sld xmlns:a="http://schemas.openxmlformats.org/drawingml/2006/main" xmlns:r="http://schemas.openxmlformats.org/officeDocument/2006/relationships" xmlns:p="http://schemas.openxmlformats.org/presentationml/2006/main">
-  <p:cSld>
-    <p:spTree>
-      <p:nvGrpSpPr>
-        <p:cNvPr id="1" name="">
-          <a:extLst>
-            <a:ext uri="{FF2B5EF4-FFF2-40B4-BE49-F238E27FC236}">
-              <a16:creationId xmlns:a16="http://schemas.microsoft.com/office/drawing/2014/main" id="{CC5CD768-813B-4963-DF28-6EB8A7223C7D}"/>
-            </a:ext>
-          </a:extLst>
-        </p:cNvPr>
-        <p:cNvGrpSpPr/>
-        <p:nvPr/>
-      </p:nvGrpSpPr>
-      <p:grpSpPr>
-        <a:xfrm>
-          <a:off x="0" y="0"/>
-          <a:ext cx="0" cy="0"/>
-          <a:chOff x="0" y="0"/>
-          <a:chExt cx="0" cy="0"/>
-        </a:xfrm>
-      </p:grpSpPr>
-      <p:sp>
-        <p:nvSpPr>
-          <p:cNvPr id="2" name="Title 1">
-            <a:extLst>
-              <a:ext uri="{FF2B5EF4-FFF2-40B4-BE49-F238E27FC236}">
-                <a16:creationId xmlns:a16="http://schemas.microsoft.com/office/drawing/2014/main" id="{A084583D-98E2-3B09-166D-E60C67C7048E}"/>
-              </a:ext>
-            </a:extLst>
-          </p:cNvPr>
-          <p:cNvSpPr>
-            <a:spLocks noGrp="1"/>
-          </p:cNvSpPr>
-          <p:nvPr>
-            <p:ph type="title"/>
-          </p:nvPr>
-        </p:nvSpPr>
-        <p:spPr>
-          <a:xfrm>
-            <a:off x="265470" y="163009"/>
-            <a:ext cx="6105833" cy="1193843"/>
-          </a:xfrm>
-        </p:spPr>
-        <p:txBody>
-          <a:bodyPr/>
-          <a:lstStyle/>
-          <a:p>
-            <a:r>
-              <a:rPr lang="en-IN" sz="3200" b="1" spc="300" dirty="0">
-                <a:solidFill>
-                  <a:schemeClr val="accent6"/>
-                </a:solidFill>
-              </a:rPr>
-              <a:t>Overall Churn Distribution</a:t>
-            </a:r>
-          </a:p>
-        </p:txBody>
-      </p:sp>
-      <p:sp>
-        <p:nvSpPr>
-          <p:cNvPr id="3" name="Content Placeholder 2">
-            <a:extLst>
-              <a:ext uri="{FF2B5EF4-FFF2-40B4-BE49-F238E27FC236}">
-                <a16:creationId xmlns:a16="http://schemas.microsoft.com/office/drawing/2014/main" id="{CEA70922-C60B-B3F6-6788-7B69068ED991}"/>
-              </a:ext>
-            </a:extLst>
-          </p:cNvPr>
-          <p:cNvSpPr>
-            <a:spLocks noGrp="1"/>
-          </p:cNvSpPr>
-          <p:nvPr>
-            <p:ph idx="1"/>
-          </p:nvPr>
-        </p:nvSpPr>
-        <p:spPr>
-          <a:xfrm>
-            <a:off x="265471" y="1327355"/>
-            <a:ext cx="6371302" cy="3952568"/>
-          </a:xfrm>
-        </p:spPr>
-        <p:txBody>
-          <a:bodyPr>
-            <a:normAutofit/>
-          </a:bodyPr>
-          <a:lstStyle/>
-          <a:p>
-            <a:pPr marL="285750" lvl="0" indent="-285750" fontAlgn="base">
-              <a:buFont typeface="Wingdings" panose="05000000000000000000" pitchFamily="2" charset="2"/>
-              <a:buChar char="Ø"/>
-            </a:pPr>
-            <a:r>
-              <a:rPr lang="en-US" sz="1800" b="1" cap="none" dirty="0">
-                <a:latin typeface="Times New Roman" panose="02020603050405020304" pitchFamily="18" charset="0"/>
-                <a:cs typeface="Times New Roman" panose="02020603050405020304" pitchFamily="18" charset="0"/>
-              </a:rPr>
-              <a:t>Key Insight: </a:t>
-            </a:r>
-            <a:r>
-              <a:rPr lang="en-US" sz="1800" cap="none" dirty="0">
-                <a:latin typeface="Times New Roman" panose="02020603050405020304" pitchFamily="18" charset="0"/>
-                <a:cs typeface="Times New Roman" panose="02020603050405020304" pitchFamily="18" charset="0"/>
-              </a:rPr>
-              <a:t>The dataset shows an imbalance between customers who churn and those who do not.</a:t>
-            </a:r>
-          </a:p>
-          <a:p>
-            <a:pPr marL="285750" lvl="0" indent="-285750" fontAlgn="base">
-              <a:buFont typeface="Wingdings" panose="05000000000000000000" pitchFamily="2" charset="2"/>
-              <a:buChar char="Ø"/>
-            </a:pPr>
-            <a:r>
-              <a:rPr lang="en-US" sz="1800" b="1" cap="none" dirty="0">
-                <a:latin typeface="Times New Roman" panose="02020603050405020304" pitchFamily="18" charset="0"/>
-                <a:cs typeface="Times New Roman" panose="02020603050405020304" pitchFamily="18" charset="0"/>
-              </a:rPr>
-              <a:t>Observations:</a:t>
-            </a:r>
-          </a:p>
-          <a:p>
-            <a:pPr marL="285750" lvl="0" indent="-285750" fontAlgn="base">
-              <a:buFont typeface="Courier New" panose="02070309020205020404" pitchFamily="49" charset="0"/>
-              <a:buChar char="o"/>
-            </a:pPr>
-            <a:r>
-              <a:rPr lang="en-US" sz="1800" b="1" cap="none" dirty="0">
-                <a:latin typeface="Times New Roman" panose="02020603050405020304" pitchFamily="18" charset="0"/>
-                <a:cs typeface="Times New Roman" panose="02020603050405020304" pitchFamily="18" charset="0"/>
-              </a:rPr>
-              <a:t> </a:t>
-            </a:r>
-            <a:r>
-              <a:rPr lang="en-US" sz="1800" cap="none" dirty="0">
-                <a:latin typeface="Times New Roman" panose="02020603050405020304" pitchFamily="18" charset="0"/>
-                <a:cs typeface="Times New Roman" panose="02020603050405020304" pitchFamily="18" charset="0"/>
-              </a:rPr>
-              <a:t>5174 Customers Did Not Churn.</a:t>
-            </a:r>
-          </a:p>
-          <a:p>
-            <a:pPr marL="285750" lvl="0" indent="-285750" fontAlgn="base">
-              <a:buFont typeface="Courier New" panose="02070309020205020404" pitchFamily="49" charset="0"/>
-              <a:buChar char="o"/>
-            </a:pPr>
-            <a:r>
-              <a:rPr lang="en-US" sz="1800" cap="none" dirty="0">
-                <a:latin typeface="Times New Roman" panose="02020603050405020304" pitchFamily="18" charset="0"/>
-                <a:cs typeface="Times New Roman" panose="02020603050405020304" pitchFamily="18" charset="0"/>
-              </a:rPr>
-              <a:t>1869 Customers Churned.</a:t>
-            </a:r>
-          </a:p>
-          <a:p>
-            <a:pPr marL="285750" lvl="0" indent="-285750" fontAlgn="base">
-              <a:buFont typeface="Wingdings" panose="05000000000000000000" pitchFamily="2" charset="2"/>
-              <a:buChar char="Ø"/>
-            </a:pPr>
-            <a:r>
-              <a:rPr lang="en-US" sz="1800" b="1" cap="none" dirty="0">
-                <a:latin typeface="Times New Roman" panose="02020603050405020304" pitchFamily="18" charset="0"/>
-                <a:cs typeface="Times New Roman" panose="02020603050405020304" pitchFamily="18" charset="0"/>
-              </a:rPr>
-              <a:t>Implication: </a:t>
-            </a:r>
-          </a:p>
-          <a:p>
-            <a:pPr lvl="0" fontAlgn="base"/>
-            <a:r>
-              <a:rPr lang="en-US" sz="1800" cap="none" dirty="0">
-                <a:latin typeface="Times New Roman" panose="02020603050405020304" pitchFamily="18" charset="0"/>
-                <a:cs typeface="Times New Roman" panose="02020603050405020304" pitchFamily="18" charset="0"/>
-              </a:rPr>
-              <a:t>This imbalance is important for model training. Models might be biased towards predicting "no churn" due to the larger sample size.</a:t>
-            </a:r>
-          </a:p>
-        </p:txBody>
-      </p:sp>
-      <p:sp>
-        <p:nvSpPr>
-          <p:cNvPr id="4" name="Slide Number Placeholder 3">
-            <a:extLst>
-              <a:ext uri="{FF2B5EF4-FFF2-40B4-BE49-F238E27FC236}">
-                <a16:creationId xmlns:a16="http://schemas.microsoft.com/office/drawing/2014/main" id="{5FADBC0D-0A57-51AA-9166-2519FB37E3E0}"/>
-              </a:ext>
-            </a:extLst>
-          </p:cNvPr>
-          <p:cNvSpPr>
-            <a:spLocks noGrp="1"/>
-          </p:cNvSpPr>
-          <p:nvPr>
-            <p:ph type="sldNum" sz="quarter" idx="10"/>
-          </p:nvPr>
-        </p:nvSpPr>
-        <p:spPr/>
-        <p:txBody>
-          <a:bodyPr/>
-          <a:lstStyle/>
-          <a:p>
-            <a:fld id="{48F63A3B-78C7-47BE-AE5E-E10140E04643}" type="slidenum">
-              <a:rPr lang="en-US" smtClean="0"/>
-              <a:pPr/>
-              <a:t>3</a:t>
-            </a:fld>
-            <a:endParaRPr lang="en-US" dirty="0"/>
-          </a:p>
-        </p:txBody>
-      </p:sp>
-      <p:sp>
-        <p:nvSpPr>
-          <p:cNvPr id="5" name="Rectangle 2">
-            <a:extLst>
-              <a:ext uri="{FF2B5EF4-FFF2-40B4-BE49-F238E27FC236}">
-                <a16:creationId xmlns:a16="http://schemas.microsoft.com/office/drawing/2014/main" id="{4FEADA92-7367-AD85-CEE3-B5F200A6E175}"/>
-              </a:ext>
-            </a:extLst>
-          </p:cNvPr>
-          <p:cNvSpPr>
-            <a:spLocks noChangeArrowheads="1"/>
-          </p:cNvSpPr>
-          <p:nvPr/>
-        </p:nvSpPr>
-        <p:spPr bwMode="auto">
-          <a:xfrm>
-            <a:off x="0" y="0"/>
-            <a:ext cx="12192000" cy="457200"/>
-          </a:xfrm>
-          <a:prstGeom prst="rect">
-            <a:avLst/>
-          </a:prstGeom>
-          <a:noFill/>
-          <a:ln>
-            <a:noFill/>
-          </a:ln>
-          <a:effectLst/>
-          <a:extLst>
-            <a:ext uri="{909E8E84-426E-40DD-AFC4-6F175D3DCCD1}">
-              <a14:hiddenFill xmlns:a14="http://schemas.microsoft.com/office/drawing/2010/main">
-                <a:solidFill>
-                  <a:schemeClr val="accent1"/>
-                </a:solidFill>
-              </a14:hiddenFill>
-            </a:ext>
-            <a:ext uri="{91240B29-F687-4F45-9708-019B960494DF}">
-              <a14:hiddenLine xmlns:a14="http://schemas.microsoft.com/office/drawing/2010/main" w="9525">
-                <a:solidFill>
-                  <a:schemeClr val="tx1"/>
-                </a:solidFill>
-                <a:miter lim="800000"/>
-                <a:headEnd/>
-                <a:tailEnd/>
-              </a14:hiddenLine>
-            </a:ext>
-            <a:ext uri="{AF507438-7753-43E0-B8FC-AC1667EBCBE1}">
-              <a14:hiddenEffects xmlns:a14="http://schemas.microsoft.com/office/drawing/2010/main">
-                <a:effectLst>
-                  <a:outerShdw dist="35921" dir="2700000" algn="ctr" rotWithShape="0">
-                    <a:schemeClr val="bg2"/>
-                  </a:outerShdw>
-                </a:effectLst>
-              </a14:hiddenEffects>
-            </a:ext>
-          </a:extLst>
-        </p:spPr>
-        <p:txBody>
-          <a:bodyPr vert="horz" wrap="none" lIns="91440" tIns="45720" rIns="91440" bIns="45720" numCol="1" anchor="ctr" anchorCtr="0" compatLnSpc="1">
-            <a:prstTxWarp prst="textNoShape">
-              <a:avLst/>
-            </a:prstTxWarp>
-            <a:spAutoFit/>
-          </a:bodyPr>
-          <a:lstStyle/>
-          <a:p>
-            <a:endParaRPr lang="en-IN"/>
-          </a:p>
-        </p:txBody>
-      </p:sp>
-      <p:pic>
-        <p:nvPicPr>
-          <p:cNvPr id="2049" name="Picture 1">
-            <a:extLst>
-              <a:ext uri="{FF2B5EF4-FFF2-40B4-BE49-F238E27FC236}">
-                <a16:creationId xmlns:a16="http://schemas.microsoft.com/office/drawing/2014/main" id="{2C0D6400-7046-2F91-66C4-E6C87ACD5454}"/>
-              </a:ext>
-            </a:extLst>
-          </p:cNvPr>
-          <p:cNvPicPr>
-            <a:picLocks noChangeAspect="1" noChangeArrowheads="1"/>
-          </p:cNvPicPr>
-          <p:nvPr/>
-        </p:nvPicPr>
-        <p:blipFill>
-          <a:blip r:embed="rId3">
-            <a:extLst>
-              <a:ext uri="{28A0092B-C50C-407E-A947-70E740481C1C}">
-                <a14:useLocalDpi xmlns:a14="http://schemas.microsoft.com/office/drawing/2010/main" val="0"/>
-              </a:ext>
-            </a:extLst>
-          </a:blip>
-          <a:srcRect/>
-          <a:stretch>
-            <a:fillRect/>
-          </a:stretch>
-        </p:blipFill>
-        <p:spPr bwMode="auto">
-          <a:xfrm>
-            <a:off x="6636773" y="977848"/>
-            <a:ext cx="4953656" cy="4601957"/>
-          </a:xfrm>
-          <a:prstGeom prst="rect">
-            <a:avLst/>
-          </a:prstGeom>
-          <a:noFill/>
-          <a:ln w="28575">
-            <a:solidFill>
-              <a:schemeClr val="tx1"/>
-            </a:solidFill>
-          </a:ln>
-          <a:extLst>
-            <a:ext uri="{909E8E84-426E-40DD-AFC4-6F175D3DCCD1}">
-              <a14:hiddenFill xmlns:a14="http://schemas.microsoft.com/office/drawing/2010/main">
-                <a:solidFill>
-                  <a:srgbClr val="FFFFFF"/>
-                </a:solidFill>
-              </a14:hiddenFill>
-            </a:ext>
-          </a:extLst>
-        </p:spPr>
-      </p:pic>
-    </p:spTree>
-    <p:extLst>
-      <p:ext uri="{BB962C8B-B14F-4D97-AF65-F5344CB8AC3E}">
-        <p14:creationId xmlns:p14="http://schemas.microsoft.com/office/powerpoint/2010/main" val="4033625348"/>
-      </p:ext>
-    </p:extLst>
-  </p:cSld>
-  <p:clrMapOvr>
-    <a:masterClrMapping/>
-  </p:clrMapOvr>
-</p:sld>
-</file>
-
-<file path=ppt/slides/slide4.xml><?xml version="1.0" encoding="utf-8"?>
+<file path=ppt/slides/slide9.xml><?xml version="1.0" encoding="utf-8"?>
 <p:sld xmlns:a="http://schemas.openxmlformats.org/drawingml/2006/main" xmlns:r="http://schemas.openxmlformats.org/officeDocument/2006/relationships" xmlns:p="http://schemas.openxmlformats.org/presentationml/2006/main">
   <p:cSld>
     <p:spTree>
@@ -22797,8 +25855,8 @@
         </p:nvSpPr>
         <p:spPr>
           <a:xfrm>
-            <a:off x="270646" y="127820"/>
-            <a:ext cx="7796464" cy="614515"/>
+            <a:off x="270645" y="127820"/>
+            <a:ext cx="8912683" cy="614515"/>
           </a:xfrm>
         </p:spPr>
         <p:txBody>
@@ -22807,6 +25865,14 @@
           <a:p>
             <a:r>
               <a:rPr lang="en-IN" b="1" spc="300" dirty="0">
+                <a:solidFill>
+                  <a:schemeClr val="accent3"/>
+                </a:solidFill>
+              </a:rPr>
+              <a:t>4. </a:t>
+            </a:r>
+            <a:r>
+              <a:rPr lang="en-IN" b="1" dirty="0">
                 <a:solidFill>
                   <a:schemeClr val="accent3"/>
                 </a:solidFill>
@@ -22832,17 +25898,30 @@
             <p:ph type="sldNum" sz="quarter" idx="10"/>
           </p:nvPr>
         </p:nvSpPr>
-        <p:spPr/>
+        <p:spPr>
+          <a:xfrm>
+            <a:off x="10438475" y="285593"/>
+            <a:ext cx="987552" cy="471489"/>
+          </a:xfrm>
+        </p:spPr>
         <p:txBody>
           <a:bodyPr/>
           <a:lstStyle/>
           <a:p>
             <a:fld id="{48F63A3B-78C7-47BE-AE5E-E10140E04643}" type="slidenum">
-              <a:rPr lang="en-US" smtClean="0"/>
+              <a:rPr lang="en-US" smtClean="0">
+                <a:solidFill>
+                  <a:schemeClr val="bg1"/>
+                </a:solidFill>
+              </a:rPr>
               <a:pPr/>
-              <a:t>4</a:t>
+              <a:t>9</a:t>
             </a:fld>
-            <a:endParaRPr lang="en-US" dirty="0"/>
+            <a:endParaRPr lang="en-US" dirty="0">
+              <a:solidFill>
+                <a:schemeClr val="bg1"/>
+              </a:solidFill>
+            </a:endParaRPr>
           </a:p>
         </p:txBody>
       </p:sp>
@@ -23401,2265 +26480,6 @@
     <p:extLst>
       <p:ext uri="{BB962C8B-B14F-4D97-AF65-F5344CB8AC3E}">
         <p14:creationId xmlns:p14="http://schemas.microsoft.com/office/powerpoint/2010/main" val="2252399044"/>
-      </p:ext>
-    </p:extLst>
-  </p:cSld>
-  <p:clrMapOvr>
-    <a:masterClrMapping/>
-  </p:clrMapOvr>
-</p:sld>
-</file>
-
-<file path=ppt/slides/slide5.xml><?xml version="1.0" encoding="utf-8"?>
-<p:sld xmlns:a="http://schemas.openxmlformats.org/drawingml/2006/main" xmlns:r="http://schemas.openxmlformats.org/officeDocument/2006/relationships" xmlns:p="http://schemas.openxmlformats.org/presentationml/2006/main">
-  <p:cSld>
-    <p:spTree>
-      <p:nvGrpSpPr>
-        <p:cNvPr id="1" name="">
-          <a:extLst>
-            <a:ext uri="{FF2B5EF4-FFF2-40B4-BE49-F238E27FC236}">
-              <a16:creationId xmlns:a16="http://schemas.microsoft.com/office/drawing/2014/main" id="{36012653-67B0-754E-72F3-9B2B766E15D0}"/>
-            </a:ext>
-          </a:extLst>
-        </p:cNvPr>
-        <p:cNvGrpSpPr/>
-        <p:nvPr/>
-      </p:nvGrpSpPr>
-      <p:grpSpPr>
-        <a:xfrm>
-          <a:off x="0" y="0"/>
-          <a:ext cx="0" cy="0"/>
-          <a:chOff x="0" y="0"/>
-          <a:chExt cx="0" cy="0"/>
-        </a:xfrm>
-      </p:grpSpPr>
-      <p:sp>
-        <p:nvSpPr>
-          <p:cNvPr id="2" name="Title 1">
-            <a:extLst>
-              <a:ext uri="{FF2B5EF4-FFF2-40B4-BE49-F238E27FC236}">
-                <a16:creationId xmlns:a16="http://schemas.microsoft.com/office/drawing/2014/main" id="{DC813FD9-41F1-96AD-CA52-E847CC2A8836}"/>
-              </a:ext>
-            </a:extLst>
-          </p:cNvPr>
-          <p:cNvSpPr>
-            <a:spLocks noGrp="1"/>
-          </p:cNvSpPr>
-          <p:nvPr>
-            <p:ph type="title"/>
-          </p:nvPr>
-        </p:nvSpPr>
-        <p:spPr>
-          <a:xfrm>
-            <a:off x="265471" y="133512"/>
-            <a:ext cx="6440129" cy="1193843"/>
-          </a:xfrm>
-        </p:spPr>
-        <p:txBody>
-          <a:bodyPr/>
-          <a:lstStyle/>
-          <a:p>
-            <a:r>
-              <a:rPr lang="en-IN" sz="3200" b="1" spc="300" dirty="0"/>
-              <a:t>Model Performance: </a:t>
-            </a:r>
-            <a:r>
-              <a:rPr lang="en-IN" sz="3200" b="1" spc="300" dirty="0">
-                <a:solidFill>
-                  <a:schemeClr val="accent5"/>
-                </a:solidFill>
-              </a:rPr>
-              <a:t>Confusion Matrix</a:t>
-            </a:r>
-          </a:p>
-        </p:txBody>
-      </p:sp>
-      <p:sp>
-        <p:nvSpPr>
-          <p:cNvPr id="3" name="Content Placeholder 2">
-            <a:extLst>
-              <a:ext uri="{FF2B5EF4-FFF2-40B4-BE49-F238E27FC236}">
-                <a16:creationId xmlns:a16="http://schemas.microsoft.com/office/drawing/2014/main" id="{A8096070-DBE5-797A-04CC-F41A9494BCD7}"/>
-              </a:ext>
-            </a:extLst>
-          </p:cNvPr>
-          <p:cNvSpPr>
-            <a:spLocks noGrp="1"/>
-          </p:cNvSpPr>
-          <p:nvPr>
-            <p:ph idx="1"/>
-          </p:nvPr>
-        </p:nvSpPr>
-        <p:spPr>
-          <a:xfrm>
-            <a:off x="265469" y="1327355"/>
-            <a:ext cx="6685937" cy="4215580"/>
-          </a:xfrm>
-        </p:spPr>
-        <p:txBody>
-          <a:bodyPr>
-            <a:noAutofit/>
-          </a:bodyPr>
-          <a:lstStyle/>
-          <a:p>
-            <a:pPr marL="285750" marR="0" lvl="0" indent="-285750" algn="just" fontAlgn="base">
-              <a:lnSpc>
-                <a:spcPct val="114000"/>
-              </a:lnSpc>
-              <a:buClr>
-                <a:srgbClr val="000000"/>
-              </a:buClr>
-              <a:buSzPts val="1100"/>
-              <a:buFont typeface="Wingdings" panose="05000000000000000000" pitchFamily="2" charset="2"/>
-              <a:buChar char="q"/>
-            </a:pPr>
-            <a:r>
-              <a:rPr lang="en-IN" sz="1600" b="1" u="none" strike="noStrike" cap="none" dirty="0">
-                <a:solidFill>
-                  <a:srgbClr val="1B1C1D"/>
-                </a:solidFill>
-                <a:effectLst/>
-                <a:latin typeface="Times New Roman" panose="02020603050405020304" pitchFamily="18" charset="0"/>
-                <a:ea typeface="Google Sans Text"/>
-                <a:cs typeface="Times New Roman" panose="02020603050405020304" pitchFamily="18" charset="0"/>
-              </a:rPr>
-              <a:t>Key insight:</a:t>
-            </a:r>
-            <a:r>
-              <a:rPr lang="en-IN" sz="1600" u="none" strike="noStrike" cap="none" dirty="0">
-                <a:solidFill>
-                  <a:srgbClr val="1B1C1D"/>
-                </a:solidFill>
-                <a:effectLst/>
-                <a:latin typeface="Times New Roman" panose="02020603050405020304" pitchFamily="18" charset="0"/>
-                <a:ea typeface="Google Sans Text"/>
-                <a:cs typeface="Times New Roman" panose="02020603050405020304" pitchFamily="18" charset="0"/>
-              </a:rPr>
-              <a:t> evaluates the accuracy of the churn prediction model.</a:t>
-            </a:r>
-            <a:endParaRPr lang="en-IN" sz="1600" u="none" strike="noStrike" cap="none" dirty="0">
-              <a:effectLst/>
-              <a:latin typeface="Times New Roman" panose="02020603050405020304" pitchFamily="18" charset="0"/>
-              <a:ea typeface="Arial" panose="020B0604020202020204" pitchFamily="34" charset="0"/>
-              <a:cs typeface="Times New Roman" panose="02020603050405020304" pitchFamily="18" charset="0"/>
-            </a:endParaRPr>
-          </a:p>
-          <a:p>
-            <a:pPr marL="285750" marR="0" lvl="0" indent="-285750" algn="just" fontAlgn="base">
-              <a:lnSpc>
-                <a:spcPct val="114000"/>
-              </a:lnSpc>
-              <a:buClr>
-                <a:srgbClr val="000000"/>
-              </a:buClr>
-              <a:buSzPts val="1100"/>
-              <a:buFont typeface="Wingdings" panose="05000000000000000000" pitchFamily="2" charset="2"/>
-              <a:buChar char="q"/>
-            </a:pPr>
-            <a:r>
-              <a:rPr lang="en-IN" sz="1600" b="1" u="none" strike="noStrike" cap="none" dirty="0">
-                <a:solidFill>
-                  <a:srgbClr val="1B1C1D"/>
-                </a:solidFill>
-                <a:effectLst/>
-                <a:latin typeface="Times New Roman" panose="02020603050405020304" pitchFamily="18" charset="0"/>
-                <a:ea typeface="Google Sans Text"/>
-                <a:cs typeface="Times New Roman" panose="02020603050405020304" pitchFamily="18" charset="0"/>
-              </a:rPr>
-              <a:t>Matrix breakdown:</a:t>
-            </a:r>
-            <a:endParaRPr lang="en-IN" sz="1600" cap="none" dirty="0">
-              <a:latin typeface="Times New Roman" panose="02020603050405020304" pitchFamily="18" charset="0"/>
-              <a:ea typeface="Google Sans Text"/>
-              <a:cs typeface="Times New Roman" panose="02020603050405020304" pitchFamily="18" charset="0"/>
-            </a:endParaRPr>
-          </a:p>
-          <a:p>
-            <a:pPr marL="633222" lvl="1" indent="-285750" algn="just" fontAlgn="base">
-              <a:lnSpc>
-                <a:spcPct val="114000"/>
-              </a:lnSpc>
-              <a:buClr>
-                <a:srgbClr val="000000"/>
-              </a:buClr>
-              <a:buSzPts val="1100"/>
-              <a:buFont typeface="Wingdings" panose="05000000000000000000" pitchFamily="2" charset="2"/>
-              <a:buChar char="v"/>
-            </a:pPr>
-            <a:r>
-              <a:rPr lang="en-IN" sz="1600" b="1" u="none" strike="noStrike" cap="none" dirty="0">
-                <a:solidFill>
-                  <a:srgbClr val="1B1C1D"/>
-                </a:solidFill>
-                <a:effectLst/>
-                <a:latin typeface="Times New Roman" panose="02020603050405020304" pitchFamily="18" charset="0"/>
-                <a:ea typeface="Google Sans Text"/>
-                <a:cs typeface="Times New Roman" panose="02020603050405020304" pitchFamily="18" charset="0"/>
-              </a:rPr>
-              <a:t>True negatives (TN): 925</a:t>
-            </a:r>
-            <a:r>
-              <a:rPr lang="en-IN" sz="1600" b="1" cap="none" dirty="0">
-                <a:latin typeface="Times New Roman" panose="02020603050405020304" pitchFamily="18" charset="0"/>
-                <a:ea typeface="Google Sans Text"/>
-                <a:cs typeface="Times New Roman" panose="02020603050405020304" pitchFamily="18" charset="0"/>
-              </a:rPr>
-              <a:t>: </a:t>
-            </a:r>
-            <a:r>
-              <a:rPr lang="en-IN" sz="1600" u="none" strike="noStrike" cap="none" dirty="0">
-                <a:solidFill>
-                  <a:srgbClr val="1B1C1D"/>
-                </a:solidFill>
-                <a:effectLst/>
-                <a:latin typeface="Times New Roman" panose="02020603050405020304" pitchFamily="18" charset="0"/>
-                <a:ea typeface="Google Sans Text"/>
-                <a:cs typeface="Times New Roman" panose="02020603050405020304" pitchFamily="18" charset="0"/>
-              </a:rPr>
-              <a:t>Correctly predicted "no churn" (customers who did not churn).</a:t>
-            </a:r>
-            <a:endParaRPr lang="en-IN" sz="1600" cap="none" dirty="0">
-              <a:latin typeface="Times New Roman" panose="02020603050405020304" pitchFamily="18" charset="0"/>
-              <a:ea typeface="Google Sans Text"/>
-              <a:cs typeface="Times New Roman" panose="02020603050405020304" pitchFamily="18" charset="0"/>
-            </a:endParaRPr>
-          </a:p>
-          <a:p>
-            <a:pPr marL="633222" lvl="1" indent="-285750" algn="just" fontAlgn="base">
-              <a:lnSpc>
-                <a:spcPct val="114000"/>
-              </a:lnSpc>
-              <a:buClr>
-                <a:srgbClr val="000000"/>
-              </a:buClr>
-              <a:buSzPts val="1100"/>
-              <a:buFont typeface="Wingdings" panose="05000000000000000000" pitchFamily="2" charset="2"/>
-              <a:buChar char="v"/>
-            </a:pPr>
-            <a:r>
-              <a:rPr lang="en-IN" sz="1600" b="1" u="none" strike="noStrike" cap="none" dirty="0">
-                <a:solidFill>
-                  <a:srgbClr val="1B1C1D"/>
-                </a:solidFill>
-                <a:effectLst/>
-                <a:latin typeface="Times New Roman" panose="02020603050405020304" pitchFamily="18" charset="0"/>
-                <a:ea typeface="Google Sans Text"/>
-                <a:cs typeface="Times New Roman" panose="02020603050405020304" pitchFamily="18" charset="0"/>
-              </a:rPr>
-              <a:t>False positives (FP): 110</a:t>
-            </a:r>
-            <a:r>
-              <a:rPr lang="en-IN" sz="1600" b="1" cap="none" dirty="0">
-                <a:latin typeface="Times New Roman" panose="02020603050405020304" pitchFamily="18" charset="0"/>
-                <a:ea typeface="Google Sans Text"/>
-                <a:cs typeface="Times New Roman" panose="02020603050405020304" pitchFamily="18" charset="0"/>
-              </a:rPr>
-              <a:t>: </a:t>
-            </a:r>
-            <a:r>
-              <a:rPr lang="en-IN" sz="1600" u="none" strike="noStrike" cap="none" dirty="0">
-                <a:solidFill>
-                  <a:srgbClr val="1B1C1D"/>
-                </a:solidFill>
-                <a:effectLst/>
-                <a:latin typeface="Times New Roman" panose="02020603050405020304" pitchFamily="18" charset="0"/>
-                <a:ea typeface="Google Sans Text"/>
-                <a:cs typeface="Times New Roman" panose="02020603050405020304" pitchFamily="18" charset="0"/>
-              </a:rPr>
-              <a:t>Incorrectly predicted "churn" (customers who did not churn but were flagged).</a:t>
-            </a:r>
-            <a:r>
-              <a:rPr lang="en-IN" sz="1600" cap="none" dirty="0">
-                <a:latin typeface="Times New Roman" panose="02020603050405020304" pitchFamily="18" charset="0"/>
-                <a:ea typeface="Google Sans Text"/>
-                <a:cs typeface="Times New Roman" panose="02020603050405020304" pitchFamily="18" charset="0"/>
-              </a:rPr>
-              <a:t> </a:t>
-            </a:r>
-            <a:r>
-              <a:rPr lang="en-IN" sz="1600" u="none" strike="noStrike" cap="none" dirty="0">
-                <a:solidFill>
-                  <a:srgbClr val="1B1C1D"/>
-                </a:solidFill>
-                <a:effectLst/>
-                <a:latin typeface="Times New Roman" panose="02020603050405020304" pitchFamily="18" charset="0"/>
-                <a:ea typeface="Google Sans Text"/>
-                <a:cs typeface="Times New Roman" panose="02020603050405020304" pitchFamily="18" charset="0"/>
-              </a:rPr>
-              <a:t>Represents a type </a:t>
-            </a:r>
-            <a:r>
-              <a:rPr lang="en-IN" sz="1600" u="none" strike="noStrike" cap="none" dirty="0" err="1">
-                <a:solidFill>
-                  <a:srgbClr val="1B1C1D"/>
-                </a:solidFill>
-                <a:effectLst/>
-                <a:latin typeface="Times New Roman" panose="02020603050405020304" pitchFamily="18" charset="0"/>
-                <a:ea typeface="Google Sans Text"/>
-                <a:cs typeface="Times New Roman" panose="02020603050405020304" pitchFamily="18" charset="0"/>
-              </a:rPr>
-              <a:t>i</a:t>
-            </a:r>
-            <a:r>
-              <a:rPr lang="en-IN" sz="1600" u="none" strike="noStrike" cap="none" dirty="0">
-                <a:solidFill>
-                  <a:srgbClr val="1B1C1D"/>
-                </a:solidFill>
-                <a:effectLst/>
-                <a:latin typeface="Times New Roman" panose="02020603050405020304" pitchFamily="18" charset="0"/>
-                <a:ea typeface="Google Sans Text"/>
-                <a:cs typeface="Times New Roman" panose="02020603050405020304" pitchFamily="18" charset="0"/>
-              </a:rPr>
-              <a:t> error.</a:t>
-            </a:r>
-            <a:endParaRPr lang="en-IN" sz="1600" cap="none" dirty="0">
-              <a:latin typeface="Times New Roman" panose="02020603050405020304" pitchFamily="18" charset="0"/>
-              <a:ea typeface="Google Sans Text"/>
-              <a:cs typeface="Times New Roman" panose="02020603050405020304" pitchFamily="18" charset="0"/>
-            </a:endParaRPr>
-          </a:p>
-          <a:p>
-            <a:pPr marL="633222" lvl="1" indent="-285750" algn="just" fontAlgn="base">
-              <a:lnSpc>
-                <a:spcPct val="114000"/>
-              </a:lnSpc>
-              <a:buClr>
-                <a:srgbClr val="000000"/>
-              </a:buClr>
-              <a:buSzPts val="1100"/>
-              <a:buFont typeface="Wingdings" panose="05000000000000000000" pitchFamily="2" charset="2"/>
-              <a:buChar char="v"/>
-            </a:pPr>
-            <a:r>
-              <a:rPr lang="en-IN" sz="1600" b="1" u="none" strike="noStrike" cap="none" dirty="0">
-                <a:solidFill>
-                  <a:srgbClr val="1B1C1D"/>
-                </a:solidFill>
-                <a:effectLst/>
-                <a:latin typeface="Times New Roman" panose="02020603050405020304" pitchFamily="18" charset="0"/>
-                <a:ea typeface="Google Sans Text"/>
-                <a:cs typeface="Times New Roman" panose="02020603050405020304" pitchFamily="18" charset="0"/>
-              </a:rPr>
-              <a:t>False negatives (FN): 166: </a:t>
-            </a:r>
-            <a:r>
-              <a:rPr lang="en-IN" sz="1600" u="none" strike="noStrike" cap="none" dirty="0">
-                <a:solidFill>
-                  <a:srgbClr val="1B1C1D"/>
-                </a:solidFill>
-                <a:effectLst/>
-                <a:latin typeface="Times New Roman" panose="02020603050405020304" pitchFamily="18" charset="0"/>
-                <a:ea typeface="Google Sans Text"/>
-                <a:cs typeface="Times New Roman" panose="02020603050405020304" pitchFamily="18" charset="0"/>
-              </a:rPr>
-              <a:t>Incorrectly predicted "no churn" (customers who churned but were missed).</a:t>
-            </a:r>
-            <a:r>
-              <a:rPr lang="en-IN" sz="1600" cap="none" dirty="0">
-                <a:latin typeface="Times New Roman" panose="02020603050405020304" pitchFamily="18" charset="0"/>
-                <a:ea typeface="Google Sans Text"/>
-                <a:cs typeface="Times New Roman" panose="02020603050405020304" pitchFamily="18" charset="0"/>
-              </a:rPr>
-              <a:t> </a:t>
-            </a:r>
-            <a:r>
-              <a:rPr lang="en-IN" sz="1600" u="none" strike="noStrike" cap="none" dirty="0">
-                <a:solidFill>
-                  <a:srgbClr val="1B1C1D"/>
-                </a:solidFill>
-                <a:effectLst/>
-                <a:latin typeface="Times New Roman" panose="02020603050405020304" pitchFamily="18" charset="0"/>
-                <a:ea typeface="Google Sans Text"/>
-                <a:cs typeface="Times New Roman" panose="02020603050405020304" pitchFamily="18" charset="0"/>
-              </a:rPr>
-              <a:t>Represents a type ii error; often more costly as it means lost customers.</a:t>
-            </a:r>
-            <a:endParaRPr lang="en-IN" sz="1600" cap="none" dirty="0">
-              <a:latin typeface="Times New Roman" panose="02020603050405020304" pitchFamily="18" charset="0"/>
-              <a:ea typeface="Google Sans Text"/>
-              <a:cs typeface="Times New Roman" panose="02020603050405020304" pitchFamily="18" charset="0"/>
-            </a:endParaRPr>
-          </a:p>
-          <a:p>
-            <a:pPr marL="633222" lvl="1" indent="-285750" algn="just" fontAlgn="base">
-              <a:lnSpc>
-                <a:spcPct val="114000"/>
-              </a:lnSpc>
-              <a:buClr>
-                <a:srgbClr val="000000"/>
-              </a:buClr>
-              <a:buSzPts val="1100"/>
-              <a:buFont typeface="Wingdings" panose="05000000000000000000" pitchFamily="2" charset="2"/>
-              <a:buChar char="v"/>
-            </a:pPr>
-            <a:r>
-              <a:rPr lang="en-IN" sz="1600" b="1" u="none" strike="noStrike" cap="none" dirty="0">
-                <a:solidFill>
-                  <a:srgbClr val="1B1C1D"/>
-                </a:solidFill>
-                <a:effectLst/>
-                <a:latin typeface="Times New Roman" panose="02020603050405020304" pitchFamily="18" charset="0"/>
-                <a:ea typeface="Google Sans Text"/>
-                <a:cs typeface="Times New Roman" panose="02020603050405020304" pitchFamily="18" charset="0"/>
-              </a:rPr>
-              <a:t>True positives (TP): 208: </a:t>
-            </a:r>
-            <a:r>
-              <a:rPr lang="en-IN" sz="1600" u="none" strike="noStrike" cap="none" dirty="0">
-                <a:solidFill>
-                  <a:srgbClr val="1B1C1D"/>
-                </a:solidFill>
-                <a:effectLst/>
-                <a:latin typeface="Times New Roman" panose="02020603050405020304" pitchFamily="18" charset="0"/>
-                <a:ea typeface="Google Sans Text"/>
-                <a:cs typeface="Times New Roman" panose="02020603050405020304" pitchFamily="18" charset="0"/>
-              </a:rPr>
-              <a:t>Correctly predicted "churn" (customers who actually churned).</a:t>
-            </a:r>
-            <a:endParaRPr lang="en-IN" sz="1600" u="none" strike="noStrike" cap="none" dirty="0">
-              <a:effectLst/>
-              <a:latin typeface="Times New Roman" panose="02020603050405020304" pitchFamily="18" charset="0"/>
-              <a:ea typeface="Arial" panose="020B0604020202020204" pitchFamily="34" charset="0"/>
-              <a:cs typeface="Times New Roman" panose="02020603050405020304" pitchFamily="18" charset="0"/>
-            </a:endParaRPr>
-          </a:p>
-          <a:p>
-            <a:pPr marL="285750" marR="0" lvl="0" indent="-285750" algn="just" fontAlgn="base">
-              <a:lnSpc>
-                <a:spcPct val="114000"/>
-              </a:lnSpc>
-              <a:spcAft>
-                <a:spcPts val="600"/>
-              </a:spcAft>
-              <a:buClr>
-                <a:srgbClr val="000000"/>
-              </a:buClr>
-              <a:buSzPts val="1100"/>
-              <a:buFont typeface="Wingdings" panose="05000000000000000000" pitchFamily="2" charset="2"/>
-              <a:buChar char="q"/>
-            </a:pPr>
-            <a:r>
-              <a:rPr lang="en-IN" sz="1600" b="1" u="none" strike="noStrike" cap="none" dirty="0">
-                <a:solidFill>
-                  <a:srgbClr val="1B1C1D"/>
-                </a:solidFill>
-                <a:effectLst/>
-                <a:latin typeface="Times New Roman" panose="02020603050405020304" pitchFamily="18" charset="0"/>
-                <a:ea typeface="Google Sans Text"/>
-                <a:cs typeface="Times New Roman" panose="02020603050405020304" pitchFamily="18" charset="0"/>
-              </a:rPr>
-              <a:t>Conclusion:</a:t>
-            </a:r>
-            <a:r>
-              <a:rPr lang="en-IN" sz="1600" u="none" strike="noStrike" cap="none" dirty="0">
-                <a:solidFill>
-                  <a:srgbClr val="1B1C1D"/>
-                </a:solidFill>
-                <a:effectLst/>
-                <a:latin typeface="Times New Roman" panose="02020603050405020304" pitchFamily="18" charset="0"/>
-                <a:ea typeface="Google Sans Text"/>
-                <a:cs typeface="Times New Roman" panose="02020603050405020304" pitchFamily="18" charset="0"/>
-              </a:rPr>
-              <a:t> the model has a decent number of correct predictions, but the 166 false negatives indicate a need for improvement in identifying actual churners.</a:t>
-            </a:r>
-            <a:endParaRPr lang="en-IN" sz="1600" u="none" strike="noStrike" cap="none" dirty="0">
-              <a:effectLst/>
-              <a:latin typeface="Times New Roman" panose="02020603050405020304" pitchFamily="18" charset="0"/>
-              <a:ea typeface="Arial" panose="020B0604020202020204" pitchFamily="34" charset="0"/>
-              <a:cs typeface="Times New Roman" panose="02020603050405020304" pitchFamily="18" charset="0"/>
-            </a:endParaRPr>
-          </a:p>
-        </p:txBody>
-      </p:sp>
-      <p:sp>
-        <p:nvSpPr>
-          <p:cNvPr id="4" name="Slide Number Placeholder 3">
-            <a:extLst>
-              <a:ext uri="{FF2B5EF4-FFF2-40B4-BE49-F238E27FC236}">
-                <a16:creationId xmlns:a16="http://schemas.microsoft.com/office/drawing/2014/main" id="{BAC368C2-31FE-FA05-2BB0-58445DB2C539}"/>
-              </a:ext>
-            </a:extLst>
-          </p:cNvPr>
-          <p:cNvSpPr>
-            <a:spLocks noGrp="1"/>
-          </p:cNvSpPr>
-          <p:nvPr>
-            <p:ph type="sldNum" sz="quarter" idx="10"/>
-          </p:nvPr>
-        </p:nvSpPr>
-        <p:spPr/>
-        <p:txBody>
-          <a:bodyPr/>
-          <a:lstStyle/>
-          <a:p>
-            <a:fld id="{48F63A3B-78C7-47BE-AE5E-E10140E04643}" type="slidenum">
-              <a:rPr lang="en-US" smtClean="0"/>
-              <a:pPr/>
-              <a:t>5</a:t>
-            </a:fld>
-            <a:endParaRPr lang="en-US" dirty="0"/>
-          </a:p>
-        </p:txBody>
-      </p:sp>
-      <p:pic>
-        <p:nvPicPr>
-          <p:cNvPr id="2049" name="Picture 1">
-            <a:extLst>
-              <a:ext uri="{FF2B5EF4-FFF2-40B4-BE49-F238E27FC236}">
-                <a16:creationId xmlns:a16="http://schemas.microsoft.com/office/drawing/2014/main" id="{5BC7EBA0-900E-BD7E-5142-0C2E91663E25}"/>
-              </a:ext>
-            </a:extLst>
-          </p:cNvPr>
-          <p:cNvPicPr>
-            <a:picLocks noChangeAspect="1" noChangeArrowheads="1"/>
-          </p:cNvPicPr>
-          <p:nvPr/>
-        </p:nvPicPr>
-        <p:blipFill>
-          <a:blip r:embed="rId3"/>
-          <a:srcRect/>
-          <a:stretch/>
-        </p:blipFill>
-        <p:spPr bwMode="auto">
-          <a:xfrm>
-            <a:off x="7177548" y="1161907"/>
-            <a:ext cx="4611329" cy="4345513"/>
-          </a:xfrm>
-          <a:prstGeom prst="rect">
-            <a:avLst/>
-          </a:prstGeom>
-          <a:noFill/>
-          <a:ln w="28575">
-            <a:solidFill>
-              <a:schemeClr val="tx1"/>
-            </a:solidFill>
-          </a:ln>
-          <a:extLst>
-            <a:ext uri="{909E8E84-426E-40DD-AFC4-6F175D3DCCD1}">
-              <a14:hiddenFill xmlns:a14="http://schemas.microsoft.com/office/drawing/2010/main">
-                <a:solidFill>
-                  <a:srgbClr val="FFFFFF"/>
-                </a:solidFill>
-              </a14:hiddenFill>
-            </a:ext>
-          </a:extLst>
-        </p:spPr>
-      </p:pic>
-    </p:spTree>
-    <p:extLst>
-      <p:ext uri="{BB962C8B-B14F-4D97-AF65-F5344CB8AC3E}">
-        <p14:creationId xmlns:p14="http://schemas.microsoft.com/office/powerpoint/2010/main" val="2456687651"/>
-      </p:ext>
-    </p:extLst>
-  </p:cSld>
-  <p:clrMapOvr>
-    <a:masterClrMapping/>
-  </p:clrMapOvr>
-</p:sld>
-</file>
-
-<file path=ppt/slides/slide6.xml><?xml version="1.0" encoding="utf-8"?>
-<p:sld xmlns:a="http://schemas.openxmlformats.org/drawingml/2006/main" xmlns:r="http://schemas.openxmlformats.org/officeDocument/2006/relationships" xmlns:p="http://schemas.openxmlformats.org/presentationml/2006/main">
-  <p:cSld>
-    <p:spTree>
-      <p:nvGrpSpPr>
-        <p:cNvPr id="1" name=""/>
-        <p:cNvGrpSpPr/>
-        <p:nvPr/>
-      </p:nvGrpSpPr>
-      <p:grpSpPr>
-        <a:xfrm>
-          <a:off x="0" y="0"/>
-          <a:ext cx="0" cy="0"/>
-          <a:chOff x="0" y="0"/>
-          <a:chExt cx="0" cy="0"/>
-        </a:xfrm>
-      </p:grpSpPr>
-      <p:sp>
-        <p:nvSpPr>
-          <p:cNvPr id="2" name="Title 1">
-            <a:extLst>
-              <a:ext uri="{FF2B5EF4-FFF2-40B4-BE49-F238E27FC236}">
-                <a16:creationId xmlns:a16="http://schemas.microsoft.com/office/drawing/2014/main" id="{FD5E8954-9BCB-7FD9-A210-38DC54382D45}"/>
-              </a:ext>
-            </a:extLst>
-          </p:cNvPr>
-          <p:cNvSpPr>
-            <a:spLocks noGrp="1"/>
-          </p:cNvSpPr>
-          <p:nvPr>
-            <p:ph type="title"/>
-          </p:nvPr>
-        </p:nvSpPr>
-        <p:spPr>
-          <a:xfrm>
-            <a:off x="2585495" y="71155"/>
-            <a:ext cx="5653938" cy="646600"/>
-          </a:xfrm>
-        </p:spPr>
-        <p:txBody>
-          <a:bodyPr/>
-          <a:lstStyle/>
-          <a:p>
-            <a:r>
-              <a:rPr lang="en-US" dirty="0">
-                <a:solidFill>
-                  <a:schemeClr val="accent4"/>
-                </a:solidFill>
-              </a:rPr>
-              <a:t>Feature Selection</a:t>
-            </a:r>
-          </a:p>
-        </p:txBody>
-      </p:sp>
-      <p:sp>
-        <p:nvSpPr>
-          <p:cNvPr id="23" name="Slide Number Placeholder 22">
-            <a:extLst>
-              <a:ext uri="{FF2B5EF4-FFF2-40B4-BE49-F238E27FC236}">
-                <a16:creationId xmlns:a16="http://schemas.microsoft.com/office/drawing/2014/main" id="{94FF72B7-0438-3641-5939-75128934B0DF}"/>
-              </a:ext>
-            </a:extLst>
-          </p:cNvPr>
-          <p:cNvSpPr>
-            <a:spLocks noGrp="1"/>
-          </p:cNvSpPr>
-          <p:nvPr>
-            <p:ph type="sldNum" sz="quarter" idx="10"/>
-          </p:nvPr>
-        </p:nvSpPr>
-        <p:spPr>
-          <a:xfrm>
-            <a:off x="10545250" y="105567"/>
-            <a:ext cx="1067589" cy="471489"/>
-          </a:xfrm>
-        </p:spPr>
-        <p:txBody>
-          <a:bodyPr/>
-          <a:lstStyle/>
-          <a:p>
-            <a:fld id="{48F63A3B-78C7-47BE-AE5E-E10140E04643}" type="slidenum">
-              <a:rPr lang="en-US" smtClean="0"/>
-              <a:pPr/>
-              <a:t>6</a:t>
-            </a:fld>
-            <a:endParaRPr lang="en-US" dirty="0"/>
-          </a:p>
-        </p:txBody>
-      </p:sp>
-      <p:sp>
-        <p:nvSpPr>
-          <p:cNvPr id="6" name="Content Placeholder 2">
-            <a:extLst>
-              <a:ext uri="{FF2B5EF4-FFF2-40B4-BE49-F238E27FC236}">
-                <a16:creationId xmlns:a16="http://schemas.microsoft.com/office/drawing/2014/main" id="{37C3E24C-D447-70B4-2453-829EDEE2C778}"/>
-              </a:ext>
-            </a:extLst>
-          </p:cNvPr>
-          <p:cNvSpPr txBox="1">
-            <a:spLocks/>
-          </p:cNvSpPr>
-          <p:nvPr/>
-        </p:nvSpPr>
-        <p:spPr>
-          <a:xfrm>
-            <a:off x="2547497" y="717755"/>
-            <a:ext cx="9065342" cy="3180967"/>
-          </a:xfrm>
-          <a:prstGeom prst="rect">
-            <a:avLst/>
-          </a:prstGeom>
-        </p:spPr>
-        <p:txBody>
-          <a:bodyPr>
-            <a:noAutofit/>
-          </a:bodyPr>
-          <a:lstStyle>
-            <a:lvl1pPr marL="228600" indent="-228600" algn="l" defTabSz="914400" rtl="0" eaLnBrk="1" latinLnBrk="0" hangingPunct="1">
-              <a:lnSpc>
-                <a:spcPct val="120000"/>
-              </a:lnSpc>
-              <a:spcBef>
-                <a:spcPts val="1000"/>
-              </a:spcBef>
-              <a:buClr>
-                <a:schemeClr val="accent1"/>
-              </a:buClr>
-              <a:buSzPct val="160000"/>
-              <a:buFont typeface="Arial" panose="020B0604020202020204" pitchFamily="34" charset="0"/>
-              <a:buChar char="•"/>
-              <a:defRPr sz="2000" kern="1200" cap="all" baseline="0">
-                <a:solidFill>
-                  <a:schemeClr val="tx1"/>
-                </a:solidFill>
-                <a:effectLst/>
-                <a:latin typeface="+mn-lt"/>
-                <a:ea typeface="+mn-ea"/>
-                <a:cs typeface="+mn-cs"/>
-              </a:defRPr>
-            </a:lvl1pPr>
-            <a:lvl2pPr marL="685800" indent="-228600" algn="l" defTabSz="914400" rtl="0" eaLnBrk="1" latinLnBrk="0" hangingPunct="1">
-              <a:lnSpc>
-                <a:spcPct val="120000"/>
-              </a:lnSpc>
-              <a:spcBef>
-                <a:spcPts val="500"/>
-              </a:spcBef>
-              <a:buClr>
-                <a:schemeClr val="accent1"/>
-              </a:buClr>
-              <a:buSzPct val="160000"/>
-              <a:buFont typeface="Arial" panose="020B0604020202020204" pitchFamily="34" charset="0"/>
-              <a:buChar char="•"/>
-              <a:defRPr sz="1800" kern="1200" cap="all" baseline="0">
-                <a:solidFill>
-                  <a:schemeClr val="tx1"/>
-                </a:solidFill>
-                <a:effectLst/>
-                <a:latin typeface="+mn-lt"/>
-                <a:ea typeface="+mn-ea"/>
-                <a:cs typeface="+mn-cs"/>
-              </a:defRPr>
-            </a:lvl2pPr>
-            <a:lvl3pPr marL="1143000" indent="-228600" algn="l" defTabSz="914400" rtl="0" eaLnBrk="1" latinLnBrk="0" hangingPunct="1">
-              <a:lnSpc>
-                <a:spcPct val="120000"/>
-              </a:lnSpc>
-              <a:spcBef>
-                <a:spcPts val="500"/>
-              </a:spcBef>
-              <a:buClr>
-                <a:schemeClr val="accent1"/>
-              </a:buClr>
-              <a:buSzPct val="160000"/>
-              <a:buFont typeface="Arial" panose="020B0604020202020204" pitchFamily="34" charset="0"/>
-              <a:buChar char="•"/>
-              <a:defRPr sz="1600" kern="1200" cap="all" baseline="0">
-                <a:solidFill>
-                  <a:schemeClr val="tx1"/>
-                </a:solidFill>
-                <a:effectLst/>
-                <a:latin typeface="+mn-lt"/>
-                <a:ea typeface="+mn-ea"/>
-                <a:cs typeface="+mn-cs"/>
-              </a:defRPr>
-            </a:lvl3pPr>
-            <a:lvl4pPr marL="1600200" indent="-228600" algn="l" defTabSz="914400" rtl="0" eaLnBrk="1" latinLnBrk="0" hangingPunct="1">
-              <a:lnSpc>
-                <a:spcPct val="120000"/>
-              </a:lnSpc>
-              <a:spcBef>
-                <a:spcPts val="500"/>
-              </a:spcBef>
-              <a:buClr>
-                <a:schemeClr val="accent1"/>
-              </a:buClr>
-              <a:buSzPct val="160000"/>
-              <a:buFont typeface="Arial" panose="020B0604020202020204" pitchFamily="34" charset="0"/>
-              <a:buChar char="•"/>
-              <a:defRPr sz="1400" kern="1200" cap="all" baseline="0">
-                <a:solidFill>
-                  <a:schemeClr val="tx1"/>
-                </a:solidFill>
-                <a:effectLst/>
-                <a:latin typeface="+mn-lt"/>
-                <a:ea typeface="+mn-ea"/>
-                <a:cs typeface="+mn-cs"/>
-              </a:defRPr>
-            </a:lvl4pPr>
-            <a:lvl5pPr marL="2057400" indent="-228600" algn="l" defTabSz="914400" rtl="0" eaLnBrk="1" latinLnBrk="0" hangingPunct="1">
-              <a:lnSpc>
-                <a:spcPct val="120000"/>
-              </a:lnSpc>
-              <a:spcBef>
-                <a:spcPts val="500"/>
-              </a:spcBef>
-              <a:buClr>
-                <a:schemeClr val="accent1"/>
-              </a:buClr>
-              <a:buSzPct val="160000"/>
-              <a:buFont typeface="Arial" panose="020B0604020202020204" pitchFamily="34" charset="0"/>
-              <a:buChar char="•"/>
-              <a:defRPr sz="1400" kern="1200" cap="all" baseline="0">
-                <a:solidFill>
-                  <a:schemeClr val="tx1"/>
-                </a:solidFill>
-                <a:effectLst/>
-                <a:latin typeface="+mn-lt"/>
-                <a:ea typeface="+mn-ea"/>
-                <a:cs typeface="+mn-cs"/>
-              </a:defRPr>
-            </a:lvl5pPr>
-            <a:lvl6pPr marL="2514600" indent="-228600" algn="l" defTabSz="914400" rtl="0" eaLnBrk="1" latinLnBrk="0" hangingPunct="1">
-              <a:lnSpc>
-                <a:spcPct val="120000"/>
-              </a:lnSpc>
-              <a:spcBef>
-                <a:spcPts val="500"/>
-              </a:spcBef>
-              <a:buClr>
-                <a:schemeClr val="accent1"/>
-              </a:buClr>
-              <a:buSzPct val="160000"/>
-              <a:buFont typeface="Arial" panose="020B0604020202020204" pitchFamily="34" charset="0"/>
-              <a:buChar char="•"/>
-              <a:defRPr sz="1400" kern="1200" cap="all" baseline="0">
-                <a:solidFill>
-                  <a:schemeClr val="tx1"/>
-                </a:solidFill>
-                <a:effectLst/>
-                <a:latin typeface="+mn-lt"/>
-                <a:ea typeface="+mn-ea"/>
-                <a:cs typeface="+mn-cs"/>
-              </a:defRPr>
-            </a:lvl6pPr>
-            <a:lvl7pPr marL="2971800" indent="-228600" algn="l" defTabSz="914400" rtl="0" eaLnBrk="1" latinLnBrk="0" hangingPunct="1">
-              <a:lnSpc>
-                <a:spcPct val="120000"/>
-              </a:lnSpc>
-              <a:spcBef>
-                <a:spcPts val="500"/>
-              </a:spcBef>
-              <a:buClr>
-                <a:schemeClr val="accent1"/>
-              </a:buClr>
-              <a:buSzPct val="160000"/>
-              <a:buFont typeface="Arial" panose="020B0604020202020204" pitchFamily="34" charset="0"/>
-              <a:buChar char="•"/>
-              <a:defRPr sz="1400" kern="1200" cap="all" baseline="0">
-                <a:solidFill>
-                  <a:schemeClr val="tx1"/>
-                </a:solidFill>
-                <a:effectLst/>
-                <a:latin typeface="+mn-lt"/>
-                <a:ea typeface="+mn-ea"/>
-                <a:cs typeface="+mn-cs"/>
-              </a:defRPr>
-            </a:lvl7pPr>
-            <a:lvl8pPr marL="3429000" indent="-228600" algn="l" defTabSz="914400" rtl="0" eaLnBrk="1" latinLnBrk="0" hangingPunct="1">
-              <a:lnSpc>
-                <a:spcPct val="120000"/>
-              </a:lnSpc>
-              <a:spcBef>
-                <a:spcPts val="500"/>
-              </a:spcBef>
-              <a:buClr>
-                <a:schemeClr val="accent1"/>
-              </a:buClr>
-              <a:buSzPct val="160000"/>
-              <a:buFont typeface="Arial" panose="020B0604020202020204" pitchFamily="34" charset="0"/>
-              <a:buChar char="•"/>
-              <a:defRPr sz="1400" kern="1200" cap="all" baseline="0">
-                <a:solidFill>
-                  <a:schemeClr val="tx1"/>
-                </a:solidFill>
-                <a:effectLst/>
-                <a:latin typeface="+mn-lt"/>
-                <a:ea typeface="+mn-ea"/>
-                <a:cs typeface="+mn-cs"/>
-              </a:defRPr>
-            </a:lvl8pPr>
-            <a:lvl9pPr marL="3886200" indent="-228600" algn="l" defTabSz="914400" rtl="0" eaLnBrk="1" latinLnBrk="0" hangingPunct="1">
-              <a:lnSpc>
-                <a:spcPct val="120000"/>
-              </a:lnSpc>
-              <a:spcBef>
-                <a:spcPts val="500"/>
-              </a:spcBef>
-              <a:buClr>
-                <a:schemeClr val="accent1"/>
-              </a:buClr>
-              <a:buSzPct val="160000"/>
-              <a:buFont typeface="Arial" panose="020B0604020202020204" pitchFamily="34" charset="0"/>
-              <a:buChar char="•"/>
-              <a:defRPr sz="1400" kern="1200" cap="all" baseline="0">
-                <a:solidFill>
-                  <a:schemeClr val="tx1"/>
-                </a:solidFill>
-                <a:effectLst/>
-                <a:latin typeface="+mn-lt"/>
-                <a:ea typeface="+mn-ea"/>
-                <a:cs typeface="+mn-cs"/>
-              </a:defRPr>
-            </a:lvl9pPr>
-          </a:lstStyle>
-          <a:p>
-            <a:pPr algn="just" fontAlgn="base">
-              <a:lnSpc>
-                <a:spcPct val="114000"/>
-              </a:lnSpc>
-              <a:buClr>
-                <a:srgbClr val="000000"/>
-              </a:buClr>
-              <a:buSzPts val="1100"/>
-              <a:buFont typeface="Wingdings" panose="05000000000000000000" pitchFamily="2" charset="2"/>
-              <a:buChar char="q"/>
-            </a:pPr>
-            <a:r>
-              <a:rPr lang="en-US" sz="1600" b="1" cap="none" dirty="0">
-                <a:solidFill>
-                  <a:srgbClr val="1B1C1D"/>
-                </a:solidFill>
-                <a:latin typeface="Times New Roman" panose="02020603050405020304" pitchFamily="18" charset="0"/>
-                <a:ea typeface="Google Sans Text"/>
-                <a:cs typeface="Times New Roman" panose="02020603050405020304" pitchFamily="18" charset="0"/>
-              </a:rPr>
-              <a:t>Importance: </a:t>
-            </a:r>
-            <a:r>
-              <a:rPr lang="en-US" sz="1600" cap="none" dirty="0">
-                <a:solidFill>
-                  <a:srgbClr val="1B1C1D"/>
-                </a:solidFill>
-                <a:latin typeface="Times New Roman" panose="02020603050405020304" pitchFamily="18" charset="0"/>
-                <a:ea typeface="Google Sans Text"/>
-                <a:cs typeface="Times New Roman" panose="02020603050405020304" pitchFamily="18" charset="0"/>
-              </a:rPr>
-              <a:t>Feature selection is a crucial step in preparing data for machine learning. Its primary objectives include: </a:t>
-            </a:r>
-          </a:p>
-          <a:p>
-            <a:pPr lvl="1" algn="just" fontAlgn="base">
-              <a:lnSpc>
-                <a:spcPct val="114000"/>
-              </a:lnSpc>
-              <a:buClr>
-                <a:srgbClr val="000000"/>
-              </a:buClr>
-              <a:buSzPts val="1100"/>
-              <a:buFont typeface="Wingdings" panose="05000000000000000000" pitchFamily="2" charset="2"/>
-              <a:buChar char="q"/>
-            </a:pPr>
-            <a:r>
-              <a:rPr lang="en-US" sz="1600" b="1" cap="none" dirty="0">
-                <a:solidFill>
-                  <a:srgbClr val="1B1C1D"/>
-                </a:solidFill>
-                <a:latin typeface="Times New Roman" panose="02020603050405020304" pitchFamily="18" charset="0"/>
-                <a:ea typeface="Google Sans Text"/>
-                <a:cs typeface="Times New Roman" panose="02020603050405020304" pitchFamily="18" charset="0"/>
-              </a:rPr>
-              <a:t>Improving Model Performance:</a:t>
-            </a:r>
-            <a:r>
-              <a:rPr lang="en-US" sz="1600" cap="none" dirty="0">
-                <a:solidFill>
-                  <a:srgbClr val="1B1C1D"/>
-                </a:solidFill>
-                <a:latin typeface="Times New Roman" panose="02020603050405020304" pitchFamily="18" charset="0"/>
-                <a:ea typeface="Google Sans Text"/>
-                <a:cs typeface="Times New Roman" panose="02020603050405020304" pitchFamily="18" charset="0"/>
-              </a:rPr>
-              <a:t> By focusing on the most relevant variables, the model can learn more effectively and achieve higher predictive accuracy. </a:t>
-            </a:r>
-          </a:p>
-          <a:p>
-            <a:pPr lvl="1" algn="just" fontAlgn="base">
-              <a:lnSpc>
-                <a:spcPct val="114000"/>
-              </a:lnSpc>
-              <a:buClr>
-                <a:srgbClr val="000000"/>
-              </a:buClr>
-              <a:buSzPts val="1100"/>
-              <a:buFont typeface="Wingdings" panose="05000000000000000000" pitchFamily="2" charset="2"/>
-              <a:buChar char="q"/>
-            </a:pPr>
-            <a:r>
-              <a:rPr lang="en-US" sz="1600" b="1" cap="none" dirty="0">
-                <a:solidFill>
-                  <a:srgbClr val="1B1C1D"/>
-                </a:solidFill>
-                <a:latin typeface="Times New Roman" panose="02020603050405020304" pitchFamily="18" charset="0"/>
-                <a:ea typeface="Google Sans Text"/>
-                <a:cs typeface="Times New Roman" panose="02020603050405020304" pitchFamily="18" charset="0"/>
-              </a:rPr>
-              <a:t>Reducing Overfitting:</a:t>
-            </a:r>
-            <a:r>
-              <a:rPr lang="en-US" sz="1600" cap="none" dirty="0">
-                <a:solidFill>
-                  <a:srgbClr val="1B1C1D"/>
-                </a:solidFill>
-                <a:latin typeface="Times New Roman" panose="02020603050405020304" pitchFamily="18" charset="0"/>
-                <a:ea typeface="Google Sans Text"/>
-                <a:cs typeface="Times New Roman" panose="02020603050405020304" pitchFamily="18" charset="0"/>
-              </a:rPr>
-              <a:t> Eliminating irrelevant or redundant features helps the model generalize better to unseen data, preventing it from memorizing noise. </a:t>
-            </a:r>
-          </a:p>
-          <a:p>
-            <a:pPr lvl="1" algn="just" fontAlgn="base">
-              <a:lnSpc>
-                <a:spcPct val="114000"/>
-              </a:lnSpc>
-              <a:buClr>
-                <a:srgbClr val="000000"/>
-              </a:buClr>
-              <a:buSzPts val="1100"/>
-              <a:buFont typeface="Wingdings" panose="05000000000000000000" pitchFamily="2" charset="2"/>
-              <a:buChar char="q"/>
-            </a:pPr>
-            <a:r>
-              <a:rPr lang="en-US" sz="1600" b="1" cap="none" dirty="0">
-                <a:solidFill>
-                  <a:srgbClr val="1B1C1D"/>
-                </a:solidFill>
-                <a:latin typeface="Times New Roman" panose="02020603050405020304" pitchFamily="18" charset="0"/>
-                <a:ea typeface="Google Sans Text"/>
-                <a:cs typeface="Times New Roman" panose="02020603050405020304" pitchFamily="18" charset="0"/>
-              </a:rPr>
-              <a:t>Decreasing Training Time: </a:t>
-            </a:r>
-            <a:r>
-              <a:rPr lang="en-US" sz="1600" cap="none" dirty="0">
-                <a:solidFill>
-                  <a:srgbClr val="1B1C1D"/>
-                </a:solidFill>
-                <a:latin typeface="Times New Roman" panose="02020603050405020304" pitchFamily="18" charset="0"/>
-                <a:ea typeface="Google Sans Text"/>
-                <a:cs typeface="Times New Roman" panose="02020603050405020304" pitchFamily="18" charset="0"/>
-              </a:rPr>
-              <a:t>A reduced feature set leads to faster model training and more efficient resource utilization. </a:t>
-            </a:r>
-          </a:p>
-          <a:p>
-            <a:pPr lvl="1" algn="just" fontAlgn="base">
-              <a:lnSpc>
-                <a:spcPct val="114000"/>
-              </a:lnSpc>
-              <a:buClr>
-                <a:srgbClr val="000000"/>
-              </a:buClr>
-              <a:buSzPts val="1100"/>
-              <a:buFont typeface="Wingdings" panose="05000000000000000000" pitchFamily="2" charset="2"/>
-              <a:buChar char="q"/>
-            </a:pPr>
-            <a:r>
-              <a:rPr lang="en-US" sz="1600" b="1" cap="none" dirty="0">
-                <a:solidFill>
-                  <a:srgbClr val="1B1C1D"/>
-                </a:solidFill>
-                <a:latin typeface="Times New Roman" panose="02020603050405020304" pitchFamily="18" charset="0"/>
-                <a:ea typeface="Google Sans Text"/>
-                <a:cs typeface="Times New Roman" panose="02020603050405020304" pitchFamily="18" charset="0"/>
-              </a:rPr>
-              <a:t>Enhancing Interpretability:</a:t>
-            </a:r>
-            <a:r>
-              <a:rPr lang="en-US" sz="1600" cap="none" dirty="0">
-                <a:solidFill>
-                  <a:srgbClr val="1B1C1D"/>
-                </a:solidFill>
-                <a:latin typeface="Times New Roman" panose="02020603050405020304" pitchFamily="18" charset="0"/>
-                <a:ea typeface="Google Sans Text"/>
-                <a:cs typeface="Times New Roman" panose="02020603050405020304" pitchFamily="18" charset="0"/>
-              </a:rPr>
-              <a:t> Simpler models with fewer, highly impactful features are easier to understand and explain to stakeholders. </a:t>
-            </a:r>
-          </a:p>
-          <a:p>
-            <a:pPr marL="457200" lvl="1" indent="0" algn="just" fontAlgn="base">
-              <a:lnSpc>
-                <a:spcPct val="114000"/>
-              </a:lnSpc>
-              <a:buClr>
-                <a:srgbClr val="000000"/>
-              </a:buClr>
-              <a:buSzPts val="1100"/>
-              <a:buNone/>
-            </a:pPr>
-            <a:r>
-              <a:rPr lang="en-US" sz="1600" cap="none" dirty="0">
-                <a:solidFill>
-                  <a:srgbClr val="1B1C1D"/>
-                </a:solidFill>
-                <a:latin typeface="Times New Roman" panose="02020603050405020304" pitchFamily="18" charset="0"/>
-                <a:ea typeface="Google Sans Text"/>
-                <a:cs typeface="Times New Roman" panose="02020603050405020304" pitchFamily="18" charset="0"/>
-              </a:rPr>
-              <a:t> </a:t>
-            </a:r>
-          </a:p>
-          <a:p>
-            <a:pPr marL="0" indent="0" algn="just" fontAlgn="base">
-              <a:lnSpc>
-                <a:spcPct val="114000"/>
-              </a:lnSpc>
-              <a:buClr>
-                <a:srgbClr val="000000"/>
-              </a:buClr>
-              <a:buSzPts val="1100"/>
-              <a:buNone/>
-            </a:pPr>
-            <a:endParaRPr lang="en-US" sz="1600" cap="none" dirty="0">
-              <a:solidFill>
-                <a:srgbClr val="1B1C1D"/>
-              </a:solidFill>
-              <a:latin typeface="Times New Roman" panose="02020603050405020304" pitchFamily="18" charset="0"/>
-              <a:ea typeface="Google Sans Text"/>
-              <a:cs typeface="Times New Roman" panose="02020603050405020304" pitchFamily="18" charset="0"/>
-            </a:endParaRPr>
-          </a:p>
-        </p:txBody>
-      </p:sp>
-      <p:pic>
-        <p:nvPicPr>
-          <p:cNvPr id="8" name="Picture 7">
-            <a:extLst>
-              <a:ext uri="{FF2B5EF4-FFF2-40B4-BE49-F238E27FC236}">
-                <a16:creationId xmlns:a16="http://schemas.microsoft.com/office/drawing/2014/main" id="{0B086963-B561-8E1B-3FD5-B1D611E1419F}"/>
-              </a:ext>
-            </a:extLst>
-          </p:cNvPr>
-          <p:cNvPicPr>
-            <a:picLocks noChangeAspect="1"/>
-          </p:cNvPicPr>
-          <p:nvPr/>
-        </p:nvPicPr>
-        <p:blipFill>
-          <a:blip r:embed="rId3"/>
-          <a:stretch>
-            <a:fillRect/>
-          </a:stretch>
-        </p:blipFill>
-        <p:spPr>
-          <a:xfrm>
-            <a:off x="3629045" y="4039421"/>
-            <a:ext cx="6902245" cy="2100824"/>
-          </a:xfrm>
-          <a:prstGeom prst="rect">
-            <a:avLst/>
-          </a:prstGeom>
-        </p:spPr>
-      </p:pic>
-    </p:spTree>
-    <p:extLst>
-      <p:ext uri="{BB962C8B-B14F-4D97-AF65-F5344CB8AC3E}">
-        <p14:creationId xmlns:p14="http://schemas.microsoft.com/office/powerpoint/2010/main" val="685681062"/>
-      </p:ext>
-    </p:extLst>
-  </p:cSld>
-  <p:clrMapOvr>
-    <a:masterClrMapping/>
-  </p:clrMapOvr>
-</p:sld>
-</file>
-
-<file path=ppt/slides/slide7.xml><?xml version="1.0" encoding="utf-8"?>
-<p:sld xmlns:a="http://schemas.openxmlformats.org/drawingml/2006/main" xmlns:r="http://schemas.openxmlformats.org/officeDocument/2006/relationships" xmlns:p="http://schemas.openxmlformats.org/presentationml/2006/main">
-  <p:cSld>
-    <p:spTree>
-      <p:nvGrpSpPr>
-        <p:cNvPr id="1" name=""/>
-        <p:cNvGrpSpPr/>
-        <p:nvPr/>
-      </p:nvGrpSpPr>
-      <p:grpSpPr>
-        <a:xfrm>
-          <a:off x="0" y="0"/>
-          <a:ext cx="0" cy="0"/>
-          <a:chOff x="0" y="0"/>
-          <a:chExt cx="0" cy="0"/>
-        </a:xfrm>
-      </p:grpSpPr>
-      <p:sp>
-        <p:nvSpPr>
-          <p:cNvPr id="3" name="Slide Number Placeholder 2">
-            <a:extLst>
-              <a:ext uri="{FF2B5EF4-FFF2-40B4-BE49-F238E27FC236}">
-                <a16:creationId xmlns:a16="http://schemas.microsoft.com/office/drawing/2014/main" id="{370AEC4F-E711-8552-9C34-82C1514A1E37}"/>
-              </a:ext>
-            </a:extLst>
-          </p:cNvPr>
-          <p:cNvSpPr>
-            <a:spLocks noGrp="1"/>
-          </p:cNvSpPr>
-          <p:nvPr>
-            <p:ph type="sldNum" sz="quarter" idx="10"/>
-          </p:nvPr>
-        </p:nvSpPr>
-        <p:spPr/>
-        <p:txBody>
-          <a:bodyPr/>
-          <a:lstStyle/>
-          <a:p>
-            <a:fld id="{48F63A3B-78C7-47BE-AE5E-E10140E04643}" type="slidenum">
-              <a:rPr lang="en-US" smtClean="0"/>
-              <a:pPr/>
-              <a:t>7</a:t>
-            </a:fld>
-            <a:endParaRPr lang="en-US" dirty="0"/>
-          </a:p>
-        </p:txBody>
-      </p:sp>
-      <p:sp>
-        <p:nvSpPr>
-          <p:cNvPr id="7" name="Content Placeholder 2">
-            <a:extLst>
-              <a:ext uri="{FF2B5EF4-FFF2-40B4-BE49-F238E27FC236}">
-                <a16:creationId xmlns:a16="http://schemas.microsoft.com/office/drawing/2014/main" id="{69F50BC1-D5CE-639F-AEE4-432A31959EDE}"/>
-              </a:ext>
-            </a:extLst>
-          </p:cNvPr>
-          <p:cNvSpPr txBox="1">
-            <a:spLocks/>
-          </p:cNvSpPr>
-          <p:nvPr/>
-        </p:nvSpPr>
-        <p:spPr>
-          <a:xfrm>
-            <a:off x="3500285" y="1071717"/>
-            <a:ext cx="8112555" cy="4522839"/>
-          </a:xfrm>
-          <a:prstGeom prst="rect">
-            <a:avLst/>
-          </a:prstGeom>
-        </p:spPr>
-        <p:txBody>
-          <a:bodyPr>
-            <a:noAutofit/>
-          </a:bodyPr>
-          <a:lstStyle>
-            <a:lvl1pPr marL="228600" indent="-228600" algn="l" defTabSz="914400" rtl="0" eaLnBrk="1" latinLnBrk="0" hangingPunct="1">
-              <a:lnSpc>
-                <a:spcPct val="120000"/>
-              </a:lnSpc>
-              <a:spcBef>
-                <a:spcPts val="1000"/>
-              </a:spcBef>
-              <a:buClr>
-                <a:schemeClr val="accent1"/>
-              </a:buClr>
-              <a:buSzPct val="160000"/>
-              <a:buFont typeface="Arial" panose="020B0604020202020204" pitchFamily="34" charset="0"/>
-              <a:buChar char="•"/>
-              <a:defRPr sz="2000" kern="1200" cap="all" baseline="0">
-                <a:solidFill>
-                  <a:schemeClr val="tx1"/>
-                </a:solidFill>
-                <a:effectLst/>
-                <a:latin typeface="+mn-lt"/>
-                <a:ea typeface="+mn-ea"/>
-                <a:cs typeface="+mn-cs"/>
-              </a:defRPr>
-            </a:lvl1pPr>
-            <a:lvl2pPr marL="685800" indent="-228600" algn="l" defTabSz="914400" rtl="0" eaLnBrk="1" latinLnBrk="0" hangingPunct="1">
-              <a:lnSpc>
-                <a:spcPct val="120000"/>
-              </a:lnSpc>
-              <a:spcBef>
-                <a:spcPts val="500"/>
-              </a:spcBef>
-              <a:buClr>
-                <a:schemeClr val="accent1"/>
-              </a:buClr>
-              <a:buSzPct val="160000"/>
-              <a:buFont typeface="Arial" panose="020B0604020202020204" pitchFamily="34" charset="0"/>
-              <a:buChar char="•"/>
-              <a:defRPr sz="1800" kern="1200" cap="all" baseline="0">
-                <a:solidFill>
-                  <a:schemeClr val="tx1"/>
-                </a:solidFill>
-                <a:effectLst/>
-                <a:latin typeface="+mn-lt"/>
-                <a:ea typeface="+mn-ea"/>
-                <a:cs typeface="+mn-cs"/>
-              </a:defRPr>
-            </a:lvl2pPr>
-            <a:lvl3pPr marL="1143000" indent="-228600" algn="l" defTabSz="914400" rtl="0" eaLnBrk="1" latinLnBrk="0" hangingPunct="1">
-              <a:lnSpc>
-                <a:spcPct val="120000"/>
-              </a:lnSpc>
-              <a:spcBef>
-                <a:spcPts val="500"/>
-              </a:spcBef>
-              <a:buClr>
-                <a:schemeClr val="accent1"/>
-              </a:buClr>
-              <a:buSzPct val="160000"/>
-              <a:buFont typeface="Arial" panose="020B0604020202020204" pitchFamily="34" charset="0"/>
-              <a:buChar char="•"/>
-              <a:defRPr sz="1600" kern="1200" cap="all" baseline="0">
-                <a:solidFill>
-                  <a:schemeClr val="tx1"/>
-                </a:solidFill>
-                <a:effectLst/>
-                <a:latin typeface="+mn-lt"/>
-                <a:ea typeface="+mn-ea"/>
-                <a:cs typeface="+mn-cs"/>
-              </a:defRPr>
-            </a:lvl3pPr>
-            <a:lvl4pPr marL="1600200" indent="-228600" algn="l" defTabSz="914400" rtl="0" eaLnBrk="1" latinLnBrk="0" hangingPunct="1">
-              <a:lnSpc>
-                <a:spcPct val="120000"/>
-              </a:lnSpc>
-              <a:spcBef>
-                <a:spcPts val="500"/>
-              </a:spcBef>
-              <a:buClr>
-                <a:schemeClr val="accent1"/>
-              </a:buClr>
-              <a:buSzPct val="160000"/>
-              <a:buFont typeface="Arial" panose="020B0604020202020204" pitchFamily="34" charset="0"/>
-              <a:buChar char="•"/>
-              <a:defRPr sz="1400" kern="1200" cap="all" baseline="0">
-                <a:solidFill>
-                  <a:schemeClr val="tx1"/>
-                </a:solidFill>
-                <a:effectLst/>
-                <a:latin typeface="+mn-lt"/>
-                <a:ea typeface="+mn-ea"/>
-                <a:cs typeface="+mn-cs"/>
-              </a:defRPr>
-            </a:lvl4pPr>
-            <a:lvl5pPr marL="2057400" indent="-228600" algn="l" defTabSz="914400" rtl="0" eaLnBrk="1" latinLnBrk="0" hangingPunct="1">
-              <a:lnSpc>
-                <a:spcPct val="120000"/>
-              </a:lnSpc>
-              <a:spcBef>
-                <a:spcPts val="500"/>
-              </a:spcBef>
-              <a:buClr>
-                <a:schemeClr val="accent1"/>
-              </a:buClr>
-              <a:buSzPct val="160000"/>
-              <a:buFont typeface="Arial" panose="020B0604020202020204" pitchFamily="34" charset="0"/>
-              <a:buChar char="•"/>
-              <a:defRPr sz="1400" kern="1200" cap="all" baseline="0">
-                <a:solidFill>
-                  <a:schemeClr val="tx1"/>
-                </a:solidFill>
-                <a:effectLst/>
-                <a:latin typeface="+mn-lt"/>
-                <a:ea typeface="+mn-ea"/>
-                <a:cs typeface="+mn-cs"/>
-              </a:defRPr>
-            </a:lvl5pPr>
-            <a:lvl6pPr marL="2514600" indent="-228600" algn="l" defTabSz="914400" rtl="0" eaLnBrk="1" latinLnBrk="0" hangingPunct="1">
-              <a:lnSpc>
-                <a:spcPct val="120000"/>
-              </a:lnSpc>
-              <a:spcBef>
-                <a:spcPts val="500"/>
-              </a:spcBef>
-              <a:buClr>
-                <a:schemeClr val="accent1"/>
-              </a:buClr>
-              <a:buSzPct val="160000"/>
-              <a:buFont typeface="Arial" panose="020B0604020202020204" pitchFamily="34" charset="0"/>
-              <a:buChar char="•"/>
-              <a:defRPr sz="1400" kern="1200" cap="all" baseline="0">
-                <a:solidFill>
-                  <a:schemeClr val="tx1"/>
-                </a:solidFill>
-                <a:effectLst/>
-                <a:latin typeface="+mn-lt"/>
-                <a:ea typeface="+mn-ea"/>
-                <a:cs typeface="+mn-cs"/>
-              </a:defRPr>
-            </a:lvl6pPr>
-            <a:lvl7pPr marL="2971800" indent="-228600" algn="l" defTabSz="914400" rtl="0" eaLnBrk="1" latinLnBrk="0" hangingPunct="1">
-              <a:lnSpc>
-                <a:spcPct val="120000"/>
-              </a:lnSpc>
-              <a:spcBef>
-                <a:spcPts val="500"/>
-              </a:spcBef>
-              <a:buClr>
-                <a:schemeClr val="accent1"/>
-              </a:buClr>
-              <a:buSzPct val="160000"/>
-              <a:buFont typeface="Arial" panose="020B0604020202020204" pitchFamily="34" charset="0"/>
-              <a:buChar char="•"/>
-              <a:defRPr sz="1400" kern="1200" cap="all" baseline="0">
-                <a:solidFill>
-                  <a:schemeClr val="tx1"/>
-                </a:solidFill>
-                <a:effectLst/>
-                <a:latin typeface="+mn-lt"/>
-                <a:ea typeface="+mn-ea"/>
-                <a:cs typeface="+mn-cs"/>
-              </a:defRPr>
-            </a:lvl7pPr>
-            <a:lvl8pPr marL="3429000" indent="-228600" algn="l" defTabSz="914400" rtl="0" eaLnBrk="1" latinLnBrk="0" hangingPunct="1">
-              <a:lnSpc>
-                <a:spcPct val="120000"/>
-              </a:lnSpc>
-              <a:spcBef>
-                <a:spcPts val="500"/>
-              </a:spcBef>
-              <a:buClr>
-                <a:schemeClr val="accent1"/>
-              </a:buClr>
-              <a:buSzPct val="160000"/>
-              <a:buFont typeface="Arial" panose="020B0604020202020204" pitchFamily="34" charset="0"/>
-              <a:buChar char="•"/>
-              <a:defRPr sz="1400" kern="1200" cap="all" baseline="0">
-                <a:solidFill>
-                  <a:schemeClr val="tx1"/>
-                </a:solidFill>
-                <a:effectLst/>
-                <a:latin typeface="+mn-lt"/>
-                <a:ea typeface="+mn-ea"/>
-                <a:cs typeface="+mn-cs"/>
-              </a:defRPr>
-            </a:lvl8pPr>
-            <a:lvl9pPr marL="3886200" indent="-228600" algn="l" defTabSz="914400" rtl="0" eaLnBrk="1" latinLnBrk="0" hangingPunct="1">
-              <a:lnSpc>
-                <a:spcPct val="120000"/>
-              </a:lnSpc>
-              <a:spcBef>
-                <a:spcPts val="500"/>
-              </a:spcBef>
-              <a:buClr>
-                <a:schemeClr val="accent1"/>
-              </a:buClr>
-              <a:buSzPct val="160000"/>
-              <a:buFont typeface="Arial" panose="020B0604020202020204" pitchFamily="34" charset="0"/>
-              <a:buChar char="•"/>
-              <a:defRPr sz="1400" kern="1200" cap="all" baseline="0">
-                <a:solidFill>
-                  <a:schemeClr val="tx1"/>
-                </a:solidFill>
-                <a:effectLst/>
-                <a:latin typeface="+mn-lt"/>
-                <a:ea typeface="+mn-ea"/>
-                <a:cs typeface="+mn-cs"/>
-              </a:defRPr>
-            </a:lvl9pPr>
-          </a:lstStyle>
-          <a:p>
-            <a:pPr algn="just" fontAlgn="base">
-              <a:lnSpc>
-                <a:spcPct val="114000"/>
-              </a:lnSpc>
-              <a:buClr>
-                <a:srgbClr val="000000"/>
-              </a:buClr>
-              <a:buSzPts val="1100"/>
-              <a:buFont typeface="Wingdings" panose="05000000000000000000" pitchFamily="2" charset="2"/>
-              <a:buChar char="q"/>
-            </a:pPr>
-            <a:r>
-              <a:rPr lang="en-US" sz="1600" b="1" cap="none" dirty="0">
-                <a:solidFill>
-                  <a:srgbClr val="1B1C1D"/>
-                </a:solidFill>
-                <a:latin typeface="Times New Roman" panose="02020603050405020304" pitchFamily="18" charset="0"/>
-                <a:ea typeface="Google Sans Text"/>
-                <a:cs typeface="Times New Roman" panose="02020603050405020304" pitchFamily="18" charset="0"/>
-              </a:rPr>
-              <a:t>Approach: </a:t>
-            </a:r>
-            <a:r>
-              <a:rPr lang="en-US" sz="1600" cap="none" dirty="0">
-                <a:solidFill>
-                  <a:srgbClr val="1B1C1D"/>
-                </a:solidFill>
-                <a:latin typeface="Times New Roman" panose="02020603050405020304" pitchFamily="18" charset="0"/>
-                <a:ea typeface="Google Sans Text"/>
-                <a:cs typeface="Times New Roman" panose="02020603050405020304" pitchFamily="18" charset="0"/>
-              </a:rPr>
-              <a:t>While the specific feature selection method is not explicitly detailed in the provided step, it is understood that a rigorous process was undertaken to identify the most predictive features from the available dataset. This process ensures that only the most informative variables are passed to the machine learning model for training. </a:t>
-            </a:r>
-          </a:p>
-          <a:p>
-            <a:pPr marL="0" indent="0" algn="just" fontAlgn="base">
-              <a:lnSpc>
-                <a:spcPct val="114000"/>
-              </a:lnSpc>
-              <a:buClr>
-                <a:srgbClr val="000000"/>
-              </a:buClr>
-              <a:buSzPts val="1100"/>
-              <a:buNone/>
-            </a:pPr>
-            <a:r>
-              <a:rPr lang="en-US" sz="1600" cap="none" dirty="0">
-                <a:solidFill>
-                  <a:srgbClr val="1B1C1D"/>
-                </a:solidFill>
-                <a:latin typeface="Times New Roman" panose="02020603050405020304" pitchFamily="18" charset="0"/>
-                <a:ea typeface="Google Sans Text"/>
-                <a:cs typeface="Times New Roman" panose="02020603050405020304" pitchFamily="18" charset="0"/>
-              </a:rPr>
-              <a:t>Common techniques for customer churn prediction might include:</a:t>
-            </a:r>
-          </a:p>
-          <a:p>
-            <a:pPr algn="just" fontAlgn="base">
-              <a:lnSpc>
-                <a:spcPct val="114000"/>
-              </a:lnSpc>
-              <a:buClr>
-                <a:srgbClr val="000000"/>
-              </a:buClr>
-              <a:buSzPts val="1100"/>
-              <a:buFont typeface="Wingdings" panose="05000000000000000000" pitchFamily="2" charset="2"/>
-              <a:buChar char="v"/>
-            </a:pPr>
-            <a:r>
-              <a:rPr lang="en-US" sz="1600" b="1" cap="none" dirty="0">
-                <a:solidFill>
-                  <a:srgbClr val="1B1C1D"/>
-                </a:solidFill>
-                <a:latin typeface="Times New Roman" panose="02020603050405020304" pitchFamily="18" charset="0"/>
-                <a:ea typeface="Google Sans Text"/>
-                <a:cs typeface="Times New Roman" panose="02020603050405020304" pitchFamily="18" charset="0"/>
-              </a:rPr>
-              <a:t>Filter Methods: </a:t>
-            </a:r>
-            <a:r>
-              <a:rPr lang="en-US" sz="1600" cap="none" dirty="0">
-                <a:solidFill>
-                  <a:srgbClr val="1B1C1D"/>
-                </a:solidFill>
-                <a:latin typeface="Times New Roman" panose="02020603050405020304" pitchFamily="18" charset="0"/>
-                <a:ea typeface="Google Sans Text"/>
-                <a:cs typeface="Times New Roman" panose="02020603050405020304" pitchFamily="18" charset="0"/>
-              </a:rPr>
-              <a:t>Using statistical measures (like correlation, chi-squared tests, or mutual information) to rank features independently of the model.</a:t>
-            </a:r>
-          </a:p>
-          <a:p>
-            <a:pPr algn="just" fontAlgn="base">
-              <a:lnSpc>
-                <a:spcPct val="114000"/>
-              </a:lnSpc>
-              <a:buClr>
-                <a:srgbClr val="000000"/>
-              </a:buClr>
-              <a:buSzPts val="1100"/>
-              <a:buFont typeface="Wingdings" panose="05000000000000000000" pitchFamily="2" charset="2"/>
-              <a:buChar char="v"/>
-            </a:pPr>
-            <a:r>
-              <a:rPr lang="en-US" sz="1600" b="1" cap="none" dirty="0">
-                <a:solidFill>
-                  <a:srgbClr val="1B1C1D"/>
-                </a:solidFill>
-                <a:latin typeface="Times New Roman" panose="02020603050405020304" pitchFamily="18" charset="0"/>
-                <a:ea typeface="Google Sans Text"/>
-                <a:cs typeface="Times New Roman" panose="02020603050405020304" pitchFamily="18" charset="0"/>
-              </a:rPr>
-              <a:t>Wrapper Methods: </a:t>
-            </a:r>
-            <a:r>
-              <a:rPr lang="en-US" sz="1600" cap="none" dirty="0">
-                <a:solidFill>
-                  <a:srgbClr val="1B1C1D"/>
-                </a:solidFill>
-                <a:latin typeface="Times New Roman" panose="02020603050405020304" pitchFamily="18" charset="0"/>
-                <a:ea typeface="Google Sans Text"/>
-                <a:cs typeface="Times New Roman" panose="02020603050405020304" pitchFamily="18" charset="0"/>
-              </a:rPr>
-              <a:t>Using a specific machine learning model to evaluate subsets of features (e.g., Recursive Feature Elimination).</a:t>
-            </a:r>
-          </a:p>
-          <a:p>
-            <a:pPr algn="just" fontAlgn="base">
-              <a:lnSpc>
-                <a:spcPct val="114000"/>
-              </a:lnSpc>
-              <a:buClr>
-                <a:srgbClr val="000000"/>
-              </a:buClr>
-              <a:buSzPts val="1100"/>
-              <a:buFont typeface="Wingdings" panose="05000000000000000000" pitchFamily="2" charset="2"/>
-              <a:buChar char="v"/>
-            </a:pPr>
-            <a:r>
-              <a:rPr lang="en-US" sz="1600" b="1" cap="none" dirty="0">
-                <a:solidFill>
-                  <a:srgbClr val="1B1C1D"/>
-                </a:solidFill>
-                <a:latin typeface="Times New Roman" panose="02020603050405020304" pitchFamily="18" charset="0"/>
-                <a:ea typeface="Google Sans Text"/>
-                <a:cs typeface="Times New Roman" panose="02020603050405020304" pitchFamily="18" charset="0"/>
-              </a:rPr>
-              <a:t>Embedded Methods: </a:t>
-            </a:r>
-            <a:r>
-              <a:rPr lang="en-US" sz="1600" cap="none" dirty="0">
-                <a:solidFill>
-                  <a:srgbClr val="1B1C1D"/>
-                </a:solidFill>
-                <a:latin typeface="Times New Roman" panose="02020603050405020304" pitchFamily="18" charset="0"/>
-                <a:ea typeface="Google Sans Text"/>
-                <a:cs typeface="Times New Roman" panose="02020603050405020304" pitchFamily="18" charset="0"/>
-              </a:rPr>
-              <a:t>Techniques where feature selection is built into the model training process itself (e.g., L1 regularization, or feature importance from tree-based models like Random Forest). Given that a Random Forest Classifier is subsequently used, its inherent ability to provide feature importance scores is a strong candidate for an embedded selection method.</a:t>
-            </a:r>
-          </a:p>
-        </p:txBody>
-      </p:sp>
-      <p:sp>
-        <p:nvSpPr>
-          <p:cNvPr id="9" name="Title 1">
-            <a:extLst>
-              <a:ext uri="{FF2B5EF4-FFF2-40B4-BE49-F238E27FC236}">
-                <a16:creationId xmlns:a16="http://schemas.microsoft.com/office/drawing/2014/main" id="{4DBE11F1-841F-6CD0-8912-CF7C0F680F5B}"/>
-              </a:ext>
-            </a:extLst>
-          </p:cNvPr>
-          <p:cNvSpPr>
-            <a:spLocks noGrp="1"/>
-          </p:cNvSpPr>
-          <p:nvPr>
-            <p:ph type="title"/>
-          </p:nvPr>
-        </p:nvSpPr>
-        <p:spPr>
-          <a:xfrm>
-            <a:off x="3617882" y="282088"/>
-            <a:ext cx="5653938" cy="646600"/>
-          </a:xfrm>
-        </p:spPr>
-        <p:txBody>
-          <a:bodyPr/>
-          <a:lstStyle/>
-          <a:p>
-            <a:r>
-              <a:rPr lang="en-US" dirty="0">
-                <a:solidFill>
-                  <a:schemeClr val="accent3">
-                    <a:lumMod val="75000"/>
-                  </a:schemeClr>
-                </a:solidFill>
-              </a:rPr>
-              <a:t>Random forest classifier:</a:t>
-            </a:r>
-          </a:p>
-        </p:txBody>
-      </p:sp>
-    </p:spTree>
-    <p:extLst>
-      <p:ext uri="{BB962C8B-B14F-4D97-AF65-F5344CB8AC3E}">
-        <p14:creationId xmlns:p14="http://schemas.microsoft.com/office/powerpoint/2010/main" val="1131718056"/>
-      </p:ext>
-    </p:extLst>
-  </p:cSld>
-  <p:clrMapOvr>
-    <a:masterClrMapping/>
-  </p:clrMapOvr>
-</p:sld>
-</file>
-
-<file path=ppt/slides/slide8.xml><?xml version="1.0" encoding="utf-8"?>
-<p:sld xmlns:a="http://schemas.openxmlformats.org/drawingml/2006/main" xmlns:r="http://schemas.openxmlformats.org/officeDocument/2006/relationships" xmlns:p="http://schemas.openxmlformats.org/presentationml/2006/main">
-  <p:cSld>
-    <p:spTree>
-      <p:nvGrpSpPr>
-        <p:cNvPr id="1" name=""/>
-        <p:cNvGrpSpPr/>
-        <p:nvPr/>
-      </p:nvGrpSpPr>
-      <p:grpSpPr>
-        <a:xfrm>
-          <a:off x="0" y="0"/>
-          <a:ext cx="0" cy="0"/>
-          <a:chOff x="0" y="0"/>
-          <a:chExt cx="0" cy="0"/>
-        </a:xfrm>
-      </p:grpSpPr>
-      <p:sp>
-        <p:nvSpPr>
-          <p:cNvPr id="5" name="Title 4">
-            <a:extLst>
-              <a:ext uri="{FF2B5EF4-FFF2-40B4-BE49-F238E27FC236}">
-                <a16:creationId xmlns:a16="http://schemas.microsoft.com/office/drawing/2014/main" id="{2136FCF6-982C-CC37-9625-3EBFC7E7DD13}"/>
-              </a:ext>
-            </a:extLst>
-          </p:cNvPr>
-          <p:cNvSpPr>
-            <a:spLocks noGrp="1"/>
-          </p:cNvSpPr>
-          <p:nvPr>
-            <p:ph type="title"/>
-          </p:nvPr>
-        </p:nvSpPr>
-        <p:spPr>
-          <a:xfrm>
-            <a:off x="1462072" y="202521"/>
-            <a:ext cx="9879437" cy="980844"/>
-          </a:xfrm>
-        </p:spPr>
-        <p:txBody>
-          <a:bodyPr/>
-          <a:lstStyle/>
-          <a:p>
-            <a:r>
-              <a:rPr lang="en-US" dirty="0"/>
-              <a:t>Classification Report,  Accuracy Score</a:t>
-            </a:r>
-          </a:p>
-        </p:txBody>
-      </p:sp>
-      <p:sp>
-        <p:nvSpPr>
-          <p:cNvPr id="2" name="Slide Number Placeholder 1">
-            <a:extLst>
-              <a:ext uri="{FF2B5EF4-FFF2-40B4-BE49-F238E27FC236}">
-                <a16:creationId xmlns:a16="http://schemas.microsoft.com/office/drawing/2014/main" id="{A913EEC9-16E3-6C86-97D0-A7EC7EA09CDA}"/>
-              </a:ext>
-            </a:extLst>
-          </p:cNvPr>
-          <p:cNvSpPr>
-            <a:spLocks noGrp="1"/>
-          </p:cNvSpPr>
-          <p:nvPr>
-            <p:ph type="sldNum" sz="quarter" idx="10"/>
-          </p:nvPr>
-        </p:nvSpPr>
-        <p:spPr/>
-        <p:txBody>
-          <a:bodyPr/>
-          <a:lstStyle/>
-          <a:p>
-            <a:fld id="{48F63A3B-78C7-47BE-AE5E-E10140E04643}" type="slidenum">
-              <a:rPr lang="en-US" smtClean="0"/>
-              <a:pPr/>
-              <a:t>8</a:t>
-            </a:fld>
-            <a:endParaRPr lang="en-US" dirty="0"/>
-          </a:p>
-        </p:txBody>
-      </p:sp>
-      <p:sp>
-        <p:nvSpPr>
-          <p:cNvPr id="11" name="TextBox 10">
-            <a:extLst>
-              <a:ext uri="{FF2B5EF4-FFF2-40B4-BE49-F238E27FC236}">
-                <a16:creationId xmlns:a16="http://schemas.microsoft.com/office/drawing/2014/main" id="{7AFAE249-FF2B-D37D-4282-F461601CDD57}"/>
-              </a:ext>
-            </a:extLst>
-          </p:cNvPr>
-          <p:cNvSpPr txBox="1"/>
-          <p:nvPr/>
-        </p:nvSpPr>
-        <p:spPr>
-          <a:xfrm>
-            <a:off x="1462072" y="1322042"/>
-            <a:ext cx="8613058" cy="923330"/>
-          </a:xfrm>
-          <a:prstGeom prst="rect">
-            <a:avLst/>
-          </a:prstGeom>
-          <a:noFill/>
-        </p:spPr>
-        <p:txBody>
-          <a:bodyPr wrap="square">
-            <a:spAutoFit/>
-          </a:bodyPr>
-          <a:lstStyle/>
-          <a:p>
-            <a:r>
-              <a:rPr lang="en-US" sz="1800" b="1" cap="none" dirty="0">
-                <a:solidFill>
-                  <a:srgbClr val="1B1C1D"/>
-                </a:solidFill>
-                <a:latin typeface="Times New Roman" panose="02020603050405020304" pitchFamily="18" charset="0"/>
-                <a:ea typeface="Google Sans Text"/>
-                <a:cs typeface="Times New Roman" panose="02020603050405020304" pitchFamily="18" charset="0"/>
-              </a:rPr>
-              <a:t>Outcome: </a:t>
-            </a:r>
-            <a:r>
-              <a:rPr lang="en-US" sz="1800" cap="none" dirty="0">
-                <a:solidFill>
-                  <a:srgbClr val="1B1C1D"/>
-                </a:solidFill>
-                <a:latin typeface="Times New Roman" panose="02020603050405020304" pitchFamily="18" charset="0"/>
-                <a:ea typeface="Google Sans Text"/>
-                <a:cs typeface="Times New Roman" panose="02020603050405020304" pitchFamily="18" charset="0"/>
-              </a:rPr>
-              <a:t>The selected features form the input (</a:t>
-            </a:r>
-            <a:r>
-              <a:rPr lang="en-US" sz="1800" cap="none" dirty="0" err="1">
-                <a:solidFill>
-                  <a:srgbClr val="1B1C1D"/>
-                </a:solidFill>
-                <a:latin typeface="Times New Roman" panose="02020603050405020304" pitchFamily="18" charset="0"/>
-                <a:ea typeface="Google Sans Text"/>
-                <a:cs typeface="Times New Roman" panose="02020603050405020304" pitchFamily="18" charset="0"/>
-              </a:rPr>
-              <a:t>X_train</a:t>
-            </a:r>
-            <a:r>
-              <a:rPr lang="en-US" sz="1800" cap="none" dirty="0">
-                <a:solidFill>
-                  <a:srgbClr val="1B1C1D"/>
-                </a:solidFill>
-                <a:latin typeface="Times New Roman" panose="02020603050405020304" pitchFamily="18" charset="0"/>
-                <a:ea typeface="Google Sans Text"/>
-                <a:cs typeface="Times New Roman" panose="02020603050405020304" pitchFamily="18" charset="0"/>
-              </a:rPr>
-              <a:t>, </a:t>
-            </a:r>
-            <a:r>
-              <a:rPr lang="en-US" sz="1800" cap="none" dirty="0" err="1">
-                <a:solidFill>
-                  <a:srgbClr val="1B1C1D"/>
-                </a:solidFill>
-                <a:latin typeface="Times New Roman" panose="02020603050405020304" pitchFamily="18" charset="0"/>
-                <a:ea typeface="Google Sans Text"/>
-                <a:cs typeface="Times New Roman" panose="02020603050405020304" pitchFamily="18" charset="0"/>
-              </a:rPr>
-              <a:t>X_test</a:t>
-            </a:r>
-            <a:r>
-              <a:rPr lang="en-US" sz="1800" cap="none" dirty="0">
-                <a:solidFill>
-                  <a:srgbClr val="1B1C1D"/>
-                </a:solidFill>
-                <a:latin typeface="Times New Roman" panose="02020603050405020304" pitchFamily="18" charset="0"/>
-                <a:ea typeface="Google Sans Text"/>
-                <a:cs typeface="Times New Roman" panose="02020603050405020304" pitchFamily="18" charset="0"/>
-              </a:rPr>
-              <a:t>) for the subsequent model training and evaluation phase, aiming to provide the best possible data representation for accurate churn prediction.</a:t>
-            </a:r>
-            <a:endParaRPr lang="en-IN" dirty="0"/>
-          </a:p>
-        </p:txBody>
-      </p:sp>
-      <p:pic>
-        <p:nvPicPr>
-          <p:cNvPr id="13" name="Picture 12">
-            <a:extLst>
-              <a:ext uri="{FF2B5EF4-FFF2-40B4-BE49-F238E27FC236}">
-                <a16:creationId xmlns:a16="http://schemas.microsoft.com/office/drawing/2014/main" id="{FB647952-AE97-4835-82D5-96F68930CFF4}"/>
-              </a:ext>
-            </a:extLst>
-          </p:cNvPr>
-          <p:cNvPicPr>
-            <a:picLocks noChangeAspect="1"/>
-          </p:cNvPicPr>
-          <p:nvPr/>
-        </p:nvPicPr>
-        <p:blipFill>
-          <a:blip r:embed="rId3"/>
-          <a:stretch>
-            <a:fillRect/>
-          </a:stretch>
-        </p:blipFill>
-        <p:spPr>
-          <a:xfrm>
-            <a:off x="1905982" y="2245372"/>
-            <a:ext cx="7745479" cy="3634318"/>
-          </a:xfrm>
-          <a:prstGeom prst="rect">
-            <a:avLst/>
-          </a:prstGeom>
-        </p:spPr>
-      </p:pic>
-    </p:spTree>
-    <p:extLst>
-      <p:ext uri="{BB962C8B-B14F-4D97-AF65-F5344CB8AC3E}">
-        <p14:creationId xmlns:p14="http://schemas.microsoft.com/office/powerpoint/2010/main" val="3969996159"/>
-      </p:ext>
-    </p:extLst>
-  </p:cSld>
-  <p:clrMapOvr>
-    <a:masterClrMapping/>
-  </p:clrMapOvr>
-</p:sld>
-</file>
-
-<file path=ppt/slides/slide9.xml><?xml version="1.0" encoding="utf-8"?>
-<p:sld xmlns:a="http://schemas.openxmlformats.org/drawingml/2006/main" xmlns:r="http://schemas.openxmlformats.org/officeDocument/2006/relationships" xmlns:p="http://schemas.openxmlformats.org/presentationml/2006/main">
-  <p:cSld>
-    <p:spTree>
-      <p:nvGrpSpPr>
-        <p:cNvPr id="1" name="">
-          <a:extLst>
-            <a:ext uri="{FF2B5EF4-FFF2-40B4-BE49-F238E27FC236}">
-              <a16:creationId xmlns:a16="http://schemas.microsoft.com/office/drawing/2014/main" id="{D011DE24-FA07-8637-BA44-EEC4346B0DE6}"/>
-            </a:ext>
-          </a:extLst>
-        </p:cNvPr>
-        <p:cNvGrpSpPr/>
-        <p:nvPr/>
-      </p:nvGrpSpPr>
-      <p:grpSpPr>
-        <a:xfrm>
-          <a:off x="0" y="0"/>
-          <a:ext cx="0" cy="0"/>
-          <a:chOff x="0" y="0"/>
-          <a:chExt cx="0" cy="0"/>
-        </a:xfrm>
-      </p:grpSpPr>
-      <p:sp>
-        <p:nvSpPr>
-          <p:cNvPr id="3" name="Slide Number Placeholder 2">
-            <a:extLst>
-              <a:ext uri="{FF2B5EF4-FFF2-40B4-BE49-F238E27FC236}">
-                <a16:creationId xmlns:a16="http://schemas.microsoft.com/office/drawing/2014/main" id="{F3283C78-AF08-22E6-3ABC-50CCE76A3CB0}"/>
-              </a:ext>
-            </a:extLst>
-          </p:cNvPr>
-          <p:cNvSpPr>
-            <a:spLocks noGrp="1"/>
-          </p:cNvSpPr>
-          <p:nvPr>
-            <p:ph type="sldNum" sz="quarter" idx="10"/>
-          </p:nvPr>
-        </p:nvSpPr>
-        <p:spPr/>
-        <p:txBody>
-          <a:bodyPr/>
-          <a:lstStyle/>
-          <a:p>
-            <a:fld id="{48F63A3B-78C7-47BE-AE5E-E10140E04643}" type="slidenum">
-              <a:rPr lang="en-US" smtClean="0"/>
-              <a:pPr/>
-              <a:t>9</a:t>
-            </a:fld>
-            <a:endParaRPr lang="en-US" dirty="0"/>
-          </a:p>
-        </p:txBody>
-      </p:sp>
-      <p:sp>
-        <p:nvSpPr>
-          <p:cNvPr id="7" name="Content Placeholder 2">
-            <a:extLst>
-              <a:ext uri="{FF2B5EF4-FFF2-40B4-BE49-F238E27FC236}">
-                <a16:creationId xmlns:a16="http://schemas.microsoft.com/office/drawing/2014/main" id="{4DB98A83-F18C-C189-205B-2828CB20F718}"/>
-              </a:ext>
-            </a:extLst>
-          </p:cNvPr>
-          <p:cNvSpPr txBox="1">
-            <a:spLocks/>
-          </p:cNvSpPr>
-          <p:nvPr/>
-        </p:nvSpPr>
-        <p:spPr>
-          <a:xfrm>
-            <a:off x="3500285" y="1071717"/>
-            <a:ext cx="8112555" cy="1592825"/>
-          </a:xfrm>
-          <a:prstGeom prst="rect">
-            <a:avLst/>
-          </a:prstGeom>
-        </p:spPr>
-        <p:txBody>
-          <a:bodyPr>
-            <a:noAutofit/>
-          </a:bodyPr>
-          <a:lstStyle>
-            <a:lvl1pPr marL="228600" indent="-228600" algn="l" defTabSz="914400" rtl="0" eaLnBrk="1" latinLnBrk="0" hangingPunct="1">
-              <a:lnSpc>
-                <a:spcPct val="120000"/>
-              </a:lnSpc>
-              <a:spcBef>
-                <a:spcPts val="1000"/>
-              </a:spcBef>
-              <a:buClr>
-                <a:schemeClr val="accent1"/>
-              </a:buClr>
-              <a:buSzPct val="160000"/>
-              <a:buFont typeface="Arial" panose="020B0604020202020204" pitchFamily="34" charset="0"/>
-              <a:buChar char="•"/>
-              <a:defRPr sz="2000" kern="1200" cap="all" baseline="0">
-                <a:solidFill>
-                  <a:schemeClr val="tx1"/>
-                </a:solidFill>
-                <a:effectLst/>
-                <a:latin typeface="+mn-lt"/>
-                <a:ea typeface="+mn-ea"/>
-                <a:cs typeface="+mn-cs"/>
-              </a:defRPr>
-            </a:lvl1pPr>
-            <a:lvl2pPr marL="685800" indent="-228600" algn="l" defTabSz="914400" rtl="0" eaLnBrk="1" latinLnBrk="0" hangingPunct="1">
-              <a:lnSpc>
-                <a:spcPct val="120000"/>
-              </a:lnSpc>
-              <a:spcBef>
-                <a:spcPts val="500"/>
-              </a:spcBef>
-              <a:buClr>
-                <a:schemeClr val="accent1"/>
-              </a:buClr>
-              <a:buSzPct val="160000"/>
-              <a:buFont typeface="Arial" panose="020B0604020202020204" pitchFamily="34" charset="0"/>
-              <a:buChar char="•"/>
-              <a:defRPr sz="1800" kern="1200" cap="all" baseline="0">
-                <a:solidFill>
-                  <a:schemeClr val="tx1"/>
-                </a:solidFill>
-                <a:effectLst/>
-                <a:latin typeface="+mn-lt"/>
-                <a:ea typeface="+mn-ea"/>
-                <a:cs typeface="+mn-cs"/>
-              </a:defRPr>
-            </a:lvl2pPr>
-            <a:lvl3pPr marL="1143000" indent="-228600" algn="l" defTabSz="914400" rtl="0" eaLnBrk="1" latinLnBrk="0" hangingPunct="1">
-              <a:lnSpc>
-                <a:spcPct val="120000"/>
-              </a:lnSpc>
-              <a:spcBef>
-                <a:spcPts val="500"/>
-              </a:spcBef>
-              <a:buClr>
-                <a:schemeClr val="accent1"/>
-              </a:buClr>
-              <a:buSzPct val="160000"/>
-              <a:buFont typeface="Arial" panose="020B0604020202020204" pitchFamily="34" charset="0"/>
-              <a:buChar char="•"/>
-              <a:defRPr sz="1600" kern="1200" cap="all" baseline="0">
-                <a:solidFill>
-                  <a:schemeClr val="tx1"/>
-                </a:solidFill>
-                <a:effectLst/>
-                <a:latin typeface="+mn-lt"/>
-                <a:ea typeface="+mn-ea"/>
-                <a:cs typeface="+mn-cs"/>
-              </a:defRPr>
-            </a:lvl3pPr>
-            <a:lvl4pPr marL="1600200" indent="-228600" algn="l" defTabSz="914400" rtl="0" eaLnBrk="1" latinLnBrk="0" hangingPunct="1">
-              <a:lnSpc>
-                <a:spcPct val="120000"/>
-              </a:lnSpc>
-              <a:spcBef>
-                <a:spcPts val="500"/>
-              </a:spcBef>
-              <a:buClr>
-                <a:schemeClr val="accent1"/>
-              </a:buClr>
-              <a:buSzPct val="160000"/>
-              <a:buFont typeface="Arial" panose="020B0604020202020204" pitchFamily="34" charset="0"/>
-              <a:buChar char="•"/>
-              <a:defRPr sz="1400" kern="1200" cap="all" baseline="0">
-                <a:solidFill>
-                  <a:schemeClr val="tx1"/>
-                </a:solidFill>
-                <a:effectLst/>
-                <a:latin typeface="+mn-lt"/>
-                <a:ea typeface="+mn-ea"/>
-                <a:cs typeface="+mn-cs"/>
-              </a:defRPr>
-            </a:lvl4pPr>
-            <a:lvl5pPr marL="2057400" indent="-228600" algn="l" defTabSz="914400" rtl="0" eaLnBrk="1" latinLnBrk="0" hangingPunct="1">
-              <a:lnSpc>
-                <a:spcPct val="120000"/>
-              </a:lnSpc>
-              <a:spcBef>
-                <a:spcPts val="500"/>
-              </a:spcBef>
-              <a:buClr>
-                <a:schemeClr val="accent1"/>
-              </a:buClr>
-              <a:buSzPct val="160000"/>
-              <a:buFont typeface="Arial" panose="020B0604020202020204" pitchFamily="34" charset="0"/>
-              <a:buChar char="•"/>
-              <a:defRPr sz="1400" kern="1200" cap="all" baseline="0">
-                <a:solidFill>
-                  <a:schemeClr val="tx1"/>
-                </a:solidFill>
-                <a:effectLst/>
-                <a:latin typeface="+mn-lt"/>
-                <a:ea typeface="+mn-ea"/>
-                <a:cs typeface="+mn-cs"/>
-              </a:defRPr>
-            </a:lvl5pPr>
-            <a:lvl6pPr marL="2514600" indent="-228600" algn="l" defTabSz="914400" rtl="0" eaLnBrk="1" latinLnBrk="0" hangingPunct="1">
-              <a:lnSpc>
-                <a:spcPct val="120000"/>
-              </a:lnSpc>
-              <a:spcBef>
-                <a:spcPts val="500"/>
-              </a:spcBef>
-              <a:buClr>
-                <a:schemeClr val="accent1"/>
-              </a:buClr>
-              <a:buSzPct val="160000"/>
-              <a:buFont typeface="Arial" panose="020B0604020202020204" pitchFamily="34" charset="0"/>
-              <a:buChar char="•"/>
-              <a:defRPr sz="1400" kern="1200" cap="all" baseline="0">
-                <a:solidFill>
-                  <a:schemeClr val="tx1"/>
-                </a:solidFill>
-                <a:effectLst/>
-                <a:latin typeface="+mn-lt"/>
-                <a:ea typeface="+mn-ea"/>
-                <a:cs typeface="+mn-cs"/>
-              </a:defRPr>
-            </a:lvl6pPr>
-            <a:lvl7pPr marL="2971800" indent="-228600" algn="l" defTabSz="914400" rtl="0" eaLnBrk="1" latinLnBrk="0" hangingPunct="1">
-              <a:lnSpc>
-                <a:spcPct val="120000"/>
-              </a:lnSpc>
-              <a:spcBef>
-                <a:spcPts val="500"/>
-              </a:spcBef>
-              <a:buClr>
-                <a:schemeClr val="accent1"/>
-              </a:buClr>
-              <a:buSzPct val="160000"/>
-              <a:buFont typeface="Arial" panose="020B0604020202020204" pitchFamily="34" charset="0"/>
-              <a:buChar char="•"/>
-              <a:defRPr sz="1400" kern="1200" cap="all" baseline="0">
-                <a:solidFill>
-                  <a:schemeClr val="tx1"/>
-                </a:solidFill>
-                <a:effectLst/>
-                <a:latin typeface="+mn-lt"/>
-                <a:ea typeface="+mn-ea"/>
-                <a:cs typeface="+mn-cs"/>
-              </a:defRPr>
-            </a:lvl7pPr>
-            <a:lvl8pPr marL="3429000" indent="-228600" algn="l" defTabSz="914400" rtl="0" eaLnBrk="1" latinLnBrk="0" hangingPunct="1">
-              <a:lnSpc>
-                <a:spcPct val="120000"/>
-              </a:lnSpc>
-              <a:spcBef>
-                <a:spcPts val="500"/>
-              </a:spcBef>
-              <a:buClr>
-                <a:schemeClr val="accent1"/>
-              </a:buClr>
-              <a:buSzPct val="160000"/>
-              <a:buFont typeface="Arial" panose="020B0604020202020204" pitchFamily="34" charset="0"/>
-              <a:buChar char="•"/>
-              <a:defRPr sz="1400" kern="1200" cap="all" baseline="0">
-                <a:solidFill>
-                  <a:schemeClr val="tx1"/>
-                </a:solidFill>
-                <a:effectLst/>
-                <a:latin typeface="+mn-lt"/>
-                <a:ea typeface="+mn-ea"/>
-                <a:cs typeface="+mn-cs"/>
-              </a:defRPr>
-            </a:lvl8pPr>
-            <a:lvl9pPr marL="3886200" indent="-228600" algn="l" defTabSz="914400" rtl="0" eaLnBrk="1" latinLnBrk="0" hangingPunct="1">
-              <a:lnSpc>
-                <a:spcPct val="120000"/>
-              </a:lnSpc>
-              <a:spcBef>
-                <a:spcPts val="500"/>
-              </a:spcBef>
-              <a:buClr>
-                <a:schemeClr val="accent1"/>
-              </a:buClr>
-              <a:buSzPct val="160000"/>
-              <a:buFont typeface="Arial" panose="020B0604020202020204" pitchFamily="34" charset="0"/>
-              <a:buChar char="•"/>
-              <a:defRPr sz="1400" kern="1200" cap="all" baseline="0">
-                <a:solidFill>
-                  <a:schemeClr val="tx1"/>
-                </a:solidFill>
-                <a:effectLst/>
-                <a:latin typeface="+mn-lt"/>
-                <a:ea typeface="+mn-ea"/>
-                <a:cs typeface="+mn-cs"/>
-              </a:defRPr>
-            </a:lvl9pPr>
-          </a:lstStyle>
-          <a:p>
-            <a:pPr algn="just" fontAlgn="base">
-              <a:lnSpc>
-                <a:spcPct val="114000"/>
-              </a:lnSpc>
-              <a:buClr>
-                <a:srgbClr val="000000"/>
-              </a:buClr>
-              <a:buSzPts val="1100"/>
-              <a:buFont typeface="Wingdings" panose="05000000000000000000" pitchFamily="2" charset="2"/>
-              <a:buChar char="q"/>
-            </a:pPr>
-            <a:r>
-              <a:rPr lang="en-US" sz="1600" b="1" cap="none" dirty="0">
-                <a:solidFill>
-                  <a:srgbClr val="1B1C1D"/>
-                </a:solidFill>
-                <a:latin typeface="Times New Roman" panose="02020603050405020304" pitchFamily="18" charset="0"/>
-                <a:ea typeface="Google Sans Text"/>
-                <a:cs typeface="Times New Roman" panose="02020603050405020304" pitchFamily="18" charset="0"/>
-              </a:rPr>
-              <a:t>Logistic Regression (for Binary Classification):</a:t>
-            </a:r>
-            <a:r>
-              <a:rPr lang="en-US" sz="1600" cap="none" dirty="0">
-                <a:solidFill>
-                  <a:srgbClr val="1B1C1D"/>
-                </a:solidFill>
-                <a:latin typeface="Times New Roman" panose="02020603050405020304" pitchFamily="18" charset="0"/>
-                <a:ea typeface="Google Sans Text"/>
-                <a:cs typeface="Times New Roman" panose="02020603050405020304" pitchFamily="18" charset="0"/>
-              </a:rPr>
-              <a:t>Logistic Regression is a related linear model specifically designed for binary classification problems. Instead of predicting a continuous value, it predicts the probability that an instance belongs to a certain class (e.g., the probability of a customer churning). This probability is then transformed into a binary outcome (churn/no churn).</a:t>
-            </a:r>
-          </a:p>
-        </p:txBody>
-      </p:sp>
-      <p:sp>
-        <p:nvSpPr>
-          <p:cNvPr id="9" name="Title 1">
-            <a:extLst>
-              <a:ext uri="{FF2B5EF4-FFF2-40B4-BE49-F238E27FC236}">
-                <a16:creationId xmlns:a16="http://schemas.microsoft.com/office/drawing/2014/main" id="{320F08AC-6363-C11D-8FF6-5B1ED736D832}"/>
-              </a:ext>
-            </a:extLst>
-          </p:cNvPr>
-          <p:cNvSpPr>
-            <a:spLocks noGrp="1"/>
-          </p:cNvSpPr>
-          <p:nvPr>
-            <p:ph type="title"/>
-          </p:nvPr>
-        </p:nvSpPr>
-        <p:spPr>
-          <a:xfrm>
-            <a:off x="3617882" y="282088"/>
-            <a:ext cx="5653938" cy="646600"/>
-          </a:xfrm>
-        </p:spPr>
-        <p:txBody>
-          <a:bodyPr/>
-          <a:lstStyle/>
-          <a:p>
-            <a:r>
-              <a:rPr lang="en-US" dirty="0"/>
-              <a:t>Logistic regression:</a:t>
-            </a:r>
-          </a:p>
-        </p:txBody>
-      </p:sp>
-      <p:pic>
-        <p:nvPicPr>
-          <p:cNvPr id="4" name="Picture 3">
-            <a:extLst>
-              <a:ext uri="{FF2B5EF4-FFF2-40B4-BE49-F238E27FC236}">
-                <a16:creationId xmlns:a16="http://schemas.microsoft.com/office/drawing/2014/main" id="{51C291CE-928E-70EE-EE2C-B8DE2D7A46B9}"/>
-              </a:ext>
-            </a:extLst>
-          </p:cNvPr>
-          <p:cNvPicPr>
-            <a:picLocks noChangeAspect="1"/>
-          </p:cNvPicPr>
-          <p:nvPr/>
-        </p:nvPicPr>
-        <p:blipFill>
-          <a:blip r:embed="rId3"/>
-          <a:stretch>
-            <a:fillRect/>
-          </a:stretch>
-        </p:blipFill>
-        <p:spPr>
-          <a:xfrm>
-            <a:off x="3500285" y="3240826"/>
-            <a:ext cx="8112555" cy="1905266"/>
-          </a:xfrm>
-          <a:prstGeom prst="rect">
-            <a:avLst/>
-          </a:prstGeom>
-        </p:spPr>
-      </p:pic>
-    </p:spTree>
-    <p:extLst>
-      <p:ext uri="{BB962C8B-B14F-4D97-AF65-F5344CB8AC3E}">
-        <p14:creationId xmlns:p14="http://schemas.microsoft.com/office/powerpoint/2010/main" val="3840193861"/>
       </p:ext>
     </p:extLst>
   </p:cSld>
@@ -26487,6 +27307,15 @@
 </file>
 
 <file path=customXml/item1.xml><?xml version="1.0" encoding="utf-8"?>
+<?mso-contentType ?>
+<FormTemplates xmlns="http://schemas.microsoft.com/sharepoint/v3/contenttype/forms">
+  <Display>DocumentLibraryForm</Display>
+  <Edit>DocumentLibraryForm</Edit>
+  <New>DocumentLibraryForm</New>
+</FormTemplates>
+</file>
+
+<file path=customXml/item2.xml><?xml version="1.0" encoding="utf-8"?>
 <p:properties xmlns:p="http://schemas.microsoft.com/office/2006/metadata/properties" xmlns:xsi="http://www.w3.org/2001/XMLSchema-instance" xmlns:pc="http://schemas.microsoft.com/office/infopath/2007/PartnerControls">
   <documentManagement>
     <_ip_UnifiedCompliancePolicyUIAction xmlns="http://schemas.microsoft.com/sharepoint/v3" xsi:nil="true"/>
@@ -26504,15 +27333,6 @@
     <MediaServiceKeyPoints xmlns="71af3243-3dd4-4a8d-8c0d-dd76da1f02a5" xsi:nil="true"/>
   </documentManagement>
 </p:properties>
-</file>
-
-<file path=customXml/item2.xml><?xml version="1.0" encoding="utf-8"?>
-<?mso-contentType ?>
-<FormTemplates xmlns="http://schemas.microsoft.com/sharepoint/v3/contenttype/forms">
-  <Display>DocumentLibraryForm</Display>
-  <Edit>DocumentLibraryForm</Edit>
-  <New>DocumentLibraryForm</New>
-</FormTemplates>
 </file>
 
 <file path=customXml/item3.xml><?xml version="1.0" encoding="utf-8"?>
@@ -26828,6 +27648,14 @@
 </file>
 
 <file path=customXml/itemProps1.xml><?xml version="1.0" encoding="utf-8"?>
+<ds:datastoreItem xmlns:ds="http://schemas.openxmlformats.org/officeDocument/2006/customXml" ds:itemID="{16DBB56F-4362-4386-A1A1-3DF898896616}">
+  <ds:schemaRefs>
+    <ds:schemaRef ds:uri="http://schemas.microsoft.com/sharepoint/v3/contenttype/forms"/>
+  </ds:schemaRefs>
+</ds:datastoreItem>
+</file>
+
+<file path=customXml/itemProps2.xml><?xml version="1.0" encoding="utf-8"?>
 <ds:datastoreItem xmlns:ds="http://schemas.openxmlformats.org/officeDocument/2006/customXml" ds:itemID="{BA719FA4-954C-4FA8-82CB-206659C3B826}">
   <ds:schemaRefs>
     <ds:schemaRef ds:uri="http://schemas.microsoft.com/office/2006/metadata/properties"/>
@@ -26835,14 +27663,6 @@
     <ds:schemaRef ds:uri="http://schemas.microsoft.com/sharepoint/v3"/>
     <ds:schemaRef ds:uri="71af3243-3dd4-4a8d-8c0d-dd76da1f02a5"/>
     <ds:schemaRef ds:uri="230e9df3-be65-4c73-a93b-d1236ebd677e"/>
-  </ds:schemaRefs>
-</ds:datastoreItem>
-</file>
-
-<file path=customXml/itemProps2.xml><?xml version="1.0" encoding="utf-8"?>
-<ds:datastoreItem xmlns:ds="http://schemas.openxmlformats.org/officeDocument/2006/customXml" ds:itemID="{16DBB56F-4362-4386-A1A1-3DF898896616}">
-  <ds:schemaRefs>
-    <ds:schemaRef ds:uri="http://schemas.microsoft.com/sharepoint/v3/contenttype/forms"/>
   </ds:schemaRefs>
 </ds:datastoreItem>
 </file>

--- a/Customer Churn Prediction/Solution/Customer Churn Prediction Analysis.pptx
+++ b/Customer Churn Prediction/Solution/Customer Churn Prediction Analysis.pptx
@@ -19602,7 +19602,7 @@
         </p:nvSpPr>
         <p:spPr>
           <a:xfrm>
-            <a:off x="1986116" y="338278"/>
+            <a:off x="2246307" y="338278"/>
             <a:ext cx="7699385" cy="3831221"/>
           </a:xfrm>
         </p:spPr>
@@ -19621,6 +19621,23 @@
             </a:r>
             <a:br>
               <a:rPr lang="en-IN" sz="3200" b="1" spc="-150" dirty="0">
+                <a:solidFill>
+                  <a:schemeClr val="accent3"/>
+                </a:solidFill>
+                <a:latin typeface="Arial Nova" panose="020B0504020202020204" pitchFamily="34" charset="0"/>
+              </a:rPr>
+            </a:br>
+            <a:r>
+              <a:rPr lang="en-IN" sz="2000" b="1" spc="-150" dirty="0">
+                <a:solidFill>
+                  <a:schemeClr val="accent3"/>
+                </a:solidFill>
+                <a:latin typeface="Arial Nova" panose="020B0504020202020204" pitchFamily="34" charset="0"/>
+              </a:rPr>
+              <a:t> </a:t>
+            </a:r>
+            <a:br>
+              <a:rPr lang="en-IN" sz="3200" b="1" spc="-150" dirty="0">
                 <a:latin typeface="Arial Nova" panose="020B0504020202020204" pitchFamily="34" charset="0"/>
               </a:rPr>
             </a:br>
@@ -19641,6 +19658,23 @@
                 <a:latin typeface="Arial Nova" panose="020B0504020202020204" pitchFamily="34" charset="0"/>
               </a:rPr>
               <a:t>June 26, 2025</a:t>
+            </a:r>
+            <a:br>
+              <a:rPr lang="en-IN" sz="3200" b="1" spc="-150" dirty="0">
+                <a:solidFill>
+                  <a:schemeClr val="accent2"/>
+                </a:solidFill>
+                <a:latin typeface="Arial Nova" panose="020B0504020202020204" pitchFamily="34" charset="0"/>
+              </a:rPr>
+            </a:br>
+            <a:r>
+              <a:rPr lang="en-IN" sz="2000" b="1" spc="-150" dirty="0">
+                <a:solidFill>
+                  <a:schemeClr val="accent2"/>
+                </a:solidFill>
+                <a:latin typeface="Arial Nova" panose="020B0504020202020204" pitchFamily="34" charset="0"/>
+              </a:rPr>
+              <a:t> </a:t>
             </a:r>
             <a:br>
               <a:rPr lang="en-IN" sz="3200" spc="-150" dirty="0">
@@ -19659,6 +19693,14 @@
               </a:rPr>
               <a:t>Prepared by: </a:t>
             </a:r>
+            <a:br>
+              <a:rPr lang="en-IN" sz="3200" b="1" spc="-150" dirty="0">
+                <a:solidFill>
+                  <a:schemeClr val="accent6"/>
+                </a:solidFill>
+                <a:latin typeface="Arial Nova" panose="020B0504020202020204" pitchFamily="34" charset="0"/>
+              </a:rPr>
+            </a:br>
             <a:r>
               <a:rPr lang="en-IN" sz="3200" b="1" spc="-150" dirty="0">
                 <a:solidFill>
@@ -22737,7 +22779,7 @@
         </p:nvSpPr>
         <p:spPr>
           <a:xfrm>
-            <a:off x="786582" y="2065145"/>
+            <a:off x="786582" y="1583365"/>
             <a:ext cx="5715000" cy="2727709"/>
           </a:xfrm>
         </p:spPr>
@@ -22767,6 +22809,68 @@
                 </a:solidFill>
               </a:rPr>
               <a:t>you</a:t>
+            </a:r>
+          </a:p>
+        </p:txBody>
+      </p:sp>
+      <p:sp>
+        <p:nvSpPr>
+          <p:cNvPr id="3" name="Subtitle 2">
+            <a:extLst>
+              <a:ext uri="{FF2B5EF4-FFF2-40B4-BE49-F238E27FC236}">
+                <a16:creationId xmlns:a16="http://schemas.microsoft.com/office/drawing/2014/main" id="{6F3CAFF6-FF4C-D554-23EF-7AB95629849A}"/>
+              </a:ext>
+            </a:extLst>
+          </p:cNvPr>
+          <p:cNvSpPr>
+            <a:spLocks noGrp="1"/>
+          </p:cNvSpPr>
+          <p:nvPr>
+            <p:ph type="subTitle" idx="1"/>
+          </p:nvPr>
+        </p:nvSpPr>
+        <p:spPr>
+          <a:xfrm>
+            <a:off x="914401" y="4315618"/>
+            <a:ext cx="6381134" cy="1387659"/>
+          </a:xfrm>
+        </p:spPr>
+        <p:txBody>
+          <a:bodyPr>
+            <a:normAutofit lnSpcReduction="10000"/>
+          </a:bodyPr>
+          <a:lstStyle/>
+          <a:p>
+            <a:r>
+              <a:rPr lang="en-US" dirty="0">
+                <a:latin typeface="Arial Black" panose="020B0A04020102020204" pitchFamily="34" charset="0"/>
+              </a:rPr>
+              <a:t>Paromita Saha</a:t>
+            </a:r>
+          </a:p>
+          <a:p>
+            <a:r>
+              <a:rPr lang="en-US" dirty="0">
+                <a:latin typeface="Arial Black" panose="020B0A04020102020204" pitchFamily="34" charset="0"/>
+              </a:rPr>
+              <a:t>Intern Id: </a:t>
+            </a:r>
+            <a:r>
+              <a:rPr lang="en-IN" b="1" dirty="0">
+                <a:latin typeface="Arial Black" panose="020B0A04020102020204" pitchFamily="34" charset="0"/>
+              </a:rPr>
+              <a:t>ITID0902</a:t>
+            </a:r>
+            <a:endParaRPr lang="en-US" dirty="0">
+              <a:latin typeface="Arial Black" panose="020B0A04020102020204" pitchFamily="34" charset="0"/>
+            </a:endParaRPr>
+          </a:p>
+          <a:p>
+            <a:r>
+              <a:rPr lang="en-US" dirty="0">
+                <a:latin typeface="Arial Black" panose="020B0A04020102020204" pitchFamily="34" charset="0"/>
+              </a:rPr>
+              <a:t>paromitasaha0720@gmail.com</a:t>
             </a:r>
           </a:p>
         </p:txBody>
@@ -27316,26 +27420,6 @@
 </file>
 
 <file path=customXml/item2.xml><?xml version="1.0" encoding="utf-8"?>
-<p:properties xmlns:p="http://schemas.microsoft.com/office/2006/metadata/properties" xmlns:xsi="http://www.w3.org/2001/XMLSchema-instance" xmlns:pc="http://schemas.microsoft.com/office/infopath/2007/PartnerControls">
-  <documentManagement>
-    <_ip_UnifiedCompliancePolicyUIAction xmlns="http://schemas.microsoft.com/sharepoint/v3" xsi:nil="true"/>
-    <Image xmlns="71af3243-3dd4-4a8d-8c0d-dd76da1f02a5">
-      <Url xsi:nil="true"/>
-      <Description xsi:nil="true"/>
-    </Image>
-    <Status xmlns="71af3243-3dd4-4a8d-8c0d-dd76da1f02a5">Not started</Status>
-    <Background xmlns="71af3243-3dd4-4a8d-8c0d-dd76da1f02a5">false</Background>
-    <_ip_UnifiedCompliancePolicyProperties xmlns="http://schemas.microsoft.com/sharepoint/v3" xsi:nil="true"/>
-    <ImageTagsTaxHTField xmlns="71af3243-3dd4-4a8d-8c0d-dd76da1f02a5">
-      <Terms xmlns="http://schemas.microsoft.com/office/infopath/2007/PartnerControls"/>
-    </ImageTagsTaxHTField>
-    <TaxCatchAll xmlns="230e9df3-be65-4c73-a93b-d1236ebd677e" xsi:nil="true"/>
-    <MediaServiceKeyPoints xmlns="71af3243-3dd4-4a8d-8c0d-dd76da1f02a5" xsi:nil="true"/>
-  </documentManagement>
-</p:properties>
-</file>
-
-<file path=customXml/item3.xml><?xml version="1.0" encoding="utf-8"?>
 <ct:contentTypeSchema xmlns:ct="http://schemas.microsoft.com/office/2006/metadata/contentType" xmlns:ma="http://schemas.microsoft.com/office/2006/metadata/properties/metaAttributes" ct:_="" ma:_="" ma:contentTypeName="Document" ma:contentTypeID="0x01010079F111ED35F8CC479449609E8A0923A6" ma:contentTypeVersion="28" ma:contentTypeDescription="Create a new document." ma:contentTypeScope="" ma:versionID="60f5a4f2d2b0abadcf532d48ebf9cb71">
   <xsd:schema xmlns:xsd="http://www.w3.org/2001/XMLSchema" xmlns:xs="http://www.w3.org/2001/XMLSchema" xmlns:p="http://schemas.microsoft.com/office/2006/metadata/properties" xmlns:ns1="http://schemas.microsoft.com/sharepoint/v3" xmlns:ns2="71af3243-3dd4-4a8d-8c0d-dd76da1f02a5" xmlns:ns3="16c05727-aa75-4e4a-9b5f-8a80a1165891" xmlns:ns4="230e9df3-be65-4c73-a93b-d1236ebd677e" targetNamespace="http://schemas.microsoft.com/office/2006/metadata/properties" ma:root="true" ma:fieldsID="7dd78129e6a1811f84807ad11c651531" ns1:_="" ns2:_="" ns3:_="" ns4:_="">
     <xsd:import namespace="http://schemas.microsoft.com/sharepoint/v3"/>
@@ -27647,6 +27731,26 @@
 </ct:contentTypeSchema>
 </file>
 
+<file path=customXml/item3.xml><?xml version="1.0" encoding="utf-8"?>
+<p:properties xmlns:p="http://schemas.microsoft.com/office/2006/metadata/properties" xmlns:xsi="http://www.w3.org/2001/XMLSchema-instance" xmlns:pc="http://schemas.microsoft.com/office/infopath/2007/PartnerControls">
+  <documentManagement>
+    <_ip_UnifiedCompliancePolicyUIAction xmlns="http://schemas.microsoft.com/sharepoint/v3" xsi:nil="true"/>
+    <Image xmlns="71af3243-3dd4-4a8d-8c0d-dd76da1f02a5">
+      <Url xsi:nil="true"/>
+      <Description xsi:nil="true"/>
+    </Image>
+    <Status xmlns="71af3243-3dd4-4a8d-8c0d-dd76da1f02a5">Not started</Status>
+    <Background xmlns="71af3243-3dd4-4a8d-8c0d-dd76da1f02a5">false</Background>
+    <_ip_UnifiedCompliancePolicyProperties xmlns="http://schemas.microsoft.com/sharepoint/v3" xsi:nil="true"/>
+    <ImageTagsTaxHTField xmlns="71af3243-3dd4-4a8d-8c0d-dd76da1f02a5">
+      <Terms xmlns="http://schemas.microsoft.com/office/infopath/2007/PartnerControls"/>
+    </ImageTagsTaxHTField>
+    <TaxCatchAll xmlns="230e9df3-be65-4c73-a93b-d1236ebd677e" xsi:nil="true"/>
+    <MediaServiceKeyPoints xmlns="71af3243-3dd4-4a8d-8c0d-dd76da1f02a5" xsi:nil="true"/>
+  </documentManagement>
+</p:properties>
+</file>
+
 <file path=customXml/itemProps1.xml><?xml version="1.0" encoding="utf-8"?>
 <ds:datastoreItem xmlns:ds="http://schemas.openxmlformats.org/officeDocument/2006/customXml" ds:itemID="{16DBB56F-4362-4386-A1A1-3DF898896616}">
   <ds:schemaRefs>
@@ -27656,18 +27760,6 @@
 </file>
 
 <file path=customXml/itemProps2.xml><?xml version="1.0" encoding="utf-8"?>
-<ds:datastoreItem xmlns:ds="http://schemas.openxmlformats.org/officeDocument/2006/customXml" ds:itemID="{BA719FA4-954C-4FA8-82CB-206659C3B826}">
-  <ds:schemaRefs>
-    <ds:schemaRef ds:uri="http://schemas.microsoft.com/office/2006/metadata/properties"/>
-    <ds:schemaRef ds:uri="http://schemas.microsoft.com/office/infopath/2007/PartnerControls"/>
-    <ds:schemaRef ds:uri="http://schemas.microsoft.com/sharepoint/v3"/>
-    <ds:schemaRef ds:uri="71af3243-3dd4-4a8d-8c0d-dd76da1f02a5"/>
-    <ds:schemaRef ds:uri="230e9df3-be65-4c73-a93b-d1236ebd677e"/>
-  </ds:schemaRefs>
-</ds:datastoreItem>
-</file>
-
-<file path=customXml/itemProps3.xml><?xml version="1.0" encoding="utf-8"?>
 <ds:datastoreItem xmlns:ds="http://schemas.openxmlformats.org/officeDocument/2006/customXml" ds:itemID="{04948363-B267-4BAC-8655-100FBEC280C1}">
   <ds:schemaRefs>
     <ds:schemaRef ds:uri="http://schemas.microsoft.com/office/2006/metadata/contentType"/>
@@ -27688,6 +27780,18 @@
 </ds:datastoreItem>
 </file>
 
+<file path=customXml/itemProps3.xml><?xml version="1.0" encoding="utf-8"?>
+<ds:datastoreItem xmlns:ds="http://schemas.openxmlformats.org/officeDocument/2006/customXml" ds:itemID="{BA719FA4-954C-4FA8-82CB-206659C3B826}">
+  <ds:schemaRefs>
+    <ds:schemaRef ds:uri="http://schemas.microsoft.com/office/2006/metadata/properties"/>
+    <ds:schemaRef ds:uri="http://schemas.microsoft.com/office/infopath/2007/PartnerControls"/>
+    <ds:schemaRef ds:uri="http://schemas.microsoft.com/sharepoint/v3"/>
+    <ds:schemaRef ds:uri="71af3243-3dd4-4a8d-8c0d-dd76da1f02a5"/>
+    <ds:schemaRef ds:uri="230e9df3-be65-4c73-a93b-d1236ebd677e"/>
+  </ds:schemaRefs>
+</ds:datastoreItem>
+</file>
+
 <file path=docMetadata/LabelInfo.xml><?xml version="1.0" encoding="utf-8"?>
 <clbl:labelList xmlns:clbl="http://schemas.microsoft.com/office/2020/mipLabelMetadata"/>
 </file>